--- a/plots/2021_02_09/Fig4_fit1_binomGLMM_B117_Belgium_response scale.pptx
+++ b/plots/2021_02_09/Fig4_fit1_binomGLMM_B117_Belgium_response scale.pptx
@@ -3398,378 +3398,378 @@
           </p:nvSpPr>
           <p:spPr>
             <a:xfrm>
-              <a:off x="2199579" y="1774368"/>
-              <a:ext cx="5049456" cy="4210231"/>
+              <a:off x="2199579" y="1776739"/>
+              <a:ext cx="5049456" cy="4207310"/>
             </a:xfrm>
             <a:custGeom>
               <a:avLst/>
               <a:pathLst>
-                <a:path w="5049456" h="4210231">
+                <a:path w="5049456" h="4207310">
                   <a:moveTo>
-                    <a:pt x="0" y="4143561"/>
+                    <a:pt x="0" y="4141130"/>
                   </a:moveTo>
                   <a:lnTo>
-                    <a:pt x="84157" y="4128859"/>
-                  </a:lnTo>
-                  <a:lnTo>
-                    <a:pt x="168315" y="4113047"/>
-                  </a:lnTo>
-                  <a:lnTo>
-                    <a:pt x="252472" y="4096049"/>
-                  </a:lnTo>
-                  <a:lnTo>
-                    <a:pt x="336630" y="4077785"/>
-                  </a:lnTo>
-                  <a:lnTo>
-                    <a:pt x="420788" y="4058170"/>
-                  </a:lnTo>
-                  <a:lnTo>
-                    <a:pt x="504945" y="4037115"/>
-                  </a:lnTo>
-                  <a:lnTo>
-                    <a:pt x="589103" y="4014527"/>
-                  </a:lnTo>
-                  <a:lnTo>
-                    <a:pt x="673260" y="3990307"/>
-                  </a:lnTo>
-                  <a:lnTo>
-                    <a:pt x="757418" y="3964353"/>
-                  </a:lnTo>
-                  <a:lnTo>
-                    <a:pt x="841576" y="3936555"/>
-                  </a:lnTo>
-                  <a:lnTo>
-                    <a:pt x="925733" y="3906801"/>
-                  </a:lnTo>
-                  <a:lnTo>
-                    <a:pt x="1009891" y="3874971"/>
-                  </a:lnTo>
-                  <a:lnTo>
-                    <a:pt x="1094048" y="3840940"/>
-                  </a:lnTo>
-                  <a:lnTo>
-                    <a:pt x="1178206" y="3804574"/>
-                  </a:lnTo>
-                  <a:lnTo>
-                    <a:pt x="1262364" y="3765733"/>
-                  </a:lnTo>
-                  <a:lnTo>
-                    <a:pt x="1346521" y="3724271"/>
-                  </a:lnTo>
-                  <a:lnTo>
-                    <a:pt x="1430679" y="3680031"/>
-                  </a:lnTo>
-                  <a:lnTo>
-                    <a:pt x="1514837" y="3632850"/>
-                  </a:lnTo>
-                  <a:lnTo>
-                    <a:pt x="1598994" y="3582560"/>
-                  </a:lnTo>
-                  <a:lnTo>
-                    <a:pt x="1683152" y="3528992"/>
-                  </a:lnTo>
-                  <a:lnTo>
-                    <a:pt x="1767309" y="3471977"/>
-                  </a:lnTo>
-                  <a:lnTo>
-                    <a:pt x="1851467" y="3411361"/>
-                  </a:lnTo>
-                  <a:lnTo>
-                    <a:pt x="1935625" y="3347011"/>
-                  </a:lnTo>
-                  <a:lnTo>
-                    <a:pt x="2019782" y="3278826"/>
-                  </a:lnTo>
-                  <a:lnTo>
-                    <a:pt x="2103940" y="3206747"/>
-                  </a:lnTo>
-                  <a:lnTo>
-                    <a:pt x="2188097" y="3130761"/>
-                  </a:lnTo>
-                  <a:lnTo>
-                    <a:pt x="2272255" y="3050909"/>
-                  </a:lnTo>
-                  <a:lnTo>
-                    <a:pt x="2356413" y="2967280"/>
-                  </a:lnTo>
-                  <a:lnTo>
-                    <a:pt x="2440570" y="2880014"/>
-                  </a:lnTo>
-                  <a:lnTo>
-                    <a:pt x="2524728" y="2789293"/>
-                  </a:lnTo>
-                  <a:lnTo>
-                    <a:pt x="2608886" y="2695339"/>
-                  </a:lnTo>
-                  <a:lnTo>
-                    <a:pt x="2693043" y="2598405"/>
-                  </a:lnTo>
-                  <a:lnTo>
-                    <a:pt x="2777201" y="2498776"/>
-                  </a:lnTo>
-                  <a:lnTo>
-                    <a:pt x="2861358" y="2396759"/>
-                  </a:lnTo>
-                  <a:lnTo>
-                    <a:pt x="2945516" y="2292682"/>
-                  </a:lnTo>
-                  <a:lnTo>
-                    <a:pt x="3029674" y="2186887"/>
-                  </a:lnTo>
-                  <a:lnTo>
-                    <a:pt x="3113831" y="2079730"/>
-                  </a:lnTo>
-                  <a:lnTo>
-                    <a:pt x="3197989" y="1971573"/>
-                  </a:lnTo>
-                  <a:lnTo>
-                    <a:pt x="3282146" y="1862786"/>
-                  </a:lnTo>
-                  <a:lnTo>
-                    <a:pt x="3366304" y="1753742"/>
-                  </a:lnTo>
-                  <a:lnTo>
-                    <a:pt x="3450462" y="1644811"/>
-                  </a:lnTo>
-                  <a:lnTo>
-                    <a:pt x="3534619" y="1536366"/>
-                  </a:lnTo>
-                  <a:lnTo>
-                    <a:pt x="3618777" y="1428771"/>
-                  </a:lnTo>
-                  <a:lnTo>
-                    <a:pt x="3702934" y="1322385"/>
-                  </a:lnTo>
-                  <a:lnTo>
-                    <a:pt x="3787092" y="1217556"/>
-                  </a:lnTo>
-                  <a:lnTo>
-                    <a:pt x="3871250" y="1114618"/>
-                  </a:lnTo>
-                  <a:lnTo>
-                    <a:pt x="3955407" y="1013888"/>
-                  </a:lnTo>
-                  <a:lnTo>
-                    <a:pt x="4039565" y="915663"/>
-                  </a:lnTo>
-                  <a:lnTo>
-                    <a:pt x="4123723" y="820214"/>
-                  </a:lnTo>
-                  <a:lnTo>
-                    <a:pt x="4207880" y="727786"/>
-                  </a:lnTo>
-                  <a:lnTo>
-                    <a:pt x="4292038" y="638593"/>
-                  </a:lnTo>
-                  <a:lnTo>
-                    <a:pt x="4376195" y="552816"/>
-                  </a:lnTo>
-                  <a:lnTo>
-                    <a:pt x="4460353" y="470601"/>
-                  </a:lnTo>
-                  <a:lnTo>
-                    <a:pt x="4544511" y="392061"/>
-                  </a:lnTo>
-                  <a:lnTo>
-                    <a:pt x="4628668" y="317272"/>
-                  </a:lnTo>
-                  <a:lnTo>
-                    <a:pt x="4712826" y="246277"/>
-                  </a:lnTo>
-                  <a:lnTo>
-                    <a:pt x="4796983" y="179086"/>
-                  </a:lnTo>
-                  <a:lnTo>
-                    <a:pt x="4881141" y="115679"/>
-                  </a:lnTo>
-                  <a:lnTo>
-                    <a:pt x="4965299" y="56008"/>
+                    <a:pt x="84157" y="4126430"/>
+                  </a:lnTo>
+                  <a:lnTo>
+                    <a:pt x="168315" y="4110620"/>
+                  </a:lnTo>
+                  <a:lnTo>
+                    <a:pt x="252472" y="4093626"/>
+                  </a:lnTo>
+                  <a:lnTo>
+                    <a:pt x="336630" y="4075365"/>
+                  </a:lnTo>
+                  <a:lnTo>
+                    <a:pt x="420788" y="4055754"/>
+                  </a:lnTo>
+                  <a:lnTo>
+                    <a:pt x="504945" y="4034705"/>
+                  </a:lnTo>
+                  <a:lnTo>
+                    <a:pt x="589103" y="4012122"/>
+                  </a:lnTo>
+                  <a:lnTo>
+                    <a:pt x="673260" y="3987909"/>
+                  </a:lnTo>
+                  <a:lnTo>
+                    <a:pt x="757418" y="3961962"/>
+                  </a:lnTo>
+                  <a:lnTo>
+                    <a:pt x="841576" y="3934173"/>
+                  </a:lnTo>
+                  <a:lnTo>
+                    <a:pt x="925733" y="3904429"/>
+                  </a:lnTo>
+                  <a:lnTo>
+                    <a:pt x="1009891" y="3872608"/>
+                  </a:lnTo>
+                  <a:lnTo>
+                    <a:pt x="1094048" y="3838587"/>
+                  </a:lnTo>
+                  <a:lnTo>
+                    <a:pt x="1178206" y="3802231"/>
+                  </a:lnTo>
+                  <a:lnTo>
+                    <a:pt x="1262364" y="3763401"/>
+                  </a:lnTo>
+                  <a:lnTo>
+                    <a:pt x="1346521" y="3721950"/>
+                  </a:lnTo>
+                  <a:lnTo>
+                    <a:pt x="1430679" y="3677720"/>
+                  </a:lnTo>
+                  <a:lnTo>
+                    <a:pt x="1514837" y="3630550"/>
+                  </a:lnTo>
+                  <a:lnTo>
+                    <a:pt x="1598994" y="3580272"/>
+                  </a:lnTo>
+                  <a:lnTo>
+                    <a:pt x="1683152" y="3526714"/>
+                  </a:lnTo>
+                  <a:lnTo>
+                    <a:pt x="1767309" y="3469713"/>
+                  </a:lnTo>
+                  <a:lnTo>
+                    <a:pt x="1851467" y="3409113"/>
+                  </a:lnTo>
+                  <a:lnTo>
+                    <a:pt x="1935625" y="3344783"/>
+                  </a:lnTo>
+                  <a:lnTo>
+                    <a:pt x="2019782" y="3276625"/>
+                  </a:lnTo>
+                  <a:lnTo>
+                    <a:pt x="2103940" y="3204581"/>
+                  </a:lnTo>
+                  <a:lnTo>
+                    <a:pt x="2188097" y="3128641"/>
+                  </a:lnTo>
+                  <a:lnTo>
+                    <a:pt x="2272255" y="3048844"/>
+                  </a:lnTo>
+                  <a:lnTo>
+                    <a:pt x="2356413" y="2965284"/>
+                  </a:lnTo>
+                  <a:lnTo>
+                    <a:pt x="2440570" y="2878097"/>
+                  </a:lnTo>
+                  <a:lnTo>
+                    <a:pt x="2524728" y="2787467"/>
+                  </a:lnTo>
+                  <a:lnTo>
+                    <a:pt x="2608886" y="2693612"/>
+                  </a:lnTo>
+                  <a:lnTo>
+                    <a:pt x="2693043" y="2596787"/>
+                  </a:lnTo>
+                  <a:lnTo>
+                    <a:pt x="2777201" y="2497274"/>
+                  </a:lnTo>
+                  <a:lnTo>
+                    <a:pt x="2861358" y="2395379"/>
+                  </a:lnTo>
+                  <a:lnTo>
+                    <a:pt x="2945516" y="2291427"/>
+                  </a:lnTo>
+                  <a:lnTo>
+                    <a:pt x="3029674" y="2185760"/>
+                  </a:lnTo>
+                  <a:lnTo>
+                    <a:pt x="3113831" y="2078731"/>
+                  </a:lnTo>
+                  <a:lnTo>
+                    <a:pt x="3197989" y="1970703"/>
+                  </a:lnTo>
+                  <a:lnTo>
+                    <a:pt x="3282146" y="1862043"/>
+                  </a:lnTo>
+                  <a:lnTo>
+                    <a:pt x="3366304" y="1753123"/>
+                  </a:lnTo>
+                  <a:lnTo>
+                    <a:pt x="3450462" y="1644312"/>
+                  </a:lnTo>
+                  <a:lnTo>
+                    <a:pt x="3534619" y="1535981"/>
+                  </a:lnTo>
+                  <a:lnTo>
+                    <a:pt x="3618777" y="1428495"/>
+                  </a:lnTo>
+                  <a:lnTo>
+                    <a:pt x="3702934" y="1322211"/>
+                  </a:lnTo>
+                  <a:lnTo>
+                    <a:pt x="3787092" y="1217475"/>
+                  </a:lnTo>
+                  <a:lnTo>
+                    <a:pt x="3871250" y="1114621"/>
+                  </a:lnTo>
+                  <a:lnTo>
+                    <a:pt x="3955407" y="1013965"/>
+                  </a:lnTo>
+                  <a:lnTo>
+                    <a:pt x="4039565" y="915803"/>
+                  </a:lnTo>
+                  <a:lnTo>
+                    <a:pt x="4123723" y="820407"/>
+                  </a:lnTo>
+                  <a:lnTo>
+                    <a:pt x="4207880" y="728019"/>
+                  </a:lnTo>
+                  <a:lnTo>
+                    <a:pt x="4292038" y="638853"/>
+                  </a:lnTo>
+                  <a:lnTo>
+                    <a:pt x="4376195" y="553092"/>
+                  </a:lnTo>
+                  <a:lnTo>
+                    <a:pt x="4460353" y="470880"/>
+                  </a:lnTo>
+                  <a:lnTo>
+                    <a:pt x="4544511" y="392331"/>
+                  </a:lnTo>
+                  <a:lnTo>
+                    <a:pt x="4628668" y="317522"/>
+                  </a:lnTo>
+                  <a:lnTo>
+                    <a:pt x="4712826" y="246495"/>
+                  </a:lnTo>
+                  <a:lnTo>
+                    <a:pt x="4796983" y="179263"/>
+                  </a:lnTo>
+                  <a:lnTo>
+                    <a:pt x="4881141" y="115804"/>
+                  </a:lnTo>
+                  <a:lnTo>
+                    <a:pt x="4965299" y="56074"/>
                   </a:lnTo>
                   <a:lnTo>
                     <a:pt x="5049456" y="0"/>
                   </a:lnTo>
                   <a:lnTo>
-                    <a:pt x="5049456" y="489941"/>
-                  </a:lnTo>
-                  <a:lnTo>
-                    <a:pt x="4965299" y="557757"/>
-                  </a:lnTo>
-                  <a:lnTo>
-                    <a:pt x="4881141" y="627995"/>
-                  </a:lnTo>
-                  <a:lnTo>
-                    <a:pt x="4796983" y="700584"/>
-                  </a:lnTo>
-                  <a:lnTo>
-                    <a:pt x="4712826" y="775434"/>
-                  </a:lnTo>
-                  <a:lnTo>
-                    <a:pt x="4628668" y="852441"/>
-                  </a:lnTo>
-                  <a:lnTo>
-                    <a:pt x="4544511" y="931488"/>
-                  </a:lnTo>
-                  <a:lnTo>
-                    <a:pt x="4460353" y="1012444"/>
-                  </a:lnTo>
-                  <a:lnTo>
-                    <a:pt x="4376195" y="1095166"/>
-                  </a:lnTo>
-                  <a:lnTo>
-                    <a:pt x="4292038" y="1179501"/>
-                  </a:lnTo>
-                  <a:lnTo>
-                    <a:pt x="4207880" y="1265286"/>
-                  </a:lnTo>
-                  <a:lnTo>
-                    <a:pt x="4123723" y="1352351"/>
-                  </a:lnTo>
-                  <a:lnTo>
-                    <a:pt x="4039565" y="1440516"/>
-                  </a:lnTo>
-                  <a:lnTo>
-                    <a:pt x="3955407" y="1529600"/>
-                  </a:lnTo>
-                  <a:lnTo>
-                    <a:pt x="3871250" y="1619415"/>
-                  </a:lnTo>
-                  <a:lnTo>
-                    <a:pt x="3787092" y="1709770"/>
-                  </a:lnTo>
-                  <a:lnTo>
-                    <a:pt x="3702934" y="1800472"/>
-                  </a:lnTo>
-                  <a:lnTo>
-                    <a:pt x="3618777" y="1891328"/>
-                  </a:lnTo>
-                  <a:lnTo>
-                    <a:pt x="3534619" y="1982145"/>
-                  </a:lnTo>
-                  <a:lnTo>
-                    <a:pt x="3450462" y="2072730"/>
-                  </a:lnTo>
-                  <a:lnTo>
-                    <a:pt x="3366304" y="2162891"/>
-                  </a:lnTo>
-                  <a:lnTo>
-                    <a:pt x="3282146" y="2252442"/>
-                  </a:lnTo>
-                  <a:lnTo>
-                    <a:pt x="3197989" y="2341200"/>
-                  </a:lnTo>
-                  <a:lnTo>
-                    <a:pt x="3113831" y="2428986"/>
-                  </a:lnTo>
-                  <a:lnTo>
-                    <a:pt x="3029674" y="2515630"/>
-                  </a:lnTo>
-                  <a:lnTo>
-                    <a:pt x="2945516" y="2600969"/>
-                  </a:lnTo>
-                  <a:lnTo>
-                    <a:pt x="2861358" y="2684849"/>
-                  </a:lnTo>
-                  <a:lnTo>
-                    <a:pt x="2777201" y="2767129"/>
-                  </a:lnTo>
-                  <a:lnTo>
-                    <a:pt x="2693043" y="2847679"/>
-                  </a:lnTo>
-                  <a:lnTo>
-                    <a:pt x="2608886" y="2926380"/>
-                  </a:lnTo>
-                  <a:lnTo>
-                    <a:pt x="2524728" y="3003129"/>
-                  </a:lnTo>
-                  <a:lnTo>
-                    <a:pt x="2440570" y="3077833"/>
-                  </a:lnTo>
-                  <a:lnTo>
-                    <a:pt x="2356413" y="3150411"/>
-                  </a:lnTo>
-                  <a:lnTo>
-                    <a:pt x="2272255" y="3220791"/>
-                  </a:lnTo>
-                  <a:lnTo>
-                    <a:pt x="2188097" y="3288906"/>
-                  </a:lnTo>
-                  <a:lnTo>
-                    <a:pt x="2103940" y="3354692"/>
-                  </a:lnTo>
-                  <a:lnTo>
-                    <a:pt x="2019782" y="3418082"/>
-                  </a:lnTo>
-                  <a:lnTo>
-                    <a:pt x="1935625" y="3479009"/>
-                  </a:lnTo>
-                  <a:lnTo>
-                    <a:pt x="1851467" y="3537401"/>
-                  </a:lnTo>
-                  <a:lnTo>
-                    <a:pt x="1767309" y="3593191"/>
-                  </a:lnTo>
-                  <a:lnTo>
-                    <a:pt x="1683152" y="3646318"/>
-                  </a:lnTo>
-                  <a:lnTo>
-                    <a:pt x="1598994" y="3696736"/>
-                  </a:lnTo>
-                  <a:lnTo>
-                    <a:pt x="1514837" y="3744417"/>
-                  </a:lnTo>
-                  <a:lnTo>
-                    <a:pt x="1430679" y="3789357"/>
-                  </a:lnTo>
-                  <a:lnTo>
-                    <a:pt x="1346521" y="3831578"/>
-                  </a:lnTo>
-                  <a:lnTo>
-                    <a:pt x="1262364" y="3871121"/>
-                  </a:lnTo>
-                  <a:lnTo>
-                    <a:pt x="1178206" y="3908053"/>
-                  </a:lnTo>
-                  <a:lnTo>
-                    <a:pt x="1094048" y="3942455"/>
-                  </a:lnTo>
-                  <a:lnTo>
-                    <a:pt x="1009891" y="3974424"/>
-                  </a:lnTo>
-                  <a:lnTo>
-                    <a:pt x="925733" y="4004069"/>
-                  </a:lnTo>
-                  <a:lnTo>
-                    <a:pt x="841576" y="4031503"/>
-                  </a:lnTo>
-                  <a:lnTo>
-                    <a:pt x="757418" y="4056845"/>
-                  </a:lnTo>
-                  <a:lnTo>
-                    <a:pt x="673260" y="4080218"/>
-                  </a:lnTo>
-                  <a:lnTo>
-                    <a:pt x="589103" y="4101742"/>
-                  </a:lnTo>
-                  <a:lnTo>
-                    <a:pt x="504945" y="4121537"/>
-                  </a:lnTo>
-                  <a:lnTo>
-                    <a:pt x="420788" y="4139720"/>
-                  </a:lnTo>
-                  <a:lnTo>
-                    <a:pt x="336630" y="4156404"/>
-                  </a:lnTo>
-                  <a:lnTo>
-                    <a:pt x="252472" y="4171696"/>
-                  </a:lnTo>
-                  <a:lnTo>
-                    <a:pt x="168315" y="4185700"/>
-                  </a:lnTo>
-                  <a:lnTo>
-                    <a:pt x="84157" y="4198515"/>
-                  </a:lnTo>
-                  <a:lnTo>
-                    <a:pt x="0" y="4210231"/>
+                    <a:pt x="5049456" y="488075"/>
+                  </a:lnTo>
+                  <a:lnTo>
+                    <a:pt x="4965299" y="555891"/>
+                  </a:lnTo>
+                  <a:lnTo>
+                    <a:pt x="4881141" y="626130"/>
+                  </a:lnTo>
+                  <a:lnTo>
+                    <a:pt x="4796983" y="698719"/>
+                  </a:lnTo>
+                  <a:lnTo>
+                    <a:pt x="4712826" y="773568"/>
+                  </a:lnTo>
+                  <a:lnTo>
+                    <a:pt x="4628668" y="850573"/>
+                  </a:lnTo>
+                  <a:lnTo>
+                    <a:pt x="4544511" y="929618"/>
+                  </a:lnTo>
+                  <a:lnTo>
+                    <a:pt x="4460353" y="1010572"/>
+                  </a:lnTo>
+                  <a:lnTo>
+                    <a:pt x="4376195" y="1093292"/>
+                  </a:lnTo>
+                  <a:lnTo>
+                    <a:pt x="4292038" y="1177624"/>
+                  </a:lnTo>
+                  <a:lnTo>
+                    <a:pt x="4207880" y="1263406"/>
+                  </a:lnTo>
+                  <a:lnTo>
+                    <a:pt x="4123723" y="1350466"/>
+                  </a:lnTo>
+                  <a:lnTo>
+                    <a:pt x="4039565" y="1438627"/>
+                  </a:lnTo>
+                  <a:lnTo>
+                    <a:pt x="3955407" y="1527706"/>
+                  </a:lnTo>
+                  <a:lnTo>
+                    <a:pt x="3871250" y="1617514"/>
+                  </a:lnTo>
+                  <a:lnTo>
+                    <a:pt x="3787092" y="1707861"/>
+                  </a:lnTo>
+                  <a:lnTo>
+                    <a:pt x="3702934" y="1798553"/>
+                  </a:lnTo>
+                  <a:lnTo>
+                    <a:pt x="3618777" y="1889398"/>
+                  </a:lnTo>
+                  <a:lnTo>
+                    <a:pt x="3534619" y="1980200"/>
+                  </a:lnTo>
+                  <a:lnTo>
+                    <a:pt x="3450462" y="2070768"/>
+                  </a:lnTo>
+                  <a:lnTo>
+                    <a:pt x="3366304" y="2160910"/>
+                  </a:lnTo>
+                  <a:lnTo>
+                    <a:pt x="3282146" y="2250438"/>
+                  </a:lnTo>
+                  <a:lnTo>
+                    <a:pt x="3197989" y="2339168"/>
+                  </a:lnTo>
+                  <a:lnTo>
+                    <a:pt x="3113831" y="2426924"/>
+                  </a:lnTo>
+                  <a:lnTo>
+                    <a:pt x="3029674" y="2513533"/>
+                  </a:lnTo>
+                  <a:lnTo>
+                    <a:pt x="2945516" y="2598832"/>
+                  </a:lnTo>
+                  <a:lnTo>
+                    <a:pt x="2861358" y="2682669"/>
+                  </a:lnTo>
+                  <a:lnTo>
+                    <a:pt x="2777201" y="2764901"/>
+                  </a:lnTo>
+                  <a:lnTo>
+                    <a:pt x="2693043" y="2845397"/>
+                  </a:lnTo>
+                  <a:lnTo>
+                    <a:pt x="2608886" y="2924041"/>
+                  </a:lnTo>
+                  <a:lnTo>
+                    <a:pt x="2524728" y="3000726"/>
+                  </a:lnTo>
+                  <a:lnTo>
+                    <a:pt x="2440570" y="3075363"/>
+                  </a:lnTo>
+                  <a:lnTo>
+                    <a:pt x="2356413" y="3147869"/>
+                  </a:lnTo>
+                  <a:lnTo>
+                    <a:pt x="2272255" y="3218174"/>
+                  </a:lnTo>
+                  <a:lnTo>
+                    <a:pt x="2188097" y="3286211"/>
+                  </a:lnTo>
+                  <a:lnTo>
+                    <a:pt x="2103940" y="3351917"/>
+                  </a:lnTo>
+                  <a:lnTo>
+                    <a:pt x="2019782" y="3415228"/>
+                  </a:lnTo>
+                  <a:lnTo>
+                    <a:pt x="1935625" y="3476078"/>
+                  </a:lnTo>
+                  <a:lnTo>
+                    <a:pt x="1851467" y="3534399"/>
+                  </a:lnTo>
+                  <a:lnTo>
+                    <a:pt x="1767309" y="3590124"/>
+                  </a:lnTo>
+                  <a:lnTo>
+                    <a:pt x="1683152" y="3643195"/>
+                  </a:lnTo>
+                  <a:lnTo>
+                    <a:pt x="1598994" y="3693566"/>
+                  </a:lnTo>
+                  <a:lnTo>
+                    <a:pt x="1514837" y="3741210"/>
+                  </a:lnTo>
+                  <a:lnTo>
+                    <a:pt x="1430679" y="3786123"/>
+                  </a:lnTo>
+                  <a:lnTo>
+                    <a:pt x="1346521" y="3828325"/>
+                  </a:lnTo>
+                  <a:lnTo>
+                    <a:pt x="1262364" y="3867859"/>
+                  </a:lnTo>
+                  <a:lnTo>
+                    <a:pt x="1178206" y="3904788"/>
+                  </a:lnTo>
+                  <a:lnTo>
+                    <a:pt x="1094048" y="3939195"/>
+                  </a:lnTo>
+                  <a:lnTo>
+                    <a:pt x="1009891" y="3971175"/>
+                  </a:lnTo>
+                  <a:lnTo>
+                    <a:pt x="925733" y="4000835"/>
+                  </a:lnTo>
+                  <a:lnTo>
+                    <a:pt x="841576" y="4028289"/>
+                  </a:lnTo>
+                  <a:lnTo>
+                    <a:pt x="757418" y="4053655"/>
+                  </a:lnTo>
+                  <a:lnTo>
+                    <a:pt x="673260" y="4077053"/>
+                  </a:lnTo>
+                  <a:lnTo>
+                    <a:pt x="589103" y="4098606"/>
+                  </a:lnTo>
+                  <a:lnTo>
+                    <a:pt x="504945" y="4118430"/>
+                  </a:lnTo>
+                  <a:lnTo>
+                    <a:pt x="420788" y="4136644"/>
+                  </a:lnTo>
+                  <a:lnTo>
+                    <a:pt x="336630" y="4153358"/>
+                  </a:lnTo>
+                  <a:lnTo>
+                    <a:pt x="252472" y="4168682"/>
+                  </a:lnTo>
+                  <a:lnTo>
+                    <a:pt x="168315" y="4182718"/>
+                  </a:lnTo>
+                  <a:lnTo>
+                    <a:pt x="84157" y="4195563"/>
+                  </a:lnTo>
+                  <a:lnTo>
+                    <a:pt x="0" y="4207310"/>
                   </a:lnTo>
                   <a:close/>
                 </a:path>
@@ -3795,192 +3795,192 @@
           </p:nvSpPr>
           <p:spPr>
             <a:xfrm>
-              <a:off x="2199579" y="1774368"/>
-              <a:ext cx="5049456" cy="4143561"/>
+              <a:off x="2199579" y="1776739"/>
+              <a:ext cx="5049456" cy="4141130"/>
             </a:xfrm>
             <a:custGeom>
               <a:avLst/>
               <a:pathLst>
-                <a:path w="5049456" h="4143561">
+                <a:path w="5049456" h="4141130">
                   <a:moveTo>
-                    <a:pt x="0" y="4143561"/>
+                    <a:pt x="0" y="4141130"/>
                   </a:moveTo>
                   <a:lnTo>
-                    <a:pt x="84157" y="4128859"/>
-                  </a:lnTo>
-                  <a:lnTo>
-                    <a:pt x="168315" y="4113047"/>
-                  </a:lnTo>
-                  <a:lnTo>
-                    <a:pt x="252472" y="4096049"/>
-                  </a:lnTo>
-                  <a:lnTo>
-                    <a:pt x="336630" y="4077785"/>
-                  </a:lnTo>
-                  <a:lnTo>
-                    <a:pt x="420788" y="4058170"/>
-                  </a:lnTo>
-                  <a:lnTo>
-                    <a:pt x="504945" y="4037115"/>
-                  </a:lnTo>
-                  <a:lnTo>
-                    <a:pt x="589103" y="4014527"/>
-                  </a:lnTo>
-                  <a:lnTo>
-                    <a:pt x="673260" y="3990307"/>
-                  </a:lnTo>
-                  <a:lnTo>
-                    <a:pt x="757418" y="3964353"/>
-                  </a:lnTo>
-                  <a:lnTo>
-                    <a:pt x="841576" y="3936555"/>
-                  </a:lnTo>
-                  <a:lnTo>
-                    <a:pt x="925733" y="3906801"/>
-                  </a:lnTo>
-                  <a:lnTo>
-                    <a:pt x="1009891" y="3874971"/>
-                  </a:lnTo>
-                  <a:lnTo>
-                    <a:pt x="1094048" y="3840940"/>
-                  </a:lnTo>
-                  <a:lnTo>
-                    <a:pt x="1178206" y="3804574"/>
-                  </a:lnTo>
-                  <a:lnTo>
-                    <a:pt x="1262364" y="3765733"/>
-                  </a:lnTo>
-                  <a:lnTo>
-                    <a:pt x="1346521" y="3724271"/>
-                  </a:lnTo>
-                  <a:lnTo>
-                    <a:pt x="1430679" y="3680031"/>
-                  </a:lnTo>
-                  <a:lnTo>
-                    <a:pt x="1514837" y="3632850"/>
-                  </a:lnTo>
-                  <a:lnTo>
-                    <a:pt x="1598994" y="3582560"/>
-                  </a:lnTo>
-                  <a:lnTo>
-                    <a:pt x="1683152" y="3528992"/>
-                  </a:lnTo>
-                  <a:lnTo>
-                    <a:pt x="1767309" y="3471977"/>
-                  </a:lnTo>
-                  <a:lnTo>
-                    <a:pt x="1851467" y="3411361"/>
-                  </a:lnTo>
-                  <a:lnTo>
-                    <a:pt x="1935625" y="3347011"/>
-                  </a:lnTo>
-                  <a:lnTo>
-                    <a:pt x="2019782" y="3278826"/>
-                  </a:lnTo>
-                  <a:lnTo>
-                    <a:pt x="2103940" y="3206747"/>
-                  </a:lnTo>
-                  <a:lnTo>
-                    <a:pt x="2188097" y="3130761"/>
-                  </a:lnTo>
-                  <a:lnTo>
-                    <a:pt x="2272255" y="3050909"/>
-                  </a:lnTo>
-                  <a:lnTo>
-                    <a:pt x="2356413" y="2967280"/>
-                  </a:lnTo>
-                  <a:lnTo>
-                    <a:pt x="2440570" y="2880014"/>
-                  </a:lnTo>
-                  <a:lnTo>
-                    <a:pt x="2524728" y="2789293"/>
-                  </a:lnTo>
-                  <a:lnTo>
-                    <a:pt x="2608886" y="2695339"/>
-                  </a:lnTo>
-                  <a:lnTo>
-                    <a:pt x="2693043" y="2598405"/>
-                  </a:lnTo>
-                  <a:lnTo>
-                    <a:pt x="2777201" y="2498776"/>
-                  </a:lnTo>
-                  <a:lnTo>
-                    <a:pt x="2861358" y="2396759"/>
-                  </a:lnTo>
-                  <a:lnTo>
-                    <a:pt x="2945516" y="2292682"/>
-                  </a:lnTo>
-                  <a:lnTo>
-                    <a:pt x="3029674" y="2186887"/>
-                  </a:lnTo>
-                  <a:lnTo>
-                    <a:pt x="3113831" y="2079730"/>
-                  </a:lnTo>
-                  <a:lnTo>
-                    <a:pt x="3197989" y="1971573"/>
-                  </a:lnTo>
-                  <a:lnTo>
-                    <a:pt x="3282146" y="1862786"/>
-                  </a:lnTo>
-                  <a:lnTo>
-                    <a:pt x="3366304" y="1753742"/>
-                  </a:lnTo>
-                  <a:lnTo>
-                    <a:pt x="3450462" y="1644811"/>
-                  </a:lnTo>
-                  <a:lnTo>
-                    <a:pt x="3534619" y="1536366"/>
-                  </a:lnTo>
-                  <a:lnTo>
-                    <a:pt x="3618777" y="1428771"/>
-                  </a:lnTo>
-                  <a:lnTo>
-                    <a:pt x="3702934" y="1322385"/>
-                  </a:lnTo>
-                  <a:lnTo>
-                    <a:pt x="3787092" y="1217556"/>
-                  </a:lnTo>
-                  <a:lnTo>
-                    <a:pt x="3871250" y="1114618"/>
-                  </a:lnTo>
-                  <a:lnTo>
-                    <a:pt x="3955407" y="1013888"/>
-                  </a:lnTo>
-                  <a:lnTo>
-                    <a:pt x="4039565" y="915663"/>
-                  </a:lnTo>
-                  <a:lnTo>
-                    <a:pt x="4123723" y="820214"/>
-                  </a:lnTo>
-                  <a:lnTo>
-                    <a:pt x="4207880" y="727786"/>
-                  </a:lnTo>
-                  <a:lnTo>
-                    <a:pt x="4292038" y="638593"/>
-                  </a:lnTo>
-                  <a:lnTo>
-                    <a:pt x="4376195" y="552816"/>
-                  </a:lnTo>
-                  <a:lnTo>
-                    <a:pt x="4460353" y="470601"/>
-                  </a:lnTo>
-                  <a:lnTo>
-                    <a:pt x="4544511" y="392061"/>
-                  </a:lnTo>
-                  <a:lnTo>
-                    <a:pt x="4628668" y="317272"/>
-                  </a:lnTo>
-                  <a:lnTo>
-                    <a:pt x="4712826" y="246277"/>
-                  </a:lnTo>
-                  <a:lnTo>
-                    <a:pt x="4796983" y="179086"/>
-                  </a:lnTo>
-                  <a:lnTo>
-                    <a:pt x="4881141" y="115679"/>
-                  </a:lnTo>
-                  <a:lnTo>
-                    <a:pt x="4965299" y="56008"/>
+                    <a:pt x="84157" y="4126430"/>
+                  </a:lnTo>
+                  <a:lnTo>
+                    <a:pt x="168315" y="4110620"/>
+                  </a:lnTo>
+                  <a:lnTo>
+                    <a:pt x="252472" y="4093626"/>
+                  </a:lnTo>
+                  <a:lnTo>
+                    <a:pt x="336630" y="4075365"/>
+                  </a:lnTo>
+                  <a:lnTo>
+                    <a:pt x="420788" y="4055754"/>
+                  </a:lnTo>
+                  <a:lnTo>
+                    <a:pt x="504945" y="4034705"/>
+                  </a:lnTo>
+                  <a:lnTo>
+                    <a:pt x="589103" y="4012122"/>
+                  </a:lnTo>
+                  <a:lnTo>
+                    <a:pt x="673260" y="3987909"/>
+                  </a:lnTo>
+                  <a:lnTo>
+                    <a:pt x="757418" y="3961962"/>
+                  </a:lnTo>
+                  <a:lnTo>
+                    <a:pt x="841576" y="3934173"/>
+                  </a:lnTo>
+                  <a:lnTo>
+                    <a:pt x="925733" y="3904429"/>
+                  </a:lnTo>
+                  <a:lnTo>
+                    <a:pt x="1009891" y="3872608"/>
+                  </a:lnTo>
+                  <a:lnTo>
+                    <a:pt x="1094048" y="3838587"/>
+                  </a:lnTo>
+                  <a:lnTo>
+                    <a:pt x="1178206" y="3802231"/>
+                  </a:lnTo>
+                  <a:lnTo>
+                    <a:pt x="1262364" y="3763401"/>
+                  </a:lnTo>
+                  <a:lnTo>
+                    <a:pt x="1346521" y="3721950"/>
+                  </a:lnTo>
+                  <a:lnTo>
+                    <a:pt x="1430679" y="3677720"/>
+                  </a:lnTo>
+                  <a:lnTo>
+                    <a:pt x="1514837" y="3630550"/>
+                  </a:lnTo>
+                  <a:lnTo>
+                    <a:pt x="1598994" y="3580272"/>
+                  </a:lnTo>
+                  <a:lnTo>
+                    <a:pt x="1683152" y="3526714"/>
+                  </a:lnTo>
+                  <a:lnTo>
+                    <a:pt x="1767309" y="3469713"/>
+                  </a:lnTo>
+                  <a:lnTo>
+                    <a:pt x="1851467" y="3409113"/>
+                  </a:lnTo>
+                  <a:lnTo>
+                    <a:pt x="1935625" y="3344783"/>
+                  </a:lnTo>
+                  <a:lnTo>
+                    <a:pt x="2019782" y="3276625"/>
+                  </a:lnTo>
+                  <a:lnTo>
+                    <a:pt x="2103940" y="3204581"/>
+                  </a:lnTo>
+                  <a:lnTo>
+                    <a:pt x="2188097" y="3128641"/>
+                  </a:lnTo>
+                  <a:lnTo>
+                    <a:pt x="2272255" y="3048844"/>
+                  </a:lnTo>
+                  <a:lnTo>
+                    <a:pt x="2356413" y="2965284"/>
+                  </a:lnTo>
+                  <a:lnTo>
+                    <a:pt x="2440570" y="2878097"/>
+                  </a:lnTo>
+                  <a:lnTo>
+                    <a:pt x="2524728" y="2787467"/>
+                  </a:lnTo>
+                  <a:lnTo>
+                    <a:pt x="2608886" y="2693612"/>
+                  </a:lnTo>
+                  <a:lnTo>
+                    <a:pt x="2693043" y="2596787"/>
+                  </a:lnTo>
+                  <a:lnTo>
+                    <a:pt x="2777201" y="2497274"/>
+                  </a:lnTo>
+                  <a:lnTo>
+                    <a:pt x="2861358" y="2395379"/>
+                  </a:lnTo>
+                  <a:lnTo>
+                    <a:pt x="2945516" y="2291427"/>
+                  </a:lnTo>
+                  <a:lnTo>
+                    <a:pt x="3029674" y="2185760"/>
+                  </a:lnTo>
+                  <a:lnTo>
+                    <a:pt x="3113831" y="2078731"/>
+                  </a:lnTo>
+                  <a:lnTo>
+                    <a:pt x="3197989" y="1970703"/>
+                  </a:lnTo>
+                  <a:lnTo>
+                    <a:pt x="3282146" y="1862043"/>
+                  </a:lnTo>
+                  <a:lnTo>
+                    <a:pt x="3366304" y="1753123"/>
+                  </a:lnTo>
+                  <a:lnTo>
+                    <a:pt x="3450462" y="1644312"/>
+                  </a:lnTo>
+                  <a:lnTo>
+                    <a:pt x="3534619" y="1535981"/>
+                  </a:lnTo>
+                  <a:lnTo>
+                    <a:pt x="3618777" y="1428495"/>
+                  </a:lnTo>
+                  <a:lnTo>
+                    <a:pt x="3702934" y="1322211"/>
+                  </a:lnTo>
+                  <a:lnTo>
+                    <a:pt x="3787092" y="1217475"/>
+                  </a:lnTo>
+                  <a:lnTo>
+                    <a:pt x="3871250" y="1114621"/>
+                  </a:lnTo>
+                  <a:lnTo>
+                    <a:pt x="3955407" y="1013965"/>
+                  </a:lnTo>
+                  <a:lnTo>
+                    <a:pt x="4039565" y="915803"/>
+                  </a:lnTo>
+                  <a:lnTo>
+                    <a:pt x="4123723" y="820407"/>
+                  </a:lnTo>
+                  <a:lnTo>
+                    <a:pt x="4207880" y="728019"/>
+                  </a:lnTo>
+                  <a:lnTo>
+                    <a:pt x="4292038" y="638853"/>
+                  </a:lnTo>
+                  <a:lnTo>
+                    <a:pt x="4376195" y="553092"/>
+                  </a:lnTo>
+                  <a:lnTo>
+                    <a:pt x="4460353" y="470880"/>
+                  </a:lnTo>
+                  <a:lnTo>
+                    <a:pt x="4544511" y="392331"/>
+                  </a:lnTo>
+                  <a:lnTo>
+                    <a:pt x="4628668" y="317522"/>
+                  </a:lnTo>
+                  <a:lnTo>
+                    <a:pt x="4712826" y="246495"/>
+                  </a:lnTo>
+                  <a:lnTo>
+                    <a:pt x="4796983" y="179263"/>
+                  </a:lnTo>
+                  <a:lnTo>
+                    <a:pt x="4881141" y="115804"/>
+                  </a:lnTo>
+                  <a:lnTo>
+                    <a:pt x="4965299" y="56074"/>
                   </a:lnTo>
                   <a:lnTo>
                     <a:pt x="5049456" y="0"/>
@@ -4006,13 +4006,13 @@
           </p:nvSpPr>
           <p:spPr>
             <a:xfrm>
-              <a:off x="2199579" y="2264310"/>
-              <a:ext cx="5049456" cy="3720289"/>
+              <a:off x="2199579" y="2264815"/>
+              <a:ext cx="5049456" cy="3719235"/>
             </a:xfrm>
             <a:custGeom>
               <a:avLst/>
               <a:pathLst>
-                <a:path w="5049456" h="3720289">
+                <a:path w="5049456" h="3719235">
                   <a:moveTo>
                     <a:pt x="5049456" y="0"/>
                   </a:moveTo>
@@ -4020,187 +4020,187 @@
                     <a:pt x="5049456" y="0"/>
                   </a:lnTo>
                   <a:lnTo>
-                    <a:pt x="4965299" y="67815"/>
-                  </a:lnTo>
-                  <a:lnTo>
-                    <a:pt x="4881141" y="138054"/>
-                  </a:lnTo>
-                  <a:lnTo>
-                    <a:pt x="4796983" y="210642"/>
+                    <a:pt x="4965299" y="67816"/>
+                  </a:lnTo>
+                  <a:lnTo>
+                    <a:pt x="4881141" y="138055"/>
+                  </a:lnTo>
+                  <a:lnTo>
+                    <a:pt x="4796983" y="210643"/>
                   </a:lnTo>
                   <a:lnTo>
                     <a:pt x="4712826" y="285492"/>
                   </a:lnTo>
                   <a:lnTo>
-                    <a:pt x="4628668" y="362499"/>
-                  </a:lnTo>
-                  <a:lnTo>
-                    <a:pt x="4544511" y="441546"/>
-                  </a:lnTo>
-                  <a:lnTo>
-                    <a:pt x="4460353" y="522502"/>
-                  </a:lnTo>
-                  <a:lnTo>
-                    <a:pt x="4376195" y="605224"/>
-                  </a:lnTo>
-                  <a:lnTo>
-                    <a:pt x="4292038" y="689559"/>
-                  </a:lnTo>
-                  <a:lnTo>
-                    <a:pt x="4207880" y="775344"/>
-                  </a:lnTo>
-                  <a:lnTo>
-                    <a:pt x="4123723" y="862409"/>
-                  </a:lnTo>
-                  <a:lnTo>
-                    <a:pt x="4039565" y="950574"/>
-                  </a:lnTo>
-                  <a:lnTo>
-                    <a:pt x="3955407" y="1039658"/>
-                  </a:lnTo>
-                  <a:lnTo>
-                    <a:pt x="3871250" y="1129473"/>
-                  </a:lnTo>
-                  <a:lnTo>
-                    <a:pt x="3787092" y="1219828"/>
-                  </a:lnTo>
-                  <a:lnTo>
-                    <a:pt x="3702934" y="1310530"/>
-                  </a:lnTo>
-                  <a:lnTo>
-                    <a:pt x="3618777" y="1401387"/>
-                  </a:lnTo>
-                  <a:lnTo>
-                    <a:pt x="3534619" y="1492203"/>
-                  </a:lnTo>
-                  <a:lnTo>
-                    <a:pt x="3450462" y="1582788"/>
-                  </a:lnTo>
-                  <a:lnTo>
-                    <a:pt x="3366304" y="1672949"/>
-                  </a:lnTo>
-                  <a:lnTo>
-                    <a:pt x="3282146" y="1762500"/>
-                  </a:lnTo>
-                  <a:lnTo>
-                    <a:pt x="3197989" y="1851258"/>
-                  </a:lnTo>
-                  <a:lnTo>
-                    <a:pt x="3113831" y="1939044"/>
-                  </a:lnTo>
-                  <a:lnTo>
-                    <a:pt x="3029674" y="2025688"/>
-                  </a:lnTo>
-                  <a:lnTo>
-                    <a:pt x="2945516" y="2111027"/>
-                  </a:lnTo>
-                  <a:lnTo>
-                    <a:pt x="2861358" y="2194907"/>
-                  </a:lnTo>
-                  <a:lnTo>
-                    <a:pt x="2777201" y="2277187"/>
-                  </a:lnTo>
-                  <a:lnTo>
-                    <a:pt x="2693043" y="2357737"/>
-                  </a:lnTo>
-                  <a:lnTo>
-                    <a:pt x="2608886" y="2436438"/>
-                  </a:lnTo>
-                  <a:lnTo>
-                    <a:pt x="2524728" y="2513187"/>
-                  </a:lnTo>
-                  <a:lnTo>
-                    <a:pt x="2440570" y="2587891"/>
-                  </a:lnTo>
-                  <a:lnTo>
-                    <a:pt x="2356413" y="2660469"/>
-                  </a:lnTo>
-                  <a:lnTo>
-                    <a:pt x="2272255" y="2730849"/>
-                  </a:lnTo>
-                  <a:lnTo>
-                    <a:pt x="2188097" y="2798965"/>
-                  </a:lnTo>
-                  <a:lnTo>
-                    <a:pt x="2103940" y="2864750"/>
-                  </a:lnTo>
-                  <a:lnTo>
-                    <a:pt x="2019782" y="2928140"/>
-                  </a:lnTo>
-                  <a:lnTo>
-                    <a:pt x="1935625" y="2989067"/>
-                  </a:lnTo>
-                  <a:lnTo>
-                    <a:pt x="1851467" y="3047459"/>
-                  </a:lnTo>
-                  <a:lnTo>
-                    <a:pt x="1767309" y="3103249"/>
-                  </a:lnTo>
-                  <a:lnTo>
-                    <a:pt x="1683152" y="3156376"/>
-                  </a:lnTo>
-                  <a:lnTo>
-                    <a:pt x="1598994" y="3206794"/>
-                  </a:lnTo>
-                  <a:lnTo>
-                    <a:pt x="1514837" y="3254475"/>
-                  </a:lnTo>
-                  <a:lnTo>
-                    <a:pt x="1430679" y="3299415"/>
-                  </a:lnTo>
-                  <a:lnTo>
-                    <a:pt x="1346521" y="3341636"/>
-                  </a:lnTo>
-                  <a:lnTo>
-                    <a:pt x="1262364" y="3381179"/>
-                  </a:lnTo>
-                  <a:lnTo>
-                    <a:pt x="1178206" y="3418111"/>
-                  </a:lnTo>
-                  <a:lnTo>
-                    <a:pt x="1094048" y="3452513"/>
-                  </a:lnTo>
-                  <a:lnTo>
-                    <a:pt x="1009891" y="3484482"/>
-                  </a:lnTo>
-                  <a:lnTo>
-                    <a:pt x="925733" y="3514127"/>
-                  </a:lnTo>
-                  <a:lnTo>
-                    <a:pt x="841576" y="3541561"/>
-                  </a:lnTo>
-                  <a:lnTo>
-                    <a:pt x="757418" y="3566903"/>
-                  </a:lnTo>
-                  <a:lnTo>
-                    <a:pt x="673260" y="3590276"/>
-                  </a:lnTo>
-                  <a:lnTo>
-                    <a:pt x="589103" y="3611800"/>
-                  </a:lnTo>
-                  <a:lnTo>
-                    <a:pt x="504945" y="3631596"/>
-                  </a:lnTo>
-                  <a:lnTo>
-                    <a:pt x="420788" y="3649778"/>
-                  </a:lnTo>
-                  <a:lnTo>
-                    <a:pt x="336630" y="3666462"/>
-                  </a:lnTo>
-                  <a:lnTo>
-                    <a:pt x="252472" y="3681754"/>
-                  </a:lnTo>
-                  <a:lnTo>
-                    <a:pt x="168315" y="3695759"/>
-                  </a:lnTo>
-                  <a:lnTo>
-                    <a:pt x="84157" y="3708573"/>
-                  </a:lnTo>
-                  <a:lnTo>
-                    <a:pt x="0" y="3720289"/>
-                  </a:lnTo>
-                  <a:lnTo>
-                    <a:pt x="0" y="3720289"/>
+                    <a:pt x="4628668" y="362498"/>
+                  </a:lnTo>
+                  <a:lnTo>
+                    <a:pt x="4544511" y="441543"/>
+                  </a:lnTo>
+                  <a:lnTo>
+                    <a:pt x="4460353" y="522497"/>
+                  </a:lnTo>
+                  <a:lnTo>
+                    <a:pt x="4376195" y="605216"/>
+                  </a:lnTo>
+                  <a:lnTo>
+                    <a:pt x="4292038" y="689549"/>
+                  </a:lnTo>
+                  <a:lnTo>
+                    <a:pt x="4207880" y="775330"/>
+                  </a:lnTo>
+                  <a:lnTo>
+                    <a:pt x="4123723" y="862391"/>
+                  </a:lnTo>
+                  <a:lnTo>
+                    <a:pt x="4039565" y="950552"/>
+                  </a:lnTo>
+                  <a:lnTo>
+                    <a:pt x="3955407" y="1039630"/>
+                  </a:lnTo>
+                  <a:lnTo>
+                    <a:pt x="3871250" y="1129438"/>
+                  </a:lnTo>
+                  <a:lnTo>
+                    <a:pt x="3787092" y="1219785"/>
+                  </a:lnTo>
+                  <a:lnTo>
+                    <a:pt x="3702934" y="1310478"/>
+                  </a:lnTo>
+                  <a:lnTo>
+                    <a:pt x="3618777" y="1401322"/>
+                  </a:lnTo>
+                  <a:lnTo>
+                    <a:pt x="3534619" y="1492125"/>
+                  </a:lnTo>
+                  <a:lnTo>
+                    <a:pt x="3450462" y="1582692"/>
+                  </a:lnTo>
+                  <a:lnTo>
+                    <a:pt x="3366304" y="1672834"/>
+                  </a:lnTo>
+                  <a:lnTo>
+                    <a:pt x="3282146" y="1762362"/>
+                  </a:lnTo>
+                  <a:lnTo>
+                    <a:pt x="3197989" y="1851093"/>
+                  </a:lnTo>
+                  <a:lnTo>
+                    <a:pt x="3113831" y="1938848"/>
+                  </a:lnTo>
+                  <a:lnTo>
+                    <a:pt x="3029674" y="2025457"/>
+                  </a:lnTo>
+                  <a:lnTo>
+                    <a:pt x="2945516" y="2110757"/>
+                  </a:lnTo>
+                  <a:lnTo>
+                    <a:pt x="2861358" y="2194594"/>
+                  </a:lnTo>
+                  <a:lnTo>
+                    <a:pt x="2777201" y="2276826"/>
+                  </a:lnTo>
+                  <a:lnTo>
+                    <a:pt x="2693043" y="2357322"/>
+                  </a:lnTo>
+                  <a:lnTo>
+                    <a:pt x="2608886" y="2435965"/>
+                  </a:lnTo>
+                  <a:lnTo>
+                    <a:pt x="2524728" y="2512651"/>
+                  </a:lnTo>
+                  <a:lnTo>
+                    <a:pt x="2440570" y="2587287"/>
+                  </a:lnTo>
+                  <a:lnTo>
+                    <a:pt x="2356413" y="2659794"/>
+                  </a:lnTo>
+                  <a:lnTo>
+                    <a:pt x="2272255" y="2730098"/>
+                  </a:lnTo>
+                  <a:lnTo>
+                    <a:pt x="2188097" y="2798135"/>
+                  </a:lnTo>
+                  <a:lnTo>
+                    <a:pt x="2103940" y="2863841"/>
+                  </a:lnTo>
+                  <a:lnTo>
+                    <a:pt x="2019782" y="2927152"/>
+                  </a:lnTo>
+                  <a:lnTo>
+                    <a:pt x="1935625" y="2988002"/>
+                  </a:lnTo>
+                  <a:lnTo>
+                    <a:pt x="1851467" y="3046323"/>
+                  </a:lnTo>
+                  <a:lnTo>
+                    <a:pt x="1767309" y="3102048"/>
+                  </a:lnTo>
+                  <a:lnTo>
+                    <a:pt x="1683152" y="3155119"/>
+                  </a:lnTo>
+                  <a:lnTo>
+                    <a:pt x="1598994" y="3205490"/>
+                  </a:lnTo>
+                  <a:lnTo>
+                    <a:pt x="1514837" y="3253134"/>
+                  </a:lnTo>
+                  <a:lnTo>
+                    <a:pt x="1430679" y="3298047"/>
+                  </a:lnTo>
+                  <a:lnTo>
+                    <a:pt x="1346521" y="3340249"/>
+                  </a:lnTo>
+                  <a:lnTo>
+                    <a:pt x="1262364" y="3379783"/>
+                  </a:lnTo>
+                  <a:lnTo>
+                    <a:pt x="1178206" y="3416713"/>
+                  </a:lnTo>
+                  <a:lnTo>
+                    <a:pt x="1094048" y="3451120"/>
+                  </a:lnTo>
+                  <a:lnTo>
+                    <a:pt x="1009891" y="3483100"/>
+                  </a:lnTo>
+                  <a:lnTo>
+                    <a:pt x="925733" y="3512760"/>
+                  </a:lnTo>
+                  <a:lnTo>
+                    <a:pt x="841576" y="3540213"/>
+                  </a:lnTo>
+                  <a:lnTo>
+                    <a:pt x="757418" y="3565579"/>
+                  </a:lnTo>
+                  <a:lnTo>
+                    <a:pt x="673260" y="3588978"/>
+                  </a:lnTo>
+                  <a:lnTo>
+                    <a:pt x="589103" y="3610530"/>
+                  </a:lnTo>
+                  <a:lnTo>
+                    <a:pt x="504945" y="3630355"/>
+                  </a:lnTo>
+                  <a:lnTo>
+                    <a:pt x="420788" y="3648568"/>
+                  </a:lnTo>
+                  <a:lnTo>
+                    <a:pt x="336630" y="3665283"/>
+                  </a:lnTo>
+                  <a:lnTo>
+                    <a:pt x="252472" y="3680606"/>
+                  </a:lnTo>
+                  <a:lnTo>
+                    <a:pt x="168315" y="3694642"/>
+                  </a:lnTo>
+                  <a:lnTo>
+                    <a:pt x="84157" y="3707488"/>
+                  </a:lnTo>
+                  <a:lnTo>
+                    <a:pt x="0" y="3719235"/>
+                  </a:lnTo>
+                  <a:lnTo>
+                    <a:pt x="0" y="3719235"/>
                   </a:lnTo>
                 </a:path>
               </a:pathLst>
@@ -4220,192 +4220,192 @@
           </p:nvSpPr>
           <p:spPr>
             <a:xfrm>
-              <a:off x="2199579" y="1994539"/>
-              <a:ext cx="5049456" cy="3960265"/>
+              <a:off x="2199579" y="1996221"/>
+              <a:ext cx="5049456" cy="3958218"/>
             </a:xfrm>
             <a:custGeom>
               <a:avLst/>
               <a:pathLst>
-                <a:path w="5049456" h="3960265">
+                <a:path w="5049456" h="3958218">
                   <a:moveTo>
-                    <a:pt x="0" y="3960265"/>
+                    <a:pt x="0" y="3958218"/>
                   </a:moveTo>
                   <a:lnTo>
-                    <a:pt x="84157" y="3947056"/>
-                  </a:lnTo>
-                  <a:lnTo>
-                    <a:pt x="168315" y="3932732"/>
-                  </a:lnTo>
-                  <a:lnTo>
-                    <a:pt x="252472" y="3917206"/>
-                  </a:lnTo>
-                  <a:lnTo>
-                    <a:pt x="336630" y="3900391"/>
-                  </a:lnTo>
-                  <a:lnTo>
-                    <a:pt x="420788" y="3882191"/>
-                  </a:lnTo>
-                  <a:lnTo>
-                    <a:pt x="504945" y="3862509"/>
-                  </a:lnTo>
-                  <a:lnTo>
-                    <a:pt x="589103" y="3841241"/>
-                  </a:lnTo>
-                  <a:lnTo>
-                    <a:pt x="673260" y="3818280"/>
-                  </a:lnTo>
-                  <a:lnTo>
-                    <a:pt x="757418" y="3793516"/>
-                  </a:lnTo>
-                  <a:lnTo>
-                    <a:pt x="841576" y="3766836"/>
-                  </a:lnTo>
-                  <a:lnTo>
-                    <a:pt x="925733" y="3738123"/>
-                  </a:lnTo>
-                  <a:lnTo>
-                    <a:pt x="1009891" y="3707261"/>
-                  </a:lnTo>
-                  <a:lnTo>
-                    <a:pt x="1094048" y="3674131"/>
-                  </a:lnTo>
-                  <a:lnTo>
-                    <a:pt x="1178206" y="3638615"/>
-                  </a:lnTo>
-                  <a:lnTo>
-                    <a:pt x="1262364" y="3600600"/>
-                  </a:lnTo>
-                  <a:lnTo>
-                    <a:pt x="1346521" y="3559972"/>
-                  </a:lnTo>
-                  <a:lnTo>
-                    <a:pt x="1430679" y="3516625"/>
-                  </a:lnTo>
-                  <a:lnTo>
-                    <a:pt x="1514837" y="3470458"/>
-                  </a:lnTo>
-                  <a:lnTo>
-                    <a:pt x="1598994" y="3421382"/>
-                  </a:lnTo>
-                  <a:lnTo>
-                    <a:pt x="1683152" y="3369315"/>
-                  </a:lnTo>
-                  <a:lnTo>
-                    <a:pt x="1767309" y="3314191"/>
-                  </a:lnTo>
-                  <a:lnTo>
-                    <a:pt x="1851467" y="3255956"/>
-                  </a:lnTo>
-                  <a:lnTo>
-                    <a:pt x="1935625" y="3194576"/>
-                  </a:lnTo>
-                  <a:lnTo>
-                    <a:pt x="2019782" y="3130034"/>
-                  </a:lnTo>
-                  <a:lnTo>
-                    <a:pt x="2103940" y="3062335"/>
-                  </a:lnTo>
-                  <a:lnTo>
-                    <a:pt x="2188097" y="2991503"/>
-                  </a:lnTo>
-                  <a:lnTo>
-                    <a:pt x="2272255" y="2917588"/>
-                  </a:lnTo>
-                  <a:lnTo>
-                    <a:pt x="2356413" y="2840663"/>
-                  </a:lnTo>
-                  <a:lnTo>
-                    <a:pt x="2440570" y="2760824"/>
-                  </a:lnTo>
-                  <a:lnTo>
-                    <a:pt x="2524728" y="2678190"/>
-                  </a:lnTo>
-                  <a:lnTo>
-                    <a:pt x="2608886" y="2592905"/>
-                  </a:lnTo>
-                  <a:lnTo>
-                    <a:pt x="2693043" y="2505133"/>
-                  </a:lnTo>
-                  <a:lnTo>
-                    <a:pt x="2777201" y="2415058"/>
-                  </a:lnTo>
-                  <a:lnTo>
-                    <a:pt x="2861358" y="2322884"/>
-                  </a:lnTo>
-                  <a:lnTo>
-                    <a:pt x="2945516" y="2228829"/>
-                  </a:lnTo>
-                  <a:lnTo>
-                    <a:pt x="3029674" y="2133127"/>
-                  </a:lnTo>
-                  <a:lnTo>
-                    <a:pt x="3113831" y="2036023"/>
-                  </a:lnTo>
-                  <a:lnTo>
-                    <a:pt x="3197989" y="1937771"/>
-                  </a:lnTo>
-                  <a:lnTo>
-                    <a:pt x="3282146" y="1838632"/>
-                  </a:lnTo>
-                  <a:lnTo>
-                    <a:pt x="3366304" y="1738875"/>
-                  </a:lnTo>
-                  <a:lnTo>
-                    <a:pt x="3450462" y="1638770"/>
-                  </a:lnTo>
-                  <a:lnTo>
-                    <a:pt x="3534619" y="1538591"/>
-                  </a:lnTo>
-                  <a:lnTo>
-                    <a:pt x="3618777" y="1438610"/>
-                  </a:lnTo>
-                  <a:lnTo>
-                    <a:pt x="3702934" y="1339100"/>
-                  </a:lnTo>
-                  <a:lnTo>
-                    <a:pt x="3787092" y="1240331"/>
-                  </a:lnTo>
-                  <a:lnTo>
-                    <a:pt x="3871250" y="1142568"/>
-                  </a:lnTo>
-                  <a:lnTo>
-                    <a:pt x="3955407" y="1046070"/>
-                  </a:lnTo>
-                  <a:lnTo>
-                    <a:pt x="4039565" y="951086"/>
-                  </a:lnTo>
-                  <a:lnTo>
-                    <a:pt x="4123723" y="857857"/>
-                  </a:lnTo>
-                  <a:lnTo>
-                    <a:pt x="4207880" y="766609"/>
-                  </a:lnTo>
-                  <a:lnTo>
-                    <a:pt x="4292038" y="677556"/>
-                  </a:lnTo>
-                  <a:lnTo>
-                    <a:pt x="4376195" y="590891"/>
-                  </a:lnTo>
-                  <a:lnTo>
-                    <a:pt x="4460353" y="506790"/>
-                  </a:lnTo>
-                  <a:lnTo>
-                    <a:pt x="4544511" y="425409"/>
-                  </a:lnTo>
-                  <a:lnTo>
-                    <a:pt x="4628668" y="346879"/>
-                  </a:lnTo>
-                  <a:lnTo>
-                    <a:pt x="4712826" y="271310"/>
-                  </a:lnTo>
-                  <a:lnTo>
-                    <a:pt x="4796983" y="198788"/>
-                  </a:lnTo>
-                  <a:lnTo>
-                    <a:pt x="4881141" y="129373"/>
-                  </a:lnTo>
-                  <a:lnTo>
-                    <a:pt x="4965299" y="63105"/>
+                    <a:pt x="84157" y="3944994"/>
+                  </a:lnTo>
+                  <a:lnTo>
+                    <a:pt x="168315" y="3930654"/>
+                  </a:lnTo>
+                  <a:lnTo>
+                    <a:pt x="252472" y="3915115"/>
+                  </a:lnTo>
+                  <a:lnTo>
+                    <a:pt x="336630" y="3898285"/>
+                  </a:lnTo>
+                  <a:lnTo>
+                    <a:pt x="420788" y="3880072"/>
+                  </a:lnTo>
+                  <a:lnTo>
+                    <a:pt x="504945" y="3860378"/>
+                  </a:lnTo>
+                  <a:lnTo>
+                    <a:pt x="589103" y="3839099"/>
+                  </a:lnTo>
+                  <a:lnTo>
+                    <a:pt x="673260" y="3816128"/>
+                  </a:lnTo>
+                  <a:lnTo>
+                    <a:pt x="757418" y="3791357"/>
+                  </a:lnTo>
+                  <a:lnTo>
+                    <a:pt x="841576" y="3764671"/>
+                  </a:lnTo>
+                  <a:lnTo>
+                    <a:pt x="925733" y="3735955"/>
+                  </a:lnTo>
+                  <a:lnTo>
+                    <a:pt x="1009891" y="3705092"/>
+                  </a:lnTo>
+                  <a:lnTo>
+                    <a:pt x="1094048" y="3671964"/>
+                  </a:lnTo>
+                  <a:lnTo>
+                    <a:pt x="1178206" y="3636454"/>
+                  </a:lnTo>
+                  <a:lnTo>
+                    <a:pt x="1262364" y="3598448"/>
+                  </a:lnTo>
+                  <a:lnTo>
+                    <a:pt x="1346521" y="3557833"/>
+                  </a:lnTo>
+                  <a:lnTo>
+                    <a:pt x="1430679" y="3514504"/>
+                  </a:lnTo>
+                  <a:lnTo>
+                    <a:pt x="1514837" y="3468360"/>
+                  </a:lnTo>
+                  <a:lnTo>
+                    <a:pt x="1598994" y="3419311"/>
+                  </a:lnTo>
+                  <a:lnTo>
+                    <a:pt x="1683152" y="3367277"/>
+                  </a:lnTo>
+                  <a:lnTo>
+                    <a:pt x="1767309" y="3312190"/>
+                  </a:lnTo>
+                  <a:lnTo>
+                    <a:pt x="1851467" y="3253998"/>
+                  </a:lnTo>
+                  <a:lnTo>
+                    <a:pt x="1935625" y="3192667"/>
+                  </a:lnTo>
+                  <a:lnTo>
+                    <a:pt x="2019782" y="3128179"/>
+                  </a:lnTo>
+                  <a:lnTo>
+                    <a:pt x="2103940" y="3060538"/>
+                  </a:lnTo>
+                  <a:lnTo>
+                    <a:pt x="2188097" y="2989771"/>
+                  </a:lnTo>
+                  <a:lnTo>
+                    <a:pt x="2272255" y="2915924"/>
+                  </a:lnTo>
+                  <a:lnTo>
+                    <a:pt x="2356413" y="2839072"/>
+                  </a:lnTo>
+                  <a:lnTo>
+                    <a:pt x="2440570" y="2759309"/>
+                  </a:lnTo>
+                  <a:lnTo>
+                    <a:pt x="2524728" y="2676755"/>
+                  </a:lnTo>
+                  <a:lnTo>
+                    <a:pt x="2608886" y="2591551"/>
+                  </a:lnTo>
+                  <a:lnTo>
+                    <a:pt x="2693043" y="2503863"/>
+                  </a:lnTo>
+                  <a:lnTo>
+                    <a:pt x="2777201" y="2413873"/>
+                  </a:lnTo>
+                  <a:lnTo>
+                    <a:pt x="2861358" y="2321784"/>
+                  </a:lnTo>
+                  <a:lnTo>
+                    <a:pt x="2945516" y="2227815"/>
+                  </a:lnTo>
+                  <a:lnTo>
+                    <a:pt x="3029674" y="2132197"/>
+                  </a:lnTo>
+                  <a:lnTo>
+                    <a:pt x="3113831" y="2035176"/>
+                  </a:lnTo>
+                  <a:lnTo>
+                    <a:pt x="3197989" y="1937005"/>
+                  </a:lnTo>
+                  <a:lnTo>
+                    <a:pt x="3282146" y="1837946"/>
+                  </a:lnTo>
+                  <a:lnTo>
+                    <a:pt x="3366304" y="1738266"/>
+                  </a:lnTo>
+                  <a:lnTo>
+                    <a:pt x="3450462" y="1638235"/>
+                  </a:lnTo>
+                  <a:lnTo>
+                    <a:pt x="3534619" y="1538126"/>
+                  </a:lnTo>
+                  <a:lnTo>
+                    <a:pt x="3618777" y="1438213"/>
+                  </a:lnTo>
+                  <a:lnTo>
+                    <a:pt x="3702934" y="1338767"/>
+                  </a:lnTo>
+                  <a:lnTo>
+                    <a:pt x="3787092" y="1240058"/>
+                  </a:lnTo>
+                  <a:lnTo>
+                    <a:pt x="3871250" y="1142350"/>
+                  </a:lnTo>
+                  <a:lnTo>
+                    <a:pt x="3955407" y="1045903"/>
+                  </a:lnTo>
+                  <a:lnTo>
+                    <a:pt x="4039565" y="950966"/>
+                  </a:lnTo>
+                  <a:lnTo>
+                    <a:pt x="4123723" y="857779"/>
+                  </a:lnTo>
+                  <a:lnTo>
+                    <a:pt x="4207880" y="766568"/>
+                  </a:lnTo>
+                  <a:lnTo>
+                    <a:pt x="4292038" y="677546"/>
+                  </a:lnTo>
+                  <a:lnTo>
+                    <a:pt x="4376195" y="590906"/>
+                  </a:lnTo>
+                  <a:lnTo>
+                    <a:pt x="4460353" y="506825"/>
+                  </a:lnTo>
+                  <a:lnTo>
+                    <a:pt x="4544511" y="425456"/>
+                  </a:lnTo>
+                  <a:lnTo>
+                    <a:pt x="4628668" y="346934"/>
+                  </a:lnTo>
+                  <a:lnTo>
+                    <a:pt x="4712826" y="271365"/>
+                  </a:lnTo>
+                  <a:lnTo>
+                    <a:pt x="4796983" y="198838"/>
+                  </a:lnTo>
+                  <a:lnTo>
+                    <a:pt x="4881141" y="129412"/>
+                  </a:lnTo>
+                  <a:lnTo>
+                    <a:pt x="4965299" y="63127"/>
                   </a:lnTo>
                   <a:lnTo>
                     <a:pt x="5049456" y="0"/>

--- a/plots/2021_02_09/Fig4_fit1_binomGLMM_B117_Belgium_response scale.pptx
+++ b/plots/2021_02_09/Fig4_fit1_binomGLMM_B117_Belgium_response scale.pptx
@@ -3806,6 +3806,9 @@
                     <a:pt x="0" y="4141130"/>
                   </a:moveTo>
                   <a:lnTo>
+                    <a:pt x="0" y="4141130"/>
+                  </a:lnTo>
+                  <a:lnTo>
                     <a:pt x="84157" y="4126430"/>
                   </a:lnTo>
                   <a:lnTo>
@@ -4230,6 +4233,9 @@
                   <a:moveTo>
                     <a:pt x="0" y="3958218"/>
                   </a:moveTo>
+                  <a:lnTo>
+                    <a:pt x="0" y="3958218"/>
+                  </a:lnTo>
                   <a:lnTo>
                     <a:pt x="84157" y="3944994"/>
                   </a:lnTo>

--- a/plots/2021_02_09/Fig4_fit1_binomGLMM_B117_Belgium_response scale.pptx
+++ b/plots/2021_02_09/Fig4_fit1_binomGLMM_B117_Belgium_response scale.pptx
@@ -3184,20 +3184,20 @@
           <p:spPr>
             <a:xfrm>
               <a:off x="2199579" y="6104097"/>
-              <a:ext cx="5049456" cy="0"/>
+              <a:ext cx="4830285" cy="0"/>
             </a:xfrm>
             <a:custGeom>
               <a:avLst/>
               <a:pathLst>
-                <a:path w="5049456" h="0">
+                <a:path w="4830285" h="0">
                   <a:moveTo>
                     <a:pt x="0" y="0"/>
                   </a:moveTo>
                   <a:lnTo>
-                    <a:pt x="5049456" y="0"/>
-                  </a:lnTo>
-                  <a:lnTo>
-                    <a:pt x="5049456" y="0"/>
+                    <a:pt x="4830285" y="0"/>
+                  </a:lnTo>
+                  <a:lnTo>
+                    <a:pt x="4830285" y="0"/>
                   </a:lnTo>
                 </a:path>
               </a:pathLst>
@@ -3226,21 +3226,21 @@
           </p:nvSpPr>
           <p:spPr>
             <a:xfrm>
-              <a:off x="2199579" y="4855026"/>
-              <a:ext cx="5049456" cy="0"/>
+              <a:off x="2199579" y="4914676"/>
+              <a:ext cx="4830285" cy="0"/>
             </a:xfrm>
             <a:custGeom>
               <a:avLst/>
               <a:pathLst>
-                <a:path w="5049456" h="0">
+                <a:path w="4830285" h="0">
                   <a:moveTo>
                     <a:pt x="0" y="0"/>
                   </a:moveTo>
                   <a:lnTo>
-                    <a:pt x="5049456" y="0"/>
-                  </a:lnTo>
-                  <a:lnTo>
-                    <a:pt x="5049456" y="0"/>
+                    <a:pt x="4830285" y="0"/>
+                  </a:lnTo>
+                  <a:lnTo>
+                    <a:pt x="4830285" y="0"/>
                   </a:lnTo>
                 </a:path>
               </a:pathLst>
@@ -3269,21 +3269,21 @@
           </p:nvSpPr>
           <p:spPr>
             <a:xfrm>
-              <a:off x="2199579" y="3605955"/>
-              <a:ext cx="5049456" cy="0"/>
+              <a:off x="2199579" y="3725254"/>
+              <a:ext cx="4830285" cy="0"/>
             </a:xfrm>
             <a:custGeom>
               <a:avLst/>
               <a:pathLst>
-                <a:path w="5049456" h="0">
+                <a:path w="4830285" h="0">
                   <a:moveTo>
                     <a:pt x="0" y="0"/>
                   </a:moveTo>
                   <a:lnTo>
-                    <a:pt x="5049456" y="0"/>
-                  </a:lnTo>
-                  <a:lnTo>
-                    <a:pt x="5049456" y="0"/>
+                    <a:pt x="4830285" y="0"/>
+                  </a:lnTo>
+                  <a:lnTo>
+                    <a:pt x="4830285" y="0"/>
                   </a:lnTo>
                 </a:path>
               </a:pathLst>
@@ -3312,21 +3312,21 @@
           </p:nvSpPr>
           <p:spPr>
             <a:xfrm>
-              <a:off x="2199579" y="2356884"/>
-              <a:ext cx="5049456" cy="0"/>
+              <a:off x="2199579" y="2535833"/>
+              <a:ext cx="4830285" cy="0"/>
             </a:xfrm>
             <a:custGeom>
               <a:avLst/>
               <a:pathLst>
-                <a:path w="5049456" h="0">
+                <a:path w="4830285" h="0">
                   <a:moveTo>
                     <a:pt x="0" y="0"/>
                   </a:moveTo>
                   <a:lnTo>
-                    <a:pt x="5049456" y="0"/>
-                  </a:lnTo>
-                  <a:lnTo>
-                    <a:pt x="5049456" y="0"/>
+                    <a:pt x="4830285" y="0"/>
+                  </a:lnTo>
+                  <a:lnTo>
+                    <a:pt x="4830285" y="0"/>
                   </a:lnTo>
                 </a:path>
               </a:pathLst>
@@ -3355,21 +3355,21 @@
           </p:nvSpPr>
           <p:spPr>
             <a:xfrm>
-              <a:off x="2199579" y="1107814"/>
-              <a:ext cx="5049456" cy="0"/>
+              <a:off x="2199579" y="1346412"/>
+              <a:ext cx="4830285" cy="0"/>
             </a:xfrm>
             <a:custGeom>
               <a:avLst/>
               <a:pathLst>
-                <a:path w="5049456" h="0">
+                <a:path w="4830285" h="0">
                   <a:moveTo>
                     <a:pt x="0" y="0"/>
                   </a:moveTo>
                   <a:lnTo>
-                    <a:pt x="5049456" y="0"/>
-                  </a:lnTo>
-                  <a:lnTo>
-                    <a:pt x="5049456" y="0"/>
+                    <a:pt x="4830285" y="0"/>
+                  </a:lnTo>
+                  <a:lnTo>
+                    <a:pt x="4830285" y="0"/>
                   </a:lnTo>
                 </a:path>
               </a:pathLst>
@@ -3398,385 +3398,229 @@
           </p:nvSpPr>
           <p:spPr>
             <a:xfrm>
-              <a:off x="2199579" y="1776739"/>
-              <a:ext cx="5049456" cy="4207310"/>
+              <a:off x="2199579" y="1346412"/>
+              <a:ext cx="4830285" cy="4757685"/>
             </a:xfrm>
             <a:custGeom>
               <a:avLst/>
               <a:pathLst>
-                <a:path w="5049456" h="4207310">
+                <a:path w="4830285" h="4757685">
                   <a:moveTo>
-                    <a:pt x="0" y="4141130"/>
+                    <a:pt x="0" y="57317"/>
                   </a:moveTo>
                   <a:lnTo>
-                    <a:pt x="84157" y="4126430"/>
-                  </a:lnTo>
-                  <a:lnTo>
-                    <a:pt x="168315" y="4110620"/>
-                  </a:lnTo>
-                  <a:lnTo>
-                    <a:pt x="252472" y="4093626"/>
-                  </a:lnTo>
-                  <a:lnTo>
-                    <a:pt x="336630" y="4075365"/>
-                  </a:lnTo>
-                  <a:lnTo>
-                    <a:pt x="420788" y="4055754"/>
-                  </a:lnTo>
-                  <a:lnTo>
-                    <a:pt x="504945" y="4034705"/>
-                  </a:lnTo>
-                  <a:lnTo>
-                    <a:pt x="589103" y="4012122"/>
-                  </a:lnTo>
-                  <a:lnTo>
-                    <a:pt x="673260" y="3987909"/>
-                  </a:lnTo>
-                  <a:lnTo>
-                    <a:pt x="757418" y="3961962"/>
-                  </a:lnTo>
-                  <a:lnTo>
-                    <a:pt x="841576" y="3934173"/>
-                  </a:lnTo>
-                  <a:lnTo>
-                    <a:pt x="925733" y="3904429"/>
-                  </a:lnTo>
-                  <a:lnTo>
-                    <a:pt x="1009891" y="3872608"/>
-                  </a:lnTo>
-                  <a:lnTo>
-                    <a:pt x="1094048" y="3838587"/>
-                  </a:lnTo>
-                  <a:lnTo>
-                    <a:pt x="1178206" y="3802231"/>
-                  </a:lnTo>
-                  <a:lnTo>
-                    <a:pt x="1262364" y="3763401"/>
-                  </a:lnTo>
-                  <a:lnTo>
-                    <a:pt x="1346521" y="3721950"/>
-                  </a:lnTo>
-                  <a:lnTo>
-                    <a:pt x="1430679" y="3677720"/>
-                  </a:lnTo>
-                  <a:lnTo>
-                    <a:pt x="1514837" y="3630550"/>
-                  </a:lnTo>
-                  <a:lnTo>
-                    <a:pt x="1598994" y="3580272"/>
-                  </a:lnTo>
-                  <a:lnTo>
-                    <a:pt x="1683152" y="3526714"/>
-                  </a:lnTo>
-                  <a:lnTo>
-                    <a:pt x="1767309" y="3469713"/>
-                  </a:lnTo>
-                  <a:lnTo>
-                    <a:pt x="1851467" y="3409113"/>
-                  </a:lnTo>
-                  <a:lnTo>
-                    <a:pt x="1935625" y="3344783"/>
-                  </a:lnTo>
-                  <a:lnTo>
-                    <a:pt x="2019782" y="3276625"/>
-                  </a:lnTo>
-                  <a:lnTo>
-                    <a:pt x="2103940" y="3204581"/>
-                  </a:lnTo>
-                  <a:lnTo>
-                    <a:pt x="2188097" y="3128641"/>
-                  </a:lnTo>
-                  <a:lnTo>
-                    <a:pt x="2272255" y="3048844"/>
-                  </a:lnTo>
-                  <a:lnTo>
-                    <a:pt x="2356413" y="2965284"/>
-                  </a:lnTo>
-                  <a:lnTo>
-                    <a:pt x="2440570" y="2878097"/>
-                  </a:lnTo>
-                  <a:lnTo>
-                    <a:pt x="2524728" y="2787467"/>
-                  </a:lnTo>
-                  <a:lnTo>
-                    <a:pt x="2608886" y="2693612"/>
-                  </a:lnTo>
-                  <a:lnTo>
-                    <a:pt x="2693043" y="2596787"/>
-                  </a:lnTo>
-                  <a:lnTo>
-                    <a:pt x="2777201" y="2497274"/>
-                  </a:lnTo>
-                  <a:lnTo>
-                    <a:pt x="2861358" y="2395379"/>
-                  </a:lnTo>
-                  <a:lnTo>
-                    <a:pt x="2945516" y="2291427"/>
-                  </a:lnTo>
-                  <a:lnTo>
-                    <a:pt x="3029674" y="2185760"/>
-                  </a:lnTo>
-                  <a:lnTo>
-                    <a:pt x="3113831" y="2078731"/>
-                  </a:lnTo>
-                  <a:lnTo>
-                    <a:pt x="3197989" y="1970703"/>
-                  </a:lnTo>
-                  <a:lnTo>
-                    <a:pt x="3282146" y="1862043"/>
-                  </a:lnTo>
-                  <a:lnTo>
-                    <a:pt x="3366304" y="1753123"/>
-                  </a:lnTo>
-                  <a:lnTo>
-                    <a:pt x="3450462" y="1644312"/>
-                  </a:lnTo>
-                  <a:lnTo>
-                    <a:pt x="3534619" y="1535981"/>
-                  </a:lnTo>
-                  <a:lnTo>
-                    <a:pt x="3618777" y="1428495"/>
-                  </a:lnTo>
-                  <a:lnTo>
-                    <a:pt x="3702934" y="1322211"/>
-                  </a:lnTo>
-                  <a:lnTo>
-                    <a:pt x="3787092" y="1217475"/>
-                  </a:lnTo>
-                  <a:lnTo>
-                    <a:pt x="3871250" y="1114621"/>
-                  </a:lnTo>
-                  <a:lnTo>
-                    <a:pt x="3955407" y="1013965"/>
-                  </a:lnTo>
-                  <a:lnTo>
-                    <a:pt x="4039565" y="915803"/>
-                  </a:lnTo>
-                  <a:lnTo>
-                    <a:pt x="4123723" y="820407"/>
-                  </a:lnTo>
-                  <a:lnTo>
-                    <a:pt x="4207880" y="728019"/>
-                  </a:lnTo>
-                  <a:lnTo>
-                    <a:pt x="4292038" y="638853"/>
-                  </a:lnTo>
-                  <a:lnTo>
-                    <a:pt x="4376195" y="553092"/>
-                  </a:lnTo>
-                  <a:lnTo>
-                    <a:pt x="4460353" y="470880"/>
-                  </a:lnTo>
-                  <a:lnTo>
-                    <a:pt x="4544511" y="392331"/>
-                  </a:lnTo>
-                  <a:lnTo>
-                    <a:pt x="4628668" y="317522"/>
-                  </a:lnTo>
-                  <a:lnTo>
-                    <a:pt x="4712826" y="246495"/>
-                  </a:lnTo>
-                  <a:lnTo>
-                    <a:pt x="4796983" y="179263"/>
-                  </a:lnTo>
-                  <a:lnTo>
-                    <a:pt x="4881141" y="115804"/>
-                  </a:lnTo>
-                  <a:lnTo>
-                    <a:pt x="4965299" y="56074"/>
-                  </a:lnTo>
-                  <a:lnTo>
-                    <a:pt x="5049456" y="0"/>
-                  </a:lnTo>
-                  <a:lnTo>
-                    <a:pt x="5049456" y="488075"/>
-                  </a:lnTo>
-                  <a:lnTo>
-                    <a:pt x="4965299" y="555891"/>
-                  </a:lnTo>
-                  <a:lnTo>
-                    <a:pt x="4881141" y="626130"/>
-                  </a:lnTo>
-                  <a:lnTo>
-                    <a:pt x="4796983" y="698719"/>
-                  </a:lnTo>
-                  <a:lnTo>
-                    <a:pt x="4712826" y="773568"/>
-                  </a:lnTo>
-                  <a:lnTo>
-                    <a:pt x="4628668" y="850573"/>
-                  </a:lnTo>
-                  <a:lnTo>
-                    <a:pt x="4544511" y="929618"/>
-                  </a:lnTo>
-                  <a:lnTo>
-                    <a:pt x="4460353" y="1010572"/>
-                  </a:lnTo>
-                  <a:lnTo>
-                    <a:pt x="4376195" y="1093292"/>
-                  </a:lnTo>
-                  <a:lnTo>
-                    <a:pt x="4292038" y="1177624"/>
-                  </a:lnTo>
-                  <a:lnTo>
-                    <a:pt x="4207880" y="1263406"/>
-                  </a:lnTo>
-                  <a:lnTo>
-                    <a:pt x="4123723" y="1350466"/>
-                  </a:lnTo>
-                  <a:lnTo>
-                    <a:pt x="4039565" y="1438627"/>
-                  </a:lnTo>
-                  <a:lnTo>
-                    <a:pt x="3955407" y="1527706"/>
-                  </a:lnTo>
-                  <a:lnTo>
-                    <a:pt x="3871250" y="1617514"/>
-                  </a:lnTo>
-                  <a:lnTo>
-                    <a:pt x="3787092" y="1707861"/>
-                  </a:lnTo>
-                  <a:lnTo>
-                    <a:pt x="3702934" y="1798553"/>
-                  </a:lnTo>
-                  <a:lnTo>
-                    <a:pt x="3618777" y="1889398"/>
-                  </a:lnTo>
-                  <a:lnTo>
-                    <a:pt x="3534619" y="1980200"/>
-                  </a:lnTo>
-                  <a:lnTo>
-                    <a:pt x="3450462" y="2070768"/>
-                  </a:lnTo>
-                  <a:lnTo>
-                    <a:pt x="3366304" y="2160910"/>
-                  </a:lnTo>
-                  <a:lnTo>
-                    <a:pt x="3282146" y="2250438"/>
-                  </a:lnTo>
-                  <a:lnTo>
-                    <a:pt x="3197989" y="2339168"/>
-                  </a:lnTo>
-                  <a:lnTo>
-                    <a:pt x="3113831" y="2426924"/>
-                  </a:lnTo>
-                  <a:lnTo>
-                    <a:pt x="3029674" y="2513533"/>
-                  </a:lnTo>
-                  <a:lnTo>
-                    <a:pt x="2945516" y="2598832"/>
-                  </a:lnTo>
-                  <a:lnTo>
-                    <a:pt x="2861358" y="2682669"/>
-                  </a:lnTo>
-                  <a:lnTo>
-                    <a:pt x="2777201" y="2764901"/>
-                  </a:lnTo>
-                  <a:lnTo>
-                    <a:pt x="2693043" y="2845397"/>
-                  </a:lnTo>
-                  <a:lnTo>
-                    <a:pt x="2608886" y="2924041"/>
-                  </a:lnTo>
-                  <a:lnTo>
-                    <a:pt x="2524728" y="3000726"/>
-                  </a:lnTo>
-                  <a:lnTo>
-                    <a:pt x="2440570" y="3075363"/>
-                  </a:lnTo>
-                  <a:lnTo>
-                    <a:pt x="2356413" y="3147869"/>
-                  </a:lnTo>
-                  <a:lnTo>
-                    <a:pt x="2272255" y="3218174"/>
-                  </a:lnTo>
-                  <a:lnTo>
-                    <a:pt x="2188097" y="3286211"/>
-                  </a:lnTo>
-                  <a:lnTo>
-                    <a:pt x="2103940" y="3351917"/>
-                  </a:lnTo>
-                  <a:lnTo>
-                    <a:pt x="2019782" y="3415228"/>
-                  </a:lnTo>
-                  <a:lnTo>
-                    <a:pt x="1935625" y="3476078"/>
-                  </a:lnTo>
-                  <a:lnTo>
-                    <a:pt x="1851467" y="3534399"/>
-                  </a:lnTo>
-                  <a:lnTo>
-                    <a:pt x="1767309" y="3590124"/>
-                  </a:lnTo>
-                  <a:lnTo>
-                    <a:pt x="1683152" y="3643195"/>
-                  </a:lnTo>
-                  <a:lnTo>
-                    <a:pt x="1598994" y="3693566"/>
-                  </a:lnTo>
-                  <a:lnTo>
-                    <a:pt x="1514837" y="3741210"/>
-                  </a:lnTo>
-                  <a:lnTo>
-                    <a:pt x="1430679" y="3786123"/>
-                  </a:lnTo>
-                  <a:lnTo>
-                    <a:pt x="1346521" y="3828325"/>
-                  </a:lnTo>
-                  <a:lnTo>
-                    <a:pt x="1262364" y="3867859"/>
-                  </a:lnTo>
-                  <a:lnTo>
-                    <a:pt x="1178206" y="3904788"/>
-                  </a:lnTo>
-                  <a:lnTo>
-                    <a:pt x="1094048" y="3939195"/>
-                  </a:lnTo>
-                  <a:lnTo>
-                    <a:pt x="1009891" y="3971175"/>
-                  </a:lnTo>
-                  <a:lnTo>
-                    <a:pt x="925733" y="4000835"/>
-                  </a:lnTo>
-                  <a:lnTo>
-                    <a:pt x="841576" y="4028289"/>
-                  </a:lnTo>
-                  <a:lnTo>
-                    <a:pt x="757418" y="4053655"/>
-                  </a:lnTo>
-                  <a:lnTo>
-                    <a:pt x="673260" y="4077053"/>
-                  </a:lnTo>
-                  <a:lnTo>
-                    <a:pt x="589103" y="4098606"/>
-                  </a:lnTo>
-                  <a:lnTo>
-                    <a:pt x="504945" y="4118430"/>
-                  </a:lnTo>
-                  <a:lnTo>
-                    <a:pt x="420788" y="4136644"/>
-                  </a:lnTo>
-                  <a:lnTo>
-                    <a:pt x="336630" y="4153358"/>
-                  </a:lnTo>
-                  <a:lnTo>
-                    <a:pt x="252472" y="4168682"/>
-                  </a:lnTo>
-                  <a:lnTo>
-                    <a:pt x="168315" y="4182718"/>
-                  </a:lnTo>
-                  <a:lnTo>
-                    <a:pt x="84157" y="4195563"/>
-                  </a:lnTo>
-                  <a:lnTo>
-                    <a:pt x="0" y="4207310"/>
+                    <a:pt x="80504" y="67198"/>
+                  </a:lnTo>
+                  <a:lnTo>
+                    <a:pt x="161009" y="76606"/>
+                  </a:lnTo>
+                  <a:lnTo>
+                    <a:pt x="241514" y="85086"/>
+                  </a:lnTo>
+                  <a:lnTo>
+                    <a:pt x="322019" y="92194"/>
+                  </a:lnTo>
+                  <a:lnTo>
+                    <a:pt x="402523" y="97552"/>
+                  </a:lnTo>
+                  <a:lnTo>
+                    <a:pt x="483028" y="100879"/>
+                  </a:lnTo>
+                  <a:lnTo>
+                    <a:pt x="563533" y="101992"/>
+                  </a:lnTo>
+                  <a:lnTo>
+                    <a:pt x="644038" y="100775"/>
+                  </a:lnTo>
+                  <a:lnTo>
+                    <a:pt x="724542" y="97151"/>
+                  </a:lnTo>
+                  <a:lnTo>
+                    <a:pt x="805047" y="91053"/>
+                  </a:lnTo>
+                  <a:lnTo>
+                    <a:pt x="885552" y="82414"/>
+                  </a:lnTo>
+                  <a:lnTo>
+                    <a:pt x="966057" y="71159"/>
+                  </a:lnTo>
+                  <a:lnTo>
+                    <a:pt x="1046561" y="57206"/>
+                  </a:lnTo>
+                  <a:lnTo>
+                    <a:pt x="1127066" y="40472"/>
+                  </a:lnTo>
+                  <a:lnTo>
+                    <a:pt x="1207571" y="20875"/>
+                  </a:lnTo>
+                  <a:lnTo>
+                    <a:pt x="1282168" y="0"/>
+                  </a:lnTo>
+                  <a:lnTo>
+                    <a:pt x="3889112" y="0"/>
+                  </a:lnTo>
+                  <a:lnTo>
+                    <a:pt x="3944733" y="93714"/>
+                  </a:lnTo>
+                  <a:lnTo>
+                    <a:pt x="4025237" y="238407"/>
+                  </a:lnTo>
+                  <a:lnTo>
+                    <a:pt x="4105742" y="391008"/>
+                  </a:lnTo>
+                  <a:lnTo>
+                    <a:pt x="4186247" y="550302"/>
+                  </a:lnTo>
+                  <a:lnTo>
+                    <a:pt x="4266752" y="715026"/>
+                  </a:lnTo>
+                  <a:lnTo>
+                    <a:pt x="4347256" y="883899"/>
+                  </a:lnTo>
+                  <a:lnTo>
+                    <a:pt x="4427761" y="1055650"/>
+                  </a:lnTo>
+                  <a:lnTo>
+                    <a:pt x="4508266" y="1229040"/>
+                  </a:lnTo>
+                  <a:lnTo>
+                    <a:pt x="4588771" y="1402885"/>
+                  </a:lnTo>
+                  <a:lnTo>
+                    <a:pt x="4669275" y="1576074"/>
+                  </a:lnTo>
+                  <a:lnTo>
+                    <a:pt x="4749780" y="1747579"/>
+                  </a:lnTo>
+                  <a:lnTo>
+                    <a:pt x="4830285" y="1916471"/>
+                  </a:lnTo>
+                  <a:lnTo>
+                    <a:pt x="4830285" y="4757685"/>
+                  </a:lnTo>
+                  <a:lnTo>
+                    <a:pt x="3022149" y="4757685"/>
+                  </a:lnTo>
+                  <a:lnTo>
+                    <a:pt x="2978676" y="4654005"/>
+                  </a:lnTo>
+                  <a:lnTo>
+                    <a:pt x="2898171" y="4455172"/>
+                  </a:lnTo>
+                  <a:lnTo>
+                    <a:pt x="2817666" y="4251081"/>
+                  </a:lnTo>
+                  <a:lnTo>
+                    <a:pt x="2737161" y="4043329"/>
+                  </a:lnTo>
+                  <a:lnTo>
+                    <a:pt x="2656657" y="3833503"/>
+                  </a:lnTo>
+                  <a:lnTo>
+                    <a:pt x="2576152" y="3623145"/>
+                  </a:lnTo>
+                  <a:lnTo>
+                    <a:pt x="2495647" y="3413727"/>
+                  </a:lnTo>
+                  <a:lnTo>
+                    <a:pt x="2415142" y="3206622"/>
+                  </a:lnTo>
+                  <a:lnTo>
+                    <a:pt x="2334637" y="3003091"/>
+                  </a:lnTo>
+                  <a:lnTo>
+                    <a:pt x="2254133" y="2804262"/>
+                  </a:lnTo>
+                  <a:lnTo>
+                    <a:pt x="2173628" y="2611124"/>
+                  </a:lnTo>
+                  <a:lnTo>
+                    <a:pt x="2093123" y="2424521"/>
+                  </a:lnTo>
+                  <a:lnTo>
+                    <a:pt x="2012618" y="2245154"/>
+                  </a:lnTo>
+                  <a:lnTo>
+                    <a:pt x="1932114" y="2073578"/>
+                  </a:lnTo>
+                  <a:lnTo>
+                    <a:pt x="1851609" y="1910216"/>
+                  </a:lnTo>
+                  <a:lnTo>
+                    <a:pt x="1771104" y="1755360"/>
+                  </a:lnTo>
+                  <a:lnTo>
+                    <a:pt x="1690599" y="1609189"/>
+                  </a:lnTo>
+                  <a:lnTo>
+                    <a:pt x="1610095" y="1471773"/>
+                  </a:lnTo>
+                  <a:lnTo>
+                    <a:pt x="1529590" y="1343092"/>
+                  </a:lnTo>
+                  <a:lnTo>
+                    <a:pt x="1449085" y="1223049"/>
+                  </a:lnTo>
+                  <a:lnTo>
+                    <a:pt x="1368580" y="1111476"/>
+                  </a:lnTo>
+                  <a:lnTo>
+                    <a:pt x="1288076" y="1008155"/>
+                  </a:lnTo>
+                  <a:lnTo>
+                    <a:pt x="1207571" y="912825"/>
+                  </a:lnTo>
+                  <a:lnTo>
+                    <a:pt x="1127066" y="825196"/>
+                  </a:lnTo>
+                  <a:lnTo>
+                    <a:pt x="1046561" y="744958"/>
+                  </a:lnTo>
+                  <a:lnTo>
+                    <a:pt x="966057" y="671793"/>
+                  </a:lnTo>
+                  <a:lnTo>
+                    <a:pt x="885552" y="605380"/>
+                  </a:lnTo>
+                  <a:lnTo>
+                    <a:pt x="805047" y="545408"/>
+                  </a:lnTo>
+                  <a:lnTo>
+                    <a:pt x="724542" y="491576"/>
+                  </a:lnTo>
+                  <a:lnTo>
+                    <a:pt x="644038" y="443601"/>
+                  </a:lnTo>
+                  <a:lnTo>
+                    <a:pt x="563533" y="401207"/>
+                  </a:lnTo>
+                  <a:lnTo>
+                    <a:pt x="483028" y="364114"/>
+                  </a:lnTo>
+                  <a:lnTo>
+                    <a:pt x="402523" y="332015"/>
+                  </a:lnTo>
+                  <a:lnTo>
+                    <a:pt x="322019" y="304542"/>
+                  </a:lnTo>
+                  <a:lnTo>
+                    <a:pt x="241514" y="281242"/>
+                  </a:lnTo>
+                  <a:lnTo>
+                    <a:pt x="161009" y="261570"/>
+                  </a:lnTo>
+                  <a:lnTo>
+                    <a:pt x="80504" y="244927"/>
+                  </a:lnTo>
+                  <a:lnTo>
+                    <a:pt x="0" y="230712"/>
                   </a:lnTo>
                   <a:close/>
                 </a:path>
               </a:pathLst>
             </a:custGeom>
             <a:solidFill>
-              <a:srgbClr val="B0C4DE">
+              <a:srgbClr val="FF0083">
                 <a:alpha val="100000"/>
               </a:srgbClr>
             </a:solidFill>
@@ -3795,201 +3639,66 @@
           </p:nvSpPr>
           <p:spPr>
             <a:xfrm>
-              <a:off x="2199579" y="1776739"/>
-              <a:ext cx="5049456" cy="4141130"/>
+              <a:off x="2199579" y="1346412"/>
+              <a:ext cx="1282168" cy="101992"/>
             </a:xfrm>
             <a:custGeom>
               <a:avLst/>
               <a:pathLst>
-                <a:path w="5049456" h="4141130">
+                <a:path w="1282168" h="101992">
                   <a:moveTo>
-                    <a:pt x="0" y="4141130"/>
+                    <a:pt x="0" y="57317"/>
                   </a:moveTo>
                   <a:lnTo>
-                    <a:pt x="0" y="4141130"/>
-                  </a:lnTo>
-                  <a:lnTo>
-                    <a:pt x="84157" y="4126430"/>
-                  </a:lnTo>
-                  <a:lnTo>
-                    <a:pt x="168315" y="4110620"/>
-                  </a:lnTo>
-                  <a:lnTo>
-                    <a:pt x="252472" y="4093626"/>
-                  </a:lnTo>
-                  <a:lnTo>
-                    <a:pt x="336630" y="4075365"/>
-                  </a:lnTo>
-                  <a:lnTo>
-                    <a:pt x="420788" y="4055754"/>
-                  </a:lnTo>
-                  <a:lnTo>
-                    <a:pt x="504945" y="4034705"/>
-                  </a:lnTo>
-                  <a:lnTo>
-                    <a:pt x="589103" y="4012122"/>
-                  </a:lnTo>
-                  <a:lnTo>
-                    <a:pt x="673260" y="3987909"/>
-                  </a:lnTo>
-                  <a:lnTo>
-                    <a:pt x="757418" y="3961962"/>
-                  </a:lnTo>
-                  <a:lnTo>
-                    <a:pt x="841576" y="3934173"/>
-                  </a:lnTo>
-                  <a:lnTo>
-                    <a:pt x="925733" y="3904429"/>
-                  </a:lnTo>
-                  <a:lnTo>
-                    <a:pt x="1009891" y="3872608"/>
-                  </a:lnTo>
-                  <a:lnTo>
-                    <a:pt x="1094048" y="3838587"/>
-                  </a:lnTo>
-                  <a:lnTo>
-                    <a:pt x="1178206" y="3802231"/>
-                  </a:lnTo>
-                  <a:lnTo>
-                    <a:pt x="1262364" y="3763401"/>
-                  </a:lnTo>
-                  <a:lnTo>
-                    <a:pt x="1346521" y="3721950"/>
-                  </a:lnTo>
-                  <a:lnTo>
-                    <a:pt x="1430679" y="3677720"/>
-                  </a:lnTo>
-                  <a:lnTo>
-                    <a:pt x="1514837" y="3630550"/>
-                  </a:lnTo>
-                  <a:lnTo>
-                    <a:pt x="1598994" y="3580272"/>
-                  </a:lnTo>
-                  <a:lnTo>
-                    <a:pt x="1683152" y="3526714"/>
-                  </a:lnTo>
-                  <a:lnTo>
-                    <a:pt x="1767309" y="3469713"/>
-                  </a:lnTo>
-                  <a:lnTo>
-                    <a:pt x="1851467" y="3409113"/>
-                  </a:lnTo>
-                  <a:lnTo>
-                    <a:pt x="1935625" y="3344783"/>
-                  </a:lnTo>
-                  <a:lnTo>
-                    <a:pt x="2019782" y="3276625"/>
-                  </a:lnTo>
-                  <a:lnTo>
-                    <a:pt x="2103940" y="3204581"/>
-                  </a:lnTo>
-                  <a:lnTo>
-                    <a:pt x="2188097" y="3128641"/>
-                  </a:lnTo>
-                  <a:lnTo>
-                    <a:pt x="2272255" y="3048844"/>
-                  </a:lnTo>
-                  <a:lnTo>
-                    <a:pt x="2356413" y="2965284"/>
-                  </a:lnTo>
-                  <a:lnTo>
-                    <a:pt x="2440570" y="2878097"/>
-                  </a:lnTo>
-                  <a:lnTo>
-                    <a:pt x="2524728" y="2787467"/>
-                  </a:lnTo>
-                  <a:lnTo>
-                    <a:pt x="2608886" y="2693612"/>
-                  </a:lnTo>
-                  <a:lnTo>
-                    <a:pt x="2693043" y="2596787"/>
-                  </a:lnTo>
-                  <a:lnTo>
-                    <a:pt x="2777201" y="2497274"/>
-                  </a:lnTo>
-                  <a:lnTo>
-                    <a:pt x="2861358" y="2395379"/>
-                  </a:lnTo>
-                  <a:lnTo>
-                    <a:pt x="2945516" y="2291427"/>
-                  </a:lnTo>
-                  <a:lnTo>
-                    <a:pt x="3029674" y="2185760"/>
-                  </a:lnTo>
-                  <a:lnTo>
-                    <a:pt x="3113831" y="2078731"/>
-                  </a:lnTo>
-                  <a:lnTo>
-                    <a:pt x="3197989" y="1970703"/>
-                  </a:lnTo>
-                  <a:lnTo>
-                    <a:pt x="3282146" y="1862043"/>
-                  </a:lnTo>
-                  <a:lnTo>
-                    <a:pt x="3366304" y="1753123"/>
-                  </a:lnTo>
-                  <a:lnTo>
-                    <a:pt x="3450462" y="1644312"/>
-                  </a:lnTo>
-                  <a:lnTo>
-                    <a:pt x="3534619" y="1535981"/>
-                  </a:lnTo>
-                  <a:lnTo>
-                    <a:pt x="3618777" y="1428495"/>
-                  </a:lnTo>
-                  <a:lnTo>
-                    <a:pt x="3702934" y="1322211"/>
-                  </a:lnTo>
-                  <a:lnTo>
-                    <a:pt x="3787092" y="1217475"/>
-                  </a:lnTo>
-                  <a:lnTo>
-                    <a:pt x="3871250" y="1114621"/>
-                  </a:lnTo>
-                  <a:lnTo>
-                    <a:pt x="3955407" y="1013965"/>
-                  </a:lnTo>
-                  <a:lnTo>
-                    <a:pt x="4039565" y="915803"/>
-                  </a:lnTo>
-                  <a:lnTo>
-                    <a:pt x="4123723" y="820407"/>
-                  </a:lnTo>
-                  <a:lnTo>
-                    <a:pt x="4207880" y="728019"/>
-                  </a:lnTo>
-                  <a:lnTo>
-                    <a:pt x="4292038" y="638853"/>
-                  </a:lnTo>
-                  <a:lnTo>
-                    <a:pt x="4376195" y="553092"/>
-                  </a:lnTo>
-                  <a:lnTo>
-                    <a:pt x="4460353" y="470880"/>
-                  </a:lnTo>
-                  <a:lnTo>
-                    <a:pt x="4544511" y="392331"/>
-                  </a:lnTo>
-                  <a:lnTo>
-                    <a:pt x="4628668" y="317522"/>
-                  </a:lnTo>
-                  <a:lnTo>
-                    <a:pt x="4712826" y="246495"/>
-                  </a:lnTo>
-                  <a:lnTo>
-                    <a:pt x="4796983" y="179263"/>
-                  </a:lnTo>
-                  <a:lnTo>
-                    <a:pt x="4881141" y="115804"/>
-                  </a:lnTo>
-                  <a:lnTo>
-                    <a:pt x="4965299" y="56074"/>
-                  </a:lnTo>
-                  <a:lnTo>
-                    <a:pt x="5049456" y="0"/>
-                  </a:lnTo>
-                  <a:lnTo>
-                    <a:pt x="5049456" y="0"/>
+                    <a:pt x="0" y="57317"/>
+                  </a:lnTo>
+                  <a:lnTo>
+                    <a:pt x="80504" y="67198"/>
+                  </a:lnTo>
+                  <a:lnTo>
+                    <a:pt x="161009" y="76606"/>
+                  </a:lnTo>
+                  <a:lnTo>
+                    <a:pt x="241514" y="85086"/>
+                  </a:lnTo>
+                  <a:lnTo>
+                    <a:pt x="322019" y="92194"/>
+                  </a:lnTo>
+                  <a:lnTo>
+                    <a:pt x="402523" y="97552"/>
+                  </a:lnTo>
+                  <a:lnTo>
+                    <a:pt x="483028" y="100879"/>
+                  </a:lnTo>
+                  <a:lnTo>
+                    <a:pt x="563533" y="101992"/>
+                  </a:lnTo>
+                  <a:lnTo>
+                    <a:pt x="644038" y="100775"/>
+                  </a:lnTo>
+                  <a:lnTo>
+                    <a:pt x="724542" y="97151"/>
+                  </a:lnTo>
+                  <a:lnTo>
+                    <a:pt x="805047" y="91053"/>
+                  </a:lnTo>
+                  <a:lnTo>
+                    <a:pt x="885552" y="82414"/>
+                  </a:lnTo>
+                  <a:lnTo>
+                    <a:pt x="966057" y="71159"/>
+                  </a:lnTo>
+                  <a:lnTo>
+                    <a:pt x="1046561" y="57206"/>
+                  </a:lnTo>
+                  <a:lnTo>
+                    <a:pt x="1127066" y="40472"/>
+                  </a:lnTo>
+                  <a:lnTo>
+                    <a:pt x="1207571" y="20875"/>
+                  </a:lnTo>
+                  <a:lnTo>
+                    <a:pt x="1282168" y="0"/>
                   </a:lnTo>
                 </a:path>
               </a:pathLst>
@@ -4009,201 +3718,54 @@
           </p:nvSpPr>
           <p:spPr>
             <a:xfrm>
-              <a:off x="2199579" y="2264815"/>
-              <a:ext cx="5049456" cy="3719235"/>
+              <a:off x="6088692" y="1346412"/>
+              <a:ext cx="941172" cy="1916471"/>
             </a:xfrm>
             <a:custGeom>
               <a:avLst/>
               <a:pathLst>
-                <a:path w="5049456" h="3719235">
+                <a:path w="941172" h="1916471">
                   <a:moveTo>
-                    <a:pt x="5049456" y="0"/>
+                    <a:pt x="0" y="0"/>
                   </a:moveTo>
                   <a:lnTo>
-                    <a:pt x="5049456" y="0"/>
-                  </a:lnTo>
-                  <a:lnTo>
-                    <a:pt x="4965299" y="67816"/>
-                  </a:lnTo>
-                  <a:lnTo>
-                    <a:pt x="4881141" y="138055"/>
-                  </a:lnTo>
-                  <a:lnTo>
-                    <a:pt x="4796983" y="210643"/>
-                  </a:lnTo>
-                  <a:lnTo>
-                    <a:pt x="4712826" y="285492"/>
-                  </a:lnTo>
-                  <a:lnTo>
-                    <a:pt x="4628668" y="362498"/>
-                  </a:lnTo>
-                  <a:lnTo>
-                    <a:pt x="4544511" y="441543"/>
-                  </a:lnTo>
-                  <a:lnTo>
-                    <a:pt x="4460353" y="522497"/>
-                  </a:lnTo>
-                  <a:lnTo>
-                    <a:pt x="4376195" y="605216"/>
-                  </a:lnTo>
-                  <a:lnTo>
-                    <a:pt x="4292038" y="689549"/>
-                  </a:lnTo>
-                  <a:lnTo>
-                    <a:pt x="4207880" y="775330"/>
-                  </a:lnTo>
-                  <a:lnTo>
-                    <a:pt x="4123723" y="862391"/>
-                  </a:lnTo>
-                  <a:lnTo>
-                    <a:pt x="4039565" y="950552"/>
-                  </a:lnTo>
-                  <a:lnTo>
-                    <a:pt x="3955407" y="1039630"/>
-                  </a:lnTo>
-                  <a:lnTo>
-                    <a:pt x="3871250" y="1129438"/>
-                  </a:lnTo>
-                  <a:lnTo>
-                    <a:pt x="3787092" y="1219785"/>
-                  </a:lnTo>
-                  <a:lnTo>
-                    <a:pt x="3702934" y="1310478"/>
-                  </a:lnTo>
-                  <a:lnTo>
-                    <a:pt x="3618777" y="1401322"/>
-                  </a:lnTo>
-                  <a:lnTo>
-                    <a:pt x="3534619" y="1492125"/>
-                  </a:lnTo>
-                  <a:lnTo>
-                    <a:pt x="3450462" y="1582692"/>
-                  </a:lnTo>
-                  <a:lnTo>
-                    <a:pt x="3366304" y="1672834"/>
-                  </a:lnTo>
-                  <a:lnTo>
-                    <a:pt x="3282146" y="1762362"/>
-                  </a:lnTo>
-                  <a:lnTo>
-                    <a:pt x="3197989" y="1851093"/>
-                  </a:lnTo>
-                  <a:lnTo>
-                    <a:pt x="3113831" y="1938848"/>
-                  </a:lnTo>
-                  <a:lnTo>
-                    <a:pt x="3029674" y="2025457"/>
-                  </a:lnTo>
-                  <a:lnTo>
-                    <a:pt x="2945516" y="2110757"/>
-                  </a:lnTo>
-                  <a:lnTo>
-                    <a:pt x="2861358" y="2194594"/>
-                  </a:lnTo>
-                  <a:lnTo>
-                    <a:pt x="2777201" y="2276826"/>
-                  </a:lnTo>
-                  <a:lnTo>
-                    <a:pt x="2693043" y="2357322"/>
-                  </a:lnTo>
-                  <a:lnTo>
-                    <a:pt x="2608886" y="2435965"/>
-                  </a:lnTo>
-                  <a:lnTo>
-                    <a:pt x="2524728" y="2512651"/>
-                  </a:lnTo>
-                  <a:lnTo>
-                    <a:pt x="2440570" y="2587287"/>
-                  </a:lnTo>
-                  <a:lnTo>
-                    <a:pt x="2356413" y="2659794"/>
-                  </a:lnTo>
-                  <a:lnTo>
-                    <a:pt x="2272255" y="2730098"/>
-                  </a:lnTo>
-                  <a:lnTo>
-                    <a:pt x="2188097" y="2798135"/>
-                  </a:lnTo>
-                  <a:lnTo>
-                    <a:pt x="2103940" y="2863841"/>
-                  </a:lnTo>
-                  <a:lnTo>
-                    <a:pt x="2019782" y="2927152"/>
-                  </a:lnTo>
-                  <a:lnTo>
-                    <a:pt x="1935625" y="2988002"/>
-                  </a:lnTo>
-                  <a:lnTo>
-                    <a:pt x="1851467" y="3046323"/>
-                  </a:lnTo>
-                  <a:lnTo>
-                    <a:pt x="1767309" y="3102048"/>
-                  </a:lnTo>
-                  <a:lnTo>
-                    <a:pt x="1683152" y="3155119"/>
-                  </a:lnTo>
-                  <a:lnTo>
-                    <a:pt x="1598994" y="3205490"/>
-                  </a:lnTo>
-                  <a:lnTo>
-                    <a:pt x="1514837" y="3253134"/>
-                  </a:lnTo>
-                  <a:lnTo>
-                    <a:pt x="1430679" y="3298047"/>
-                  </a:lnTo>
-                  <a:lnTo>
-                    <a:pt x="1346521" y="3340249"/>
-                  </a:lnTo>
-                  <a:lnTo>
-                    <a:pt x="1262364" y="3379783"/>
-                  </a:lnTo>
-                  <a:lnTo>
-                    <a:pt x="1178206" y="3416713"/>
-                  </a:lnTo>
-                  <a:lnTo>
-                    <a:pt x="1094048" y="3451120"/>
-                  </a:lnTo>
-                  <a:lnTo>
-                    <a:pt x="1009891" y="3483100"/>
-                  </a:lnTo>
-                  <a:lnTo>
-                    <a:pt x="925733" y="3512760"/>
-                  </a:lnTo>
-                  <a:lnTo>
-                    <a:pt x="841576" y="3540213"/>
-                  </a:lnTo>
-                  <a:lnTo>
-                    <a:pt x="757418" y="3565579"/>
-                  </a:lnTo>
-                  <a:lnTo>
-                    <a:pt x="673260" y="3588978"/>
-                  </a:lnTo>
-                  <a:lnTo>
-                    <a:pt x="589103" y="3610530"/>
-                  </a:lnTo>
-                  <a:lnTo>
-                    <a:pt x="504945" y="3630355"/>
-                  </a:lnTo>
-                  <a:lnTo>
-                    <a:pt x="420788" y="3648568"/>
-                  </a:lnTo>
-                  <a:lnTo>
-                    <a:pt x="336630" y="3665283"/>
-                  </a:lnTo>
-                  <a:lnTo>
-                    <a:pt x="252472" y="3680606"/>
-                  </a:lnTo>
-                  <a:lnTo>
-                    <a:pt x="168315" y="3694642"/>
-                  </a:lnTo>
-                  <a:lnTo>
-                    <a:pt x="84157" y="3707488"/>
-                  </a:lnTo>
-                  <a:lnTo>
-                    <a:pt x="0" y="3719235"/>
-                  </a:lnTo>
-                  <a:lnTo>
-                    <a:pt x="0" y="3719235"/>
+                    <a:pt x="55620" y="93714"/>
+                  </a:lnTo>
+                  <a:lnTo>
+                    <a:pt x="136125" y="238407"/>
+                  </a:lnTo>
+                  <a:lnTo>
+                    <a:pt x="216629" y="391008"/>
+                  </a:lnTo>
+                  <a:lnTo>
+                    <a:pt x="297134" y="550302"/>
+                  </a:lnTo>
+                  <a:lnTo>
+                    <a:pt x="377639" y="715026"/>
+                  </a:lnTo>
+                  <a:lnTo>
+                    <a:pt x="458144" y="883899"/>
+                  </a:lnTo>
+                  <a:lnTo>
+                    <a:pt x="538649" y="1055650"/>
+                  </a:lnTo>
+                  <a:lnTo>
+                    <a:pt x="619153" y="1229040"/>
+                  </a:lnTo>
+                  <a:lnTo>
+                    <a:pt x="699658" y="1402885"/>
+                  </a:lnTo>
+                  <a:lnTo>
+                    <a:pt x="780163" y="1576074"/>
+                  </a:lnTo>
+                  <a:lnTo>
+                    <a:pt x="860668" y="1747579"/>
+                  </a:lnTo>
+                  <a:lnTo>
+                    <a:pt x="941172" y="1916471"/>
+                  </a:lnTo>
+                  <a:lnTo>
+                    <a:pt x="941172" y="1916471"/>
                   </a:lnTo>
                 </a:path>
               </a:pathLst>
@@ -4223,208 +3785,1241 @@
           </p:nvSpPr>
           <p:spPr>
             <a:xfrm>
-              <a:off x="2199579" y="1996221"/>
-              <a:ext cx="5049456" cy="3958218"/>
+              <a:off x="2199579" y="1577124"/>
+              <a:ext cx="3022149" cy="4526973"/>
             </a:xfrm>
             <a:custGeom>
               <a:avLst/>
               <a:pathLst>
-                <a:path w="5049456" h="3958218">
+                <a:path w="3022149" h="4526973">
                   <a:moveTo>
-                    <a:pt x="0" y="3958218"/>
+                    <a:pt x="3022149" y="4526973"/>
                   </a:moveTo>
                   <a:lnTo>
-                    <a:pt x="0" y="3958218"/>
-                  </a:lnTo>
-                  <a:lnTo>
-                    <a:pt x="84157" y="3944994"/>
-                  </a:lnTo>
-                  <a:lnTo>
-                    <a:pt x="168315" y="3930654"/>
-                  </a:lnTo>
-                  <a:lnTo>
-                    <a:pt x="252472" y="3915115"/>
-                  </a:lnTo>
-                  <a:lnTo>
-                    <a:pt x="336630" y="3898285"/>
-                  </a:lnTo>
-                  <a:lnTo>
-                    <a:pt x="420788" y="3880072"/>
-                  </a:lnTo>
-                  <a:lnTo>
-                    <a:pt x="504945" y="3860378"/>
-                  </a:lnTo>
-                  <a:lnTo>
-                    <a:pt x="589103" y="3839099"/>
-                  </a:lnTo>
-                  <a:lnTo>
-                    <a:pt x="673260" y="3816128"/>
-                  </a:lnTo>
-                  <a:lnTo>
-                    <a:pt x="757418" y="3791357"/>
-                  </a:lnTo>
-                  <a:lnTo>
-                    <a:pt x="841576" y="3764671"/>
-                  </a:lnTo>
-                  <a:lnTo>
-                    <a:pt x="925733" y="3735955"/>
-                  </a:lnTo>
-                  <a:lnTo>
-                    <a:pt x="1009891" y="3705092"/>
-                  </a:lnTo>
-                  <a:lnTo>
-                    <a:pt x="1094048" y="3671964"/>
-                  </a:lnTo>
-                  <a:lnTo>
-                    <a:pt x="1178206" y="3636454"/>
-                  </a:lnTo>
-                  <a:lnTo>
-                    <a:pt x="1262364" y="3598448"/>
-                  </a:lnTo>
-                  <a:lnTo>
-                    <a:pt x="1346521" y="3557833"/>
-                  </a:lnTo>
-                  <a:lnTo>
-                    <a:pt x="1430679" y="3514504"/>
-                  </a:lnTo>
-                  <a:lnTo>
-                    <a:pt x="1514837" y="3468360"/>
-                  </a:lnTo>
-                  <a:lnTo>
-                    <a:pt x="1598994" y="3419311"/>
-                  </a:lnTo>
-                  <a:lnTo>
-                    <a:pt x="1683152" y="3367277"/>
-                  </a:lnTo>
-                  <a:lnTo>
-                    <a:pt x="1767309" y="3312190"/>
-                  </a:lnTo>
-                  <a:lnTo>
-                    <a:pt x="1851467" y="3253998"/>
-                  </a:lnTo>
-                  <a:lnTo>
-                    <a:pt x="1935625" y="3192667"/>
-                  </a:lnTo>
-                  <a:lnTo>
-                    <a:pt x="2019782" y="3128179"/>
-                  </a:lnTo>
-                  <a:lnTo>
-                    <a:pt x="2103940" y="3060538"/>
-                  </a:lnTo>
-                  <a:lnTo>
-                    <a:pt x="2188097" y="2989771"/>
-                  </a:lnTo>
-                  <a:lnTo>
-                    <a:pt x="2272255" y="2915924"/>
-                  </a:lnTo>
-                  <a:lnTo>
-                    <a:pt x="2356413" y="2839072"/>
-                  </a:lnTo>
-                  <a:lnTo>
-                    <a:pt x="2440570" y="2759309"/>
-                  </a:lnTo>
-                  <a:lnTo>
-                    <a:pt x="2524728" y="2676755"/>
-                  </a:lnTo>
-                  <a:lnTo>
-                    <a:pt x="2608886" y="2591551"/>
-                  </a:lnTo>
-                  <a:lnTo>
-                    <a:pt x="2693043" y="2503863"/>
-                  </a:lnTo>
-                  <a:lnTo>
-                    <a:pt x="2777201" y="2413873"/>
-                  </a:lnTo>
-                  <a:lnTo>
-                    <a:pt x="2861358" y="2321784"/>
-                  </a:lnTo>
-                  <a:lnTo>
-                    <a:pt x="2945516" y="2227815"/>
-                  </a:lnTo>
-                  <a:lnTo>
-                    <a:pt x="3029674" y="2132197"/>
-                  </a:lnTo>
-                  <a:lnTo>
-                    <a:pt x="3113831" y="2035176"/>
-                  </a:lnTo>
-                  <a:lnTo>
-                    <a:pt x="3197989" y="1937005"/>
-                  </a:lnTo>
-                  <a:lnTo>
-                    <a:pt x="3282146" y="1837946"/>
-                  </a:lnTo>
-                  <a:lnTo>
-                    <a:pt x="3366304" y="1738266"/>
-                  </a:lnTo>
-                  <a:lnTo>
-                    <a:pt x="3450462" y="1638235"/>
-                  </a:lnTo>
-                  <a:lnTo>
-                    <a:pt x="3534619" y="1538126"/>
-                  </a:lnTo>
-                  <a:lnTo>
-                    <a:pt x="3618777" y="1438213"/>
-                  </a:lnTo>
-                  <a:lnTo>
-                    <a:pt x="3702934" y="1338767"/>
-                  </a:lnTo>
-                  <a:lnTo>
-                    <a:pt x="3787092" y="1240058"/>
-                  </a:lnTo>
-                  <a:lnTo>
-                    <a:pt x="3871250" y="1142350"/>
-                  </a:lnTo>
-                  <a:lnTo>
-                    <a:pt x="3955407" y="1045903"/>
-                  </a:lnTo>
-                  <a:lnTo>
-                    <a:pt x="4039565" y="950966"/>
-                  </a:lnTo>
-                  <a:lnTo>
-                    <a:pt x="4123723" y="857779"/>
-                  </a:lnTo>
-                  <a:lnTo>
-                    <a:pt x="4207880" y="766568"/>
-                  </a:lnTo>
-                  <a:lnTo>
-                    <a:pt x="4292038" y="677546"/>
-                  </a:lnTo>
-                  <a:lnTo>
-                    <a:pt x="4376195" y="590906"/>
-                  </a:lnTo>
-                  <a:lnTo>
-                    <a:pt x="4460353" y="506825"/>
-                  </a:lnTo>
-                  <a:lnTo>
-                    <a:pt x="4544511" y="425456"/>
-                  </a:lnTo>
-                  <a:lnTo>
-                    <a:pt x="4628668" y="346934"/>
-                  </a:lnTo>
-                  <a:lnTo>
-                    <a:pt x="4712826" y="271365"/>
-                  </a:lnTo>
-                  <a:lnTo>
-                    <a:pt x="4796983" y="198838"/>
-                  </a:lnTo>
-                  <a:lnTo>
-                    <a:pt x="4881141" y="129412"/>
-                  </a:lnTo>
-                  <a:lnTo>
-                    <a:pt x="4965299" y="63127"/>
-                  </a:lnTo>
-                  <a:lnTo>
-                    <a:pt x="5049456" y="0"/>
-                  </a:lnTo>
-                  <a:lnTo>
-                    <a:pt x="5049456" y="0"/>
+                    <a:pt x="2978676" y="4423293"/>
+                  </a:lnTo>
+                  <a:lnTo>
+                    <a:pt x="2898171" y="4224460"/>
+                  </a:lnTo>
+                  <a:lnTo>
+                    <a:pt x="2817666" y="4020369"/>
+                  </a:lnTo>
+                  <a:lnTo>
+                    <a:pt x="2737161" y="3812617"/>
+                  </a:lnTo>
+                  <a:lnTo>
+                    <a:pt x="2656657" y="3602791"/>
+                  </a:lnTo>
+                  <a:lnTo>
+                    <a:pt x="2576152" y="3392433"/>
+                  </a:lnTo>
+                  <a:lnTo>
+                    <a:pt x="2495647" y="3183015"/>
+                  </a:lnTo>
+                  <a:lnTo>
+                    <a:pt x="2415142" y="2975910"/>
+                  </a:lnTo>
+                  <a:lnTo>
+                    <a:pt x="2334637" y="2772379"/>
+                  </a:lnTo>
+                  <a:lnTo>
+                    <a:pt x="2254133" y="2573550"/>
+                  </a:lnTo>
+                  <a:lnTo>
+                    <a:pt x="2173628" y="2380412"/>
+                  </a:lnTo>
+                  <a:lnTo>
+                    <a:pt x="2093123" y="2193809"/>
+                  </a:lnTo>
+                  <a:lnTo>
+                    <a:pt x="2012618" y="2014442"/>
+                  </a:lnTo>
+                  <a:lnTo>
+                    <a:pt x="1932114" y="1842866"/>
+                  </a:lnTo>
+                  <a:lnTo>
+                    <a:pt x="1851609" y="1679504"/>
+                  </a:lnTo>
+                  <a:lnTo>
+                    <a:pt x="1771104" y="1524648"/>
+                  </a:lnTo>
+                  <a:lnTo>
+                    <a:pt x="1690599" y="1378477"/>
+                  </a:lnTo>
+                  <a:lnTo>
+                    <a:pt x="1610095" y="1241061"/>
+                  </a:lnTo>
+                  <a:lnTo>
+                    <a:pt x="1529590" y="1112380"/>
+                  </a:lnTo>
+                  <a:lnTo>
+                    <a:pt x="1449085" y="992337"/>
+                  </a:lnTo>
+                  <a:lnTo>
+                    <a:pt x="1368580" y="880764"/>
+                  </a:lnTo>
+                  <a:lnTo>
+                    <a:pt x="1288076" y="777443"/>
+                  </a:lnTo>
+                  <a:lnTo>
+                    <a:pt x="1207571" y="682113"/>
+                  </a:lnTo>
+                  <a:lnTo>
+                    <a:pt x="1127066" y="594484"/>
+                  </a:lnTo>
+                  <a:lnTo>
+                    <a:pt x="1046561" y="514246"/>
+                  </a:lnTo>
+                  <a:lnTo>
+                    <a:pt x="966057" y="441081"/>
+                  </a:lnTo>
+                  <a:lnTo>
+                    <a:pt x="885552" y="374668"/>
+                  </a:lnTo>
+                  <a:lnTo>
+                    <a:pt x="805047" y="314695"/>
+                  </a:lnTo>
+                  <a:lnTo>
+                    <a:pt x="724542" y="260864"/>
+                  </a:lnTo>
+                  <a:lnTo>
+                    <a:pt x="644038" y="212889"/>
+                  </a:lnTo>
+                  <a:lnTo>
+                    <a:pt x="563533" y="170495"/>
+                  </a:lnTo>
+                  <a:lnTo>
+                    <a:pt x="483028" y="133402"/>
+                  </a:lnTo>
+                  <a:lnTo>
+                    <a:pt x="402523" y="101303"/>
+                  </a:lnTo>
+                  <a:lnTo>
+                    <a:pt x="322019" y="73830"/>
+                  </a:lnTo>
+                  <a:lnTo>
+                    <a:pt x="241514" y="50530"/>
+                  </a:lnTo>
+                  <a:lnTo>
+                    <a:pt x="161009" y="30858"/>
+                  </a:lnTo>
+                  <a:lnTo>
+                    <a:pt x="80504" y="14215"/>
+                  </a:lnTo>
+                  <a:lnTo>
+                    <a:pt x="0" y="0"/>
+                  </a:lnTo>
+                  <a:lnTo>
+                    <a:pt x="0" y="0"/>
+                  </a:lnTo>
+                </a:path>
+              </a:pathLst>
+            </a:custGeom>
+          </p:spPr>
+          <p:txBody>
+            <a:bodyPr/>
+            <a:lstStyle/>
+            <a:p/>
+          </p:txBody>
+        </p:sp>
+        <p:sp>
+          <p:nvSpPr>
+            <p:cNvPr id="14" name="pg14"/>
+            <p:cNvSpPr/>
+            <p:nvPr/>
+          </p:nvSpPr>
+          <p:spPr>
+            <a:xfrm>
+              <a:off x="2199579" y="1346412"/>
+              <a:ext cx="4830285" cy="4757685"/>
+            </a:xfrm>
+            <a:custGeom>
+              <a:avLst/>
+              <a:pathLst>
+                <a:path w="4830285" h="4757685">
+                  <a:moveTo>
+                    <a:pt x="0" y="4531012"/>
+                  </a:moveTo>
+                  <a:lnTo>
+                    <a:pt x="80504" y="4517515"/>
+                  </a:lnTo>
+                  <a:lnTo>
+                    <a:pt x="161009" y="4501575"/>
+                  </a:lnTo>
+                  <a:lnTo>
+                    <a:pt x="241514" y="4482553"/>
+                  </a:lnTo>
+                  <a:lnTo>
+                    <a:pt x="322019" y="4459805"/>
+                  </a:lnTo>
+                  <a:lnTo>
+                    <a:pt x="402523" y="4432745"/>
+                  </a:lnTo>
+                  <a:lnTo>
+                    <a:pt x="483028" y="4400875"/>
+                  </a:lnTo>
+                  <a:lnTo>
+                    <a:pt x="563533" y="4363787"/>
+                  </a:lnTo>
+                  <a:lnTo>
+                    <a:pt x="644038" y="4321131"/>
+                  </a:lnTo>
+                  <a:lnTo>
+                    <a:pt x="724542" y="4272582"/>
+                  </a:lnTo>
+                  <a:lnTo>
+                    <a:pt x="805047" y="4217812"/>
+                  </a:lnTo>
+                  <a:lnTo>
+                    <a:pt x="885552" y="4156479"/>
+                  </a:lnTo>
+                  <a:lnTo>
+                    <a:pt x="966057" y="4088213"/>
+                  </a:lnTo>
+                  <a:lnTo>
+                    <a:pt x="1046561" y="4012624"/>
+                  </a:lnTo>
+                  <a:lnTo>
+                    <a:pt x="1127066" y="3929298"/>
+                  </a:lnTo>
+                  <a:lnTo>
+                    <a:pt x="1207571" y="3837812"/>
+                  </a:lnTo>
+                  <a:lnTo>
+                    <a:pt x="1288076" y="3737731"/>
+                  </a:lnTo>
+                  <a:lnTo>
+                    <a:pt x="1368580" y="3628627"/>
+                  </a:lnTo>
+                  <a:lnTo>
+                    <a:pt x="1449085" y="3510081"/>
+                  </a:lnTo>
+                  <a:lnTo>
+                    <a:pt x="1529590" y="3381694"/>
+                  </a:lnTo>
+                  <a:lnTo>
+                    <a:pt x="1610095" y="3243100"/>
+                  </a:lnTo>
+                  <a:lnTo>
+                    <a:pt x="1690599" y="3093973"/>
+                  </a:lnTo>
+                  <a:lnTo>
+                    <a:pt x="1771104" y="2934044"/>
+                  </a:lnTo>
+                  <a:lnTo>
+                    <a:pt x="1851609" y="2763105"/>
+                  </a:lnTo>
+                  <a:lnTo>
+                    <a:pt x="1932114" y="2581028"/>
+                  </a:lnTo>
+                  <a:lnTo>
+                    <a:pt x="2012618" y="2387770"/>
+                  </a:lnTo>
+                  <a:lnTo>
+                    <a:pt x="2093123" y="2183389"/>
+                  </a:lnTo>
+                  <a:lnTo>
+                    <a:pt x="2173628" y="1968047"/>
+                  </a:lnTo>
+                  <a:lnTo>
+                    <a:pt x="2254133" y="1742019"/>
+                  </a:lnTo>
+                  <a:lnTo>
+                    <a:pt x="2334637" y="1505701"/>
+                  </a:lnTo>
+                  <a:lnTo>
+                    <a:pt x="2415142" y="1259606"/>
+                  </a:lnTo>
+                  <a:lnTo>
+                    <a:pt x="2495647" y="1004367"/>
+                  </a:lnTo>
+                  <a:lnTo>
+                    <a:pt x="2576152" y="740730"/>
+                  </a:lnTo>
+                  <a:lnTo>
+                    <a:pt x="2656657" y="469546"/>
+                  </a:lnTo>
+                  <a:lnTo>
+                    <a:pt x="2737161" y="191754"/>
+                  </a:lnTo>
+                  <a:lnTo>
+                    <a:pt x="2791636" y="0"/>
+                  </a:lnTo>
+                  <a:lnTo>
+                    <a:pt x="4830285" y="0"/>
+                  </a:lnTo>
+                  <a:lnTo>
+                    <a:pt x="4830285" y="4757685"/>
+                  </a:lnTo>
+                  <a:lnTo>
+                    <a:pt x="984429" y="4757685"/>
+                  </a:lnTo>
+                  <a:lnTo>
+                    <a:pt x="966057" y="4752346"/>
+                  </a:lnTo>
+                  <a:lnTo>
+                    <a:pt x="885552" y="4732847"/>
+                  </a:lnTo>
+                  <a:lnTo>
+                    <a:pt x="805047" y="4717028"/>
+                  </a:lnTo>
+                  <a:lnTo>
+                    <a:pt x="724542" y="4704700"/>
+                  </a:lnTo>
+                  <a:lnTo>
+                    <a:pt x="644038" y="4695691"/>
+                  </a:lnTo>
+                  <a:lnTo>
+                    <a:pt x="563533" y="4689843"/>
+                  </a:lnTo>
+                  <a:lnTo>
+                    <a:pt x="483028" y="4686995"/>
+                  </a:lnTo>
+                  <a:lnTo>
+                    <a:pt x="402523" y="4686955"/>
+                  </a:lnTo>
+                  <a:lnTo>
+                    <a:pt x="322019" y="4689464"/>
+                  </a:lnTo>
+                  <a:lnTo>
+                    <a:pt x="241514" y="4694170"/>
+                  </a:lnTo>
+                  <a:lnTo>
+                    <a:pt x="161009" y="4700623"/>
+                  </a:lnTo>
+                  <a:lnTo>
+                    <a:pt x="80504" y="4708311"/>
+                  </a:lnTo>
+                  <a:lnTo>
+                    <a:pt x="0" y="4716718"/>
+                  </a:lnTo>
+                  <a:close/>
+                </a:path>
+              </a:pathLst>
+            </a:custGeom>
+            <a:solidFill>
+              <a:srgbClr val="00CE00">
+                <a:alpha val="100000"/>
+              </a:srgbClr>
+            </a:solidFill>
+          </p:spPr>
+          <p:txBody>
+            <a:bodyPr/>
+            <a:lstStyle/>
+            <a:p/>
+          </p:txBody>
+        </p:sp>
+        <p:sp>
+          <p:nvSpPr>
+            <p:cNvPr id="15" name="pl15"/>
+            <p:cNvSpPr/>
+            <p:nvPr/>
+          </p:nvSpPr>
+          <p:spPr>
+            <a:xfrm>
+              <a:off x="2199579" y="1346412"/>
+              <a:ext cx="2791636" cy="4531012"/>
+            </a:xfrm>
+            <a:custGeom>
+              <a:avLst/>
+              <a:pathLst>
+                <a:path w="2791636" h="4531012">
+                  <a:moveTo>
+                    <a:pt x="0" y="4531012"/>
+                  </a:moveTo>
+                  <a:lnTo>
+                    <a:pt x="0" y="4531012"/>
+                  </a:lnTo>
+                  <a:lnTo>
+                    <a:pt x="80504" y="4517515"/>
+                  </a:lnTo>
+                  <a:lnTo>
+                    <a:pt x="161009" y="4501575"/>
+                  </a:lnTo>
+                  <a:lnTo>
+                    <a:pt x="241514" y="4482553"/>
+                  </a:lnTo>
+                  <a:lnTo>
+                    <a:pt x="322019" y="4459805"/>
+                  </a:lnTo>
+                  <a:lnTo>
+                    <a:pt x="402523" y="4432745"/>
+                  </a:lnTo>
+                  <a:lnTo>
+                    <a:pt x="483028" y="4400875"/>
+                  </a:lnTo>
+                  <a:lnTo>
+                    <a:pt x="563533" y="4363787"/>
+                  </a:lnTo>
+                  <a:lnTo>
+                    <a:pt x="644038" y="4321131"/>
+                  </a:lnTo>
+                  <a:lnTo>
+                    <a:pt x="724542" y="4272582"/>
+                  </a:lnTo>
+                  <a:lnTo>
+                    <a:pt x="805047" y="4217812"/>
+                  </a:lnTo>
+                  <a:lnTo>
+                    <a:pt x="885552" y="4156479"/>
+                  </a:lnTo>
+                  <a:lnTo>
+                    <a:pt x="966057" y="4088213"/>
+                  </a:lnTo>
+                  <a:lnTo>
+                    <a:pt x="1046561" y="4012624"/>
+                  </a:lnTo>
+                  <a:lnTo>
+                    <a:pt x="1127066" y="3929298"/>
+                  </a:lnTo>
+                  <a:lnTo>
+                    <a:pt x="1207571" y="3837812"/>
+                  </a:lnTo>
+                  <a:lnTo>
+                    <a:pt x="1288076" y="3737731"/>
+                  </a:lnTo>
+                  <a:lnTo>
+                    <a:pt x="1368580" y="3628627"/>
+                  </a:lnTo>
+                  <a:lnTo>
+                    <a:pt x="1449085" y="3510081"/>
+                  </a:lnTo>
+                  <a:lnTo>
+                    <a:pt x="1529590" y="3381694"/>
+                  </a:lnTo>
+                  <a:lnTo>
+                    <a:pt x="1610095" y="3243100"/>
+                  </a:lnTo>
+                  <a:lnTo>
+                    <a:pt x="1690599" y="3093973"/>
+                  </a:lnTo>
+                  <a:lnTo>
+                    <a:pt x="1771104" y="2934044"/>
+                  </a:lnTo>
+                  <a:lnTo>
+                    <a:pt x="1851609" y="2763105"/>
+                  </a:lnTo>
+                  <a:lnTo>
+                    <a:pt x="1932114" y="2581028"/>
+                  </a:lnTo>
+                  <a:lnTo>
+                    <a:pt x="2012618" y="2387770"/>
+                  </a:lnTo>
+                  <a:lnTo>
+                    <a:pt x="2093123" y="2183389"/>
+                  </a:lnTo>
+                  <a:lnTo>
+                    <a:pt x="2173628" y="1968047"/>
+                  </a:lnTo>
+                  <a:lnTo>
+                    <a:pt x="2254133" y="1742019"/>
+                  </a:lnTo>
+                  <a:lnTo>
+                    <a:pt x="2334637" y="1505701"/>
+                  </a:lnTo>
+                  <a:lnTo>
+                    <a:pt x="2415142" y="1259606"/>
+                  </a:lnTo>
+                  <a:lnTo>
+                    <a:pt x="2495647" y="1004367"/>
+                  </a:lnTo>
+                  <a:lnTo>
+                    <a:pt x="2576152" y="740730"/>
+                  </a:lnTo>
+                  <a:lnTo>
+                    <a:pt x="2656657" y="469546"/>
+                  </a:lnTo>
+                  <a:lnTo>
+                    <a:pt x="2737161" y="191754"/>
+                  </a:lnTo>
+                  <a:lnTo>
+                    <a:pt x="2791636" y="0"/>
+                  </a:lnTo>
+                </a:path>
+              </a:pathLst>
+            </a:custGeom>
+          </p:spPr>
+          <p:txBody>
+            <a:bodyPr/>
+            <a:lstStyle/>
+            <a:p/>
+          </p:txBody>
+        </p:sp>
+        <p:sp>
+          <p:nvSpPr>
+            <p:cNvPr id="16" name="pl16"/>
+            <p:cNvSpPr/>
+            <p:nvPr/>
+          </p:nvSpPr>
+          <p:spPr>
+            <a:xfrm>
+              <a:off x="2199579" y="6033368"/>
+              <a:ext cx="984429" cy="70729"/>
+            </a:xfrm>
+            <a:custGeom>
+              <a:avLst/>
+              <a:pathLst>
+                <a:path w="984429" h="70729">
+                  <a:moveTo>
+                    <a:pt x="984429" y="70729"/>
+                  </a:moveTo>
+                  <a:lnTo>
+                    <a:pt x="966057" y="65391"/>
+                  </a:lnTo>
+                  <a:lnTo>
+                    <a:pt x="885552" y="45891"/>
+                  </a:lnTo>
+                  <a:lnTo>
+                    <a:pt x="805047" y="30073"/>
+                  </a:lnTo>
+                  <a:lnTo>
+                    <a:pt x="724542" y="17744"/>
+                  </a:lnTo>
+                  <a:lnTo>
+                    <a:pt x="644038" y="8735"/>
+                  </a:lnTo>
+                  <a:lnTo>
+                    <a:pt x="563533" y="2887"/>
+                  </a:lnTo>
+                  <a:lnTo>
+                    <a:pt x="483028" y="40"/>
+                  </a:lnTo>
+                  <a:lnTo>
+                    <a:pt x="402523" y="0"/>
+                  </a:lnTo>
+                  <a:lnTo>
+                    <a:pt x="322019" y="2509"/>
+                  </a:lnTo>
+                  <a:lnTo>
+                    <a:pt x="241514" y="7214"/>
+                  </a:lnTo>
+                  <a:lnTo>
+                    <a:pt x="161009" y="13667"/>
+                  </a:lnTo>
+                  <a:lnTo>
+                    <a:pt x="80504" y="21355"/>
+                  </a:lnTo>
+                  <a:lnTo>
+                    <a:pt x="0" y="29762"/>
+                  </a:lnTo>
+                  <a:lnTo>
+                    <a:pt x="0" y="29762"/>
+                  </a:lnTo>
+                </a:path>
+              </a:pathLst>
+            </a:custGeom>
+          </p:spPr>
+          <p:txBody>
+            <a:bodyPr/>
+            <a:lstStyle/>
+            <a:p/>
+          </p:txBody>
+        </p:sp>
+        <p:sp>
+          <p:nvSpPr>
+            <p:cNvPr id="17" name="pg17"/>
+            <p:cNvSpPr/>
+            <p:nvPr/>
+          </p:nvSpPr>
+          <p:spPr>
+            <a:xfrm>
+              <a:off x="2199579" y="1346412"/>
+              <a:ext cx="4830285" cy="4757685"/>
+            </a:xfrm>
+            <a:custGeom>
+              <a:avLst/>
+              <a:pathLst>
+                <a:path w="4830285" h="4757685">
+                  <a:moveTo>
+                    <a:pt x="0" y="4740943"/>
+                  </a:moveTo>
+                  <a:lnTo>
+                    <a:pt x="80504" y="4739428"/>
+                  </a:lnTo>
+                  <a:lnTo>
+                    <a:pt x="161009" y="4737661"/>
+                  </a:lnTo>
+                  <a:lnTo>
+                    <a:pt x="241514" y="4735578"/>
+                  </a:lnTo>
+                  <a:lnTo>
+                    <a:pt x="322019" y="4733110"/>
+                  </a:lnTo>
+                  <a:lnTo>
+                    <a:pt x="402523" y="4730185"/>
+                  </a:lnTo>
+                  <a:lnTo>
+                    <a:pt x="483028" y="4726728"/>
+                  </a:lnTo>
+                  <a:lnTo>
+                    <a:pt x="563533" y="4722663"/>
+                  </a:lnTo>
+                  <a:lnTo>
+                    <a:pt x="644038" y="4717911"/>
+                  </a:lnTo>
+                  <a:lnTo>
+                    <a:pt x="724542" y="4712384"/>
+                  </a:lnTo>
+                  <a:lnTo>
+                    <a:pt x="805047" y="4705989"/>
+                  </a:lnTo>
+                  <a:lnTo>
+                    <a:pt x="885552" y="4698618"/>
+                  </a:lnTo>
+                  <a:lnTo>
+                    <a:pt x="966057" y="4690154"/>
+                  </a:lnTo>
+                  <a:lnTo>
+                    <a:pt x="1046561" y="4680463"/>
+                  </a:lnTo>
+                  <a:lnTo>
+                    <a:pt x="1127066" y="4669395"/>
+                  </a:lnTo>
+                  <a:lnTo>
+                    <a:pt x="1207571" y="4656783"/>
+                  </a:lnTo>
+                  <a:lnTo>
+                    <a:pt x="1288076" y="4642441"/>
+                  </a:lnTo>
+                  <a:lnTo>
+                    <a:pt x="1368580" y="4626161"/>
+                  </a:lnTo>
+                  <a:lnTo>
+                    <a:pt x="1449085" y="4607715"/>
+                  </a:lnTo>
+                  <a:lnTo>
+                    <a:pt x="1529590" y="4586850"/>
+                  </a:lnTo>
+                  <a:lnTo>
+                    <a:pt x="1610095" y="4563290"/>
+                  </a:lnTo>
+                  <a:lnTo>
+                    <a:pt x="1690599" y="4536730"/>
+                  </a:lnTo>
+                  <a:lnTo>
+                    <a:pt x="1771104" y="4506841"/>
+                  </a:lnTo>
+                  <a:lnTo>
+                    <a:pt x="1851609" y="4473264"/>
+                  </a:lnTo>
+                  <a:lnTo>
+                    <a:pt x="1932114" y="4435613"/>
+                  </a:lnTo>
+                  <a:lnTo>
+                    <a:pt x="2012618" y="4393473"/>
+                  </a:lnTo>
+                  <a:lnTo>
+                    <a:pt x="2093123" y="4346403"/>
+                  </a:lnTo>
+                  <a:lnTo>
+                    <a:pt x="2173628" y="4293933"/>
+                  </a:lnTo>
+                  <a:lnTo>
+                    <a:pt x="2254133" y="4235572"/>
+                  </a:lnTo>
+                  <a:lnTo>
+                    <a:pt x="2334637" y="4170805"/>
+                  </a:lnTo>
+                  <a:lnTo>
+                    <a:pt x="2415142" y="4099100"/>
+                  </a:lnTo>
+                  <a:lnTo>
+                    <a:pt x="2495647" y="4019913"/>
+                  </a:lnTo>
+                  <a:lnTo>
+                    <a:pt x="2576152" y="3932691"/>
+                  </a:lnTo>
+                  <a:lnTo>
+                    <a:pt x="2656657" y="3836884"/>
+                  </a:lnTo>
+                  <a:lnTo>
+                    <a:pt x="2737161" y="3731945"/>
+                  </a:lnTo>
+                  <a:lnTo>
+                    <a:pt x="2817666" y="3617347"/>
+                  </a:lnTo>
+                  <a:lnTo>
+                    <a:pt x="2898171" y="3492584"/>
+                  </a:lnTo>
+                  <a:lnTo>
+                    <a:pt x="2978676" y="3357186"/>
+                  </a:lnTo>
+                  <a:lnTo>
+                    <a:pt x="3059180" y="3210728"/>
+                  </a:lnTo>
+                  <a:lnTo>
+                    <a:pt x="3139685" y="3052837"/>
+                  </a:lnTo>
+                  <a:lnTo>
+                    <a:pt x="3220190" y="2883201"/>
+                  </a:lnTo>
+                  <a:lnTo>
+                    <a:pt x="3300695" y="2701581"/>
+                  </a:lnTo>
+                  <a:lnTo>
+                    <a:pt x="3381199" y="2507811"/>
+                  </a:lnTo>
+                  <a:lnTo>
+                    <a:pt x="3461704" y="2301810"/>
+                  </a:lnTo>
+                  <a:lnTo>
+                    <a:pt x="3542209" y="2083583"/>
+                  </a:lnTo>
+                  <a:lnTo>
+                    <a:pt x="3622714" y="1853218"/>
+                  </a:lnTo>
+                  <a:lnTo>
+                    <a:pt x="3703218" y="1610893"/>
+                  </a:lnTo>
+                  <a:lnTo>
+                    <a:pt x="3783723" y="1356868"/>
+                  </a:lnTo>
+                  <a:lnTo>
+                    <a:pt x="3864228" y="1091484"/>
+                  </a:lnTo>
+                  <a:lnTo>
+                    <a:pt x="3944733" y="815151"/>
+                  </a:lnTo>
+                  <a:lnTo>
+                    <a:pt x="4025237" y="528349"/>
+                  </a:lnTo>
+                  <a:lnTo>
+                    <a:pt x="4105742" y="231610"/>
+                  </a:lnTo>
+                  <a:lnTo>
+                    <a:pt x="4166657" y="0"/>
+                  </a:lnTo>
+                  <a:lnTo>
+                    <a:pt x="4830285" y="0"/>
+                  </a:lnTo>
+                  <a:lnTo>
+                    <a:pt x="4830285" y="4757685"/>
+                  </a:lnTo>
+                  <a:lnTo>
+                    <a:pt x="984472" y="4757685"/>
+                  </a:lnTo>
+                  <a:lnTo>
+                    <a:pt x="966057" y="4757073"/>
+                  </a:lnTo>
+                  <a:lnTo>
+                    <a:pt x="885552" y="4755000"/>
+                  </a:lnTo>
+                  <a:lnTo>
+                    <a:pt x="805047" y="4753448"/>
+                  </a:lnTo>
+                  <a:lnTo>
+                    <a:pt x="724542" y="4752345"/>
+                  </a:lnTo>
+                  <a:lnTo>
+                    <a:pt x="644038" y="4751629"/>
+                  </a:lnTo>
+                  <a:lnTo>
+                    <a:pt x="563533" y="4751245"/>
+                  </a:lnTo>
+                  <a:lnTo>
+                    <a:pt x="483028" y="4751145"/>
+                  </a:lnTo>
+                  <a:lnTo>
+                    <a:pt x="402523" y="4751286"/>
+                  </a:lnTo>
+                  <a:lnTo>
+                    <a:pt x="322019" y="4751622"/>
+                  </a:lnTo>
+                  <a:lnTo>
+                    <a:pt x="241514" y="4752109"/>
+                  </a:lnTo>
+                  <a:lnTo>
+                    <a:pt x="161009" y="4752703"/>
+                  </a:lnTo>
+                  <a:lnTo>
+                    <a:pt x="80504" y="4753359"/>
+                  </a:lnTo>
+                  <a:lnTo>
+                    <a:pt x="0" y="4754037"/>
+                  </a:lnTo>
+                  <a:close/>
+                </a:path>
+              </a:pathLst>
+            </a:custGeom>
+            <a:solidFill>
+              <a:srgbClr val="E900FF">
+                <a:alpha val="100000"/>
+              </a:srgbClr>
+            </a:solidFill>
+          </p:spPr>
+          <p:txBody>
+            <a:bodyPr/>
+            <a:lstStyle/>
+            <a:p/>
+          </p:txBody>
+        </p:sp>
+        <p:sp>
+          <p:nvSpPr>
+            <p:cNvPr id="18" name="pl18"/>
+            <p:cNvSpPr/>
+            <p:nvPr/>
+          </p:nvSpPr>
+          <p:spPr>
+            <a:xfrm>
+              <a:off x="2199579" y="1346412"/>
+              <a:ext cx="4166657" cy="4740943"/>
+            </a:xfrm>
+            <a:custGeom>
+              <a:avLst/>
+              <a:pathLst>
+                <a:path w="4166657" h="4740943">
+                  <a:moveTo>
+                    <a:pt x="0" y="4740943"/>
+                  </a:moveTo>
+                  <a:lnTo>
+                    <a:pt x="0" y="4740943"/>
+                  </a:lnTo>
+                  <a:lnTo>
+                    <a:pt x="80504" y="4739428"/>
+                  </a:lnTo>
+                  <a:lnTo>
+                    <a:pt x="161009" y="4737661"/>
+                  </a:lnTo>
+                  <a:lnTo>
+                    <a:pt x="241514" y="4735578"/>
+                  </a:lnTo>
+                  <a:lnTo>
+                    <a:pt x="322019" y="4733110"/>
+                  </a:lnTo>
+                  <a:lnTo>
+                    <a:pt x="402523" y="4730185"/>
+                  </a:lnTo>
+                  <a:lnTo>
+                    <a:pt x="483028" y="4726728"/>
+                  </a:lnTo>
+                  <a:lnTo>
+                    <a:pt x="563533" y="4722663"/>
+                  </a:lnTo>
+                  <a:lnTo>
+                    <a:pt x="644038" y="4717911"/>
+                  </a:lnTo>
+                  <a:lnTo>
+                    <a:pt x="724542" y="4712384"/>
+                  </a:lnTo>
+                  <a:lnTo>
+                    <a:pt x="805047" y="4705989"/>
+                  </a:lnTo>
+                  <a:lnTo>
+                    <a:pt x="885552" y="4698618"/>
+                  </a:lnTo>
+                  <a:lnTo>
+                    <a:pt x="966057" y="4690154"/>
+                  </a:lnTo>
+                  <a:lnTo>
+                    <a:pt x="1046561" y="4680463"/>
+                  </a:lnTo>
+                  <a:lnTo>
+                    <a:pt x="1127066" y="4669395"/>
+                  </a:lnTo>
+                  <a:lnTo>
+                    <a:pt x="1207571" y="4656783"/>
+                  </a:lnTo>
+                  <a:lnTo>
+                    <a:pt x="1288076" y="4642441"/>
+                  </a:lnTo>
+                  <a:lnTo>
+                    <a:pt x="1368580" y="4626161"/>
+                  </a:lnTo>
+                  <a:lnTo>
+                    <a:pt x="1449085" y="4607715"/>
+                  </a:lnTo>
+                  <a:lnTo>
+                    <a:pt x="1529590" y="4586850"/>
+                  </a:lnTo>
+                  <a:lnTo>
+                    <a:pt x="1610095" y="4563290"/>
+                  </a:lnTo>
+                  <a:lnTo>
+                    <a:pt x="1690599" y="4536730"/>
+                  </a:lnTo>
+                  <a:lnTo>
+                    <a:pt x="1771104" y="4506841"/>
+                  </a:lnTo>
+                  <a:lnTo>
+                    <a:pt x="1851609" y="4473264"/>
+                  </a:lnTo>
+                  <a:lnTo>
+                    <a:pt x="1932114" y="4435613"/>
+                  </a:lnTo>
+                  <a:lnTo>
+                    <a:pt x="2012618" y="4393473"/>
+                  </a:lnTo>
+                  <a:lnTo>
+                    <a:pt x="2093123" y="4346403"/>
+                  </a:lnTo>
+                  <a:lnTo>
+                    <a:pt x="2173628" y="4293933"/>
+                  </a:lnTo>
+                  <a:lnTo>
+                    <a:pt x="2254133" y="4235572"/>
+                  </a:lnTo>
+                  <a:lnTo>
+                    <a:pt x="2334637" y="4170805"/>
+                  </a:lnTo>
+                  <a:lnTo>
+                    <a:pt x="2415142" y="4099100"/>
+                  </a:lnTo>
+                  <a:lnTo>
+                    <a:pt x="2495647" y="4019913"/>
+                  </a:lnTo>
+                  <a:lnTo>
+                    <a:pt x="2576152" y="3932691"/>
+                  </a:lnTo>
+                  <a:lnTo>
+                    <a:pt x="2656657" y="3836884"/>
+                  </a:lnTo>
+                  <a:lnTo>
+                    <a:pt x="2737161" y="3731945"/>
+                  </a:lnTo>
+                  <a:lnTo>
+                    <a:pt x="2817666" y="3617347"/>
+                  </a:lnTo>
+                  <a:lnTo>
+                    <a:pt x="2898171" y="3492584"/>
+                  </a:lnTo>
+                  <a:lnTo>
+                    <a:pt x="2978676" y="3357186"/>
+                  </a:lnTo>
+                  <a:lnTo>
+                    <a:pt x="3059180" y="3210728"/>
+                  </a:lnTo>
+                  <a:lnTo>
+                    <a:pt x="3139685" y="3052837"/>
+                  </a:lnTo>
+                  <a:lnTo>
+                    <a:pt x="3220190" y="2883201"/>
+                  </a:lnTo>
+                  <a:lnTo>
+                    <a:pt x="3300695" y="2701581"/>
+                  </a:lnTo>
+                  <a:lnTo>
+                    <a:pt x="3381199" y="2507811"/>
+                  </a:lnTo>
+                  <a:lnTo>
+                    <a:pt x="3461704" y="2301810"/>
+                  </a:lnTo>
+                  <a:lnTo>
+                    <a:pt x="3542209" y="2083583"/>
+                  </a:lnTo>
+                  <a:lnTo>
+                    <a:pt x="3622714" y="1853218"/>
+                  </a:lnTo>
+                  <a:lnTo>
+                    <a:pt x="3703218" y="1610893"/>
+                  </a:lnTo>
+                  <a:lnTo>
+                    <a:pt x="3783723" y="1356868"/>
+                  </a:lnTo>
+                  <a:lnTo>
+                    <a:pt x="3864228" y="1091484"/>
+                  </a:lnTo>
+                  <a:lnTo>
+                    <a:pt x="3944733" y="815151"/>
+                  </a:lnTo>
+                  <a:lnTo>
+                    <a:pt x="4025237" y="528349"/>
+                  </a:lnTo>
+                  <a:lnTo>
+                    <a:pt x="4105742" y="231610"/>
+                  </a:lnTo>
+                  <a:lnTo>
+                    <a:pt x="4166657" y="0"/>
+                  </a:lnTo>
+                </a:path>
+              </a:pathLst>
+            </a:custGeom>
+          </p:spPr>
+          <p:txBody>
+            <a:bodyPr/>
+            <a:lstStyle/>
+            <a:p/>
+          </p:txBody>
+        </p:sp>
+        <p:sp>
+          <p:nvSpPr>
+            <p:cNvPr id="19" name="pl19"/>
+            <p:cNvSpPr/>
+            <p:nvPr/>
+          </p:nvSpPr>
+          <p:spPr>
+            <a:xfrm>
+              <a:off x="2199579" y="6097558"/>
+              <a:ext cx="984472" cy="6539"/>
+            </a:xfrm>
+            <a:custGeom>
+              <a:avLst/>
+              <a:pathLst>
+                <a:path w="984472" h="6539">
+                  <a:moveTo>
+                    <a:pt x="984472" y="6539"/>
+                  </a:moveTo>
+                  <a:lnTo>
+                    <a:pt x="966057" y="5927"/>
+                  </a:lnTo>
+                  <a:lnTo>
+                    <a:pt x="885552" y="3854"/>
+                  </a:lnTo>
+                  <a:lnTo>
+                    <a:pt x="805047" y="2302"/>
+                  </a:lnTo>
+                  <a:lnTo>
+                    <a:pt x="724542" y="1199"/>
+                  </a:lnTo>
+                  <a:lnTo>
+                    <a:pt x="644038" y="483"/>
+                  </a:lnTo>
+                  <a:lnTo>
+                    <a:pt x="563533" y="99"/>
+                  </a:lnTo>
+                  <a:lnTo>
+                    <a:pt x="483028" y="0"/>
+                  </a:lnTo>
+                  <a:lnTo>
+                    <a:pt x="402523" y="140"/>
+                  </a:lnTo>
+                  <a:lnTo>
+                    <a:pt x="322019" y="476"/>
+                  </a:lnTo>
+                  <a:lnTo>
+                    <a:pt x="241514" y="963"/>
+                  </a:lnTo>
+                  <a:lnTo>
+                    <a:pt x="161009" y="1557"/>
+                  </a:lnTo>
+                  <a:lnTo>
+                    <a:pt x="80504" y="2213"/>
+                  </a:lnTo>
+                  <a:lnTo>
+                    <a:pt x="0" y="2891"/>
+                  </a:lnTo>
+                  <a:lnTo>
+                    <a:pt x="0" y="2891"/>
+                  </a:lnTo>
+                </a:path>
+              </a:pathLst>
+            </a:custGeom>
+          </p:spPr>
+          <p:txBody>
+            <a:bodyPr/>
+            <a:lstStyle/>
+            <a:p/>
+          </p:txBody>
+        </p:sp>
+        <p:sp>
+          <p:nvSpPr>
+            <p:cNvPr id="20" name="pl20"/>
+            <p:cNvSpPr/>
+            <p:nvPr/>
+          </p:nvSpPr>
+          <p:spPr>
+            <a:xfrm>
+              <a:off x="2199579" y="1490426"/>
+              <a:ext cx="4830285" cy="3819634"/>
+            </a:xfrm>
+            <a:custGeom>
+              <a:avLst/>
+              <a:pathLst>
+                <a:path w="4830285" h="3819634">
+                  <a:moveTo>
+                    <a:pt x="0" y="0"/>
+                  </a:moveTo>
+                  <a:lnTo>
+                    <a:pt x="0" y="0"/>
+                  </a:lnTo>
+                  <a:lnTo>
+                    <a:pt x="80504" y="12048"/>
+                  </a:lnTo>
+                  <a:lnTo>
+                    <a:pt x="161009" y="25073"/>
+                  </a:lnTo>
+                  <a:lnTo>
+                    <a:pt x="241514" y="39149"/>
+                  </a:lnTo>
+                  <a:lnTo>
+                    <a:pt x="322019" y="54354"/>
+                  </a:lnTo>
+                  <a:lnTo>
+                    <a:pt x="402523" y="70769"/>
+                  </a:lnTo>
+                  <a:lnTo>
+                    <a:pt x="483028" y="88482"/>
+                  </a:lnTo>
+                  <a:lnTo>
+                    <a:pt x="563533" y="107585"/>
+                  </a:lnTo>
+                  <a:lnTo>
+                    <a:pt x="644038" y="128174"/>
+                  </a:lnTo>
+                  <a:lnTo>
+                    <a:pt x="724542" y="150349"/>
+                  </a:lnTo>
+                  <a:lnTo>
+                    <a:pt x="805047" y="174215"/>
+                  </a:lnTo>
+                  <a:lnTo>
+                    <a:pt x="885552" y="199882"/>
+                  </a:lnTo>
+                  <a:lnTo>
+                    <a:pt x="966057" y="227461"/>
+                  </a:lnTo>
+                  <a:lnTo>
+                    <a:pt x="1046561" y="257068"/>
+                  </a:lnTo>
+                  <a:lnTo>
+                    <a:pt x="1127066" y="288819"/>
+                  </a:lnTo>
+                  <a:lnTo>
+                    <a:pt x="1207571" y="322836"/>
+                  </a:lnTo>
+                  <a:lnTo>
+                    <a:pt x="1288076" y="359236"/>
+                  </a:lnTo>
+                  <a:lnTo>
+                    <a:pt x="1368580" y="398140"/>
+                  </a:lnTo>
+                  <a:lnTo>
+                    <a:pt x="1449085" y="439664"/>
+                  </a:lnTo>
+                  <a:lnTo>
+                    <a:pt x="1529590" y="483923"/>
+                  </a:lnTo>
+                  <a:lnTo>
+                    <a:pt x="1610095" y="531026"/>
+                  </a:lnTo>
+                  <a:lnTo>
+                    <a:pt x="1690599" y="581075"/>
+                  </a:lnTo>
+                  <a:lnTo>
+                    <a:pt x="1771104" y="634162"/>
+                  </a:lnTo>
+                  <a:lnTo>
+                    <a:pt x="1851609" y="690370"/>
+                  </a:lnTo>
+                  <a:lnTo>
+                    <a:pt x="1932114" y="749767"/>
+                  </a:lnTo>
+                  <a:lnTo>
+                    <a:pt x="2012618" y="812406"/>
+                  </a:lnTo>
+                  <a:lnTo>
+                    <a:pt x="2093123" y="878320"/>
+                  </a:lnTo>
+                  <a:lnTo>
+                    <a:pt x="2173628" y="947522"/>
+                  </a:lnTo>
+                  <a:lnTo>
+                    <a:pt x="2254133" y="1020002"/>
+                  </a:lnTo>
+                  <a:lnTo>
+                    <a:pt x="2334637" y="1095724"/>
+                  </a:lnTo>
+                  <a:lnTo>
+                    <a:pt x="2415142" y="1174625"/>
+                  </a:lnTo>
+                  <a:lnTo>
+                    <a:pt x="2495647" y="1256610"/>
+                  </a:lnTo>
+                  <a:lnTo>
+                    <a:pt x="2576152" y="1341558"/>
+                  </a:lnTo>
+                  <a:lnTo>
+                    <a:pt x="2656657" y="1429313"/>
+                  </a:lnTo>
+                  <a:lnTo>
+                    <a:pt x="2737161" y="1519688"/>
+                  </a:lnTo>
+                  <a:lnTo>
+                    <a:pt x="2817666" y="1612467"/>
+                  </a:lnTo>
+                  <a:lnTo>
+                    <a:pt x="2898171" y="1707403"/>
+                  </a:lnTo>
+                  <a:lnTo>
+                    <a:pt x="2978676" y="1804220"/>
+                  </a:lnTo>
+                  <a:lnTo>
+                    <a:pt x="3059180" y="1902619"/>
+                  </a:lnTo>
+                  <a:lnTo>
+                    <a:pt x="3139685" y="2002277"/>
+                  </a:lnTo>
+                  <a:lnTo>
+                    <a:pt x="3220190" y="2102853"/>
+                  </a:lnTo>
+                  <a:lnTo>
+                    <a:pt x="3300695" y="2203995"/>
+                  </a:lnTo>
+                  <a:lnTo>
+                    <a:pt x="3381199" y="2305339"/>
+                  </a:lnTo>
+                  <a:lnTo>
+                    <a:pt x="3461704" y="2406520"/>
+                  </a:lnTo>
+                  <a:lnTo>
+                    <a:pt x="3542209" y="2507172"/>
+                  </a:lnTo>
+                  <a:lnTo>
+                    <a:pt x="3622714" y="2606939"/>
+                  </a:lnTo>
+                  <a:lnTo>
+                    <a:pt x="3703218" y="2705475"/>
+                  </a:lnTo>
+                  <a:lnTo>
+                    <a:pt x="3783723" y="2802451"/>
+                  </a:lnTo>
+                  <a:lnTo>
+                    <a:pt x="3864228" y="2897558"/>
+                  </a:lnTo>
+                  <a:lnTo>
+                    <a:pt x="3944733" y="2990514"/>
+                  </a:lnTo>
+                  <a:lnTo>
+                    <a:pt x="4025237" y="3081061"/>
+                  </a:lnTo>
+                  <a:lnTo>
+                    <a:pt x="4105742" y="3168974"/>
+                  </a:lnTo>
+                  <a:lnTo>
+                    <a:pt x="4186247" y="3254056"/>
+                  </a:lnTo>
+                  <a:lnTo>
+                    <a:pt x="4266752" y="3336143"/>
+                  </a:lnTo>
+                  <a:lnTo>
+                    <a:pt x="4347256" y="3415105"/>
+                  </a:lnTo>
+                  <a:lnTo>
+                    <a:pt x="4427761" y="3490840"/>
+                  </a:lnTo>
+                  <a:lnTo>
+                    <a:pt x="4508266" y="3563279"/>
+                  </a:lnTo>
+                  <a:lnTo>
+                    <a:pt x="4588771" y="3632380"/>
+                  </a:lnTo>
+                  <a:lnTo>
+                    <a:pt x="4669275" y="3698129"/>
+                  </a:lnTo>
+                  <a:lnTo>
+                    <a:pt x="4749780" y="3760536"/>
+                  </a:lnTo>
+                  <a:lnTo>
+                    <a:pt x="4830285" y="3819634"/>
+                  </a:lnTo>
+                  <a:lnTo>
+                    <a:pt x="4830285" y="3819634"/>
                   </a:lnTo>
                 </a:path>
               </a:pathLst>
             </a:custGeom>
             <a:ln w="13550" cap="flat">
               <a:solidFill>
-                <a:srgbClr val="4682B4">
+                <a:srgbClr val="E900FF">
                   <a:alpha val="100000"/>
                 </a:srgbClr>
               </a:solidFill>
@@ -4440,26 +5035,214 @@
         </p:sp>
         <p:sp>
           <p:nvSpPr>
-            <p:cNvPr id="14" name="pt14"/>
-            <p:cNvSpPr/>
-            <p:nvPr/>
-          </p:nvSpPr>
-          <p:spPr>
-            <a:xfrm>
-              <a:off x="2151561" y="6048686"/>
-              <a:ext cx="96035" cy="96035"/>
-            </a:xfrm>
-            <a:prstGeom prst="ellipse">
-              <a:avLst/>
-            </a:prstGeom>
-            <a:solidFill>
-              <a:srgbClr val="4682B4">
-                <a:alpha val="100000"/>
-              </a:srgbClr>
-            </a:solidFill>
-            <a:ln w="9000" cap="rnd">
+            <p:cNvPr id="21" name="pl21"/>
+            <p:cNvSpPr/>
+            <p:nvPr/>
+          </p:nvSpPr>
+          <p:spPr>
+            <a:xfrm>
+              <a:off x="2199579" y="3082381"/>
+              <a:ext cx="4830285" cy="2887896"/>
+            </a:xfrm>
+            <a:custGeom>
+              <a:avLst/>
+              <a:pathLst>
+                <a:path w="4830285" h="2887896">
+                  <a:moveTo>
+                    <a:pt x="0" y="2887896"/>
+                  </a:moveTo>
+                  <a:lnTo>
+                    <a:pt x="0" y="2887896"/>
+                  </a:lnTo>
+                  <a:lnTo>
+                    <a:pt x="80504" y="2876944"/>
+                  </a:lnTo>
+                  <a:lnTo>
+                    <a:pt x="161009" y="2865130"/>
+                  </a:lnTo>
+                  <a:lnTo>
+                    <a:pt x="241514" y="2852393"/>
+                  </a:lnTo>
+                  <a:lnTo>
+                    <a:pt x="322019" y="2838666"/>
+                  </a:lnTo>
+                  <a:lnTo>
+                    <a:pt x="402523" y="2823881"/>
+                  </a:lnTo>
+                  <a:lnTo>
+                    <a:pt x="483028" y="2807967"/>
+                  </a:lnTo>
+                  <a:lnTo>
+                    <a:pt x="563533" y="2790846"/>
+                  </a:lnTo>
+                  <a:lnTo>
+                    <a:pt x="644038" y="2772442"/>
+                  </a:lnTo>
+                  <a:lnTo>
+                    <a:pt x="724542" y="2752672"/>
+                  </a:lnTo>
+                  <a:lnTo>
+                    <a:pt x="805047" y="2731452"/>
+                  </a:lnTo>
+                  <a:lnTo>
+                    <a:pt x="885552" y="2708694"/>
+                  </a:lnTo>
+                  <a:lnTo>
+                    <a:pt x="966057" y="2684311"/>
+                  </a:lnTo>
+                  <a:lnTo>
+                    <a:pt x="1046561" y="2658212"/>
+                  </a:lnTo>
+                  <a:lnTo>
+                    <a:pt x="1127066" y="2630307"/>
+                  </a:lnTo>
+                  <a:lnTo>
+                    <a:pt x="1207571" y="2600504"/>
+                  </a:lnTo>
+                  <a:lnTo>
+                    <a:pt x="1288076" y="2568714"/>
+                  </a:lnTo>
+                  <a:lnTo>
+                    <a:pt x="1368580" y="2534850"/>
+                  </a:lnTo>
+                  <a:lnTo>
+                    <a:pt x="1449085" y="2498827"/>
+                  </a:lnTo>
+                  <a:lnTo>
+                    <a:pt x="1529590" y="2460567"/>
+                  </a:lnTo>
+                  <a:lnTo>
+                    <a:pt x="1610095" y="2419994"/>
+                  </a:lnTo>
+                  <a:lnTo>
+                    <a:pt x="1690599" y="2377046"/>
+                  </a:lnTo>
+                  <a:lnTo>
+                    <a:pt x="1771104" y="2331665"/>
+                  </a:lnTo>
+                  <a:lnTo>
+                    <a:pt x="1851609" y="2283808"/>
+                  </a:lnTo>
+                  <a:lnTo>
+                    <a:pt x="1932114" y="2233444"/>
+                  </a:lnTo>
+                  <a:lnTo>
+                    <a:pt x="2012618" y="2180559"/>
+                  </a:lnTo>
+                  <a:lnTo>
+                    <a:pt x="2093123" y="2125156"/>
+                  </a:lnTo>
+                  <a:lnTo>
+                    <a:pt x="2173628" y="2067258"/>
+                  </a:lnTo>
+                  <a:lnTo>
+                    <a:pt x="2254133" y="2006908"/>
+                  </a:lnTo>
+                  <a:lnTo>
+                    <a:pt x="2334637" y="1944175"/>
+                  </a:lnTo>
+                  <a:lnTo>
+                    <a:pt x="2415142" y="1879149"/>
+                  </a:lnTo>
+                  <a:lnTo>
+                    <a:pt x="2495647" y="1811949"/>
+                  </a:lnTo>
+                  <a:lnTo>
+                    <a:pt x="2576152" y="1742718"/>
+                  </a:lnTo>
+                  <a:lnTo>
+                    <a:pt x="2656657" y="1671626"/>
+                  </a:lnTo>
+                  <a:lnTo>
+                    <a:pt x="2737161" y="1598871"/>
+                  </a:lnTo>
+                  <a:lnTo>
+                    <a:pt x="2817666" y="1524674"/>
+                  </a:lnTo>
+                  <a:lnTo>
+                    <a:pt x="2898171" y="1449279"/>
+                  </a:lnTo>
+                  <a:lnTo>
+                    <a:pt x="2978676" y="1372954"/>
+                  </a:lnTo>
+                  <a:lnTo>
+                    <a:pt x="3059180" y="1295984"/>
+                  </a:lnTo>
+                  <a:lnTo>
+                    <a:pt x="3139685" y="1218669"/>
+                  </a:lnTo>
+                  <a:lnTo>
+                    <a:pt x="3220190" y="1141323"/>
+                  </a:lnTo>
+                  <a:lnTo>
+                    <a:pt x="3300695" y="1064264"/>
+                  </a:lnTo>
+                  <a:lnTo>
+                    <a:pt x="3381199" y="987815"/>
+                  </a:lnTo>
+                  <a:lnTo>
+                    <a:pt x="3461704" y="912298"/>
+                  </a:lnTo>
+                  <a:lnTo>
+                    <a:pt x="3542209" y="838028"/>
+                  </a:lnTo>
+                  <a:lnTo>
+                    <a:pt x="3622714" y="765307"/>
+                  </a:lnTo>
+                  <a:lnTo>
+                    <a:pt x="3703218" y="694426"/>
+                  </a:lnTo>
+                  <a:lnTo>
+                    <a:pt x="3783723" y="625656"/>
+                  </a:lnTo>
+                  <a:lnTo>
+                    <a:pt x="3864228" y="559245"/>
+                  </a:lnTo>
+                  <a:lnTo>
+                    <a:pt x="3944733" y="495416"/>
+                  </a:lnTo>
+                  <a:lnTo>
+                    <a:pt x="4025237" y="434368"/>
+                  </a:lnTo>
+                  <a:lnTo>
+                    <a:pt x="4105742" y="376269"/>
+                  </a:lnTo>
+                  <a:lnTo>
+                    <a:pt x="4186247" y="321259"/>
+                  </a:lnTo>
+                  <a:lnTo>
+                    <a:pt x="4266752" y="269449"/>
+                  </a:lnTo>
+                  <a:lnTo>
+                    <a:pt x="4347256" y="220922"/>
+                  </a:lnTo>
+                  <a:lnTo>
+                    <a:pt x="4427761" y="175732"/>
+                  </a:lnTo>
+                  <a:lnTo>
+                    <a:pt x="4508266" y="133906"/>
+                  </a:lnTo>
+                  <a:lnTo>
+                    <a:pt x="4588771" y="95449"/>
+                  </a:lnTo>
+                  <a:lnTo>
+                    <a:pt x="4669275" y="60342"/>
+                  </a:lnTo>
+                  <a:lnTo>
+                    <a:pt x="4749780" y="28544"/>
+                  </a:lnTo>
+                  <a:lnTo>
+                    <a:pt x="4830285" y="0"/>
+                  </a:lnTo>
+                  <a:lnTo>
+                    <a:pt x="4830285" y="0"/>
+                  </a:lnTo>
+                </a:path>
+              </a:pathLst>
+            </a:custGeom>
+            <a:ln w="13550" cap="flat">
               <a:solidFill>
-                <a:srgbClr val="4682B4">
+                <a:srgbClr val="D29B00">
                   <a:alpha val="100000"/>
                 </a:srgbClr>
               </a:solidFill>
@@ -4475,26 +5258,214 @@
         </p:sp>
         <p:sp>
           <p:nvSpPr>
-            <p:cNvPr id="15" name="pt15"/>
-            <p:cNvSpPr/>
-            <p:nvPr/>
-          </p:nvSpPr>
-          <p:spPr>
-            <a:xfrm>
-              <a:off x="2247188" y="5869967"/>
-              <a:ext cx="73097" cy="73097"/>
-            </a:xfrm>
-            <a:prstGeom prst="ellipse">
-              <a:avLst/>
-            </a:prstGeom>
-            <a:solidFill>
-              <a:srgbClr val="4682B4">
-                <a:alpha val="100000"/>
-              </a:srgbClr>
-            </a:solidFill>
-            <a:ln w="9000" cap="rnd">
+            <p:cNvPr id="22" name="pl22"/>
+            <p:cNvSpPr/>
+            <p:nvPr/>
+          </p:nvSpPr>
+          <p:spPr>
+            <a:xfrm>
+              <a:off x="2199579" y="5162164"/>
+              <a:ext cx="4830285" cy="931737"/>
+            </a:xfrm>
+            <a:custGeom>
+              <a:avLst/>
+              <a:pathLst>
+                <a:path w="4830285" h="931737">
+                  <a:moveTo>
+                    <a:pt x="0" y="931737"/>
+                  </a:moveTo>
+                  <a:lnTo>
+                    <a:pt x="0" y="931737"/>
+                  </a:lnTo>
+                  <a:lnTo>
+                    <a:pt x="80504" y="930641"/>
+                  </a:lnTo>
+                  <a:lnTo>
+                    <a:pt x="161009" y="929429"/>
+                  </a:lnTo>
+                  <a:lnTo>
+                    <a:pt x="241514" y="928091"/>
+                  </a:lnTo>
+                  <a:lnTo>
+                    <a:pt x="322019" y="926614"/>
+                  </a:lnTo>
+                  <a:lnTo>
+                    <a:pt x="402523" y="924983"/>
+                  </a:lnTo>
+                  <a:lnTo>
+                    <a:pt x="483028" y="923184"/>
+                  </a:lnTo>
+                  <a:lnTo>
+                    <a:pt x="563533" y="921202"/>
+                  </a:lnTo>
+                  <a:lnTo>
+                    <a:pt x="644038" y="919017"/>
+                  </a:lnTo>
+                  <a:lnTo>
+                    <a:pt x="724542" y="916612"/>
+                  </a:lnTo>
+                  <a:lnTo>
+                    <a:pt x="805047" y="913966"/>
+                  </a:lnTo>
+                  <a:lnTo>
+                    <a:pt x="885552" y="911057"/>
+                  </a:lnTo>
+                  <a:lnTo>
+                    <a:pt x="966057" y="907861"/>
+                  </a:lnTo>
+                  <a:lnTo>
+                    <a:pt x="1046561" y="904353"/>
+                  </a:lnTo>
+                  <a:lnTo>
+                    <a:pt x="1127066" y="900507"/>
+                  </a:lnTo>
+                  <a:lnTo>
+                    <a:pt x="1207571" y="896293"/>
+                  </a:lnTo>
+                  <a:lnTo>
+                    <a:pt x="1288076" y="891683"/>
+                  </a:lnTo>
+                  <a:lnTo>
+                    <a:pt x="1368580" y="886643"/>
+                  </a:lnTo>
+                  <a:lnTo>
+                    <a:pt x="1449085" y="881141"/>
+                  </a:lnTo>
+                  <a:lnTo>
+                    <a:pt x="1529590" y="875143"/>
+                  </a:lnTo>
+                  <a:lnTo>
+                    <a:pt x="1610095" y="868612"/>
+                  </a:lnTo>
+                  <a:lnTo>
+                    <a:pt x="1690599" y="861513"/>
+                  </a:lnTo>
+                  <a:lnTo>
+                    <a:pt x="1771104" y="853806"/>
+                  </a:lnTo>
+                  <a:lnTo>
+                    <a:pt x="1851609" y="845455"/>
+                  </a:lnTo>
+                  <a:lnTo>
+                    <a:pt x="1932114" y="836422"/>
+                  </a:lnTo>
+                  <a:lnTo>
+                    <a:pt x="2012618" y="826668"/>
+                  </a:lnTo>
+                  <a:lnTo>
+                    <a:pt x="2093123" y="816157"/>
+                  </a:lnTo>
+                  <a:lnTo>
+                    <a:pt x="2173628" y="804853"/>
+                  </a:lnTo>
+                  <a:lnTo>
+                    <a:pt x="2254133" y="792722"/>
+                  </a:lnTo>
+                  <a:lnTo>
+                    <a:pt x="2334637" y="779734"/>
+                  </a:lnTo>
+                  <a:lnTo>
+                    <a:pt x="2415142" y="765859"/>
+                  </a:lnTo>
+                  <a:lnTo>
+                    <a:pt x="2495647" y="751074"/>
+                  </a:lnTo>
+                  <a:lnTo>
+                    <a:pt x="2576152" y="735357"/>
+                  </a:lnTo>
+                  <a:lnTo>
+                    <a:pt x="2656657" y="718694"/>
+                  </a:lnTo>
+                  <a:lnTo>
+                    <a:pt x="2737161" y="701073"/>
+                  </a:lnTo>
+                  <a:lnTo>
+                    <a:pt x="2817666" y="682492"/>
+                  </a:lnTo>
+                  <a:lnTo>
+                    <a:pt x="2898171" y="662951"/>
+                  </a:lnTo>
+                  <a:lnTo>
+                    <a:pt x="2978676" y="642459"/>
+                  </a:lnTo>
+                  <a:lnTo>
+                    <a:pt x="3059180" y="621030"/>
+                  </a:lnTo>
+                  <a:lnTo>
+                    <a:pt x="3139685" y="598687"/>
+                  </a:lnTo>
+                  <a:lnTo>
+                    <a:pt x="3220190" y="575457"/>
+                  </a:lnTo>
+                  <a:lnTo>
+                    <a:pt x="3300695" y="551374"/>
+                  </a:lnTo>
+                  <a:lnTo>
+                    <a:pt x="3381199" y="526478"/>
+                  </a:lnTo>
+                  <a:lnTo>
+                    <a:pt x="3461704" y="500815"/>
+                  </a:lnTo>
+                  <a:lnTo>
+                    <a:pt x="3542209" y="474433"/>
+                  </a:lnTo>
+                  <a:lnTo>
+                    <a:pt x="3622714" y="447387"/>
+                  </a:lnTo>
+                  <a:lnTo>
+                    <a:pt x="3703218" y="419732"/>
+                  </a:lnTo>
+                  <a:lnTo>
+                    <a:pt x="3783723" y="391526"/>
+                  </a:lnTo>
+                  <a:lnTo>
+                    <a:pt x="3864228" y="362830"/>
+                  </a:lnTo>
+                  <a:lnTo>
+                    <a:pt x="3944733" y="333703"/>
+                  </a:lnTo>
+                  <a:lnTo>
+                    <a:pt x="4025237" y="304204"/>
+                  </a:lnTo>
+                  <a:lnTo>
+                    <a:pt x="4105742" y="274390"/>
+                  </a:lnTo>
+                  <a:lnTo>
+                    <a:pt x="4186247" y="244318"/>
+                  </a:lnTo>
+                  <a:lnTo>
+                    <a:pt x="4266752" y="214040"/>
+                  </a:lnTo>
+                  <a:lnTo>
+                    <a:pt x="4347256" y="183606"/>
+                  </a:lnTo>
+                  <a:lnTo>
+                    <a:pt x="4427761" y="153061"/>
+                  </a:lnTo>
+                  <a:lnTo>
+                    <a:pt x="4508266" y="122448"/>
+                  </a:lnTo>
+                  <a:lnTo>
+                    <a:pt x="4588771" y="91804"/>
+                  </a:lnTo>
+                  <a:lnTo>
+                    <a:pt x="4669275" y="61162"/>
+                  </a:lnTo>
+                  <a:lnTo>
+                    <a:pt x="4749780" y="30553"/>
+                  </a:lnTo>
+                  <a:lnTo>
+                    <a:pt x="4830285" y="0"/>
+                  </a:lnTo>
+                  <a:lnTo>
+                    <a:pt x="4830285" y="0"/>
+                  </a:lnTo>
+                </a:path>
+              </a:pathLst>
+            </a:custGeom>
+            <a:ln w="13550" cap="flat">
               <a:solidFill>
-                <a:srgbClr val="4682B4">
+                <a:srgbClr val="00DAFF">
                   <a:alpha val="100000"/>
                 </a:srgbClr>
               </a:solidFill>
@@ -4510,26 +5481,26 @@
         </p:sp>
         <p:sp>
           <p:nvSpPr>
-            <p:cNvPr id="16" name="pt16"/>
-            <p:cNvSpPr/>
-            <p:nvPr/>
-          </p:nvSpPr>
-          <p:spPr>
-            <a:xfrm>
-              <a:off x="2324553" y="5821086"/>
-              <a:ext cx="86681" cy="86681"/>
+            <p:cNvPr id="23" name="pt23"/>
+            <p:cNvSpPr/>
+            <p:nvPr/>
+          </p:nvSpPr>
+          <p:spPr>
+            <a:xfrm>
+              <a:off x="2163205" y="6067723"/>
+              <a:ext cx="72747" cy="72747"/>
             </a:xfrm>
             <a:prstGeom prst="ellipse">
               <a:avLst/>
             </a:prstGeom>
             <a:solidFill>
-              <a:srgbClr val="4682B4">
+              <a:srgbClr val="FF0083">
                 <a:alpha val="100000"/>
               </a:srgbClr>
             </a:solidFill>
             <a:ln w="9000" cap="rnd">
               <a:solidFill>
-                <a:srgbClr val="4682B4">
+                <a:srgbClr val="FF0083">
                   <a:alpha val="100000"/>
                 </a:srgbClr>
               </a:solidFill>
@@ -4545,26 +5516,26 @@
         </p:sp>
         <p:sp>
           <p:nvSpPr>
-            <p:cNvPr id="17" name="pt17"/>
-            <p:cNvSpPr/>
-            <p:nvPr/>
-          </p:nvSpPr>
-          <p:spPr>
-            <a:xfrm>
-              <a:off x="2407710" y="5850744"/>
-              <a:ext cx="88683" cy="88683"/>
+            <p:cNvPr id="24" name="pt24"/>
+            <p:cNvSpPr/>
+            <p:nvPr/>
+          </p:nvSpPr>
+          <p:spPr>
+            <a:xfrm>
+              <a:off x="2725283" y="5726433"/>
+              <a:ext cx="75658" cy="75658"/>
             </a:xfrm>
             <a:prstGeom prst="ellipse">
               <a:avLst/>
             </a:prstGeom>
             <a:solidFill>
-              <a:srgbClr val="4682B4">
+              <a:srgbClr val="FF0083">
                 <a:alpha val="100000"/>
               </a:srgbClr>
             </a:solidFill>
             <a:ln w="9000" cap="rnd">
               <a:solidFill>
-                <a:srgbClr val="4682B4">
+                <a:srgbClr val="FF0083">
                   <a:alpha val="100000"/>
                 </a:srgbClr>
               </a:solidFill>
@@ -4580,26 +5551,26 @@
         </p:sp>
         <p:sp>
           <p:nvSpPr>
-            <p:cNvPr id="18" name="pt18"/>
-            <p:cNvSpPr/>
-            <p:nvPr/>
-          </p:nvSpPr>
-          <p:spPr>
-            <a:xfrm>
-              <a:off x="2487462" y="5824916"/>
-              <a:ext cx="97495" cy="97495"/>
+            <p:cNvPr id="25" name="pt25"/>
+            <p:cNvSpPr/>
+            <p:nvPr/>
+          </p:nvSpPr>
+          <p:spPr>
+            <a:xfrm>
+              <a:off x="3288669" y="5685506"/>
+              <a:ext cx="75952" cy="75952"/>
             </a:xfrm>
             <a:prstGeom prst="ellipse">
               <a:avLst/>
             </a:prstGeom>
             <a:solidFill>
-              <a:srgbClr val="4682B4">
+              <a:srgbClr val="FF0083">
                 <a:alpha val="100000"/>
               </a:srgbClr>
             </a:solidFill>
             <a:ln w="9000" cap="rnd">
               <a:solidFill>
-                <a:srgbClr val="4682B4">
+                <a:srgbClr val="FF0083">
                   <a:alpha val="100000"/>
                 </a:srgbClr>
               </a:solidFill>
@@ -4615,26 +5586,26 @@
         </p:sp>
         <p:sp>
           <p:nvSpPr>
-            <p:cNvPr id="19" name="pt19"/>
-            <p:cNvSpPr/>
-            <p:nvPr/>
-          </p:nvSpPr>
-          <p:spPr>
-            <a:xfrm>
-              <a:off x="2567920" y="5894708"/>
-              <a:ext cx="104893" cy="104893"/>
+            <p:cNvPr id="26" name="pt26"/>
+            <p:cNvSpPr/>
+            <p:nvPr/>
+          </p:nvSpPr>
+          <p:spPr>
+            <a:xfrm>
+              <a:off x="3840745" y="5420305"/>
+              <a:ext cx="98868" cy="98868"/>
             </a:xfrm>
             <a:prstGeom prst="ellipse">
               <a:avLst/>
             </a:prstGeom>
             <a:solidFill>
-              <a:srgbClr val="4682B4">
+              <a:srgbClr val="FF0083">
                 <a:alpha val="100000"/>
               </a:srgbClr>
             </a:solidFill>
             <a:ln w="9000" cap="rnd">
               <a:solidFill>
-                <a:srgbClr val="4682B4">
+                <a:srgbClr val="FF0083">
                   <a:alpha val="100000"/>
                 </a:srgbClr>
               </a:solidFill>
@@ -4650,26 +5621,26 @@
         </p:sp>
         <p:sp>
           <p:nvSpPr>
-            <p:cNvPr id="20" name="pt20"/>
-            <p:cNvSpPr/>
-            <p:nvPr/>
-          </p:nvSpPr>
-          <p:spPr>
-            <a:xfrm>
-              <a:off x="2659238" y="5703529"/>
-              <a:ext cx="90573" cy="90573"/>
+            <p:cNvPr id="27" name="pt27"/>
+            <p:cNvSpPr/>
+            <p:nvPr/>
+          </p:nvSpPr>
+          <p:spPr>
+            <a:xfrm>
+              <a:off x="4405905" y="5101945"/>
+              <a:ext cx="95615" cy="95615"/>
             </a:xfrm>
             <a:prstGeom prst="ellipse">
               <a:avLst/>
             </a:prstGeom>
             <a:solidFill>
-              <a:srgbClr val="4682B4">
+              <a:srgbClr val="FF0083">
                 <a:alpha val="100000"/>
               </a:srgbClr>
             </a:solidFill>
             <a:ln w="9000" cap="rnd">
               <a:solidFill>
-                <a:srgbClr val="4682B4">
+                <a:srgbClr val="FF0083">
                   <a:alpha val="100000"/>
                 </a:srgbClr>
               </a:solidFill>
@@ -4685,26 +5656,26 @@
         </p:sp>
         <p:sp>
           <p:nvSpPr>
-            <p:cNvPr id="21" name="pt21"/>
-            <p:cNvSpPr/>
-            <p:nvPr/>
-          </p:nvSpPr>
-          <p:spPr>
-            <a:xfrm>
-              <a:off x="2741501" y="5892673"/>
-              <a:ext cx="94361" cy="94361"/>
+            <p:cNvPr id="28" name="pt28"/>
+            <p:cNvSpPr/>
+            <p:nvPr/>
+          </p:nvSpPr>
+          <p:spPr>
+            <a:xfrm>
+              <a:off x="4977439" y="4428836"/>
+              <a:ext cx="79612" cy="79612"/>
             </a:xfrm>
             <a:prstGeom prst="ellipse">
               <a:avLst/>
             </a:prstGeom>
             <a:solidFill>
-              <a:srgbClr val="4682B4">
+              <a:srgbClr val="FF0083">
                 <a:alpha val="100000"/>
               </a:srgbClr>
             </a:solidFill>
             <a:ln w="9000" cap="rnd">
               <a:solidFill>
-                <a:srgbClr val="4682B4">
+                <a:srgbClr val="FF0083">
                   <a:alpha val="100000"/>
                 </a:srgbClr>
               </a:solidFill>
@@ -4720,26 +5691,26 @@
         </p:sp>
         <p:sp>
           <p:nvSpPr>
-            <p:cNvPr id="22" name="pt22"/>
-            <p:cNvSpPr/>
-            <p:nvPr/>
-          </p:nvSpPr>
-          <p:spPr>
-            <a:xfrm>
-              <a:off x="2827654" y="5731495"/>
-              <a:ext cx="90371" cy="90371"/>
+            <p:cNvPr id="29" name="pt29"/>
+            <p:cNvSpPr/>
+            <p:nvPr/>
+          </p:nvSpPr>
+          <p:spPr>
+            <a:xfrm>
+              <a:off x="2163205" y="6067723"/>
+              <a:ext cx="72747" cy="72747"/>
             </a:xfrm>
             <a:prstGeom prst="ellipse">
               <a:avLst/>
             </a:prstGeom>
             <a:solidFill>
-              <a:srgbClr val="4682B4">
+              <a:srgbClr val="00CE00">
                 <a:alpha val="100000"/>
               </a:srgbClr>
             </a:solidFill>
             <a:ln w="9000" cap="rnd">
               <a:solidFill>
-                <a:srgbClr val="4682B4">
+                <a:srgbClr val="00CE00">
                   <a:alpha val="100000"/>
                 </a:srgbClr>
               </a:solidFill>
@@ -4755,26 +5726,26 @@
         </p:sp>
         <p:sp>
           <p:nvSpPr>
-            <p:cNvPr id="23" name="pt23"/>
-            <p:cNvSpPr/>
-            <p:nvPr/>
-          </p:nvSpPr>
-          <p:spPr>
-            <a:xfrm>
-              <a:off x="2914502" y="5573496"/>
-              <a:ext cx="84991" cy="84991"/>
+            <p:cNvPr id="30" name="pt30"/>
+            <p:cNvSpPr/>
+            <p:nvPr/>
+          </p:nvSpPr>
+          <p:spPr>
+            <a:xfrm>
+              <a:off x="2725283" y="6066268"/>
+              <a:ext cx="75658" cy="75658"/>
             </a:xfrm>
             <a:prstGeom prst="ellipse">
               <a:avLst/>
             </a:prstGeom>
             <a:solidFill>
-              <a:srgbClr val="4682B4">
+              <a:srgbClr val="00CE00">
                 <a:alpha val="100000"/>
               </a:srgbClr>
             </a:solidFill>
             <a:ln w="9000" cap="rnd">
               <a:solidFill>
-                <a:srgbClr val="4682B4">
+                <a:srgbClr val="00CE00">
                   <a:alpha val="100000"/>
                 </a:srgbClr>
               </a:solidFill>
@@ -4790,26 +5761,26 @@
         </p:sp>
         <p:sp>
           <p:nvSpPr>
-            <p:cNvPr id="24" name="pt24"/>
-            <p:cNvSpPr/>
-            <p:nvPr/>
-          </p:nvSpPr>
-          <p:spPr>
-            <a:xfrm>
-              <a:off x="2993534" y="5771550"/>
-              <a:ext cx="95241" cy="95241"/>
+            <p:cNvPr id="31" name="pt31"/>
+            <p:cNvSpPr/>
+            <p:nvPr/>
+          </p:nvSpPr>
+          <p:spPr>
+            <a:xfrm>
+              <a:off x="3288669" y="6018544"/>
+              <a:ext cx="75952" cy="75952"/>
             </a:xfrm>
             <a:prstGeom prst="ellipse">
               <a:avLst/>
             </a:prstGeom>
             <a:solidFill>
-              <a:srgbClr val="4682B4">
+              <a:srgbClr val="00CE00">
                 <a:alpha val="100000"/>
               </a:srgbClr>
             </a:solidFill>
             <a:ln w="9000" cap="rnd">
               <a:solidFill>
-                <a:srgbClr val="4682B4">
+                <a:srgbClr val="00CE00">
                   <a:alpha val="100000"/>
                 </a:srgbClr>
               </a:solidFill>
@@ -4825,26 +5796,26 @@
         </p:sp>
         <p:sp>
           <p:nvSpPr>
-            <p:cNvPr id="25" name="pt25"/>
-            <p:cNvSpPr/>
-            <p:nvPr/>
-          </p:nvSpPr>
-          <p:spPr>
-            <a:xfrm>
-              <a:off x="3077400" y="5818570"/>
-              <a:ext cx="95826" cy="95826"/>
+            <p:cNvPr id="32" name="pt32"/>
+            <p:cNvSpPr/>
+            <p:nvPr/>
+          </p:nvSpPr>
+          <p:spPr>
+            <a:xfrm>
+              <a:off x="3840745" y="5960684"/>
+              <a:ext cx="98868" cy="98868"/>
             </a:xfrm>
             <a:prstGeom prst="ellipse">
               <a:avLst/>
             </a:prstGeom>
             <a:solidFill>
-              <a:srgbClr val="4682B4">
+              <a:srgbClr val="00CE00">
                 <a:alpha val="100000"/>
               </a:srgbClr>
             </a:solidFill>
             <a:ln w="9000" cap="rnd">
               <a:solidFill>
-                <a:srgbClr val="4682B4">
+                <a:srgbClr val="00CE00">
                   <a:alpha val="100000"/>
                 </a:srgbClr>
               </a:solidFill>
@@ -4860,26 +5831,26 @@
         </p:sp>
         <p:sp>
           <p:nvSpPr>
-            <p:cNvPr id="26" name="pt26"/>
-            <p:cNvSpPr/>
-            <p:nvPr/>
-          </p:nvSpPr>
-          <p:spPr>
-            <a:xfrm>
-              <a:off x="3158548" y="5734692"/>
-              <a:ext cx="101844" cy="101844"/>
+            <p:cNvPr id="33" name="pt33"/>
+            <p:cNvSpPr/>
+            <p:nvPr/>
+          </p:nvSpPr>
+          <p:spPr>
+            <a:xfrm>
+              <a:off x="4405905" y="5901910"/>
+              <a:ext cx="95615" cy="95615"/>
             </a:xfrm>
             <a:prstGeom prst="ellipse">
               <a:avLst/>
             </a:prstGeom>
             <a:solidFill>
-              <a:srgbClr val="4682B4">
+              <a:srgbClr val="00CE00">
                 <a:alpha val="100000"/>
               </a:srgbClr>
             </a:solidFill>
             <a:ln w="9000" cap="rnd">
               <a:solidFill>
-                <a:srgbClr val="4682B4">
+                <a:srgbClr val="00CE00">
                   <a:alpha val="100000"/>
                 </a:srgbClr>
               </a:solidFill>
@@ -4895,26 +5866,26 @@
         </p:sp>
         <p:sp>
           <p:nvSpPr>
-            <p:cNvPr id="27" name="pt27"/>
-            <p:cNvSpPr/>
-            <p:nvPr/>
-          </p:nvSpPr>
-          <p:spPr>
-            <a:xfrm>
-              <a:off x="3239223" y="5699392"/>
-              <a:ext cx="108809" cy="108809"/>
+            <p:cNvPr id="34" name="pt34"/>
+            <p:cNvSpPr/>
+            <p:nvPr/>
+          </p:nvSpPr>
+          <p:spPr>
+            <a:xfrm>
+              <a:off x="4977439" y="5841274"/>
+              <a:ext cx="79612" cy="79612"/>
             </a:xfrm>
             <a:prstGeom prst="ellipse">
               <a:avLst/>
             </a:prstGeom>
             <a:solidFill>
-              <a:srgbClr val="4682B4">
+              <a:srgbClr val="00CE00">
                 <a:alpha val="100000"/>
               </a:srgbClr>
             </a:solidFill>
             <a:ln w="9000" cap="rnd">
               <a:solidFill>
-                <a:srgbClr val="4682B4">
+                <a:srgbClr val="00CE00">
                   <a:alpha val="100000"/>
                 </a:srgbClr>
               </a:solidFill>
@@ -4930,637 +5901,7 @@
         </p:sp>
         <p:sp>
           <p:nvSpPr>
-            <p:cNvPr id="28" name="pt28"/>
-            <p:cNvSpPr/>
-            <p:nvPr/>
-          </p:nvSpPr>
-          <p:spPr>
-            <a:xfrm>
-              <a:off x="3325556" y="5715854"/>
-              <a:ext cx="104459" cy="104459"/>
-            </a:xfrm>
-            <a:prstGeom prst="ellipse">
-              <a:avLst/>
-            </a:prstGeom>
-            <a:solidFill>
-              <a:srgbClr val="4682B4">
-                <a:alpha val="100000"/>
-              </a:srgbClr>
-            </a:solidFill>
-            <a:ln w="9000" cap="rnd">
-              <a:solidFill>
-                <a:srgbClr val="4682B4">
-                  <a:alpha val="100000"/>
-                </a:srgbClr>
-              </a:solidFill>
-              <a:prstDash val="solid"/>
-              <a:round/>
-            </a:ln>
-          </p:spPr>
-          <p:txBody>
-            <a:bodyPr/>
-            <a:lstStyle/>
-            <a:p/>
-          </p:txBody>
-        </p:sp>
-        <p:sp>
-          <p:nvSpPr>
-            <p:cNvPr id="29" name="pt29"/>
-            <p:cNvSpPr/>
-            <p:nvPr/>
-          </p:nvSpPr>
-          <p:spPr>
-            <a:xfrm>
-              <a:off x="3410427" y="5300082"/>
-              <a:ext cx="103032" cy="103032"/>
-            </a:xfrm>
-            <a:prstGeom prst="ellipse">
-              <a:avLst/>
-            </a:prstGeom>
-            <a:solidFill>
-              <a:srgbClr val="4682B4">
-                <a:alpha val="100000"/>
-              </a:srgbClr>
-            </a:solidFill>
-            <a:ln w="9000" cap="rnd">
-              <a:solidFill>
-                <a:srgbClr val="4682B4">
-                  <a:alpha val="100000"/>
-                </a:srgbClr>
-              </a:solidFill>
-              <a:prstDash val="solid"/>
-              <a:round/>
-            </a:ln>
-          </p:spPr>
-          <p:txBody>
-            <a:bodyPr/>
-            <a:lstStyle/>
-            <a:p/>
-          </p:txBody>
-        </p:sp>
-        <p:sp>
-          <p:nvSpPr>
-            <p:cNvPr id="30" name="pt30"/>
-            <p:cNvSpPr/>
-            <p:nvPr/>
-          </p:nvSpPr>
-          <p:spPr>
-            <a:xfrm>
-              <a:off x="3496829" y="5021604"/>
-              <a:ext cx="98544" cy="98544"/>
-            </a:xfrm>
-            <a:prstGeom prst="ellipse">
-              <a:avLst/>
-            </a:prstGeom>
-            <a:solidFill>
-              <a:srgbClr val="4682B4">
-                <a:alpha val="100000"/>
-              </a:srgbClr>
-            </a:solidFill>
-            <a:ln w="9000" cap="rnd">
-              <a:solidFill>
-                <a:srgbClr val="4682B4">
-                  <a:alpha val="100000"/>
-                </a:srgbClr>
-              </a:solidFill>
-              <a:prstDash val="solid"/>
-              <a:round/>
-            </a:ln>
-          </p:spPr>
-          <p:txBody>
-            <a:bodyPr/>
-            <a:lstStyle/>
-            <a:p/>
-          </p:txBody>
-        </p:sp>
-        <p:sp>
-          <p:nvSpPr>
-            <p:cNvPr id="31" name="pt31"/>
-            <p:cNvSpPr/>
-            <p:nvPr/>
-          </p:nvSpPr>
-          <p:spPr>
-            <a:xfrm>
-              <a:off x="3578362" y="5487962"/>
-              <a:ext cx="103793" cy="103793"/>
-            </a:xfrm>
-            <a:prstGeom prst="ellipse">
-              <a:avLst/>
-            </a:prstGeom>
-            <a:solidFill>
-              <a:srgbClr val="4682B4">
-                <a:alpha val="100000"/>
-              </a:srgbClr>
-            </a:solidFill>
-            <a:ln w="9000" cap="rnd">
-              <a:solidFill>
-                <a:srgbClr val="4682B4">
-                  <a:alpha val="100000"/>
-                </a:srgbClr>
-              </a:solidFill>
-              <a:prstDash val="solid"/>
-              <a:round/>
-            </a:ln>
-          </p:spPr>
-          <p:txBody>
-            <a:bodyPr/>
-            <a:lstStyle/>
-            <a:p/>
-          </p:txBody>
-        </p:sp>
-        <p:sp>
-          <p:nvSpPr>
-            <p:cNvPr id="32" name="pt32"/>
-            <p:cNvSpPr/>
-            <p:nvPr/>
-          </p:nvSpPr>
-          <p:spPr>
-            <a:xfrm>
-              <a:off x="3658092" y="5315033"/>
-              <a:ext cx="112648" cy="112648"/>
-            </a:xfrm>
-            <a:prstGeom prst="ellipse">
-              <a:avLst/>
-            </a:prstGeom>
-            <a:solidFill>
-              <a:srgbClr val="4682B4">
-                <a:alpha val="100000"/>
-              </a:srgbClr>
-            </a:solidFill>
-            <a:ln w="9000" cap="rnd">
-              <a:solidFill>
-                <a:srgbClr val="4682B4">
-                  <a:alpha val="100000"/>
-                </a:srgbClr>
-              </a:solidFill>
-              <a:prstDash val="solid"/>
-              <a:round/>
-            </a:ln>
-          </p:spPr>
-          <p:txBody>
-            <a:bodyPr/>
-            <a:lstStyle/>
-            <a:p/>
-          </p:txBody>
-        </p:sp>
-        <p:sp>
-          <p:nvSpPr>
-            <p:cNvPr id="33" name="pt33"/>
-            <p:cNvSpPr/>
-            <p:nvPr/>
-          </p:nvSpPr>
-          <p:spPr>
-            <a:xfrm>
-              <a:off x="3742090" y="5033012"/>
-              <a:ext cx="112967" cy="112967"/>
-            </a:xfrm>
-            <a:prstGeom prst="ellipse">
-              <a:avLst/>
-            </a:prstGeom>
-            <a:solidFill>
-              <a:srgbClr val="4682B4">
-                <a:alpha val="100000"/>
-              </a:srgbClr>
-            </a:solidFill>
-            <a:ln w="9000" cap="rnd">
-              <a:solidFill>
-                <a:srgbClr val="4682B4">
-                  <a:alpha val="100000"/>
-                </a:srgbClr>
-              </a:solidFill>
-              <a:prstDash val="solid"/>
-              <a:round/>
-            </a:ln>
-          </p:spPr>
-          <p:txBody>
-            <a:bodyPr/>
-            <a:lstStyle/>
-            <a:p/>
-          </p:txBody>
-        </p:sp>
-        <p:sp>
-          <p:nvSpPr>
-            <p:cNvPr id="34" name="pt34"/>
-            <p:cNvSpPr/>
-            <p:nvPr/>
-          </p:nvSpPr>
-          <p:spPr>
-            <a:xfrm>
-              <a:off x="3909047" y="4805780"/>
-              <a:ext cx="115683" cy="115683"/>
-            </a:xfrm>
-            <a:prstGeom prst="ellipse">
-              <a:avLst/>
-            </a:prstGeom>
-            <a:solidFill>
-              <a:srgbClr val="4682B4">
-                <a:alpha val="100000"/>
-              </a:srgbClr>
-            </a:solidFill>
-            <a:ln w="9000" cap="rnd">
-              <a:solidFill>
-                <a:srgbClr val="4682B4">
-                  <a:alpha val="100000"/>
-                </a:srgbClr>
-              </a:solidFill>
-              <a:prstDash val="solid"/>
-              <a:round/>
-            </a:ln>
-          </p:spPr>
-          <p:txBody>
-            <a:bodyPr/>
-            <a:lstStyle/>
-            <a:p/>
-          </p:txBody>
-        </p:sp>
-        <p:sp>
-          <p:nvSpPr>
-            <p:cNvPr id="35" name="pt35"/>
-            <p:cNvSpPr/>
-            <p:nvPr/>
-          </p:nvSpPr>
-          <p:spPr>
-            <a:xfrm>
-              <a:off x="3994830" y="4433747"/>
-              <a:ext cx="112433" cy="112433"/>
-            </a:xfrm>
-            <a:prstGeom prst="ellipse">
-              <a:avLst/>
-            </a:prstGeom>
-            <a:solidFill>
-              <a:srgbClr val="4682B4">
-                <a:alpha val="100000"/>
-              </a:srgbClr>
-            </a:solidFill>
-            <a:ln w="9000" cap="rnd">
-              <a:solidFill>
-                <a:srgbClr val="4682B4">
-                  <a:alpha val="100000"/>
-                </a:srgbClr>
-              </a:solidFill>
-              <a:prstDash val="solid"/>
-              <a:round/>
-            </a:ln>
-          </p:spPr>
-          <p:txBody>
-            <a:bodyPr/>
-            <a:lstStyle/>
-            <a:p/>
-          </p:txBody>
-        </p:sp>
-        <p:sp>
-          <p:nvSpPr>
-            <p:cNvPr id="36" name="pt36"/>
-            <p:cNvSpPr/>
-            <p:nvPr/>
-          </p:nvSpPr>
-          <p:spPr>
-            <a:xfrm>
-              <a:off x="4082162" y="4741515"/>
-              <a:ext cx="106083" cy="106083"/>
-            </a:xfrm>
-            <a:prstGeom prst="ellipse">
-              <a:avLst/>
-            </a:prstGeom>
-            <a:solidFill>
-              <a:srgbClr val="4682B4">
-                <a:alpha val="100000"/>
-              </a:srgbClr>
-            </a:solidFill>
-            <a:ln w="9000" cap="rnd">
-              <a:solidFill>
-                <a:srgbClr val="4682B4">
-                  <a:alpha val="100000"/>
-                </a:srgbClr>
-              </a:solidFill>
-              <a:prstDash val="solid"/>
-              <a:round/>
-            </a:ln>
-          </p:spPr>
-          <p:txBody>
-            <a:bodyPr/>
-            <a:lstStyle/>
-            <a:p/>
-          </p:txBody>
-        </p:sp>
-        <p:sp>
-          <p:nvSpPr>
-            <p:cNvPr id="37" name="pt37"/>
-            <p:cNvSpPr/>
-            <p:nvPr/>
-          </p:nvSpPr>
-          <p:spPr>
-            <a:xfrm>
-              <a:off x="4164533" y="4981036"/>
-              <a:ext cx="109658" cy="109658"/>
-            </a:xfrm>
-            <a:prstGeom prst="ellipse">
-              <a:avLst/>
-            </a:prstGeom>
-            <a:solidFill>
-              <a:srgbClr val="4682B4">
-                <a:alpha val="100000"/>
-              </a:srgbClr>
-            </a:solidFill>
-            <a:ln w="9000" cap="rnd">
-              <a:solidFill>
-                <a:srgbClr val="4682B4">
-                  <a:alpha val="100000"/>
-                </a:srgbClr>
-              </a:solidFill>
-              <a:prstDash val="solid"/>
-              <a:round/>
-            </a:ln>
-          </p:spPr>
-          <p:txBody>
-            <a:bodyPr/>
-            <a:lstStyle/>
-            <a:p/>
-          </p:txBody>
-        </p:sp>
-        <p:sp>
-          <p:nvSpPr>
-            <p:cNvPr id="38" name="pt38"/>
-            <p:cNvSpPr/>
-            <p:nvPr/>
-          </p:nvSpPr>
-          <p:spPr>
-            <a:xfrm>
-              <a:off x="4759216" y="4274217"/>
-              <a:ext cx="98497" cy="98497"/>
-            </a:xfrm>
-            <a:prstGeom prst="ellipse">
-              <a:avLst/>
-            </a:prstGeom>
-            <a:solidFill>
-              <a:srgbClr val="4682B4">
-                <a:alpha val="100000"/>
-              </a:srgbClr>
-            </a:solidFill>
-            <a:ln w="9000" cap="rnd">
-              <a:solidFill>
-                <a:srgbClr val="4682B4">
-                  <a:alpha val="100000"/>
-                </a:srgbClr>
-              </a:solidFill>
-              <a:prstDash val="solid"/>
-              <a:round/>
-            </a:ln>
-          </p:spPr>
-          <p:txBody>
-            <a:bodyPr/>
-            <a:lstStyle/>
-            <a:p/>
-          </p:txBody>
-        </p:sp>
-        <p:sp>
-          <p:nvSpPr>
-            <p:cNvPr id="39" name="pt39"/>
-            <p:cNvSpPr/>
-            <p:nvPr/>
-          </p:nvSpPr>
-          <p:spPr>
-            <a:xfrm>
-              <a:off x="4838373" y="4596981"/>
-              <a:ext cx="108499" cy="108499"/>
-            </a:xfrm>
-            <a:prstGeom prst="ellipse">
-              <a:avLst/>
-            </a:prstGeom>
-            <a:solidFill>
-              <a:srgbClr val="4682B4">
-                <a:alpha val="100000"/>
-              </a:srgbClr>
-            </a:solidFill>
-            <a:ln w="9000" cap="rnd">
-              <a:solidFill>
-                <a:srgbClr val="4682B4">
-                  <a:alpha val="100000"/>
-                </a:srgbClr>
-              </a:solidFill>
-              <a:prstDash val="solid"/>
-              <a:round/>
-            </a:ln>
-          </p:spPr>
-          <p:txBody>
-            <a:bodyPr/>
-            <a:lstStyle/>
-            <a:p/>
-          </p:txBody>
-        </p:sp>
-        <p:sp>
-          <p:nvSpPr>
-            <p:cNvPr id="40" name="pt40"/>
-            <p:cNvSpPr/>
-            <p:nvPr/>
-          </p:nvSpPr>
-          <p:spPr>
-            <a:xfrm>
-              <a:off x="4925459" y="4632679"/>
-              <a:ext cx="102643" cy="102643"/>
-            </a:xfrm>
-            <a:prstGeom prst="ellipse">
-              <a:avLst/>
-            </a:prstGeom>
-            <a:solidFill>
-              <a:srgbClr val="4682B4">
-                <a:alpha val="100000"/>
-              </a:srgbClr>
-            </a:solidFill>
-            <a:ln w="9000" cap="rnd">
-              <a:solidFill>
-                <a:srgbClr val="4682B4">
-                  <a:alpha val="100000"/>
-                </a:srgbClr>
-              </a:solidFill>
-              <a:prstDash val="solid"/>
-              <a:round/>
-            </a:ln>
-          </p:spPr>
-          <p:txBody>
-            <a:bodyPr/>
-            <a:lstStyle/>
-            <a:p/>
-          </p:txBody>
-        </p:sp>
-        <p:sp>
-          <p:nvSpPr>
-            <p:cNvPr id="41" name="pt41"/>
-            <p:cNvSpPr/>
-            <p:nvPr/>
-          </p:nvSpPr>
-          <p:spPr>
-            <a:xfrm>
-              <a:off x="5009616" y="4243348"/>
-              <a:ext cx="102643" cy="102643"/>
-            </a:xfrm>
-            <a:prstGeom prst="ellipse">
-              <a:avLst/>
-            </a:prstGeom>
-            <a:solidFill>
-              <a:srgbClr val="4682B4">
-                <a:alpha val="100000"/>
-              </a:srgbClr>
-            </a:solidFill>
-            <a:ln w="9000" cap="rnd">
-              <a:solidFill>
-                <a:srgbClr val="4682B4">
-                  <a:alpha val="100000"/>
-                </a:srgbClr>
-              </a:solidFill>
-              <a:prstDash val="solid"/>
-              <a:round/>
-            </a:ln>
-          </p:spPr>
-          <p:txBody>
-            <a:bodyPr/>
-            <a:lstStyle/>
-            <a:p/>
-          </p:txBody>
-        </p:sp>
-        <p:sp>
-          <p:nvSpPr>
-            <p:cNvPr id="42" name="pt42"/>
-            <p:cNvSpPr/>
-            <p:nvPr/>
-          </p:nvSpPr>
-          <p:spPr>
-            <a:xfrm>
-              <a:off x="5093124" y="4095605"/>
-              <a:ext cx="103942" cy="103942"/>
-            </a:xfrm>
-            <a:prstGeom prst="ellipse">
-              <a:avLst/>
-            </a:prstGeom>
-            <a:solidFill>
-              <a:srgbClr val="4682B4">
-                <a:alpha val="100000"/>
-              </a:srgbClr>
-            </a:solidFill>
-            <a:ln w="9000" cap="rnd">
-              <a:solidFill>
-                <a:srgbClr val="4682B4">
-                  <a:alpha val="100000"/>
-                </a:srgbClr>
-              </a:solidFill>
-              <a:prstDash val="solid"/>
-              <a:round/>
-            </a:ln>
-          </p:spPr>
-          <p:txBody>
-            <a:bodyPr/>
-            <a:lstStyle/>
-            <a:p/>
-          </p:txBody>
-        </p:sp>
-        <p:sp>
-          <p:nvSpPr>
-            <p:cNvPr id="43" name="pt43"/>
-            <p:cNvSpPr/>
-            <p:nvPr/>
-          </p:nvSpPr>
-          <p:spPr>
-            <a:xfrm>
-              <a:off x="5179149" y="4328344"/>
-              <a:ext cx="100208" cy="100208"/>
-            </a:xfrm>
-            <a:prstGeom prst="ellipse">
-              <a:avLst/>
-            </a:prstGeom>
-            <a:solidFill>
-              <a:srgbClr val="4682B4">
-                <a:alpha val="100000"/>
-              </a:srgbClr>
-            </a:solidFill>
-            <a:ln w="9000" cap="rnd">
-              <a:solidFill>
-                <a:srgbClr val="4682B4">
-                  <a:alpha val="100000"/>
-                </a:srgbClr>
-              </a:solidFill>
-              <a:prstDash val="solid"/>
-              <a:round/>
-            </a:ln>
-          </p:spPr>
-          <p:txBody>
-            <a:bodyPr/>
-            <a:lstStyle/>
-            <a:p/>
-          </p:txBody>
-        </p:sp>
-        <p:sp>
-          <p:nvSpPr>
-            <p:cNvPr id="44" name="pt44"/>
-            <p:cNvSpPr/>
-            <p:nvPr/>
-          </p:nvSpPr>
-          <p:spPr>
-            <a:xfrm>
-              <a:off x="5267382" y="4318999"/>
-              <a:ext cx="92057" cy="92057"/>
-            </a:xfrm>
-            <a:prstGeom prst="ellipse">
-              <a:avLst/>
-            </a:prstGeom>
-            <a:solidFill>
-              <a:srgbClr val="4682B4">
-                <a:alpha val="100000"/>
-              </a:srgbClr>
-            </a:solidFill>
-            <a:ln w="9000" cap="rnd">
-              <a:solidFill>
-                <a:srgbClr val="4682B4">
-                  <a:alpha val="100000"/>
-                </a:srgbClr>
-              </a:solidFill>
-              <a:prstDash val="solid"/>
-              <a:round/>
-            </a:ln>
-          </p:spPr>
-          <p:txBody>
-            <a:bodyPr/>
-            <a:lstStyle/>
-            <a:p/>
-          </p:txBody>
-        </p:sp>
-        <p:sp>
-          <p:nvSpPr>
-            <p:cNvPr id="45" name="pt45"/>
-            <p:cNvSpPr/>
-            <p:nvPr/>
-          </p:nvSpPr>
-          <p:spPr>
-            <a:xfrm>
-              <a:off x="5350304" y="4266334"/>
-              <a:ext cx="94529" cy="94529"/>
-            </a:xfrm>
-            <a:prstGeom prst="ellipse">
-              <a:avLst/>
-            </a:prstGeom>
-            <a:solidFill>
-              <a:srgbClr val="4682B4">
-                <a:alpha val="100000"/>
-              </a:srgbClr>
-            </a:solidFill>
-            <a:ln w="9000" cap="rnd">
-              <a:solidFill>
-                <a:srgbClr val="4682B4">
-                  <a:alpha val="100000"/>
-                </a:srgbClr>
-              </a:solidFill>
-              <a:prstDash val="solid"/>
-              <a:round/>
-            </a:ln>
-          </p:spPr>
-          <p:txBody>
-            <a:bodyPr/>
-            <a:lstStyle/>
-            <a:p/>
-          </p:txBody>
-        </p:sp>
-        <p:sp>
-          <p:nvSpPr>
-            <p:cNvPr id="46" name="tx46"/>
+            <p:cNvPr id="35" name="tx35"/>
             <p:cNvSpPr/>
             <p:nvPr/>
           </p:nvSpPr>
@@ -5606,13 +5947,13 @@
         </p:sp>
         <p:sp>
           <p:nvSpPr>
-            <p:cNvPr id="47" name="tx47"/>
-            <p:cNvSpPr/>
-            <p:nvPr/>
-          </p:nvSpPr>
-          <p:spPr>
-            <a:xfrm>
-              <a:off x="2001337" y="4809544"/>
+            <p:cNvPr id="36" name="tx36"/>
+            <p:cNvSpPr/>
+            <p:nvPr/>
+          </p:nvSpPr>
+          <p:spPr>
+            <a:xfrm>
+              <a:off x="2001337" y="4869194"/>
               <a:ext cx="135612" cy="89118"/>
             </a:xfrm>
             <a:prstGeom prst="rect">
@@ -5652,13 +5993,13 @@
         </p:sp>
         <p:sp>
           <p:nvSpPr>
-            <p:cNvPr id="48" name="tx48"/>
-            <p:cNvSpPr/>
-            <p:nvPr/>
-          </p:nvSpPr>
-          <p:spPr>
-            <a:xfrm>
-              <a:off x="2001337" y="3560473"/>
+            <p:cNvPr id="37" name="tx37"/>
+            <p:cNvSpPr/>
+            <p:nvPr/>
+          </p:nvSpPr>
+          <p:spPr>
+            <a:xfrm>
+              <a:off x="2001337" y="3679773"/>
               <a:ext cx="135612" cy="89118"/>
             </a:xfrm>
             <a:prstGeom prst="rect">
@@ -5698,13 +6039,13 @@
         </p:sp>
         <p:sp>
           <p:nvSpPr>
-            <p:cNvPr id="49" name="tx49"/>
-            <p:cNvSpPr/>
-            <p:nvPr/>
-          </p:nvSpPr>
-          <p:spPr>
-            <a:xfrm>
-              <a:off x="2001337" y="2312891"/>
+            <p:cNvPr id="38" name="tx38"/>
+            <p:cNvSpPr/>
+            <p:nvPr/>
+          </p:nvSpPr>
+          <p:spPr>
+            <a:xfrm>
+              <a:off x="2001337" y="2491840"/>
               <a:ext cx="135612" cy="87630"/>
             </a:xfrm>
             <a:prstGeom prst="rect">
@@ -5744,13 +6085,13 @@
         </p:sp>
         <p:sp>
           <p:nvSpPr>
-            <p:cNvPr id="50" name="tx50"/>
-            <p:cNvSpPr/>
-            <p:nvPr/>
-          </p:nvSpPr>
-          <p:spPr>
-            <a:xfrm>
-              <a:off x="1933531" y="1062332"/>
+            <p:cNvPr id="39" name="tx39"/>
+            <p:cNvSpPr/>
+            <p:nvPr/>
+          </p:nvSpPr>
+          <p:spPr>
+            <a:xfrm>
+              <a:off x="1933531" y="1300930"/>
               <a:ext cx="203418" cy="89118"/>
             </a:xfrm>
             <a:prstGeom prst="rect">
@@ -5790,7 +6131,7 @@
         </p:sp>
         <p:sp>
           <p:nvSpPr>
-            <p:cNvPr id="51" name="pl51"/>
+            <p:cNvPr id="40" name="pl40"/>
             <p:cNvSpPr/>
             <p:nvPr/>
           </p:nvSpPr>
@@ -5830,13 +6171,13 @@
         </p:sp>
         <p:sp>
           <p:nvSpPr>
-            <p:cNvPr id="52" name="pl52"/>
-            <p:cNvSpPr/>
-            <p:nvPr/>
-          </p:nvSpPr>
-          <p:spPr>
-            <a:xfrm>
-              <a:off x="2164784" y="4855026"/>
+            <p:cNvPr id="41" name="pl41"/>
+            <p:cNvSpPr/>
+            <p:nvPr/>
+          </p:nvSpPr>
+          <p:spPr>
+            <a:xfrm>
+              <a:off x="2164784" y="4914676"/>
               <a:ext cx="34794" cy="0"/>
             </a:xfrm>
             <a:custGeom>
@@ -5870,13 +6211,13 @@
         </p:sp>
         <p:sp>
           <p:nvSpPr>
-            <p:cNvPr id="53" name="pl53"/>
-            <p:cNvSpPr/>
-            <p:nvPr/>
-          </p:nvSpPr>
-          <p:spPr>
-            <a:xfrm>
-              <a:off x="2164784" y="3605955"/>
+            <p:cNvPr id="42" name="pl42"/>
+            <p:cNvSpPr/>
+            <p:nvPr/>
+          </p:nvSpPr>
+          <p:spPr>
+            <a:xfrm>
+              <a:off x="2164784" y="3725254"/>
               <a:ext cx="34794" cy="0"/>
             </a:xfrm>
             <a:custGeom>
@@ -5910,13 +6251,13 @@
         </p:sp>
         <p:sp>
           <p:nvSpPr>
-            <p:cNvPr id="54" name="pl54"/>
-            <p:cNvSpPr/>
-            <p:nvPr/>
-          </p:nvSpPr>
-          <p:spPr>
-            <a:xfrm>
-              <a:off x="2164784" y="2356884"/>
+            <p:cNvPr id="43" name="pl43"/>
+            <p:cNvSpPr/>
+            <p:nvPr/>
+          </p:nvSpPr>
+          <p:spPr>
+            <a:xfrm>
+              <a:off x="2164784" y="2535833"/>
               <a:ext cx="34794" cy="0"/>
             </a:xfrm>
             <a:custGeom>
@@ -5950,13 +6291,13 @@
         </p:sp>
         <p:sp>
           <p:nvSpPr>
-            <p:cNvPr id="55" name="pl55"/>
-            <p:cNvSpPr/>
-            <p:nvPr/>
-          </p:nvSpPr>
-          <p:spPr>
-            <a:xfrm>
-              <a:off x="2164784" y="1107814"/>
+            <p:cNvPr id="44" name="pl44"/>
+            <p:cNvSpPr/>
+            <p:nvPr/>
+          </p:nvSpPr>
+          <p:spPr>
+            <a:xfrm>
+              <a:off x="2164784" y="1346412"/>
               <a:ext cx="34794" cy="0"/>
             </a:xfrm>
             <a:custGeom>
@@ -5990,13 +6331,13 @@
         </p:sp>
         <p:sp>
           <p:nvSpPr>
-            <p:cNvPr id="56" name="pl56"/>
-            <p:cNvSpPr/>
-            <p:nvPr/>
-          </p:nvSpPr>
-          <p:spPr>
-            <a:xfrm>
-              <a:off x="2283737" y="6104097"/>
+            <p:cNvPr id="45" name="pl45"/>
+            <p:cNvSpPr/>
+            <p:nvPr/>
+          </p:nvSpPr>
+          <p:spPr>
+            <a:xfrm>
+              <a:off x="2280084" y="6104097"/>
               <a:ext cx="0" cy="34794"/>
             </a:xfrm>
             <a:custGeom>
@@ -6030,13 +6371,13 @@
         </p:sp>
         <p:sp>
           <p:nvSpPr>
-            <p:cNvPr id="57" name="pl57"/>
-            <p:cNvSpPr/>
-            <p:nvPr/>
-          </p:nvSpPr>
-          <p:spPr>
-            <a:xfrm>
-              <a:off x="3461943" y="6104097"/>
+            <p:cNvPr id="46" name="pl46"/>
+            <p:cNvSpPr/>
+            <p:nvPr/>
+          </p:nvSpPr>
+          <p:spPr>
+            <a:xfrm>
+              <a:off x="3407150" y="6104097"/>
               <a:ext cx="0" cy="34794"/>
             </a:xfrm>
             <a:custGeom>
@@ -6070,13 +6411,13 @@
         </p:sp>
         <p:sp>
           <p:nvSpPr>
-            <p:cNvPr id="58" name="pl58"/>
-            <p:cNvSpPr/>
-            <p:nvPr/>
-          </p:nvSpPr>
-          <p:spPr>
-            <a:xfrm>
-              <a:off x="4892623" y="6104097"/>
+            <p:cNvPr id="47" name="pl47"/>
+            <p:cNvSpPr/>
+            <p:nvPr/>
+          </p:nvSpPr>
+          <p:spPr>
+            <a:xfrm>
+              <a:off x="4775731" y="6104097"/>
               <a:ext cx="0" cy="34794"/>
             </a:xfrm>
             <a:custGeom>
@@ -6110,13 +6451,13 @@
         </p:sp>
         <p:sp>
           <p:nvSpPr>
-            <p:cNvPr id="59" name="pl59"/>
-            <p:cNvSpPr/>
-            <p:nvPr/>
-          </p:nvSpPr>
-          <p:spPr>
-            <a:xfrm>
-              <a:off x="6070829" y="6104097"/>
+            <p:cNvPr id="48" name="pl48"/>
+            <p:cNvSpPr/>
+            <p:nvPr/>
+          </p:nvSpPr>
+          <p:spPr>
+            <a:xfrm>
+              <a:off x="5902798" y="6104097"/>
               <a:ext cx="0" cy="34794"/>
             </a:xfrm>
             <a:custGeom>
@@ -6150,13 +6491,13 @@
         </p:sp>
         <p:sp>
           <p:nvSpPr>
-            <p:cNvPr id="60" name="pl60"/>
-            <p:cNvSpPr/>
-            <p:nvPr/>
-          </p:nvSpPr>
-          <p:spPr>
-            <a:xfrm>
-              <a:off x="7249036" y="6104097"/>
+            <p:cNvPr id="49" name="pl49"/>
+            <p:cNvSpPr/>
+            <p:nvPr/>
+          </p:nvSpPr>
+          <p:spPr>
+            <a:xfrm>
+              <a:off x="7029864" y="6104097"/>
               <a:ext cx="0" cy="34794"/>
             </a:xfrm>
             <a:custGeom>
@@ -6190,13 +6531,13 @@
         </p:sp>
         <p:sp>
           <p:nvSpPr>
-            <p:cNvPr id="61" name="tx61"/>
-            <p:cNvSpPr/>
-            <p:nvPr/>
-          </p:nvSpPr>
-          <p:spPr>
-            <a:xfrm>
-              <a:off x="2100708" y="6164882"/>
+            <p:cNvPr id="50" name="tx50"/>
+            <p:cNvSpPr/>
+            <p:nvPr/>
+          </p:nvSpPr>
+          <p:spPr>
+            <a:xfrm>
+              <a:off x="2097055" y="6164882"/>
               <a:ext cx="366057" cy="89118"/>
             </a:xfrm>
             <a:prstGeom prst="rect">
@@ -6236,13 +6577,13 @@
         </p:sp>
         <p:sp>
           <p:nvSpPr>
-            <p:cNvPr id="62" name="tx62"/>
-            <p:cNvSpPr/>
-            <p:nvPr/>
-          </p:nvSpPr>
-          <p:spPr>
-            <a:xfrm>
-              <a:off x="3278914" y="6164882"/>
+            <p:cNvPr id="51" name="tx51"/>
+            <p:cNvSpPr/>
+            <p:nvPr/>
+          </p:nvSpPr>
+          <p:spPr>
+            <a:xfrm>
+              <a:off x="3224122" y="6164882"/>
               <a:ext cx="366057" cy="89118"/>
             </a:xfrm>
             <a:prstGeom prst="rect">
@@ -6282,13 +6623,13 @@
         </p:sp>
         <p:sp>
           <p:nvSpPr>
-            <p:cNvPr id="63" name="tx63"/>
-            <p:cNvSpPr/>
-            <p:nvPr/>
-          </p:nvSpPr>
-          <p:spPr>
-            <a:xfrm>
-              <a:off x="4702837" y="6164882"/>
+            <p:cNvPr id="52" name="tx52"/>
+            <p:cNvSpPr/>
+            <p:nvPr/>
+          </p:nvSpPr>
+          <p:spPr>
+            <a:xfrm>
+              <a:off x="4585946" y="6164882"/>
               <a:ext cx="379571" cy="89118"/>
             </a:xfrm>
             <a:prstGeom prst="rect">
@@ -6328,13 +6669,13 @@
         </p:sp>
         <p:sp>
           <p:nvSpPr>
-            <p:cNvPr id="64" name="tx64"/>
-            <p:cNvSpPr/>
-            <p:nvPr/>
-          </p:nvSpPr>
-          <p:spPr>
-            <a:xfrm>
-              <a:off x="5881044" y="6164882"/>
+            <p:cNvPr id="53" name="tx53"/>
+            <p:cNvSpPr/>
+            <p:nvPr/>
+          </p:nvSpPr>
+          <p:spPr>
+            <a:xfrm>
+              <a:off x="5713012" y="6164882"/>
               <a:ext cx="379571" cy="89118"/>
             </a:xfrm>
             <a:prstGeom prst="rect">
@@ -6374,13 +6715,13 @@
         </p:sp>
         <p:sp>
           <p:nvSpPr>
-            <p:cNvPr id="65" name="tx65"/>
-            <p:cNvSpPr/>
-            <p:nvPr/>
-          </p:nvSpPr>
-          <p:spPr>
-            <a:xfrm>
-              <a:off x="7059310" y="6164882"/>
+            <p:cNvPr id="54" name="tx54"/>
+            <p:cNvSpPr/>
+            <p:nvPr/>
+          </p:nvSpPr>
+          <p:spPr>
+            <a:xfrm>
+              <a:off x="6840138" y="6164882"/>
               <a:ext cx="379452" cy="89118"/>
             </a:xfrm>
             <a:prstGeom prst="rect">
@@ -6420,13 +6761,13 @@
         </p:sp>
         <p:sp>
           <p:nvSpPr>
-            <p:cNvPr id="66" name="tx66"/>
-            <p:cNvSpPr/>
-            <p:nvPr/>
-          </p:nvSpPr>
-          <p:spPr>
-            <a:xfrm>
-              <a:off x="4220227" y="6313649"/>
+            <p:cNvPr id="55" name="tx55"/>
+            <p:cNvSpPr/>
+            <p:nvPr/>
+          </p:nvSpPr>
+          <p:spPr>
+            <a:xfrm>
+              <a:off x="4110641" y="6313649"/>
               <a:ext cx="1008161" cy="112811"/>
             </a:xfrm>
             <a:prstGeom prst="rect">
@@ -6466,14 +6807,14 @@
         </p:sp>
         <p:sp>
           <p:nvSpPr>
-            <p:cNvPr id="67" name="tx67"/>
+            <p:cNvPr id="56" name="tx56"/>
             <p:cNvSpPr/>
             <p:nvPr/>
           </p:nvSpPr>
           <p:spPr>
             <a:xfrm rot="-5400000">
-              <a:off x="638013" y="3534443"/>
-              <a:ext cx="2321272" cy="143023"/>
+              <a:off x="866873" y="3653742"/>
+              <a:ext cx="1863551" cy="143023"/>
             </a:xfrm>
             <a:prstGeom prst="rect">
               <a:avLst/>
@@ -6505,21 +6846,21 @@
                   <a:latin typeface="Arial"/>
                   <a:cs typeface="Arial"/>
                 </a:rPr>
-                <a:t>Relative abundance of B.1.1.7 (%)</a:t>
+                <a:t>Share of new infections (%)</a:t>
               </a:r>
             </a:p>
           </p:txBody>
         </p:sp>
         <p:sp>
           <p:nvSpPr>
-            <p:cNvPr id="68" name="rc68"/>
-            <p:cNvSpPr/>
-            <p:nvPr/>
-          </p:nvSpPr>
-          <p:spPr>
-            <a:xfrm>
-              <a:off x="7388214" y="3010729"/>
-              <a:ext cx="1548878" cy="1190453"/>
+            <p:cNvPr id="57" name="rc57"/>
+            <p:cNvSpPr/>
+            <p:nvPr/>
+          </p:nvSpPr>
+          <p:spPr>
+            <a:xfrm>
+              <a:off x="7169043" y="2328052"/>
+              <a:ext cx="1768049" cy="1464773"/>
             </a:xfrm>
             <a:prstGeom prst="rect">
               <a:avLst/>
@@ -6538,14 +6879,925 @@
         </p:sp>
         <p:sp>
           <p:nvSpPr>
-            <p:cNvPr id="69" name="tx69"/>
-            <p:cNvSpPr/>
-            <p:nvPr/>
-          </p:nvSpPr>
-          <p:spPr>
-            <a:xfrm>
-              <a:off x="7457803" y="3098326"/>
-              <a:ext cx="686172" cy="112737"/>
+            <p:cNvPr id="58" name="rc58"/>
+            <p:cNvSpPr/>
+            <p:nvPr/>
+          </p:nvSpPr>
+          <p:spPr>
+            <a:xfrm>
+              <a:off x="7238632" y="2625956"/>
+              <a:ext cx="219455" cy="219456"/>
+            </a:xfrm>
+            <a:prstGeom prst="rect">
+              <a:avLst/>
+            </a:prstGeom>
+          </p:spPr>
+          <p:txBody>
+            <a:bodyPr/>
+            <a:lstStyle/>
+            <a:p/>
+          </p:txBody>
+        </p:sp>
+        <p:sp>
+          <p:nvSpPr>
+            <p:cNvPr id="59" name="rc59"/>
+            <p:cNvSpPr/>
+            <p:nvPr/>
+          </p:nvSpPr>
+          <p:spPr>
+            <a:xfrm>
+              <a:off x="7247632" y="2634956"/>
+              <a:ext cx="201456" cy="201455"/>
+            </a:xfrm>
+            <a:prstGeom prst="rect">
+              <a:avLst/>
+            </a:prstGeom>
+            <a:solidFill>
+              <a:srgbClr val="333333">
+                <a:alpha val="100000"/>
+              </a:srgbClr>
+            </a:solidFill>
+            <a:ln w="13550" cap="sq">
+              <a:solidFill>
+                <a:srgbClr val="FF0083">
+                  <a:alpha val="100000"/>
+                </a:srgbClr>
+              </a:solidFill>
+              <a:prstDash val="solid"/>
+              <a:miter/>
+            </a:ln>
+          </p:spPr>
+          <p:txBody>
+            <a:bodyPr/>
+            <a:lstStyle/>
+            <a:p/>
+          </p:txBody>
+        </p:sp>
+        <p:sp>
+          <p:nvSpPr>
+            <p:cNvPr id="60" name="pl60"/>
+            <p:cNvSpPr/>
+            <p:nvPr/>
+          </p:nvSpPr>
+          <p:spPr>
+            <a:xfrm>
+              <a:off x="7260577" y="2735684"/>
+              <a:ext cx="175564" cy="0"/>
+            </a:xfrm>
+            <a:custGeom>
+              <a:avLst/>
+              <a:pathLst>
+                <a:path w="175564" h="0">
+                  <a:moveTo>
+                    <a:pt x="0" y="0"/>
+                  </a:moveTo>
+                  <a:lnTo>
+                    <a:pt x="175564" y="0"/>
+                  </a:lnTo>
+                </a:path>
+              </a:pathLst>
+            </a:custGeom>
+            <a:ln w="13550" cap="flat">
+              <a:solidFill>
+                <a:srgbClr val="FF0083">
+                  <a:alpha val="100000"/>
+                </a:srgbClr>
+              </a:solidFill>
+              <a:prstDash val="solid"/>
+              <a:round/>
+            </a:ln>
+          </p:spPr>
+          <p:txBody>
+            <a:bodyPr/>
+            <a:lstStyle/>
+            <a:p/>
+          </p:txBody>
+        </p:sp>
+        <p:sp>
+          <p:nvSpPr>
+            <p:cNvPr id="61" name="pt61"/>
+            <p:cNvSpPr/>
+            <p:nvPr/>
+          </p:nvSpPr>
+          <p:spPr>
+            <a:xfrm>
+              <a:off x="7323534" y="2710858"/>
+              <a:ext cx="49651" cy="49651"/>
+            </a:xfrm>
+            <a:prstGeom prst="ellipse">
+              <a:avLst/>
+            </a:prstGeom>
+            <a:solidFill>
+              <a:srgbClr val="FF0083">
+                <a:alpha val="100000"/>
+              </a:srgbClr>
+            </a:solidFill>
+            <a:ln w="9000" cap="rnd">
+              <a:solidFill>
+                <a:srgbClr val="FF0083">
+                  <a:alpha val="100000"/>
+                </a:srgbClr>
+              </a:solidFill>
+              <a:prstDash val="solid"/>
+              <a:round/>
+            </a:ln>
+          </p:spPr>
+          <p:txBody>
+            <a:bodyPr/>
+            <a:lstStyle/>
+            <a:p/>
+          </p:txBody>
+        </p:sp>
+        <p:sp>
+          <p:nvSpPr>
+            <p:cNvPr id="62" name="rc62"/>
+            <p:cNvSpPr/>
+            <p:nvPr/>
+          </p:nvSpPr>
+          <p:spPr>
+            <a:xfrm>
+              <a:off x="7238632" y="2845412"/>
+              <a:ext cx="219455" cy="219456"/>
+            </a:xfrm>
+            <a:prstGeom prst="rect">
+              <a:avLst/>
+            </a:prstGeom>
+          </p:spPr>
+          <p:txBody>
+            <a:bodyPr/>
+            <a:lstStyle/>
+            <a:p/>
+          </p:txBody>
+        </p:sp>
+        <p:sp>
+          <p:nvSpPr>
+            <p:cNvPr id="63" name="rc63"/>
+            <p:cNvSpPr/>
+            <p:nvPr/>
+          </p:nvSpPr>
+          <p:spPr>
+            <a:xfrm>
+              <a:off x="7247632" y="2854412"/>
+              <a:ext cx="201456" cy="201456"/>
+            </a:xfrm>
+            <a:prstGeom prst="rect">
+              <a:avLst/>
+            </a:prstGeom>
+            <a:solidFill>
+              <a:srgbClr val="333333">
+                <a:alpha val="100000"/>
+              </a:srgbClr>
+            </a:solidFill>
+            <a:ln w="13550" cap="sq">
+              <a:solidFill>
+                <a:srgbClr val="D29B00">
+                  <a:alpha val="100000"/>
+                </a:srgbClr>
+              </a:solidFill>
+              <a:prstDash val="solid"/>
+              <a:miter/>
+            </a:ln>
+          </p:spPr>
+          <p:txBody>
+            <a:bodyPr/>
+            <a:lstStyle/>
+            <a:p/>
+          </p:txBody>
+        </p:sp>
+        <p:sp>
+          <p:nvSpPr>
+            <p:cNvPr id="64" name="pl64"/>
+            <p:cNvSpPr/>
+            <p:nvPr/>
+          </p:nvSpPr>
+          <p:spPr>
+            <a:xfrm>
+              <a:off x="7260577" y="2955140"/>
+              <a:ext cx="175564" cy="0"/>
+            </a:xfrm>
+            <a:custGeom>
+              <a:avLst/>
+              <a:pathLst>
+                <a:path w="175564" h="0">
+                  <a:moveTo>
+                    <a:pt x="0" y="0"/>
+                  </a:moveTo>
+                  <a:lnTo>
+                    <a:pt x="175564" y="0"/>
+                  </a:lnTo>
+                </a:path>
+              </a:pathLst>
+            </a:custGeom>
+            <a:ln w="13550" cap="flat">
+              <a:solidFill>
+                <a:srgbClr val="D29B00">
+                  <a:alpha val="100000"/>
+                </a:srgbClr>
+              </a:solidFill>
+              <a:prstDash val="solid"/>
+              <a:round/>
+            </a:ln>
+          </p:spPr>
+          <p:txBody>
+            <a:bodyPr/>
+            <a:lstStyle/>
+            <a:p/>
+          </p:txBody>
+        </p:sp>
+        <p:sp>
+          <p:nvSpPr>
+            <p:cNvPr id="65" name="pt65"/>
+            <p:cNvSpPr/>
+            <p:nvPr/>
+          </p:nvSpPr>
+          <p:spPr>
+            <a:xfrm>
+              <a:off x="7323534" y="2930314"/>
+              <a:ext cx="49651" cy="49651"/>
+            </a:xfrm>
+            <a:prstGeom prst="ellipse">
+              <a:avLst/>
+            </a:prstGeom>
+            <a:solidFill>
+              <a:srgbClr val="D29B00">
+                <a:alpha val="100000"/>
+              </a:srgbClr>
+            </a:solidFill>
+            <a:ln w="9000" cap="rnd">
+              <a:solidFill>
+                <a:srgbClr val="D29B00">
+                  <a:alpha val="100000"/>
+                </a:srgbClr>
+              </a:solidFill>
+              <a:prstDash val="solid"/>
+              <a:round/>
+            </a:ln>
+          </p:spPr>
+          <p:txBody>
+            <a:bodyPr/>
+            <a:lstStyle/>
+            <a:p/>
+          </p:txBody>
+        </p:sp>
+        <p:sp>
+          <p:nvSpPr>
+            <p:cNvPr id="66" name="rc66"/>
+            <p:cNvSpPr/>
+            <p:nvPr/>
+          </p:nvSpPr>
+          <p:spPr>
+            <a:xfrm>
+              <a:off x="7238632" y="3064868"/>
+              <a:ext cx="219455" cy="219456"/>
+            </a:xfrm>
+            <a:prstGeom prst="rect">
+              <a:avLst/>
+            </a:prstGeom>
+          </p:spPr>
+          <p:txBody>
+            <a:bodyPr/>
+            <a:lstStyle/>
+            <a:p/>
+          </p:txBody>
+        </p:sp>
+        <p:sp>
+          <p:nvSpPr>
+            <p:cNvPr id="67" name="rc67"/>
+            <p:cNvSpPr/>
+            <p:nvPr/>
+          </p:nvSpPr>
+          <p:spPr>
+            <a:xfrm>
+              <a:off x="7247632" y="3073868"/>
+              <a:ext cx="201456" cy="201456"/>
+            </a:xfrm>
+            <a:prstGeom prst="rect">
+              <a:avLst/>
+            </a:prstGeom>
+            <a:solidFill>
+              <a:srgbClr val="333333">
+                <a:alpha val="100000"/>
+              </a:srgbClr>
+            </a:solidFill>
+            <a:ln w="13550" cap="sq">
+              <a:solidFill>
+                <a:srgbClr val="00CE00">
+                  <a:alpha val="100000"/>
+                </a:srgbClr>
+              </a:solidFill>
+              <a:prstDash val="solid"/>
+              <a:miter/>
+            </a:ln>
+          </p:spPr>
+          <p:txBody>
+            <a:bodyPr/>
+            <a:lstStyle/>
+            <a:p/>
+          </p:txBody>
+        </p:sp>
+        <p:sp>
+          <p:nvSpPr>
+            <p:cNvPr id="68" name="pl68"/>
+            <p:cNvSpPr/>
+            <p:nvPr/>
+          </p:nvSpPr>
+          <p:spPr>
+            <a:xfrm>
+              <a:off x="7260577" y="3174596"/>
+              <a:ext cx="175564" cy="0"/>
+            </a:xfrm>
+            <a:custGeom>
+              <a:avLst/>
+              <a:pathLst>
+                <a:path w="175564" h="0">
+                  <a:moveTo>
+                    <a:pt x="0" y="0"/>
+                  </a:moveTo>
+                  <a:lnTo>
+                    <a:pt x="175564" y="0"/>
+                  </a:lnTo>
+                </a:path>
+              </a:pathLst>
+            </a:custGeom>
+            <a:ln w="13550" cap="flat">
+              <a:solidFill>
+                <a:srgbClr val="00CE00">
+                  <a:alpha val="100000"/>
+                </a:srgbClr>
+              </a:solidFill>
+              <a:prstDash val="solid"/>
+              <a:round/>
+            </a:ln>
+          </p:spPr>
+          <p:txBody>
+            <a:bodyPr/>
+            <a:lstStyle/>
+            <a:p/>
+          </p:txBody>
+        </p:sp>
+        <p:sp>
+          <p:nvSpPr>
+            <p:cNvPr id="69" name="pt69"/>
+            <p:cNvSpPr/>
+            <p:nvPr/>
+          </p:nvSpPr>
+          <p:spPr>
+            <a:xfrm>
+              <a:off x="7323534" y="3149770"/>
+              <a:ext cx="49651" cy="49651"/>
+            </a:xfrm>
+            <a:prstGeom prst="ellipse">
+              <a:avLst/>
+            </a:prstGeom>
+            <a:solidFill>
+              <a:srgbClr val="00CE00">
+                <a:alpha val="100000"/>
+              </a:srgbClr>
+            </a:solidFill>
+            <a:ln w="9000" cap="rnd">
+              <a:solidFill>
+                <a:srgbClr val="00CE00">
+                  <a:alpha val="100000"/>
+                </a:srgbClr>
+              </a:solidFill>
+              <a:prstDash val="solid"/>
+              <a:round/>
+            </a:ln>
+          </p:spPr>
+          <p:txBody>
+            <a:bodyPr/>
+            <a:lstStyle/>
+            <a:p/>
+          </p:txBody>
+        </p:sp>
+        <p:sp>
+          <p:nvSpPr>
+            <p:cNvPr id="70" name="rc70"/>
+            <p:cNvSpPr/>
+            <p:nvPr/>
+          </p:nvSpPr>
+          <p:spPr>
+            <a:xfrm>
+              <a:off x="7238632" y="3284324"/>
+              <a:ext cx="219455" cy="219455"/>
+            </a:xfrm>
+            <a:prstGeom prst="rect">
+              <a:avLst/>
+            </a:prstGeom>
+          </p:spPr>
+          <p:txBody>
+            <a:bodyPr/>
+            <a:lstStyle/>
+            <a:p/>
+          </p:txBody>
+        </p:sp>
+        <p:sp>
+          <p:nvSpPr>
+            <p:cNvPr id="71" name="rc71"/>
+            <p:cNvSpPr/>
+            <p:nvPr/>
+          </p:nvSpPr>
+          <p:spPr>
+            <a:xfrm>
+              <a:off x="7247632" y="3293324"/>
+              <a:ext cx="201456" cy="201456"/>
+            </a:xfrm>
+            <a:prstGeom prst="rect">
+              <a:avLst/>
+            </a:prstGeom>
+            <a:solidFill>
+              <a:srgbClr val="333333">
+                <a:alpha val="100000"/>
+              </a:srgbClr>
+            </a:solidFill>
+            <a:ln w="13550" cap="sq">
+              <a:solidFill>
+                <a:srgbClr val="00DAFF">
+                  <a:alpha val="100000"/>
+                </a:srgbClr>
+              </a:solidFill>
+              <a:prstDash val="solid"/>
+              <a:miter/>
+            </a:ln>
+          </p:spPr>
+          <p:txBody>
+            <a:bodyPr/>
+            <a:lstStyle/>
+            <a:p/>
+          </p:txBody>
+        </p:sp>
+        <p:sp>
+          <p:nvSpPr>
+            <p:cNvPr id="72" name="pl72"/>
+            <p:cNvSpPr/>
+            <p:nvPr/>
+          </p:nvSpPr>
+          <p:spPr>
+            <a:xfrm>
+              <a:off x="7260577" y="3394052"/>
+              <a:ext cx="175564" cy="0"/>
+            </a:xfrm>
+            <a:custGeom>
+              <a:avLst/>
+              <a:pathLst>
+                <a:path w="175564" h="0">
+                  <a:moveTo>
+                    <a:pt x="0" y="0"/>
+                  </a:moveTo>
+                  <a:lnTo>
+                    <a:pt x="175564" y="0"/>
+                  </a:lnTo>
+                </a:path>
+              </a:pathLst>
+            </a:custGeom>
+            <a:ln w="13550" cap="flat">
+              <a:solidFill>
+                <a:srgbClr val="00DAFF">
+                  <a:alpha val="100000"/>
+                </a:srgbClr>
+              </a:solidFill>
+              <a:prstDash val="solid"/>
+              <a:round/>
+            </a:ln>
+          </p:spPr>
+          <p:txBody>
+            <a:bodyPr/>
+            <a:lstStyle/>
+            <a:p/>
+          </p:txBody>
+        </p:sp>
+        <p:sp>
+          <p:nvSpPr>
+            <p:cNvPr id="73" name="pt73"/>
+            <p:cNvSpPr/>
+            <p:nvPr/>
+          </p:nvSpPr>
+          <p:spPr>
+            <a:xfrm>
+              <a:off x="7323534" y="3369226"/>
+              <a:ext cx="49651" cy="49651"/>
+            </a:xfrm>
+            <a:prstGeom prst="ellipse">
+              <a:avLst/>
+            </a:prstGeom>
+            <a:solidFill>
+              <a:srgbClr val="00DAFF">
+                <a:alpha val="100000"/>
+              </a:srgbClr>
+            </a:solidFill>
+            <a:ln w="9000" cap="rnd">
+              <a:solidFill>
+                <a:srgbClr val="00DAFF">
+                  <a:alpha val="100000"/>
+                </a:srgbClr>
+              </a:solidFill>
+              <a:prstDash val="solid"/>
+              <a:round/>
+            </a:ln>
+          </p:spPr>
+          <p:txBody>
+            <a:bodyPr/>
+            <a:lstStyle/>
+            <a:p/>
+          </p:txBody>
+        </p:sp>
+        <p:sp>
+          <p:nvSpPr>
+            <p:cNvPr id="74" name="rc74"/>
+            <p:cNvSpPr/>
+            <p:nvPr/>
+          </p:nvSpPr>
+          <p:spPr>
+            <a:xfrm>
+              <a:off x="7238632" y="3503780"/>
+              <a:ext cx="219455" cy="219455"/>
+            </a:xfrm>
+            <a:prstGeom prst="rect">
+              <a:avLst/>
+            </a:prstGeom>
+          </p:spPr>
+          <p:txBody>
+            <a:bodyPr/>
+            <a:lstStyle/>
+            <a:p/>
+          </p:txBody>
+        </p:sp>
+        <p:sp>
+          <p:nvSpPr>
+            <p:cNvPr id="75" name="rc75"/>
+            <p:cNvSpPr/>
+            <p:nvPr/>
+          </p:nvSpPr>
+          <p:spPr>
+            <a:xfrm>
+              <a:off x="7247632" y="3512780"/>
+              <a:ext cx="201456" cy="201456"/>
+            </a:xfrm>
+            <a:prstGeom prst="rect">
+              <a:avLst/>
+            </a:prstGeom>
+            <a:solidFill>
+              <a:srgbClr val="333333">
+                <a:alpha val="100000"/>
+              </a:srgbClr>
+            </a:solidFill>
+            <a:ln w="13550" cap="sq">
+              <a:solidFill>
+                <a:srgbClr val="E900FF">
+                  <a:alpha val="100000"/>
+                </a:srgbClr>
+              </a:solidFill>
+              <a:prstDash val="solid"/>
+              <a:miter/>
+            </a:ln>
+          </p:spPr>
+          <p:txBody>
+            <a:bodyPr/>
+            <a:lstStyle/>
+            <a:p/>
+          </p:txBody>
+        </p:sp>
+        <p:sp>
+          <p:nvSpPr>
+            <p:cNvPr id="76" name="pl76"/>
+            <p:cNvSpPr/>
+            <p:nvPr/>
+          </p:nvSpPr>
+          <p:spPr>
+            <a:xfrm>
+              <a:off x="7260577" y="3613508"/>
+              <a:ext cx="175564" cy="0"/>
+            </a:xfrm>
+            <a:custGeom>
+              <a:avLst/>
+              <a:pathLst>
+                <a:path w="175564" h="0">
+                  <a:moveTo>
+                    <a:pt x="0" y="0"/>
+                  </a:moveTo>
+                  <a:lnTo>
+                    <a:pt x="175564" y="0"/>
+                  </a:lnTo>
+                </a:path>
+              </a:pathLst>
+            </a:custGeom>
+            <a:ln w="13550" cap="flat">
+              <a:solidFill>
+                <a:srgbClr val="E900FF">
+                  <a:alpha val="100000"/>
+                </a:srgbClr>
+              </a:solidFill>
+              <a:prstDash val="solid"/>
+              <a:round/>
+            </a:ln>
+          </p:spPr>
+          <p:txBody>
+            <a:bodyPr/>
+            <a:lstStyle/>
+            <a:p/>
+          </p:txBody>
+        </p:sp>
+        <p:sp>
+          <p:nvSpPr>
+            <p:cNvPr id="77" name="pt77"/>
+            <p:cNvSpPr/>
+            <p:nvPr/>
+          </p:nvSpPr>
+          <p:spPr>
+            <a:xfrm>
+              <a:off x="7323534" y="3588682"/>
+              <a:ext cx="49651" cy="49651"/>
+            </a:xfrm>
+            <a:prstGeom prst="ellipse">
+              <a:avLst/>
+            </a:prstGeom>
+            <a:solidFill>
+              <a:srgbClr val="E900FF">
+                <a:alpha val="100000"/>
+              </a:srgbClr>
+            </a:solidFill>
+            <a:ln w="9000" cap="rnd">
+              <a:solidFill>
+                <a:srgbClr val="E900FF">
+                  <a:alpha val="100000"/>
+                </a:srgbClr>
+              </a:solidFill>
+              <a:prstDash val="solid"/>
+              <a:round/>
+            </a:ln>
+          </p:spPr>
+          <p:txBody>
+            <a:bodyPr/>
+            <a:lstStyle/>
+            <a:p/>
+          </p:txBody>
+        </p:sp>
+        <p:sp>
+          <p:nvSpPr>
+            <p:cNvPr id="78" name="tx78"/>
+            <p:cNvSpPr/>
+            <p:nvPr/>
+          </p:nvSpPr>
+          <p:spPr>
+            <a:xfrm>
+              <a:off x="7534003" y="2690202"/>
+              <a:ext cx="467737" cy="89118"/>
+            </a:xfrm>
+            <a:prstGeom prst="rect">
+              <a:avLst/>
+            </a:prstGeom>
+            <a:noFill/>
+          </p:spPr>
+          <p:txBody>
+            <a:bodyPr lIns="0" rIns="0" tIns="0" bIns="0" anchorCtr="1" anchor="ctr" wrap="none"/>
+            <a:lstStyle/>
+            <a:p>
+              <a:pPr algn="l" marL="0" marR="0" indent="0">
+                <a:lnSpc>
+                  <a:spcPts val="960"/>
+                </a:lnSpc>
+                <a:spcBef>
+                  <a:spcPts val="0"/>
+                </a:spcBef>
+                <a:spcAft>
+                  <a:spcPts val="0"/>
+                </a:spcAft>
+              </a:pPr>
+              <a:r>
+                <a:rPr sz="960">
+                  <a:solidFill>
+                    <a:srgbClr val="000000">
+                      <a:alpha val="100000"/>
+                    </a:srgbClr>
+                  </a:solidFill>
+                  <a:latin typeface="Arial"/>
+                  <a:cs typeface="Arial"/>
+                </a:rPr>
+                <a:t>501Y.V1</a:t>
+              </a:r>
+            </a:p>
+          </p:txBody>
+        </p:sp>
+        <p:sp>
+          <p:nvSpPr>
+            <p:cNvPr id="79" name="tx79"/>
+            <p:cNvSpPr/>
+            <p:nvPr/>
+          </p:nvSpPr>
+          <p:spPr>
+            <a:xfrm>
+              <a:off x="7534003" y="2884358"/>
+              <a:ext cx="921543" cy="114419"/>
+            </a:xfrm>
+            <a:prstGeom prst="rect">
+              <a:avLst/>
+            </a:prstGeom>
+            <a:noFill/>
+          </p:spPr>
+          <p:txBody>
+            <a:bodyPr lIns="0" rIns="0" tIns="0" bIns="0" anchorCtr="1" anchor="ctr" wrap="none"/>
+            <a:lstStyle/>
+            <a:p>
+              <a:pPr algn="l" marL="0" marR="0" indent="0">
+                <a:lnSpc>
+                  <a:spcPts val="960"/>
+                </a:lnSpc>
+                <a:spcBef>
+                  <a:spcPts val="0"/>
+                </a:spcBef>
+                <a:spcAft>
+                  <a:spcPts val="0"/>
+                </a:spcAft>
+              </a:pPr>
+              <a:r>
+                <a:rPr sz="960">
+                  <a:solidFill>
+                    <a:srgbClr val="000000">
+                      <a:alpha val="100000"/>
+                    </a:srgbClr>
+                  </a:solidFill>
+                  <a:latin typeface="Arial"/>
+                  <a:cs typeface="Arial"/>
+                </a:rPr>
+                <a:t>501Y.V1 (British)</a:t>
+              </a:r>
+            </a:p>
+          </p:txBody>
+        </p:sp>
+        <p:sp>
+          <p:nvSpPr>
+            <p:cNvPr id="80" name="tx80"/>
+            <p:cNvSpPr/>
+            <p:nvPr/>
+          </p:nvSpPr>
+          <p:spPr>
+            <a:xfrm>
+              <a:off x="7534003" y="3129114"/>
+              <a:ext cx="467737" cy="89118"/>
+            </a:xfrm>
+            <a:prstGeom prst="rect">
+              <a:avLst/>
+            </a:prstGeom>
+            <a:noFill/>
+          </p:spPr>
+          <p:txBody>
+            <a:bodyPr lIns="0" rIns="0" tIns="0" bIns="0" anchorCtr="1" anchor="ctr" wrap="none"/>
+            <a:lstStyle/>
+            <a:p>
+              <a:pPr algn="l" marL="0" marR="0" indent="0">
+                <a:lnSpc>
+                  <a:spcPts val="960"/>
+                </a:lnSpc>
+                <a:spcBef>
+                  <a:spcPts val="0"/>
+                </a:spcBef>
+                <a:spcAft>
+                  <a:spcPts val="0"/>
+                </a:spcAft>
+              </a:pPr>
+              <a:r>
+                <a:rPr sz="960">
+                  <a:solidFill>
+                    <a:srgbClr val="000000">
+                      <a:alpha val="100000"/>
+                    </a:srgbClr>
+                  </a:solidFill>
+                  <a:latin typeface="Arial"/>
+                  <a:cs typeface="Arial"/>
+                </a:rPr>
+                <a:t>501Y.V2</a:t>
+              </a:r>
+            </a:p>
+          </p:txBody>
+        </p:sp>
+        <p:sp>
+          <p:nvSpPr>
+            <p:cNvPr id="81" name="tx81"/>
+            <p:cNvSpPr/>
+            <p:nvPr/>
+          </p:nvSpPr>
+          <p:spPr>
+            <a:xfrm>
+              <a:off x="7534003" y="3323270"/>
+              <a:ext cx="1314747" cy="114419"/>
+            </a:xfrm>
+            <a:prstGeom prst="rect">
+              <a:avLst/>
+            </a:prstGeom>
+            <a:noFill/>
+          </p:spPr>
+          <p:txBody>
+            <a:bodyPr lIns="0" rIns="0" tIns="0" bIns="0" anchorCtr="1" anchor="ctr" wrap="none"/>
+            <a:lstStyle/>
+            <a:p>
+              <a:pPr algn="l" marL="0" marR="0" indent="0">
+                <a:lnSpc>
+                  <a:spcPts val="960"/>
+                </a:lnSpc>
+                <a:spcBef>
+                  <a:spcPts val="0"/>
+                </a:spcBef>
+                <a:spcAft>
+                  <a:spcPts val="0"/>
+                </a:spcAft>
+              </a:pPr>
+              <a:r>
+                <a:rPr sz="960">
+                  <a:solidFill>
+                    <a:srgbClr val="000000">
+                      <a:alpha val="100000"/>
+                    </a:srgbClr>
+                  </a:solidFill>
+                  <a:latin typeface="Arial"/>
+                  <a:cs typeface="Arial"/>
+                </a:rPr>
+                <a:t>501Y.V2 (South African)</a:t>
+              </a:r>
+            </a:p>
+          </p:txBody>
+        </p:sp>
+        <p:sp>
+          <p:nvSpPr>
+            <p:cNvPr id="82" name="tx82"/>
+            <p:cNvSpPr/>
+            <p:nvPr/>
+          </p:nvSpPr>
+          <p:spPr>
+            <a:xfrm>
+              <a:off x="7534003" y="3544214"/>
+              <a:ext cx="474345" cy="112930"/>
+            </a:xfrm>
+            <a:prstGeom prst="rect">
+              <a:avLst/>
+            </a:prstGeom>
+            <a:noFill/>
+          </p:spPr>
+          <p:txBody>
+            <a:bodyPr lIns="0" rIns="0" tIns="0" bIns="0" anchorCtr="1" anchor="ctr" wrap="none"/>
+            <a:lstStyle/>
+            <a:p>
+              <a:pPr algn="l" marL="0" marR="0" indent="0">
+                <a:lnSpc>
+                  <a:spcPts val="960"/>
+                </a:lnSpc>
+                <a:spcBef>
+                  <a:spcPts val="0"/>
+                </a:spcBef>
+                <a:spcAft>
+                  <a:spcPts val="0"/>
+                </a:spcAft>
+              </a:pPr>
+              <a:r>
+                <a:rPr sz="960">
+                  <a:solidFill>
+                    <a:srgbClr val="000000">
+                      <a:alpha val="100000"/>
+                    </a:srgbClr>
+                  </a:solidFill>
+                  <a:latin typeface="Arial"/>
+                  <a:cs typeface="Arial"/>
+                </a:rPr>
+                <a:t>wild type</a:t>
+              </a:r>
+            </a:p>
+          </p:txBody>
+        </p:sp>
+        <p:sp>
+          <p:nvSpPr>
+            <p:cNvPr id="83" name="rc83"/>
+            <p:cNvSpPr/>
+            <p:nvPr/>
+          </p:nvSpPr>
+          <p:spPr>
+            <a:xfrm>
+              <a:off x="7169043" y="3932003"/>
+              <a:ext cx="872603" cy="1190453"/>
+            </a:xfrm>
+            <a:prstGeom prst="rect">
+              <a:avLst/>
+            </a:prstGeom>
+            <a:solidFill>
+              <a:srgbClr val="FFFFFF">
+                <a:alpha val="100000"/>
+              </a:srgbClr>
+            </a:solidFill>
+          </p:spPr>
+          <p:txBody>
+            <a:bodyPr/>
+            <a:lstStyle/>
+            <a:p/>
+          </p:txBody>
+        </p:sp>
+        <p:sp>
+          <p:nvSpPr>
+            <p:cNvPr id="84" name="tx84"/>
+            <p:cNvSpPr/>
+            <p:nvPr/>
+          </p:nvSpPr>
+          <p:spPr>
+            <a:xfrm>
+              <a:off x="7238632" y="4021461"/>
+              <a:ext cx="516731" cy="110876"/>
             </a:xfrm>
             <a:prstGeom prst="rect">
               <a:avLst/>
@@ -6577,21 +7829,21 @@
                   <a:latin typeface="Arial"/>
                   <a:cs typeface="Arial"/>
                 </a:rPr>
-                <a:t>number of</a:t>
+                <a:t>number</a:t>
               </a:r>
             </a:p>
           </p:txBody>
         </p:sp>
         <p:sp>
           <p:nvSpPr>
-            <p:cNvPr id="70" name="tx70"/>
-            <p:cNvSpPr/>
-            <p:nvPr/>
-          </p:nvSpPr>
-          <p:spPr>
-            <a:xfrm>
-              <a:off x="7457803" y="3232631"/>
-              <a:ext cx="1435670" cy="143023"/>
+            <p:cNvPr id="85" name="tx85"/>
+            <p:cNvSpPr/>
+            <p:nvPr/>
+          </p:nvSpPr>
+          <p:spPr>
+            <a:xfrm>
+              <a:off x="7238632" y="4157552"/>
+              <a:ext cx="745703" cy="139377"/>
             </a:xfrm>
             <a:prstGeom prst="rect">
               <a:avLst/>
@@ -6623,20 +7875,20 @@
                   <a:latin typeface="Arial"/>
                   <a:cs typeface="Arial"/>
                 </a:rPr>
-                <a:t>positive tests (Ct&lt;30)</a:t>
+                <a:t>sequenced</a:t>
               </a:r>
             </a:p>
           </p:txBody>
         </p:sp>
         <p:sp>
           <p:nvSpPr>
-            <p:cNvPr id="71" name="rc71"/>
-            <p:cNvSpPr/>
-            <p:nvPr/>
-          </p:nvSpPr>
-          <p:spPr>
-            <a:xfrm>
-              <a:off x="7457803" y="3473225"/>
+            <p:cNvPr id="86" name="rc86"/>
+            <p:cNvSpPr/>
+            <p:nvPr/>
+          </p:nvSpPr>
+          <p:spPr>
+            <a:xfrm>
+              <a:off x="7238632" y="4394500"/>
               <a:ext cx="219455" cy="219455"/>
             </a:xfrm>
             <a:prstGeom prst="rect">
@@ -6651,26 +7903,26 @@
         </p:sp>
         <p:sp>
           <p:nvSpPr>
-            <p:cNvPr id="72" name="pt72"/>
-            <p:cNvSpPr/>
-            <p:nvPr/>
-          </p:nvSpPr>
-          <p:spPr>
-            <a:xfrm>
-              <a:off x="7549480" y="3564902"/>
+            <p:cNvPr id="87" name="pt87"/>
+            <p:cNvSpPr/>
+            <p:nvPr/>
+          </p:nvSpPr>
+          <p:spPr>
+            <a:xfrm>
+              <a:off x="7330309" y="4486177"/>
               <a:ext cx="36101" cy="36101"/>
             </a:xfrm>
             <a:prstGeom prst="ellipse">
               <a:avLst/>
             </a:prstGeom>
             <a:solidFill>
-              <a:srgbClr val="4682B4">
+              <a:srgbClr val="000000">
                 <a:alpha val="100000"/>
               </a:srgbClr>
             </a:solidFill>
             <a:ln w="9000" cap="rnd">
               <a:solidFill>
-                <a:srgbClr val="4682B4">
+                <a:srgbClr val="000000">
                   <a:alpha val="100000"/>
                 </a:srgbClr>
               </a:solidFill>
@@ -6686,14 +7938,14 @@
         </p:sp>
         <p:sp>
           <p:nvSpPr>
-            <p:cNvPr id="73" name="rc73"/>
-            <p:cNvSpPr/>
-            <p:nvPr/>
-          </p:nvSpPr>
-          <p:spPr>
-            <a:xfrm>
-              <a:off x="7457803" y="3692681"/>
-              <a:ext cx="219455" cy="219456"/>
+            <p:cNvPr id="88" name="rc88"/>
+            <p:cNvSpPr/>
+            <p:nvPr/>
+          </p:nvSpPr>
+          <p:spPr>
+            <a:xfrm>
+              <a:off x="7238632" y="4613956"/>
+              <a:ext cx="219455" cy="219455"/>
             </a:xfrm>
             <a:prstGeom prst="rect">
               <a:avLst/>
@@ -6707,26 +7959,26 @@
         </p:sp>
         <p:sp>
           <p:nvSpPr>
-            <p:cNvPr id="74" name="pt74"/>
-            <p:cNvSpPr/>
-            <p:nvPr/>
-          </p:nvSpPr>
-          <p:spPr>
-            <a:xfrm>
-              <a:off x="7529555" y="3764433"/>
+            <p:cNvPr id="89" name="pt89"/>
+            <p:cNvSpPr/>
+            <p:nvPr/>
+          </p:nvSpPr>
+          <p:spPr>
+            <a:xfrm>
+              <a:off x="7310383" y="4685707"/>
               <a:ext cx="75952" cy="75952"/>
             </a:xfrm>
             <a:prstGeom prst="ellipse">
               <a:avLst/>
             </a:prstGeom>
             <a:solidFill>
-              <a:srgbClr val="4682B4">
+              <a:srgbClr val="000000">
                 <a:alpha val="100000"/>
               </a:srgbClr>
             </a:solidFill>
             <a:ln w="9000" cap="rnd">
               <a:solidFill>
-                <a:srgbClr val="4682B4">
+                <a:srgbClr val="000000">
                   <a:alpha val="100000"/>
                 </a:srgbClr>
               </a:solidFill>
@@ -6742,14 +7994,14 @@
         </p:sp>
         <p:sp>
           <p:nvSpPr>
-            <p:cNvPr id="75" name="rc75"/>
-            <p:cNvSpPr/>
-            <p:nvPr/>
-          </p:nvSpPr>
-          <p:spPr>
-            <a:xfrm>
-              <a:off x="7457803" y="3912137"/>
-              <a:ext cx="219455" cy="219456"/>
+            <p:cNvPr id="90" name="rc90"/>
+            <p:cNvSpPr/>
+            <p:nvPr/>
+          </p:nvSpPr>
+          <p:spPr>
+            <a:xfrm>
+              <a:off x="7238632" y="4833412"/>
+              <a:ext cx="219455" cy="219455"/>
             </a:xfrm>
             <a:prstGeom prst="rect">
               <a:avLst/>
@@ -6763,26 +8015,26 @@
         </p:sp>
         <p:sp>
           <p:nvSpPr>
-            <p:cNvPr id="76" name="pt76"/>
-            <p:cNvSpPr/>
-            <p:nvPr/>
-          </p:nvSpPr>
-          <p:spPr>
-            <a:xfrm>
-              <a:off x="7508828" y="3963162"/>
+            <p:cNvPr id="91" name="pt91"/>
+            <p:cNvSpPr/>
+            <p:nvPr/>
+          </p:nvSpPr>
+          <p:spPr>
+            <a:xfrm>
+              <a:off x="7289657" y="4884437"/>
               <a:ext cx="117404" cy="117404"/>
             </a:xfrm>
             <a:prstGeom prst="ellipse">
               <a:avLst/>
             </a:prstGeom>
             <a:solidFill>
-              <a:srgbClr val="4682B4">
+              <a:srgbClr val="000000">
                 <a:alpha val="100000"/>
               </a:srgbClr>
             </a:solidFill>
             <a:ln w="9000" cap="rnd">
               <a:solidFill>
-                <a:srgbClr val="4682B4">
+                <a:srgbClr val="000000">
                   <a:alpha val="100000"/>
                 </a:srgbClr>
               </a:solidFill>
@@ -6798,13 +8050,13 @@
         </p:sp>
         <p:sp>
           <p:nvSpPr>
-            <p:cNvPr id="77" name="tx77"/>
-            <p:cNvSpPr/>
-            <p:nvPr/>
-          </p:nvSpPr>
-          <p:spPr>
-            <a:xfrm>
-              <a:off x="7753174" y="3537471"/>
+            <p:cNvPr id="92" name="tx92"/>
+            <p:cNvSpPr/>
+            <p:nvPr/>
+          </p:nvSpPr>
+          <p:spPr>
+            <a:xfrm>
+              <a:off x="7534003" y="4458746"/>
               <a:ext cx="135612" cy="89118"/>
             </a:xfrm>
             <a:prstGeom prst="rect">
@@ -6844,13 +8096,13 @@
         </p:sp>
         <p:sp>
           <p:nvSpPr>
-            <p:cNvPr id="78" name="tx78"/>
-            <p:cNvSpPr/>
-            <p:nvPr/>
-          </p:nvSpPr>
-          <p:spPr>
-            <a:xfrm>
-              <a:off x="7753174" y="3756927"/>
+            <p:cNvPr id="93" name="tx93"/>
+            <p:cNvSpPr/>
+            <p:nvPr/>
+          </p:nvSpPr>
+          <p:spPr>
+            <a:xfrm>
+              <a:off x="7534003" y="4678202"/>
               <a:ext cx="203418" cy="89118"/>
             </a:xfrm>
             <a:prstGeom prst="rect">
@@ -6890,13 +8142,13 @@
         </p:sp>
         <p:sp>
           <p:nvSpPr>
-            <p:cNvPr id="79" name="tx79"/>
-            <p:cNvSpPr/>
-            <p:nvPr/>
-          </p:nvSpPr>
-          <p:spPr>
-            <a:xfrm>
-              <a:off x="7753174" y="3976383"/>
+            <p:cNvPr id="94" name="tx94"/>
+            <p:cNvSpPr/>
+            <p:nvPr/>
+          </p:nvSpPr>
+          <p:spPr>
+            <a:xfrm>
+              <a:off x="7534003" y="4897658"/>
               <a:ext cx="271224" cy="89118"/>
             </a:xfrm>
             <a:prstGeom prst="rect">
@@ -6930,6 +8182,52 @@
                   <a:cs typeface="Arial"/>
                 </a:rPr>
                 <a:t>1000</a:t>
+              </a:r>
+            </a:p>
+          </p:txBody>
+        </p:sp>
+        <p:sp>
+          <p:nvSpPr>
+            <p:cNvPr id="95" name="tx95"/>
+            <p:cNvSpPr/>
+            <p:nvPr/>
+          </p:nvSpPr>
+          <p:spPr>
+            <a:xfrm>
+              <a:off x="2199579" y="1067094"/>
+              <a:ext cx="5641508" cy="171628"/>
+            </a:xfrm>
+            <a:prstGeom prst="rect">
+              <a:avLst/>
+            </a:prstGeom>
+            <a:noFill/>
+          </p:spPr>
+          <p:txBody>
+            <a:bodyPr lIns="0" rIns="0" tIns="0" bIns="0" anchorCtr="1" anchor="ctr" wrap="none"/>
+            <a:lstStyle/>
+            <a:p>
+              <a:pPr algn="l" marL="0" marR="0" indent="0">
+                <a:lnSpc>
+                  <a:spcPts val="1439"/>
+                </a:lnSpc>
+                <a:spcBef>
+                  <a:spcPts val="0"/>
+                </a:spcBef>
+                <a:spcAft>
+                  <a:spcPts val="0"/>
+                </a:spcAft>
+              </a:pPr>
+              <a:r>
+                <a:rPr sz="1439">
+                  <a:solidFill>
+                    <a:srgbClr val="000000">
+                      <a:alpha val="100000"/>
+                    </a:srgbClr>
+                  </a:solidFill>
+                  <a:latin typeface="Arial"/>
+                  <a:cs typeface="Arial"/>
+                </a:rPr>
+                <a:t>Spread of the British &amp; South African SARS-CoV2 variants in Belgium</a:t>
               </a:r>
             </a:p>
           </p:txBody>

--- a/plots/2021_02_09/Fig4_fit1_binomGLMM_B117_Belgium_response scale.pptx
+++ b/plots/2021_02_09/Fig4_fit1_binomGLMM_B117_Belgium_response scale.pptx
@@ -3184,20 +3184,20 @@
           <p:spPr>
             <a:xfrm>
               <a:off x="2199579" y="6104097"/>
-              <a:ext cx="4830285" cy="0"/>
+              <a:ext cx="5049456" cy="0"/>
             </a:xfrm>
             <a:custGeom>
               <a:avLst/>
               <a:pathLst>
-                <a:path w="4830285" h="0">
+                <a:path w="5049456" h="0">
                   <a:moveTo>
                     <a:pt x="0" y="0"/>
                   </a:moveTo>
                   <a:lnTo>
-                    <a:pt x="4830285" y="0"/>
-                  </a:lnTo>
-                  <a:lnTo>
-                    <a:pt x="4830285" y="0"/>
+                    <a:pt x="5049456" y="0"/>
+                  </a:lnTo>
+                  <a:lnTo>
+                    <a:pt x="5049456" y="0"/>
                   </a:lnTo>
                 </a:path>
               </a:pathLst>
@@ -3226,21 +3226,21 @@
           </p:nvSpPr>
           <p:spPr>
             <a:xfrm>
-              <a:off x="2199579" y="4914676"/>
-              <a:ext cx="4830285" cy="0"/>
+              <a:off x="2199579" y="4855026"/>
+              <a:ext cx="5049456" cy="0"/>
             </a:xfrm>
             <a:custGeom>
               <a:avLst/>
               <a:pathLst>
-                <a:path w="4830285" h="0">
+                <a:path w="5049456" h="0">
                   <a:moveTo>
                     <a:pt x="0" y="0"/>
                   </a:moveTo>
                   <a:lnTo>
-                    <a:pt x="4830285" y="0"/>
-                  </a:lnTo>
-                  <a:lnTo>
-                    <a:pt x="4830285" y="0"/>
+                    <a:pt x="5049456" y="0"/>
+                  </a:lnTo>
+                  <a:lnTo>
+                    <a:pt x="5049456" y="0"/>
                   </a:lnTo>
                 </a:path>
               </a:pathLst>
@@ -3269,21 +3269,21 @@
           </p:nvSpPr>
           <p:spPr>
             <a:xfrm>
-              <a:off x="2199579" y="3725254"/>
-              <a:ext cx="4830285" cy="0"/>
+              <a:off x="2199579" y="3605955"/>
+              <a:ext cx="5049456" cy="0"/>
             </a:xfrm>
             <a:custGeom>
               <a:avLst/>
               <a:pathLst>
-                <a:path w="4830285" h="0">
+                <a:path w="5049456" h="0">
                   <a:moveTo>
                     <a:pt x="0" y="0"/>
                   </a:moveTo>
                   <a:lnTo>
-                    <a:pt x="4830285" y="0"/>
-                  </a:lnTo>
-                  <a:lnTo>
-                    <a:pt x="4830285" y="0"/>
+                    <a:pt x="5049456" y="0"/>
+                  </a:lnTo>
+                  <a:lnTo>
+                    <a:pt x="5049456" y="0"/>
                   </a:lnTo>
                 </a:path>
               </a:pathLst>
@@ -3312,21 +3312,21 @@
           </p:nvSpPr>
           <p:spPr>
             <a:xfrm>
-              <a:off x="2199579" y="2535833"/>
-              <a:ext cx="4830285" cy="0"/>
+              <a:off x="2199579" y="2356884"/>
+              <a:ext cx="5049456" cy="0"/>
             </a:xfrm>
             <a:custGeom>
               <a:avLst/>
               <a:pathLst>
-                <a:path w="4830285" h="0">
+                <a:path w="5049456" h="0">
                   <a:moveTo>
                     <a:pt x="0" y="0"/>
                   </a:moveTo>
                   <a:lnTo>
-                    <a:pt x="4830285" y="0"/>
-                  </a:lnTo>
-                  <a:lnTo>
-                    <a:pt x="4830285" y="0"/>
+                    <a:pt x="5049456" y="0"/>
+                  </a:lnTo>
+                  <a:lnTo>
+                    <a:pt x="5049456" y="0"/>
                   </a:lnTo>
                 </a:path>
               </a:pathLst>
@@ -3355,21 +3355,21 @@
           </p:nvSpPr>
           <p:spPr>
             <a:xfrm>
-              <a:off x="2199579" y="1346412"/>
-              <a:ext cx="4830285" cy="0"/>
+              <a:off x="2199579" y="1107814"/>
+              <a:ext cx="5049456" cy="0"/>
             </a:xfrm>
             <a:custGeom>
               <a:avLst/>
               <a:pathLst>
-                <a:path w="4830285" h="0">
+                <a:path w="5049456" h="0">
                   <a:moveTo>
                     <a:pt x="0" y="0"/>
                   </a:moveTo>
                   <a:lnTo>
-                    <a:pt x="4830285" y="0"/>
-                  </a:lnTo>
-                  <a:lnTo>
-                    <a:pt x="4830285" y="0"/>
+                    <a:pt x="5049456" y="0"/>
+                  </a:lnTo>
+                  <a:lnTo>
+                    <a:pt x="5049456" y="0"/>
                   </a:lnTo>
                 </a:path>
               </a:pathLst>
@@ -3398,229 +3398,385 @@
           </p:nvSpPr>
           <p:spPr>
             <a:xfrm>
-              <a:off x="2199579" y="1346412"/>
-              <a:ext cx="4830285" cy="4757685"/>
+              <a:off x="2199579" y="1776739"/>
+              <a:ext cx="5049456" cy="4207310"/>
             </a:xfrm>
             <a:custGeom>
               <a:avLst/>
               <a:pathLst>
-                <a:path w="4830285" h="4757685">
+                <a:path w="5049456" h="4207310">
                   <a:moveTo>
-                    <a:pt x="0" y="57317"/>
+                    <a:pt x="0" y="4141130"/>
                   </a:moveTo>
                   <a:lnTo>
-                    <a:pt x="80504" y="67198"/>
-                  </a:lnTo>
-                  <a:lnTo>
-                    <a:pt x="161009" y="76606"/>
-                  </a:lnTo>
-                  <a:lnTo>
-                    <a:pt x="241514" y="85086"/>
-                  </a:lnTo>
-                  <a:lnTo>
-                    <a:pt x="322019" y="92194"/>
-                  </a:lnTo>
-                  <a:lnTo>
-                    <a:pt x="402523" y="97552"/>
-                  </a:lnTo>
-                  <a:lnTo>
-                    <a:pt x="483028" y="100879"/>
-                  </a:lnTo>
-                  <a:lnTo>
-                    <a:pt x="563533" y="101992"/>
-                  </a:lnTo>
-                  <a:lnTo>
-                    <a:pt x="644038" y="100775"/>
-                  </a:lnTo>
-                  <a:lnTo>
-                    <a:pt x="724542" y="97151"/>
-                  </a:lnTo>
-                  <a:lnTo>
-                    <a:pt x="805047" y="91053"/>
-                  </a:lnTo>
-                  <a:lnTo>
-                    <a:pt x="885552" y="82414"/>
-                  </a:lnTo>
-                  <a:lnTo>
-                    <a:pt x="966057" y="71159"/>
-                  </a:lnTo>
-                  <a:lnTo>
-                    <a:pt x="1046561" y="57206"/>
-                  </a:lnTo>
-                  <a:lnTo>
-                    <a:pt x="1127066" y="40472"/>
-                  </a:lnTo>
-                  <a:lnTo>
-                    <a:pt x="1207571" y="20875"/>
-                  </a:lnTo>
-                  <a:lnTo>
-                    <a:pt x="1282168" y="0"/>
-                  </a:lnTo>
-                  <a:lnTo>
-                    <a:pt x="3889112" y="0"/>
-                  </a:lnTo>
-                  <a:lnTo>
-                    <a:pt x="3944733" y="93714"/>
-                  </a:lnTo>
-                  <a:lnTo>
-                    <a:pt x="4025237" y="238407"/>
-                  </a:lnTo>
-                  <a:lnTo>
-                    <a:pt x="4105742" y="391008"/>
-                  </a:lnTo>
-                  <a:lnTo>
-                    <a:pt x="4186247" y="550302"/>
-                  </a:lnTo>
-                  <a:lnTo>
-                    <a:pt x="4266752" y="715026"/>
-                  </a:lnTo>
-                  <a:lnTo>
-                    <a:pt x="4347256" y="883899"/>
-                  </a:lnTo>
-                  <a:lnTo>
-                    <a:pt x="4427761" y="1055650"/>
-                  </a:lnTo>
-                  <a:lnTo>
-                    <a:pt x="4508266" y="1229040"/>
-                  </a:lnTo>
-                  <a:lnTo>
-                    <a:pt x="4588771" y="1402885"/>
-                  </a:lnTo>
-                  <a:lnTo>
-                    <a:pt x="4669275" y="1576074"/>
-                  </a:lnTo>
-                  <a:lnTo>
-                    <a:pt x="4749780" y="1747579"/>
-                  </a:lnTo>
-                  <a:lnTo>
-                    <a:pt x="4830285" y="1916471"/>
-                  </a:lnTo>
-                  <a:lnTo>
-                    <a:pt x="4830285" y="4757685"/>
-                  </a:lnTo>
-                  <a:lnTo>
-                    <a:pt x="3022149" y="4757685"/>
-                  </a:lnTo>
-                  <a:lnTo>
-                    <a:pt x="2978676" y="4654005"/>
-                  </a:lnTo>
-                  <a:lnTo>
-                    <a:pt x="2898171" y="4455172"/>
-                  </a:lnTo>
-                  <a:lnTo>
-                    <a:pt x="2817666" y="4251081"/>
-                  </a:lnTo>
-                  <a:lnTo>
-                    <a:pt x="2737161" y="4043329"/>
-                  </a:lnTo>
-                  <a:lnTo>
-                    <a:pt x="2656657" y="3833503"/>
-                  </a:lnTo>
-                  <a:lnTo>
-                    <a:pt x="2576152" y="3623145"/>
-                  </a:lnTo>
-                  <a:lnTo>
-                    <a:pt x="2495647" y="3413727"/>
-                  </a:lnTo>
-                  <a:lnTo>
-                    <a:pt x="2415142" y="3206622"/>
-                  </a:lnTo>
-                  <a:lnTo>
-                    <a:pt x="2334637" y="3003091"/>
-                  </a:lnTo>
-                  <a:lnTo>
-                    <a:pt x="2254133" y="2804262"/>
-                  </a:lnTo>
-                  <a:lnTo>
-                    <a:pt x="2173628" y="2611124"/>
-                  </a:lnTo>
-                  <a:lnTo>
-                    <a:pt x="2093123" y="2424521"/>
-                  </a:lnTo>
-                  <a:lnTo>
-                    <a:pt x="2012618" y="2245154"/>
-                  </a:lnTo>
-                  <a:lnTo>
-                    <a:pt x="1932114" y="2073578"/>
-                  </a:lnTo>
-                  <a:lnTo>
-                    <a:pt x="1851609" y="1910216"/>
-                  </a:lnTo>
-                  <a:lnTo>
-                    <a:pt x="1771104" y="1755360"/>
-                  </a:lnTo>
-                  <a:lnTo>
-                    <a:pt x="1690599" y="1609189"/>
-                  </a:lnTo>
-                  <a:lnTo>
-                    <a:pt x="1610095" y="1471773"/>
-                  </a:lnTo>
-                  <a:lnTo>
-                    <a:pt x="1529590" y="1343092"/>
-                  </a:lnTo>
-                  <a:lnTo>
-                    <a:pt x="1449085" y="1223049"/>
-                  </a:lnTo>
-                  <a:lnTo>
-                    <a:pt x="1368580" y="1111476"/>
-                  </a:lnTo>
-                  <a:lnTo>
-                    <a:pt x="1288076" y="1008155"/>
-                  </a:lnTo>
-                  <a:lnTo>
-                    <a:pt x="1207571" y="912825"/>
-                  </a:lnTo>
-                  <a:lnTo>
-                    <a:pt x="1127066" y="825196"/>
-                  </a:lnTo>
-                  <a:lnTo>
-                    <a:pt x="1046561" y="744958"/>
-                  </a:lnTo>
-                  <a:lnTo>
-                    <a:pt x="966057" y="671793"/>
-                  </a:lnTo>
-                  <a:lnTo>
-                    <a:pt x="885552" y="605380"/>
-                  </a:lnTo>
-                  <a:lnTo>
-                    <a:pt x="805047" y="545408"/>
-                  </a:lnTo>
-                  <a:lnTo>
-                    <a:pt x="724542" y="491576"/>
-                  </a:lnTo>
-                  <a:lnTo>
-                    <a:pt x="644038" y="443601"/>
-                  </a:lnTo>
-                  <a:lnTo>
-                    <a:pt x="563533" y="401207"/>
-                  </a:lnTo>
-                  <a:lnTo>
-                    <a:pt x="483028" y="364114"/>
-                  </a:lnTo>
-                  <a:lnTo>
-                    <a:pt x="402523" y="332015"/>
-                  </a:lnTo>
-                  <a:lnTo>
-                    <a:pt x="322019" y="304542"/>
-                  </a:lnTo>
-                  <a:lnTo>
-                    <a:pt x="241514" y="281242"/>
-                  </a:lnTo>
-                  <a:lnTo>
-                    <a:pt x="161009" y="261570"/>
-                  </a:lnTo>
-                  <a:lnTo>
-                    <a:pt x="80504" y="244927"/>
-                  </a:lnTo>
-                  <a:lnTo>
-                    <a:pt x="0" y="230712"/>
+                    <a:pt x="84157" y="4126430"/>
+                  </a:lnTo>
+                  <a:lnTo>
+                    <a:pt x="168315" y="4110620"/>
+                  </a:lnTo>
+                  <a:lnTo>
+                    <a:pt x="252472" y="4093626"/>
+                  </a:lnTo>
+                  <a:lnTo>
+                    <a:pt x="336630" y="4075365"/>
+                  </a:lnTo>
+                  <a:lnTo>
+                    <a:pt x="420788" y="4055754"/>
+                  </a:lnTo>
+                  <a:lnTo>
+                    <a:pt x="504945" y="4034705"/>
+                  </a:lnTo>
+                  <a:lnTo>
+                    <a:pt x="589103" y="4012122"/>
+                  </a:lnTo>
+                  <a:lnTo>
+                    <a:pt x="673260" y="3987909"/>
+                  </a:lnTo>
+                  <a:lnTo>
+                    <a:pt x="757418" y="3961962"/>
+                  </a:lnTo>
+                  <a:lnTo>
+                    <a:pt x="841576" y="3934173"/>
+                  </a:lnTo>
+                  <a:lnTo>
+                    <a:pt x="925733" y="3904429"/>
+                  </a:lnTo>
+                  <a:lnTo>
+                    <a:pt x="1009891" y="3872608"/>
+                  </a:lnTo>
+                  <a:lnTo>
+                    <a:pt x="1094048" y="3838587"/>
+                  </a:lnTo>
+                  <a:lnTo>
+                    <a:pt x="1178206" y="3802231"/>
+                  </a:lnTo>
+                  <a:lnTo>
+                    <a:pt x="1262364" y="3763401"/>
+                  </a:lnTo>
+                  <a:lnTo>
+                    <a:pt x="1346521" y="3721950"/>
+                  </a:lnTo>
+                  <a:lnTo>
+                    <a:pt x="1430679" y="3677720"/>
+                  </a:lnTo>
+                  <a:lnTo>
+                    <a:pt x="1514837" y="3630550"/>
+                  </a:lnTo>
+                  <a:lnTo>
+                    <a:pt x="1598994" y="3580272"/>
+                  </a:lnTo>
+                  <a:lnTo>
+                    <a:pt x="1683152" y="3526714"/>
+                  </a:lnTo>
+                  <a:lnTo>
+                    <a:pt x="1767309" y="3469713"/>
+                  </a:lnTo>
+                  <a:lnTo>
+                    <a:pt x="1851467" y="3409113"/>
+                  </a:lnTo>
+                  <a:lnTo>
+                    <a:pt x="1935625" y="3344783"/>
+                  </a:lnTo>
+                  <a:lnTo>
+                    <a:pt x="2019782" y="3276625"/>
+                  </a:lnTo>
+                  <a:lnTo>
+                    <a:pt x="2103940" y="3204581"/>
+                  </a:lnTo>
+                  <a:lnTo>
+                    <a:pt x="2188097" y="3128641"/>
+                  </a:lnTo>
+                  <a:lnTo>
+                    <a:pt x="2272255" y="3048844"/>
+                  </a:lnTo>
+                  <a:lnTo>
+                    <a:pt x="2356413" y="2965284"/>
+                  </a:lnTo>
+                  <a:lnTo>
+                    <a:pt x="2440570" y="2878097"/>
+                  </a:lnTo>
+                  <a:lnTo>
+                    <a:pt x="2524728" y="2787467"/>
+                  </a:lnTo>
+                  <a:lnTo>
+                    <a:pt x="2608886" y="2693612"/>
+                  </a:lnTo>
+                  <a:lnTo>
+                    <a:pt x="2693043" y="2596787"/>
+                  </a:lnTo>
+                  <a:lnTo>
+                    <a:pt x="2777201" y="2497274"/>
+                  </a:lnTo>
+                  <a:lnTo>
+                    <a:pt x="2861358" y="2395379"/>
+                  </a:lnTo>
+                  <a:lnTo>
+                    <a:pt x="2945516" y="2291427"/>
+                  </a:lnTo>
+                  <a:lnTo>
+                    <a:pt x="3029674" y="2185760"/>
+                  </a:lnTo>
+                  <a:lnTo>
+                    <a:pt x="3113831" y="2078731"/>
+                  </a:lnTo>
+                  <a:lnTo>
+                    <a:pt x="3197989" y="1970703"/>
+                  </a:lnTo>
+                  <a:lnTo>
+                    <a:pt x="3282146" y="1862043"/>
+                  </a:lnTo>
+                  <a:lnTo>
+                    <a:pt x="3366304" y="1753123"/>
+                  </a:lnTo>
+                  <a:lnTo>
+                    <a:pt x="3450462" y="1644312"/>
+                  </a:lnTo>
+                  <a:lnTo>
+                    <a:pt x="3534619" y="1535981"/>
+                  </a:lnTo>
+                  <a:lnTo>
+                    <a:pt x="3618777" y="1428495"/>
+                  </a:lnTo>
+                  <a:lnTo>
+                    <a:pt x="3702934" y="1322211"/>
+                  </a:lnTo>
+                  <a:lnTo>
+                    <a:pt x="3787092" y="1217475"/>
+                  </a:lnTo>
+                  <a:lnTo>
+                    <a:pt x="3871250" y="1114621"/>
+                  </a:lnTo>
+                  <a:lnTo>
+                    <a:pt x="3955407" y="1013965"/>
+                  </a:lnTo>
+                  <a:lnTo>
+                    <a:pt x="4039565" y="915803"/>
+                  </a:lnTo>
+                  <a:lnTo>
+                    <a:pt x="4123723" y="820407"/>
+                  </a:lnTo>
+                  <a:lnTo>
+                    <a:pt x="4207880" y="728019"/>
+                  </a:lnTo>
+                  <a:lnTo>
+                    <a:pt x="4292038" y="638853"/>
+                  </a:lnTo>
+                  <a:lnTo>
+                    <a:pt x="4376195" y="553092"/>
+                  </a:lnTo>
+                  <a:lnTo>
+                    <a:pt x="4460353" y="470880"/>
+                  </a:lnTo>
+                  <a:lnTo>
+                    <a:pt x="4544511" y="392331"/>
+                  </a:lnTo>
+                  <a:lnTo>
+                    <a:pt x="4628668" y="317522"/>
+                  </a:lnTo>
+                  <a:lnTo>
+                    <a:pt x="4712826" y="246495"/>
+                  </a:lnTo>
+                  <a:lnTo>
+                    <a:pt x="4796983" y="179263"/>
+                  </a:lnTo>
+                  <a:lnTo>
+                    <a:pt x="4881141" y="115804"/>
+                  </a:lnTo>
+                  <a:lnTo>
+                    <a:pt x="4965299" y="56074"/>
+                  </a:lnTo>
+                  <a:lnTo>
+                    <a:pt x="5049456" y="0"/>
+                  </a:lnTo>
+                  <a:lnTo>
+                    <a:pt x="5049456" y="488075"/>
+                  </a:lnTo>
+                  <a:lnTo>
+                    <a:pt x="4965299" y="555891"/>
+                  </a:lnTo>
+                  <a:lnTo>
+                    <a:pt x="4881141" y="626130"/>
+                  </a:lnTo>
+                  <a:lnTo>
+                    <a:pt x="4796983" y="698719"/>
+                  </a:lnTo>
+                  <a:lnTo>
+                    <a:pt x="4712826" y="773568"/>
+                  </a:lnTo>
+                  <a:lnTo>
+                    <a:pt x="4628668" y="850573"/>
+                  </a:lnTo>
+                  <a:lnTo>
+                    <a:pt x="4544511" y="929618"/>
+                  </a:lnTo>
+                  <a:lnTo>
+                    <a:pt x="4460353" y="1010572"/>
+                  </a:lnTo>
+                  <a:lnTo>
+                    <a:pt x="4376195" y="1093292"/>
+                  </a:lnTo>
+                  <a:lnTo>
+                    <a:pt x="4292038" y="1177624"/>
+                  </a:lnTo>
+                  <a:lnTo>
+                    <a:pt x="4207880" y="1263406"/>
+                  </a:lnTo>
+                  <a:lnTo>
+                    <a:pt x="4123723" y="1350466"/>
+                  </a:lnTo>
+                  <a:lnTo>
+                    <a:pt x="4039565" y="1438627"/>
+                  </a:lnTo>
+                  <a:lnTo>
+                    <a:pt x="3955407" y="1527706"/>
+                  </a:lnTo>
+                  <a:lnTo>
+                    <a:pt x="3871250" y="1617514"/>
+                  </a:lnTo>
+                  <a:lnTo>
+                    <a:pt x="3787092" y="1707861"/>
+                  </a:lnTo>
+                  <a:lnTo>
+                    <a:pt x="3702934" y="1798553"/>
+                  </a:lnTo>
+                  <a:lnTo>
+                    <a:pt x="3618777" y="1889398"/>
+                  </a:lnTo>
+                  <a:lnTo>
+                    <a:pt x="3534619" y="1980200"/>
+                  </a:lnTo>
+                  <a:lnTo>
+                    <a:pt x="3450462" y="2070768"/>
+                  </a:lnTo>
+                  <a:lnTo>
+                    <a:pt x="3366304" y="2160910"/>
+                  </a:lnTo>
+                  <a:lnTo>
+                    <a:pt x="3282146" y="2250438"/>
+                  </a:lnTo>
+                  <a:lnTo>
+                    <a:pt x="3197989" y="2339168"/>
+                  </a:lnTo>
+                  <a:lnTo>
+                    <a:pt x="3113831" y="2426924"/>
+                  </a:lnTo>
+                  <a:lnTo>
+                    <a:pt x="3029674" y="2513533"/>
+                  </a:lnTo>
+                  <a:lnTo>
+                    <a:pt x="2945516" y="2598832"/>
+                  </a:lnTo>
+                  <a:lnTo>
+                    <a:pt x="2861358" y="2682669"/>
+                  </a:lnTo>
+                  <a:lnTo>
+                    <a:pt x="2777201" y="2764901"/>
+                  </a:lnTo>
+                  <a:lnTo>
+                    <a:pt x="2693043" y="2845397"/>
+                  </a:lnTo>
+                  <a:lnTo>
+                    <a:pt x="2608886" y="2924041"/>
+                  </a:lnTo>
+                  <a:lnTo>
+                    <a:pt x="2524728" y="3000726"/>
+                  </a:lnTo>
+                  <a:lnTo>
+                    <a:pt x="2440570" y="3075363"/>
+                  </a:lnTo>
+                  <a:lnTo>
+                    <a:pt x="2356413" y="3147869"/>
+                  </a:lnTo>
+                  <a:lnTo>
+                    <a:pt x="2272255" y="3218174"/>
+                  </a:lnTo>
+                  <a:lnTo>
+                    <a:pt x="2188097" y="3286211"/>
+                  </a:lnTo>
+                  <a:lnTo>
+                    <a:pt x="2103940" y="3351917"/>
+                  </a:lnTo>
+                  <a:lnTo>
+                    <a:pt x="2019782" y="3415228"/>
+                  </a:lnTo>
+                  <a:lnTo>
+                    <a:pt x="1935625" y="3476078"/>
+                  </a:lnTo>
+                  <a:lnTo>
+                    <a:pt x="1851467" y="3534399"/>
+                  </a:lnTo>
+                  <a:lnTo>
+                    <a:pt x="1767309" y="3590124"/>
+                  </a:lnTo>
+                  <a:lnTo>
+                    <a:pt x="1683152" y="3643195"/>
+                  </a:lnTo>
+                  <a:lnTo>
+                    <a:pt x="1598994" y="3693566"/>
+                  </a:lnTo>
+                  <a:lnTo>
+                    <a:pt x="1514837" y="3741210"/>
+                  </a:lnTo>
+                  <a:lnTo>
+                    <a:pt x="1430679" y="3786123"/>
+                  </a:lnTo>
+                  <a:lnTo>
+                    <a:pt x="1346521" y="3828325"/>
+                  </a:lnTo>
+                  <a:lnTo>
+                    <a:pt x="1262364" y="3867859"/>
+                  </a:lnTo>
+                  <a:lnTo>
+                    <a:pt x="1178206" y="3904788"/>
+                  </a:lnTo>
+                  <a:lnTo>
+                    <a:pt x="1094048" y="3939195"/>
+                  </a:lnTo>
+                  <a:lnTo>
+                    <a:pt x="1009891" y="3971175"/>
+                  </a:lnTo>
+                  <a:lnTo>
+                    <a:pt x="925733" y="4000835"/>
+                  </a:lnTo>
+                  <a:lnTo>
+                    <a:pt x="841576" y="4028289"/>
+                  </a:lnTo>
+                  <a:lnTo>
+                    <a:pt x="757418" y="4053655"/>
+                  </a:lnTo>
+                  <a:lnTo>
+                    <a:pt x="673260" y="4077053"/>
+                  </a:lnTo>
+                  <a:lnTo>
+                    <a:pt x="589103" y="4098606"/>
+                  </a:lnTo>
+                  <a:lnTo>
+                    <a:pt x="504945" y="4118430"/>
+                  </a:lnTo>
+                  <a:lnTo>
+                    <a:pt x="420788" y="4136644"/>
+                  </a:lnTo>
+                  <a:lnTo>
+                    <a:pt x="336630" y="4153358"/>
+                  </a:lnTo>
+                  <a:lnTo>
+                    <a:pt x="252472" y="4168682"/>
+                  </a:lnTo>
+                  <a:lnTo>
+                    <a:pt x="168315" y="4182718"/>
+                  </a:lnTo>
+                  <a:lnTo>
+                    <a:pt x="84157" y="4195563"/>
+                  </a:lnTo>
+                  <a:lnTo>
+                    <a:pt x="0" y="4207310"/>
                   </a:lnTo>
                   <a:close/>
                 </a:path>
               </a:pathLst>
             </a:custGeom>
             <a:solidFill>
-              <a:srgbClr val="FF0083">
+              <a:srgbClr val="B0C4DE">
                 <a:alpha val="100000"/>
               </a:srgbClr>
             </a:solidFill>
@@ -3639,66 +3795,201 @@
           </p:nvSpPr>
           <p:spPr>
             <a:xfrm>
-              <a:off x="2199579" y="1346412"/>
-              <a:ext cx="1282168" cy="101992"/>
+              <a:off x="2199579" y="1776739"/>
+              <a:ext cx="5049456" cy="4141130"/>
             </a:xfrm>
             <a:custGeom>
               <a:avLst/>
               <a:pathLst>
-                <a:path w="1282168" h="101992">
+                <a:path w="5049456" h="4141130">
                   <a:moveTo>
-                    <a:pt x="0" y="57317"/>
+                    <a:pt x="0" y="4141130"/>
                   </a:moveTo>
                   <a:lnTo>
-                    <a:pt x="0" y="57317"/>
-                  </a:lnTo>
-                  <a:lnTo>
-                    <a:pt x="80504" y="67198"/>
-                  </a:lnTo>
-                  <a:lnTo>
-                    <a:pt x="161009" y="76606"/>
-                  </a:lnTo>
-                  <a:lnTo>
-                    <a:pt x="241514" y="85086"/>
-                  </a:lnTo>
-                  <a:lnTo>
-                    <a:pt x="322019" y="92194"/>
-                  </a:lnTo>
-                  <a:lnTo>
-                    <a:pt x="402523" y="97552"/>
-                  </a:lnTo>
-                  <a:lnTo>
-                    <a:pt x="483028" y="100879"/>
-                  </a:lnTo>
-                  <a:lnTo>
-                    <a:pt x="563533" y="101992"/>
-                  </a:lnTo>
-                  <a:lnTo>
-                    <a:pt x="644038" y="100775"/>
-                  </a:lnTo>
-                  <a:lnTo>
-                    <a:pt x="724542" y="97151"/>
-                  </a:lnTo>
-                  <a:lnTo>
-                    <a:pt x="805047" y="91053"/>
-                  </a:lnTo>
-                  <a:lnTo>
-                    <a:pt x="885552" y="82414"/>
-                  </a:lnTo>
-                  <a:lnTo>
-                    <a:pt x="966057" y="71159"/>
-                  </a:lnTo>
-                  <a:lnTo>
-                    <a:pt x="1046561" y="57206"/>
-                  </a:lnTo>
-                  <a:lnTo>
-                    <a:pt x="1127066" y="40472"/>
-                  </a:lnTo>
-                  <a:lnTo>
-                    <a:pt x="1207571" y="20875"/>
-                  </a:lnTo>
-                  <a:lnTo>
-                    <a:pt x="1282168" y="0"/>
+                    <a:pt x="0" y="4141130"/>
+                  </a:lnTo>
+                  <a:lnTo>
+                    <a:pt x="84157" y="4126430"/>
+                  </a:lnTo>
+                  <a:lnTo>
+                    <a:pt x="168315" y="4110620"/>
+                  </a:lnTo>
+                  <a:lnTo>
+                    <a:pt x="252472" y="4093626"/>
+                  </a:lnTo>
+                  <a:lnTo>
+                    <a:pt x="336630" y="4075365"/>
+                  </a:lnTo>
+                  <a:lnTo>
+                    <a:pt x="420788" y="4055754"/>
+                  </a:lnTo>
+                  <a:lnTo>
+                    <a:pt x="504945" y="4034705"/>
+                  </a:lnTo>
+                  <a:lnTo>
+                    <a:pt x="589103" y="4012122"/>
+                  </a:lnTo>
+                  <a:lnTo>
+                    <a:pt x="673260" y="3987909"/>
+                  </a:lnTo>
+                  <a:lnTo>
+                    <a:pt x="757418" y="3961962"/>
+                  </a:lnTo>
+                  <a:lnTo>
+                    <a:pt x="841576" y="3934173"/>
+                  </a:lnTo>
+                  <a:lnTo>
+                    <a:pt x="925733" y="3904429"/>
+                  </a:lnTo>
+                  <a:lnTo>
+                    <a:pt x="1009891" y="3872608"/>
+                  </a:lnTo>
+                  <a:lnTo>
+                    <a:pt x="1094048" y="3838587"/>
+                  </a:lnTo>
+                  <a:lnTo>
+                    <a:pt x="1178206" y="3802231"/>
+                  </a:lnTo>
+                  <a:lnTo>
+                    <a:pt x="1262364" y="3763401"/>
+                  </a:lnTo>
+                  <a:lnTo>
+                    <a:pt x="1346521" y="3721950"/>
+                  </a:lnTo>
+                  <a:lnTo>
+                    <a:pt x="1430679" y="3677720"/>
+                  </a:lnTo>
+                  <a:lnTo>
+                    <a:pt x="1514837" y="3630550"/>
+                  </a:lnTo>
+                  <a:lnTo>
+                    <a:pt x="1598994" y="3580272"/>
+                  </a:lnTo>
+                  <a:lnTo>
+                    <a:pt x="1683152" y="3526714"/>
+                  </a:lnTo>
+                  <a:lnTo>
+                    <a:pt x="1767309" y="3469713"/>
+                  </a:lnTo>
+                  <a:lnTo>
+                    <a:pt x="1851467" y="3409113"/>
+                  </a:lnTo>
+                  <a:lnTo>
+                    <a:pt x="1935625" y="3344783"/>
+                  </a:lnTo>
+                  <a:lnTo>
+                    <a:pt x="2019782" y="3276625"/>
+                  </a:lnTo>
+                  <a:lnTo>
+                    <a:pt x="2103940" y="3204581"/>
+                  </a:lnTo>
+                  <a:lnTo>
+                    <a:pt x="2188097" y="3128641"/>
+                  </a:lnTo>
+                  <a:lnTo>
+                    <a:pt x="2272255" y="3048844"/>
+                  </a:lnTo>
+                  <a:lnTo>
+                    <a:pt x="2356413" y="2965284"/>
+                  </a:lnTo>
+                  <a:lnTo>
+                    <a:pt x="2440570" y="2878097"/>
+                  </a:lnTo>
+                  <a:lnTo>
+                    <a:pt x="2524728" y="2787467"/>
+                  </a:lnTo>
+                  <a:lnTo>
+                    <a:pt x="2608886" y="2693612"/>
+                  </a:lnTo>
+                  <a:lnTo>
+                    <a:pt x="2693043" y="2596787"/>
+                  </a:lnTo>
+                  <a:lnTo>
+                    <a:pt x="2777201" y="2497274"/>
+                  </a:lnTo>
+                  <a:lnTo>
+                    <a:pt x="2861358" y="2395379"/>
+                  </a:lnTo>
+                  <a:lnTo>
+                    <a:pt x="2945516" y="2291427"/>
+                  </a:lnTo>
+                  <a:lnTo>
+                    <a:pt x="3029674" y="2185760"/>
+                  </a:lnTo>
+                  <a:lnTo>
+                    <a:pt x="3113831" y="2078731"/>
+                  </a:lnTo>
+                  <a:lnTo>
+                    <a:pt x="3197989" y="1970703"/>
+                  </a:lnTo>
+                  <a:lnTo>
+                    <a:pt x="3282146" y="1862043"/>
+                  </a:lnTo>
+                  <a:lnTo>
+                    <a:pt x="3366304" y="1753123"/>
+                  </a:lnTo>
+                  <a:lnTo>
+                    <a:pt x="3450462" y="1644312"/>
+                  </a:lnTo>
+                  <a:lnTo>
+                    <a:pt x="3534619" y="1535981"/>
+                  </a:lnTo>
+                  <a:lnTo>
+                    <a:pt x="3618777" y="1428495"/>
+                  </a:lnTo>
+                  <a:lnTo>
+                    <a:pt x="3702934" y="1322211"/>
+                  </a:lnTo>
+                  <a:lnTo>
+                    <a:pt x="3787092" y="1217475"/>
+                  </a:lnTo>
+                  <a:lnTo>
+                    <a:pt x="3871250" y="1114621"/>
+                  </a:lnTo>
+                  <a:lnTo>
+                    <a:pt x="3955407" y="1013965"/>
+                  </a:lnTo>
+                  <a:lnTo>
+                    <a:pt x="4039565" y="915803"/>
+                  </a:lnTo>
+                  <a:lnTo>
+                    <a:pt x="4123723" y="820407"/>
+                  </a:lnTo>
+                  <a:lnTo>
+                    <a:pt x="4207880" y="728019"/>
+                  </a:lnTo>
+                  <a:lnTo>
+                    <a:pt x="4292038" y="638853"/>
+                  </a:lnTo>
+                  <a:lnTo>
+                    <a:pt x="4376195" y="553092"/>
+                  </a:lnTo>
+                  <a:lnTo>
+                    <a:pt x="4460353" y="470880"/>
+                  </a:lnTo>
+                  <a:lnTo>
+                    <a:pt x="4544511" y="392331"/>
+                  </a:lnTo>
+                  <a:lnTo>
+                    <a:pt x="4628668" y="317522"/>
+                  </a:lnTo>
+                  <a:lnTo>
+                    <a:pt x="4712826" y="246495"/>
+                  </a:lnTo>
+                  <a:lnTo>
+                    <a:pt x="4796983" y="179263"/>
+                  </a:lnTo>
+                  <a:lnTo>
+                    <a:pt x="4881141" y="115804"/>
+                  </a:lnTo>
+                  <a:lnTo>
+                    <a:pt x="4965299" y="56074"/>
+                  </a:lnTo>
+                  <a:lnTo>
+                    <a:pt x="5049456" y="0"/>
+                  </a:lnTo>
+                  <a:lnTo>
+                    <a:pt x="5049456" y="0"/>
                   </a:lnTo>
                 </a:path>
               </a:pathLst>
@@ -3718,54 +4009,201 @@
           </p:nvSpPr>
           <p:spPr>
             <a:xfrm>
-              <a:off x="6088692" y="1346412"/>
-              <a:ext cx="941172" cy="1916471"/>
+              <a:off x="2199579" y="2264815"/>
+              <a:ext cx="5049456" cy="3719235"/>
             </a:xfrm>
             <a:custGeom>
               <a:avLst/>
               <a:pathLst>
-                <a:path w="941172" h="1916471">
+                <a:path w="5049456" h="3719235">
                   <a:moveTo>
-                    <a:pt x="0" y="0"/>
+                    <a:pt x="5049456" y="0"/>
                   </a:moveTo>
                   <a:lnTo>
-                    <a:pt x="55620" y="93714"/>
-                  </a:lnTo>
-                  <a:lnTo>
-                    <a:pt x="136125" y="238407"/>
-                  </a:lnTo>
-                  <a:lnTo>
-                    <a:pt x="216629" y="391008"/>
-                  </a:lnTo>
-                  <a:lnTo>
-                    <a:pt x="297134" y="550302"/>
-                  </a:lnTo>
-                  <a:lnTo>
-                    <a:pt x="377639" y="715026"/>
-                  </a:lnTo>
-                  <a:lnTo>
-                    <a:pt x="458144" y="883899"/>
-                  </a:lnTo>
-                  <a:lnTo>
-                    <a:pt x="538649" y="1055650"/>
-                  </a:lnTo>
-                  <a:lnTo>
-                    <a:pt x="619153" y="1229040"/>
-                  </a:lnTo>
-                  <a:lnTo>
-                    <a:pt x="699658" y="1402885"/>
-                  </a:lnTo>
-                  <a:lnTo>
-                    <a:pt x="780163" y="1576074"/>
-                  </a:lnTo>
-                  <a:lnTo>
-                    <a:pt x="860668" y="1747579"/>
-                  </a:lnTo>
-                  <a:lnTo>
-                    <a:pt x="941172" y="1916471"/>
-                  </a:lnTo>
-                  <a:lnTo>
-                    <a:pt x="941172" y="1916471"/>
+                    <a:pt x="5049456" y="0"/>
+                  </a:lnTo>
+                  <a:lnTo>
+                    <a:pt x="4965299" y="67816"/>
+                  </a:lnTo>
+                  <a:lnTo>
+                    <a:pt x="4881141" y="138055"/>
+                  </a:lnTo>
+                  <a:lnTo>
+                    <a:pt x="4796983" y="210643"/>
+                  </a:lnTo>
+                  <a:lnTo>
+                    <a:pt x="4712826" y="285492"/>
+                  </a:lnTo>
+                  <a:lnTo>
+                    <a:pt x="4628668" y="362498"/>
+                  </a:lnTo>
+                  <a:lnTo>
+                    <a:pt x="4544511" y="441543"/>
+                  </a:lnTo>
+                  <a:lnTo>
+                    <a:pt x="4460353" y="522497"/>
+                  </a:lnTo>
+                  <a:lnTo>
+                    <a:pt x="4376195" y="605216"/>
+                  </a:lnTo>
+                  <a:lnTo>
+                    <a:pt x="4292038" y="689549"/>
+                  </a:lnTo>
+                  <a:lnTo>
+                    <a:pt x="4207880" y="775330"/>
+                  </a:lnTo>
+                  <a:lnTo>
+                    <a:pt x="4123723" y="862391"/>
+                  </a:lnTo>
+                  <a:lnTo>
+                    <a:pt x="4039565" y="950552"/>
+                  </a:lnTo>
+                  <a:lnTo>
+                    <a:pt x="3955407" y="1039630"/>
+                  </a:lnTo>
+                  <a:lnTo>
+                    <a:pt x="3871250" y="1129438"/>
+                  </a:lnTo>
+                  <a:lnTo>
+                    <a:pt x="3787092" y="1219785"/>
+                  </a:lnTo>
+                  <a:lnTo>
+                    <a:pt x="3702934" y="1310478"/>
+                  </a:lnTo>
+                  <a:lnTo>
+                    <a:pt x="3618777" y="1401322"/>
+                  </a:lnTo>
+                  <a:lnTo>
+                    <a:pt x="3534619" y="1492125"/>
+                  </a:lnTo>
+                  <a:lnTo>
+                    <a:pt x="3450462" y="1582692"/>
+                  </a:lnTo>
+                  <a:lnTo>
+                    <a:pt x="3366304" y="1672834"/>
+                  </a:lnTo>
+                  <a:lnTo>
+                    <a:pt x="3282146" y="1762362"/>
+                  </a:lnTo>
+                  <a:lnTo>
+                    <a:pt x="3197989" y="1851093"/>
+                  </a:lnTo>
+                  <a:lnTo>
+                    <a:pt x="3113831" y="1938848"/>
+                  </a:lnTo>
+                  <a:lnTo>
+                    <a:pt x="3029674" y="2025457"/>
+                  </a:lnTo>
+                  <a:lnTo>
+                    <a:pt x="2945516" y="2110757"/>
+                  </a:lnTo>
+                  <a:lnTo>
+                    <a:pt x="2861358" y="2194594"/>
+                  </a:lnTo>
+                  <a:lnTo>
+                    <a:pt x="2777201" y="2276826"/>
+                  </a:lnTo>
+                  <a:lnTo>
+                    <a:pt x="2693043" y="2357322"/>
+                  </a:lnTo>
+                  <a:lnTo>
+                    <a:pt x="2608886" y="2435965"/>
+                  </a:lnTo>
+                  <a:lnTo>
+                    <a:pt x="2524728" y="2512651"/>
+                  </a:lnTo>
+                  <a:lnTo>
+                    <a:pt x="2440570" y="2587287"/>
+                  </a:lnTo>
+                  <a:lnTo>
+                    <a:pt x="2356413" y="2659794"/>
+                  </a:lnTo>
+                  <a:lnTo>
+                    <a:pt x="2272255" y="2730098"/>
+                  </a:lnTo>
+                  <a:lnTo>
+                    <a:pt x="2188097" y="2798135"/>
+                  </a:lnTo>
+                  <a:lnTo>
+                    <a:pt x="2103940" y="2863841"/>
+                  </a:lnTo>
+                  <a:lnTo>
+                    <a:pt x="2019782" y="2927152"/>
+                  </a:lnTo>
+                  <a:lnTo>
+                    <a:pt x="1935625" y="2988002"/>
+                  </a:lnTo>
+                  <a:lnTo>
+                    <a:pt x="1851467" y="3046323"/>
+                  </a:lnTo>
+                  <a:lnTo>
+                    <a:pt x="1767309" y="3102048"/>
+                  </a:lnTo>
+                  <a:lnTo>
+                    <a:pt x="1683152" y="3155119"/>
+                  </a:lnTo>
+                  <a:lnTo>
+                    <a:pt x="1598994" y="3205490"/>
+                  </a:lnTo>
+                  <a:lnTo>
+                    <a:pt x="1514837" y="3253134"/>
+                  </a:lnTo>
+                  <a:lnTo>
+                    <a:pt x="1430679" y="3298047"/>
+                  </a:lnTo>
+                  <a:lnTo>
+                    <a:pt x="1346521" y="3340249"/>
+                  </a:lnTo>
+                  <a:lnTo>
+                    <a:pt x="1262364" y="3379783"/>
+                  </a:lnTo>
+                  <a:lnTo>
+                    <a:pt x="1178206" y="3416713"/>
+                  </a:lnTo>
+                  <a:lnTo>
+                    <a:pt x="1094048" y="3451120"/>
+                  </a:lnTo>
+                  <a:lnTo>
+                    <a:pt x="1009891" y="3483100"/>
+                  </a:lnTo>
+                  <a:lnTo>
+                    <a:pt x="925733" y="3512760"/>
+                  </a:lnTo>
+                  <a:lnTo>
+                    <a:pt x="841576" y="3540213"/>
+                  </a:lnTo>
+                  <a:lnTo>
+                    <a:pt x="757418" y="3565579"/>
+                  </a:lnTo>
+                  <a:lnTo>
+                    <a:pt x="673260" y="3588978"/>
+                  </a:lnTo>
+                  <a:lnTo>
+                    <a:pt x="589103" y="3610530"/>
+                  </a:lnTo>
+                  <a:lnTo>
+                    <a:pt x="504945" y="3630355"/>
+                  </a:lnTo>
+                  <a:lnTo>
+                    <a:pt x="420788" y="3648568"/>
+                  </a:lnTo>
+                  <a:lnTo>
+                    <a:pt x="336630" y="3665283"/>
+                  </a:lnTo>
+                  <a:lnTo>
+                    <a:pt x="252472" y="3680606"/>
+                  </a:lnTo>
+                  <a:lnTo>
+                    <a:pt x="168315" y="3694642"/>
+                  </a:lnTo>
+                  <a:lnTo>
+                    <a:pt x="84157" y="3707488"/>
+                  </a:lnTo>
+                  <a:lnTo>
+                    <a:pt x="0" y="3719235"/>
+                  </a:lnTo>
+                  <a:lnTo>
+                    <a:pt x="0" y="3719235"/>
                   </a:lnTo>
                 </a:path>
               </a:pathLst>
@@ -3785,1241 +4223,208 @@
           </p:nvSpPr>
           <p:spPr>
             <a:xfrm>
-              <a:off x="2199579" y="1577124"/>
-              <a:ext cx="3022149" cy="4526973"/>
+              <a:off x="2199579" y="1996221"/>
+              <a:ext cx="5049456" cy="3958218"/>
             </a:xfrm>
             <a:custGeom>
               <a:avLst/>
               <a:pathLst>
-                <a:path w="3022149" h="4526973">
+                <a:path w="5049456" h="3958218">
                   <a:moveTo>
-                    <a:pt x="3022149" y="4526973"/>
+                    <a:pt x="0" y="3958218"/>
                   </a:moveTo>
                   <a:lnTo>
-                    <a:pt x="2978676" y="4423293"/>
-                  </a:lnTo>
-                  <a:lnTo>
-                    <a:pt x="2898171" y="4224460"/>
-                  </a:lnTo>
-                  <a:lnTo>
-                    <a:pt x="2817666" y="4020369"/>
-                  </a:lnTo>
-                  <a:lnTo>
-                    <a:pt x="2737161" y="3812617"/>
-                  </a:lnTo>
-                  <a:lnTo>
-                    <a:pt x="2656657" y="3602791"/>
-                  </a:lnTo>
-                  <a:lnTo>
-                    <a:pt x="2576152" y="3392433"/>
-                  </a:lnTo>
-                  <a:lnTo>
-                    <a:pt x="2495647" y="3183015"/>
-                  </a:lnTo>
-                  <a:lnTo>
-                    <a:pt x="2415142" y="2975910"/>
-                  </a:lnTo>
-                  <a:lnTo>
-                    <a:pt x="2334637" y="2772379"/>
-                  </a:lnTo>
-                  <a:lnTo>
-                    <a:pt x="2254133" y="2573550"/>
-                  </a:lnTo>
-                  <a:lnTo>
-                    <a:pt x="2173628" y="2380412"/>
-                  </a:lnTo>
-                  <a:lnTo>
-                    <a:pt x="2093123" y="2193809"/>
-                  </a:lnTo>
-                  <a:lnTo>
-                    <a:pt x="2012618" y="2014442"/>
-                  </a:lnTo>
-                  <a:lnTo>
-                    <a:pt x="1932114" y="1842866"/>
-                  </a:lnTo>
-                  <a:lnTo>
-                    <a:pt x="1851609" y="1679504"/>
-                  </a:lnTo>
-                  <a:lnTo>
-                    <a:pt x="1771104" y="1524648"/>
-                  </a:lnTo>
-                  <a:lnTo>
-                    <a:pt x="1690599" y="1378477"/>
-                  </a:lnTo>
-                  <a:lnTo>
-                    <a:pt x="1610095" y="1241061"/>
-                  </a:lnTo>
-                  <a:lnTo>
-                    <a:pt x="1529590" y="1112380"/>
-                  </a:lnTo>
-                  <a:lnTo>
-                    <a:pt x="1449085" y="992337"/>
-                  </a:lnTo>
-                  <a:lnTo>
-                    <a:pt x="1368580" y="880764"/>
-                  </a:lnTo>
-                  <a:lnTo>
-                    <a:pt x="1288076" y="777443"/>
-                  </a:lnTo>
-                  <a:lnTo>
-                    <a:pt x="1207571" y="682113"/>
-                  </a:lnTo>
-                  <a:lnTo>
-                    <a:pt x="1127066" y="594484"/>
-                  </a:lnTo>
-                  <a:lnTo>
-                    <a:pt x="1046561" y="514246"/>
-                  </a:lnTo>
-                  <a:lnTo>
-                    <a:pt x="966057" y="441081"/>
-                  </a:lnTo>
-                  <a:lnTo>
-                    <a:pt x="885552" y="374668"/>
-                  </a:lnTo>
-                  <a:lnTo>
-                    <a:pt x="805047" y="314695"/>
-                  </a:lnTo>
-                  <a:lnTo>
-                    <a:pt x="724542" y="260864"/>
-                  </a:lnTo>
-                  <a:lnTo>
-                    <a:pt x="644038" y="212889"/>
-                  </a:lnTo>
-                  <a:lnTo>
-                    <a:pt x="563533" y="170495"/>
-                  </a:lnTo>
-                  <a:lnTo>
-                    <a:pt x="483028" y="133402"/>
-                  </a:lnTo>
-                  <a:lnTo>
-                    <a:pt x="402523" y="101303"/>
-                  </a:lnTo>
-                  <a:lnTo>
-                    <a:pt x="322019" y="73830"/>
-                  </a:lnTo>
-                  <a:lnTo>
-                    <a:pt x="241514" y="50530"/>
-                  </a:lnTo>
-                  <a:lnTo>
-                    <a:pt x="161009" y="30858"/>
-                  </a:lnTo>
-                  <a:lnTo>
-                    <a:pt x="80504" y="14215"/>
-                  </a:lnTo>
-                  <a:lnTo>
-                    <a:pt x="0" y="0"/>
-                  </a:lnTo>
-                  <a:lnTo>
-                    <a:pt x="0" y="0"/>
-                  </a:lnTo>
-                </a:path>
-              </a:pathLst>
-            </a:custGeom>
-          </p:spPr>
-          <p:txBody>
-            <a:bodyPr/>
-            <a:lstStyle/>
-            <a:p/>
-          </p:txBody>
-        </p:sp>
-        <p:sp>
-          <p:nvSpPr>
-            <p:cNvPr id="14" name="pg14"/>
-            <p:cNvSpPr/>
-            <p:nvPr/>
-          </p:nvSpPr>
-          <p:spPr>
-            <a:xfrm>
-              <a:off x="2199579" y="1346412"/>
-              <a:ext cx="4830285" cy="4757685"/>
-            </a:xfrm>
-            <a:custGeom>
-              <a:avLst/>
-              <a:pathLst>
-                <a:path w="4830285" h="4757685">
-                  <a:moveTo>
-                    <a:pt x="0" y="4531012"/>
-                  </a:moveTo>
-                  <a:lnTo>
-                    <a:pt x="80504" y="4517515"/>
-                  </a:lnTo>
-                  <a:lnTo>
-                    <a:pt x="161009" y="4501575"/>
-                  </a:lnTo>
-                  <a:lnTo>
-                    <a:pt x="241514" y="4482553"/>
-                  </a:lnTo>
-                  <a:lnTo>
-                    <a:pt x="322019" y="4459805"/>
-                  </a:lnTo>
-                  <a:lnTo>
-                    <a:pt x="402523" y="4432745"/>
-                  </a:lnTo>
-                  <a:lnTo>
-                    <a:pt x="483028" y="4400875"/>
-                  </a:lnTo>
-                  <a:lnTo>
-                    <a:pt x="563533" y="4363787"/>
-                  </a:lnTo>
-                  <a:lnTo>
-                    <a:pt x="644038" y="4321131"/>
-                  </a:lnTo>
-                  <a:lnTo>
-                    <a:pt x="724542" y="4272582"/>
-                  </a:lnTo>
-                  <a:lnTo>
-                    <a:pt x="805047" y="4217812"/>
-                  </a:lnTo>
-                  <a:lnTo>
-                    <a:pt x="885552" y="4156479"/>
-                  </a:lnTo>
-                  <a:lnTo>
-                    <a:pt x="966057" y="4088213"/>
-                  </a:lnTo>
-                  <a:lnTo>
-                    <a:pt x="1046561" y="4012624"/>
-                  </a:lnTo>
-                  <a:lnTo>
-                    <a:pt x="1127066" y="3929298"/>
-                  </a:lnTo>
-                  <a:lnTo>
-                    <a:pt x="1207571" y="3837812"/>
-                  </a:lnTo>
-                  <a:lnTo>
-                    <a:pt x="1288076" y="3737731"/>
-                  </a:lnTo>
-                  <a:lnTo>
-                    <a:pt x="1368580" y="3628627"/>
-                  </a:lnTo>
-                  <a:lnTo>
-                    <a:pt x="1449085" y="3510081"/>
-                  </a:lnTo>
-                  <a:lnTo>
-                    <a:pt x="1529590" y="3381694"/>
-                  </a:lnTo>
-                  <a:lnTo>
-                    <a:pt x="1610095" y="3243100"/>
-                  </a:lnTo>
-                  <a:lnTo>
-                    <a:pt x="1690599" y="3093973"/>
-                  </a:lnTo>
-                  <a:lnTo>
-                    <a:pt x="1771104" y="2934044"/>
-                  </a:lnTo>
-                  <a:lnTo>
-                    <a:pt x="1851609" y="2763105"/>
-                  </a:lnTo>
-                  <a:lnTo>
-                    <a:pt x="1932114" y="2581028"/>
-                  </a:lnTo>
-                  <a:lnTo>
-                    <a:pt x="2012618" y="2387770"/>
-                  </a:lnTo>
-                  <a:lnTo>
-                    <a:pt x="2093123" y="2183389"/>
-                  </a:lnTo>
-                  <a:lnTo>
-                    <a:pt x="2173628" y="1968047"/>
-                  </a:lnTo>
-                  <a:lnTo>
-                    <a:pt x="2254133" y="1742019"/>
-                  </a:lnTo>
-                  <a:lnTo>
-                    <a:pt x="2334637" y="1505701"/>
-                  </a:lnTo>
-                  <a:lnTo>
-                    <a:pt x="2415142" y="1259606"/>
-                  </a:lnTo>
-                  <a:lnTo>
-                    <a:pt x="2495647" y="1004367"/>
-                  </a:lnTo>
-                  <a:lnTo>
-                    <a:pt x="2576152" y="740730"/>
-                  </a:lnTo>
-                  <a:lnTo>
-                    <a:pt x="2656657" y="469546"/>
-                  </a:lnTo>
-                  <a:lnTo>
-                    <a:pt x="2737161" y="191754"/>
-                  </a:lnTo>
-                  <a:lnTo>
-                    <a:pt x="2791636" y="0"/>
-                  </a:lnTo>
-                  <a:lnTo>
-                    <a:pt x="4830285" y="0"/>
-                  </a:lnTo>
-                  <a:lnTo>
-                    <a:pt x="4830285" y="4757685"/>
-                  </a:lnTo>
-                  <a:lnTo>
-                    <a:pt x="984429" y="4757685"/>
-                  </a:lnTo>
-                  <a:lnTo>
-                    <a:pt x="966057" y="4752346"/>
-                  </a:lnTo>
-                  <a:lnTo>
-                    <a:pt x="885552" y="4732847"/>
-                  </a:lnTo>
-                  <a:lnTo>
-                    <a:pt x="805047" y="4717028"/>
-                  </a:lnTo>
-                  <a:lnTo>
-                    <a:pt x="724542" y="4704700"/>
-                  </a:lnTo>
-                  <a:lnTo>
-                    <a:pt x="644038" y="4695691"/>
-                  </a:lnTo>
-                  <a:lnTo>
-                    <a:pt x="563533" y="4689843"/>
-                  </a:lnTo>
-                  <a:lnTo>
-                    <a:pt x="483028" y="4686995"/>
-                  </a:lnTo>
-                  <a:lnTo>
-                    <a:pt x="402523" y="4686955"/>
-                  </a:lnTo>
-                  <a:lnTo>
-                    <a:pt x="322019" y="4689464"/>
-                  </a:lnTo>
-                  <a:lnTo>
-                    <a:pt x="241514" y="4694170"/>
-                  </a:lnTo>
-                  <a:lnTo>
-                    <a:pt x="161009" y="4700623"/>
-                  </a:lnTo>
-                  <a:lnTo>
-                    <a:pt x="80504" y="4708311"/>
-                  </a:lnTo>
-                  <a:lnTo>
-                    <a:pt x="0" y="4716718"/>
-                  </a:lnTo>
-                  <a:close/>
-                </a:path>
-              </a:pathLst>
-            </a:custGeom>
-            <a:solidFill>
-              <a:srgbClr val="00CE00">
-                <a:alpha val="100000"/>
-              </a:srgbClr>
-            </a:solidFill>
-          </p:spPr>
-          <p:txBody>
-            <a:bodyPr/>
-            <a:lstStyle/>
-            <a:p/>
-          </p:txBody>
-        </p:sp>
-        <p:sp>
-          <p:nvSpPr>
-            <p:cNvPr id="15" name="pl15"/>
-            <p:cNvSpPr/>
-            <p:nvPr/>
-          </p:nvSpPr>
-          <p:spPr>
-            <a:xfrm>
-              <a:off x="2199579" y="1346412"/>
-              <a:ext cx="2791636" cy="4531012"/>
-            </a:xfrm>
-            <a:custGeom>
-              <a:avLst/>
-              <a:pathLst>
-                <a:path w="2791636" h="4531012">
-                  <a:moveTo>
-                    <a:pt x="0" y="4531012"/>
-                  </a:moveTo>
-                  <a:lnTo>
-                    <a:pt x="0" y="4531012"/>
-                  </a:lnTo>
-                  <a:lnTo>
-                    <a:pt x="80504" y="4517515"/>
-                  </a:lnTo>
-                  <a:lnTo>
-                    <a:pt x="161009" y="4501575"/>
-                  </a:lnTo>
-                  <a:lnTo>
-                    <a:pt x="241514" y="4482553"/>
-                  </a:lnTo>
-                  <a:lnTo>
-                    <a:pt x="322019" y="4459805"/>
-                  </a:lnTo>
-                  <a:lnTo>
-                    <a:pt x="402523" y="4432745"/>
-                  </a:lnTo>
-                  <a:lnTo>
-                    <a:pt x="483028" y="4400875"/>
-                  </a:lnTo>
-                  <a:lnTo>
-                    <a:pt x="563533" y="4363787"/>
-                  </a:lnTo>
-                  <a:lnTo>
-                    <a:pt x="644038" y="4321131"/>
-                  </a:lnTo>
-                  <a:lnTo>
-                    <a:pt x="724542" y="4272582"/>
-                  </a:lnTo>
-                  <a:lnTo>
-                    <a:pt x="805047" y="4217812"/>
-                  </a:lnTo>
-                  <a:lnTo>
-                    <a:pt x="885552" y="4156479"/>
-                  </a:lnTo>
-                  <a:lnTo>
-                    <a:pt x="966057" y="4088213"/>
-                  </a:lnTo>
-                  <a:lnTo>
-                    <a:pt x="1046561" y="4012624"/>
-                  </a:lnTo>
-                  <a:lnTo>
-                    <a:pt x="1127066" y="3929298"/>
-                  </a:lnTo>
-                  <a:lnTo>
-                    <a:pt x="1207571" y="3837812"/>
-                  </a:lnTo>
-                  <a:lnTo>
-                    <a:pt x="1288076" y="3737731"/>
-                  </a:lnTo>
-                  <a:lnTo>
-                    <a:pt x="1368580" y="3628627"/>
-                  </a:lnTo>
-                  <a:lnTo>
-                    <a:pt x="1449085" y="3510081"/>
-                  </a:lnTo>
-                  <a:lnTo>
-                    <a:pt x="1529590" y="3381694"/>
-                  </a:lnTo>
-                  <a:lnTo>
-                    <a:pt x="1610095" y="3243100"/>
-                  </a:lnTo>
-                  <a:lnTo>
-                    <a:pt x="1690599" y="3093973"/>
-                  </a:lnTo>
-                  <a:lnTo>
-                    <a:pt x="1771104" y="2934044"/>
-                  </a:lnTo>
-                  <a:lnTo>
-                    <a:pt x="1851609" y="2763105"/>
-                  </a:lnTo>
-                  <a:lnTo>
-                    <a:pt x="1932114" y="2581028"/>
-                  </a:lnTo>
-                  <a:lnTo>
-                    <a:pt x="2012618" y="2387770"/>
-                  </a:lnTo>
-                  <a:lnTo>
-                    <a:pt x="2093123" y="2183389"/>
-                  </a:lnTo>
-                  <a:lnTo>
-                    <a:pt x="2173628" y="1968047"/>
-                  </a:lnTo>
-                  <a:lnTo>
-                    <a:pt x="2254133" y="1742019"/>
-                  </a:lnTo>
-                  <a:lnTo>
-                    <a:pt x="2334637" y="1505701"/>
-                  </a:lnTo>
-                  <a:lnTo>
-                    <a:pt x="2415142" y="1259606"/>
-                  </a:lnTo>
-                  <a:lnTo>
-                    <a:pt x="2495647" y="1004367"/>
-                  </a:lnTo>
-                  <a:lnTo>
-                    <a:pt x="2576152" y="740730"/>
-                  </a:lnTo>
-                  <a:lnTo>
-                    <a:pt x="2656657" y="469546"/>
-                  </a:lnTo>
-                  <a:lnTo>
-                    <a:pt x="2737161" y="191754"/>
-                  </a:lnTo>
-                  <a:lnTo>
-                    <a:pt x="2791636" y="0"/>
-                  </a:lnTo>
-                </a:path>
-              </a:pathLst>
-            </a:custGeom>
-          </p:spPr>
-          <p:txBody>
-            <a:bodyPr/>
-            <a:lstStyle/>
-            <a:p/>
-          </p:txBody>
-        </p:sp>
-        <p:sp>
-          <p:nvSpPr>
-            <p:cNvPr id="16" name="pl16"/>
-            <p:cNvSpPr/>
-            <p:nvPr/>
-          </p:nvSpPr>
-          <p:spPr>
-            <a:xfrm>
-              <a:off x="2199579" y="6033368"/>
-              <a:ext cx="984429" cy="70729"/>
-            </a:xfrm>
-            <a:custGeom>
-              <a:avLst/>
-              <a:pathLst>
-                <a:path w="984429" h="70729">
-                  <a:moveTo>
-                    <a:pt x="984429" y="70729"/>
-                  </a:moveTo>
-                  <a:lnTo>
-                    <a:pt x="966057" y="65391"/>
-                  </a:lnTo>
-                  <a:lnTo>
-                    <a:pt x="885552" y="45891"/>
-                  </a:lnTo>
-                  <a:lnTo>
-                    <a:pt x="805047" y="30073"/>
-                  </a:lnTo>
-                  <a:lnTo>
-                    <a:pt x="724542" y="17744"/>
-                  </a:lnTo>
-                  <a:lnTo>
-                    <a:pt x="644038" y="8735"/>
-                  </a:lnTo>
-                  <a:lnTo>
-                    <a:pt x="563533" y="2887"/>
-                  </a:lnTo>
-                  <a:lnTo>
-                    <a:pt x="483028" y="40"/>
-                  </a:lnTo>
-                  <a:lnTo>
-                    <a:pt x="402523" y="0"/>
-                  </a:lnTo>
-                  <a:lnTo>
-                    <a:pt x="322019" y="2509"/>
-                  </a:lnTo>
-                  <a:lnTo>
-                    <a:pt x="241514" y="7214"/>
-                  </a:lnTo>
-                  <a:lnTo>
-                    <a:pt x="161009" y="13667"/>
-                  </a:lnTo>
-                  <a:lnTo>
-                    <a:pt x="80504" y="21355"/>
-                  </a:lnTo>
-                  <a:lnTo>
-                    <a:pt x="0" y="29762"/>
-                  </a:lnTo>
-                  <a:lnTo>
-                    <a:pt x="0" y="29762"/>
-                  </a:lnTo>
-                </a:path>
-              </a:pathLst>
-            </a:custGeom>
-          </p:spPr>
-          <p:txBody>
-            <a:bodyPr/>
-            <a:lstStyle/>
-            <a:p/>
-          </p:txBody>
-        </p:sp>
-        <p:sp>
-          <p:nvSpPr>
-            <p:cNvPr id="17" name="pg17"/>
-            <p:cNvSpPr/>
-            <p:nvPr/>
-          </p:nvSpPr>
-          <p:spPr>
-            <a:xfrm>
-              <a:off x="2199579" y="1346412"/>
-              <a:ext cx="4830285" cy="4757685"/>
-            </a:xfrm>
-            <a:custGeom>
-              <a:avLst/>
-              <a:pathLst>
-                <a:path w="4830285" h="4757685">
-                  <a:moveTo>
-                    <a:pt x="0" y="4740943"/>
-                  </a:moveTo>
-                  <a:lnTo>
-                    <a:pt x="80504" y="4739428"/>
-                  </a:lnTo>
-                  <a:lnTo>
-                    <a:pt x="161009" y="4737661"/>
-                  </a:lnTo>
-                  <a:lnTo>
-                    <a:pt x="241514" y="4735578"/>
-                  </a:lnTo>
-                  <a:lnTo>
-                    <a:pt x="322019" y="4733110"/>
-                  </a:lnTo>
-                  <a:lnTo>
-                    <a:pt x="402523" y="4730185"/>
-                  </a:lnTo>
-                  <a:lnTo>
-                    <a:pt x="483028" y="4726728"/>
-                  </a:lnTo>
-                  <a:lnTo>
-                    <a:pt x="563533" y="4722663"/>
-                  </a:lnTo>
-                  <a:lnTo>
-                    <a:pt x="644038" y="4717911"/>
-                  </a:lnTo>
-                  <a:lnTo>
-                    <a:pt x="724542" y="4712384"/>
-                  </a:lnTo>
-                  <a:lnTo>
-                    <a:pt x="805047" y="4705989"/>
-                  </a:lnTo>
-                  <a:lnTo>
-                    <a:pt x="885552" y="4698618"/>
-                  </a:lnTo>
-                  <a:lnTo>
-                    <a:pt x="966057" y="4690154"/>
-                  </a:lnTo>
-                  <a:lnTo>
-                    <a:pt x="1046561" y="4680463"/>
-                  </a:lnTo>
-                  <a:lnTo>
-                    <a:pt x="1127066" y="4669395"/>
-                  </a:lnTo>
-                  <a:lnTo>
-                    <a:pt x="1207571" y="4656783"/>
-                  </a:lnTo>
-                  <a:lnTo>
-                    <a:pt x="1288076" y="4642441"/>
-                  </a:lnTo>
-                  <a:lnTo>
-                    <a:pt x="1368580" y="4626161"/>
-                  </a:lnTo>
-                  <a:lnTo>
-                    <a:pt x="1449085" y="4607715"/>
-                  </a:lnTo>
-                  <a:lnTo>
-                    <a:pt x="1529590" y="4586850"/>
-                  </a:lnTo>
-                  <a:lnTo>
-                    <a:pt x="1610095" y="4563290"/>
-                  </a:lnTo>
-                  <a:lnTo>
-                    <a:pt x="1690599" y="4536730"/>
-                  </a:lnTo>
-                  <a:lnTo>
-                    <a:pt x="1771104" y="4506841"/>
-                  </a:lnTo>
-                  <a:lnTo>
-                    <a:pt x="1851609" y="4473264"/>
-                  </a:lnTo>
-                  <a:lnTo>
-                    <a:pt x="1932114" y="4435613"/>
-                  </a:lnTo>
-                  <a:lnTo>
-                    <a:pt x="2012618" y="4393473"/>
-                  </a:lnTo>
-                  <a:lnTo>
-                    <a:pt x="2093123" y="4346403"/>
-                  </a:lnTo>
-                  <a:lnTo>
-                    <a:pt x="2173628" y="4293933"/>
-                  </a:lnTo>
-                  <a:lnTo>
-                    <a:pt x="2254133" y="4235572"/>
-                  </a:lnTo>
-                  <a:lnTo>
-                    <a:pt x="2334637" y="4170805"/>
-                  </a:lnTo>
-                  <a:lnTo>
-                    <a:pt x="2415142" y="4099100"/>
-                  </a:lnTo>
-                  <a:lnTo>
-                    <a:pt x="2495647" y="4019913"/>
-                  </a:lnTo>
-                  <a:lnTo>
-                    <a:pt x="2576152" y="3932691"/>
-                  </a:lnTo>
-                  <a:lnTo>
-                    <a:pt x="2656657" y="3836884"/>
-                  </a:lnTo>
-                  <a:lnTo>
-                    <a:pt x="2737161" y="3731945"/>
-                  </a:lnTo>
-                  <a:lnTo>
-                    <a:pt x="2817666" y="3617347"/>
-                  </a:lnTo>
-                  <a:lnTo>
-                    <a:pt x="2898171" y="3492584"/>
-                  </a:lnTo>
-                  <a:lnTo>
-                    <a:pt x="2978676" y="3357186"/>
-                  </a:lnTo>
-                  <a:lnTo>
-                    <a:pt x="3059180" y="3210728"/>
-                  </a:lnTo>
-                  <a:lnTo>
-                    <a:pt x="3139685" y="3052837"/>
-                  </a:lnTo>
-                  <a:lnTo>
-                    <a:pt x="3220190" y="2883201"/>
-                  </a:lnTo>
-                  <a:lnTo>
-                    <a:pt x="3300695" y="2701581"/>
-                  </a:lnTo>
-                  <a:lnTo>
-                    <a:pt x="3381199" y="2507811"/>
-                  </a:lnTo>
-                  <a:lnTo>
-                    <a:pt x="3461704" y="2301810"/>
-                  </a:lnTo>
-                  <a:lnTo>
-                    <a:pt x="3542209" y="2083583"/>
-                  </a:lnTo>
-                  <a:lnTo>
-                    <a:pt x="3622714" y="1853218"/>
-                  </a:lnTo>
-                  <a:lnTo>
-                    <a:pt x="3703218" y="1610893"/>
-                  </a:lnTo>
-                  <a:lnTo>
-                    <a:pt x="3783723" y="1356868"/>
-                  </a:lnTo>
-                  <a:lnTo>
-                    <a:pt x="3864228" y="1091484"/>
-                  </a:lnTo>
-                  <a:lnTo>
-                    <a:pt x="3944733" y="815151"/>
-                  </a:lnTo>
-                  <a:lnTo>
-                    <a:pt x="4025237" y="528349"/>
-                  </a:lnTo>
-                  <a:lnTo>
-                    <a:pt x="4105742" y="231610"/>
-                  </a:lnTo>
-                  <a:lnTo>
-                    <a:pt x="4166657" y="0"/>
-                  </a:lnTo>
-                  <a:lnTo>
-                    <a:pt x="4830285" y="0"/>
-                  </a:lnTo>
-                  <a:lnTo>
-                    <a:pt x="4830285" y="4757685"/>
-                  </a:lnTo>
-                  <a:lnTo>
-                    <a:pt x="984472" y="4757685"/>
-                  </a:lnTo>
-                  <a:lnTo>
-                    <a:pt x="966057" y="4757073"/>
-                  </a:lnTo>
-                  <a:lnTo>
-                    <a:pt x="885552" y="4755000"/>
-                  </a:lnTo>
-                  <a:lnTo>
-                    <a:pt x="805047" y="4753448"/>
-                  </a:lnTo>
-                  <a:lnTo>
-                    <a:pt x="724542" y="4752345"/>
-                  </a:lnTo>
-                  <a:lnTo>
-                    <a:pt x="644038" y="4751629"/>
-                  </a:lnTo>
-                  <a:lnTo>
-                    <a:pt x="563533" y="4751245"/>
-                  </a:lnTo>
-                  <a:lnTo>
-                    <a:pt x="483028" y="4751145"/>
-                  </a:lnTo>
-                  <a:lnTo>
-                    <a:pt x="402523" y="4751286"/>
-                  </a:lnTo>
-                  <a:lnTo>
-                    <a:pt x="322019" y="4751622"/>
-                  </a:lnTo>
-                  <a:lnTo>
-                    <a:pt x="241514" y="4752109"/>
-                  </a:lnTo>
-                  <a:lnTo>
-                    <a:pt x="161009" y="4752703"/>
-                  </a:lnTo>
-                  <a:lnTo>
-                    <a:pt x="80504" y="4753359"/>
-                  </a:lnTo>
-                  <a:lnTo>
-                    <a:pt x="0" y="4754037"/>
-                  </a:lnTo>
-                  <a:close/>
-                </a:path>
-              </a:pathLst>
-            </a:custGeom>
-            <a:solidFill>
-              <a:srgbClr val="E900FF">
-                <a:alpha val="100000"/>
-              </a:srgbClr>
-            </a:solidFill>
-          </p:spPr>
-          <p:txBody>
-            <a:bodyPr/>
-            <a:lstStyle/>
-            <a:p/>
-          </p:txBody>
-        </p:sp>
-        <p:sp>
-          <p:nvSpPr>
-            <p:cNvPr id="18" name="pl18"/>
-            <p:cNvSpPr/>
-            <p:nvPr/>
-          </p:nvSpPr>
-          <p:spPr>
-            <a:xfrm>
-              <a:off x="2199579" y="1346412"/>
-              <a:ext cx="4166657" cy="4740943"/>
-            </a:xfrm>
-            <a:custGeom>
-              <a:avLst/>
-              <a:pathLst>
-                <a:path w="4166657" h="4740943">
-                  <a:moveTo>
-                    <a:pt x="0" y="4740943"/>
-                  </a:moveTo>
-                  <a:lnTo>
-                    <a:pt x="0" y="4740943"/>
-                  </a:lnTo>
-                  <a:lnTo>
-                    <a:pt x="80504" y="4739428"/>
-                  </a:lnTo>
-                  <a:lnTo>
-                    <a:pt x="161009" y="4737661"/>
-                  </a:lnTo>
-                  <a:lnTo>
-                    <a:pt x="241514" y="4735578"/>
-                  </a:lnTo>
-                  <a:lnTo>
-                    <a:pt x="322019" y="4733110"/>
-                  </a:lnTo>
-                  <a:lnTo>
-                    <a:pt x="402523" y="4730185"/>
-                  </a:lnTo>
-                  <a:lnTo>
-                    <a:pt x="483028" y="4726728"/>
-                  </a:lnTo>
-                  <a:lnTo>
-                    <a:pt x="563533" y="4722663"/>
-                  </a:lnTo>
-                  <a:lnTo>
-                    <a:pt x="644038" y="4717911"/>
-                  </a:lnTo>
-                  <a:lnTo>
-                    <a:pt x="724542" y="4712384"/>
-                  </a:lnTo>
-                  <a:lnTo>
-                    <a:pt x="805047" y="4705989"/>
-                  </a:lnTo>
-                  <a:lnTo>
-                    <a:pt x="885552" y="4698618"/>
-                  </a:lnTo>
-                  <a:lnTo>
-                    <a:pt x="966057" y="4690154"/>
-                  </a:lnTo>
-                  <a:lnTo>
-                    <a:pt x="1046561" y="4680463"/>
-                  </a:lnTo>
-                  <a:lnTo>
-                    <a:pt x="1127066" y="4669395"/>
-                  </a:lnTo>
-                  <a:lnTo>
-                    <a:pt x="1207571" y="4656783"/>
-                  </a:lnTo>
-                  <a:lnTo>
-                    <a:pt x="1288076" y="4642441"/>
-                  </a:lnTo>
-                  <a:lnTo>
-                    <a:pt x="1368580" y="4626161"/>
-                  </a:lnTo>
-                  <a:lnTo>
-                    <a:pt x="1449085" y="4607715"/>
-                  </a:lnTo>
-                  <a:lnTo>
-                    <a:pt x="1529590" y="4586850"/>
-                  </a:lnTo>
-                  <a:lnTo>
-                    <a:pt x="1610095" y="4563290"/>
-                  </a:lnTo>
-                  <a:lnTo>
-                    <a:pt x="1690599" y="4536730"/>
-                  </a:lnTo>
-                  <a:lnTo>
-                    <a:pt x="1771104" y="4506841"/>
-                  </a:lnTo>
-                  <a:lnTo>
-                    <a:pt x="1851609" y="4473264"/>
-                  </a:lnTo>
-                  <a:lnTo>
-                    <a:pt x="1932114" y="4435613"/>
-                  </a:lnTo>
-                  <a:lnTo>
-                    <a:pt x="2012618" y="4393473"/>
-                  </a:lnTo>
-                  <a:lnTo>
-                    <a:pt x="2093123" y="4346403"/>
-                  </a:lnTo>
-                  <a:lnTo>
-                    <a:pt x="2173628" y="4293933"/>
-                  </a:lnTo>
-                  <a:lnTo>
-                    <a:pt x="2254133" y="4235572"/>
-                  </a:lnTo>
-                  <a:lnTo>
-                    <a:pt x="2334637" y="4170805"/>
-                  </a:lnTo>
-                  <a:lnTo>
-                    <a:pt x="2415142" y="4099100"/>
-                  </a:lnTo>
-                  <a:lnTo>
-                    <a:pt x="2495647" y="4019913"/>
-                  </a:lnTo>
-                  <a:lnTo>
-                    <a:pt x="2576152" y="3932691"/>
-                  </a:lnTo>
-                  <a:lnTo>
-                    <a:pt x="2656657" y="3836884"/>
-                  </a:lnTo>
-                  <a:lnTo>
-                    <a:pt x="2737161" y="3731945"/>
-                  </a:lnTo>
-                  <a:lnTo>
-                    <a:pt x="2817666" y="3617347"/>
-                  </a:lnTo>
-                  <a:lnTo>
-                    <a:pt x="2898171" y="3492584"/>
-                  </a:lnTo>
-                  <a:lnTo>
-                    <a:pt x="2978676" y="3357186"/>
-                  </a:lnTo>
-                  <a:lnTo>
-                    <a:pt x="3059180" y="3210728"/>
-                  </a:lnTo>
-                  <a:lnTo>
-                    <a:pt x="3139685" y="3052837"/>
-                  </a:lnTo>
-                  <a:lnTo>
-                    <a:pt x="3220190" y="2883201"/>
-                  </a:lnTo>
-                  <a:lnTo>
-                    <a:pt x="3300695" y="2701581"/>
-                  </a:lnTo>
-                  <a:lnTo>
-                    <a:pt x="3381199" y="2507811"/>
-                  </a:lnTo>
-                  <a:lnTo>
-                    <a:pt x="3461704" y="2301810"/>
-                  </a:lnTo>
-                  <a:lnTo>
-                    <a:pt x="3542209" y="2083583"/>
-                  </a:lnTo>
-                  <a:lnTo>
-                    <a:pt x="3622714" y="1853218"/>
-                  </a:lnTo>
-                  <a:lnTo>
-                    <a:pt x="3703218" y="1610893"/>
-                  </a:lnTo>
-                  <a:lnTo>
-                    <a:pt x="3783723" y="1356868"/>
-                  </a:lnTo>
-                  <a:lnTo>
-                    <a:pt x="3864228" y="1091484"/>
-                  </a:lnTo>
-                  <a:lnTo>
-                    <a:pt x="3944733" y="815151"/>
-                  </a:lnTo>
-                  <a:lnTo>
-                    <a:pt x="4025237" y="528349"/>
-                  </a:lnTo>
-                  <a:lnTo>
-                    <a:pt x="4105742" y="231610"/>
-                  </a:lnTo>
-                  <a:lnTo>
-                    <a:pt x="4166657" y="0"/>
-                  </a:lnTo>
-                </a:path>
-              </a:pathLst>
-            </a:custGeom>
-          </p:spPr>
-          <p:txBody>
-            <a:bodyPr/>
-            <a:lstStyle/>
-            <a:p/>
-          </p:txBody>
-        </p:sp>
-        <p:sp>
-          <p:nvSpPr>
-            <p:cNvPr id="19" name="pl19"/>
-            <p:cNvSpPr/>
-            <p:nvPr/>
-          </p:nvSpPr>
-          <p:spPr>
-            <a:xfrm>
-              <a:off x="2199579" y="6097558"/>
-              <a:ext cx="984472" cy="6539"/>
-            </a:xfrm>
-            <a:custGeom>
-              <a:avLst/>
-              <a:pathLst>
-                <a:path w="984472" h="6539">
-                  <a:moveTo>
-                    <a:pt x="984472" y="6539"/>
-                  </a:moveTo>
-                  <a:lnTo>
-                    <a:pt x="966057" y="5927"/>
-                  </a:lnTo>
-                  <a:lnTo>
-                    <a:pt x="885552" y="3854"/>
-                  </a:lnTo>
-                  <a:lnTo>
-                    <a:pt x="805047" y="2302"/>
-                  </a:lnTo>
-                  <a:lnTo>
-                    <a:pt x="724542" y="1199"/>
-                  </a:lnTo>
-                  <a:lnTo>
-                    <a:pt x="644038" y="483"/>
-                  </a:lnTo>
-                  <a:lnTo>
-                    <a:pt x="563533" y="99"/>
-                  </a:lnTo>
-                  <a:lnTo>
-                    <a:pt x="483028" y="0"/>
-                  </a:lnTo>
-                  <a:lnTo>
-                    <a:pt x="402523" y="140"/>
-                  </a:lnTo>
-                  <a:lnTo>
-                    <a:pt x="322019" y="476"/>
-                  </a:lnTo>
-                  <a:lnTo>
-                    <a:pt x="241514" y="963"/>
-                  </a:lnTo>
-                  <a:lnTo>
-                    <a:pt x="161009" y="1557"/>
-                  </a:lnTo>
-                  <a:lnTo>
-                    <a:pt x="80504" y="2213"/>
-                  </a:lnTo>
-                  <a:lnTo>
-                    <a:pt x="0" y="2891"/>
-                  </a:lnTo>
-                  <a:lnTo>
-                    <a:pt x="0" y="2891"/>
-                  </a:lnTo>
-                </a:path>
-              </a:pathLst>
-            </a:custGeom>
-          </p:spPr>
-          <p:txBody>
-            <a:bodyPr/>
-            <a:lstStyle/>
-            <a:p/>
-          </p:txBody>
-        </p:sp>
-        <p:sp>
-          <p:nvSpPr>
-            <p:cNvPr id="20" name="pl20"/>
-            <p:cNvSpPr/>
-            <p:nvPr/>
-          </p:nvSpPr>
-          <p:spPr>
-            <a:xfrm>
-              <a:off x="2199579" y="1490426"/>
-              <a:ext cx="4830285" cy="3819634"/>
-            </a:xfrm>
-            <a:custGeom>
-              <a:avLst/>
-              <a:pathLst>
-                <a:path w="4830285" h="3819634">
-                  <a:moveTo>
-                    <a:pt x="0" y="0"/>
-                  </a:moveTo>
-                  <a:lnTo>
-                    <a:pt x="0" y="0"/>
-                  </a:lnTo>
-                  <a:lnTo>
-                    <a:pt x="80504" y="12048"/>
-                  </a:lnTo>
-                  <a:lnTo>
-                    <a:pt x="161009" y="25073"/>
-                  </a:lnTo>
-                  <a:lnTo>
-                    <a:pt x="241514" y="39149"/>
-                  </a:lnTo>
-                  <a:lnTo>
-                    <a:pt x="322019" y="54354"/>
-                  </a:lnTo>
-                  <a:lnTo>
-                    <a:pt x="402523" y="70769"/>
-                  </a:lnTo>
-                  <a:lnTo>
-                    <a:pt x="483028" y="88482"/>
-                  </a:lnTo>
-                  <a:lnTo>
-                    <a:pt x="563533" y="107585"/>
-                  </a:lnTo>
-                  <a:lnTo>
-                    <a:pt x="644038" y="128174"/>
-                  </a:lnTo>
-                  <a:lnTo>
-                    <a:pt x="724542" y="150349"/>
-                  </a:lnTo>
-                  <a:lnTo>
-                    <a:pt x="805047" y="174215"/>
-                  </a:lnTo>
-                  <a:lnTo>
-                    <a:pt x="885552" y="199882"/>
-                  </a:lnTo>
-                  <a:lnTo>
-                    <a:pt x="966057" y="227461"/>
-                  </a:lnTo>
-                  <a:lnTo>
-                    <a:pt x="1046561" y="257068"/>
-                  </a:lnTo>
-                  <a:lnTo>
-                    <a:pt x="1127066" y="288819"/>
-                  </a:lnTo>
-                  <a:lnTo>
-                    <a:pt x="1207571" y="322836"/>
-                  </a:lnTo>
-                  <a:lnTo>
-                    <a:pt x="1288076" y="359236"/>
-                  </a:lnTo>
-                  <a:lnTo>
-                    <a:pt x="1368580" y="398140"/>
-                  </a:lnTo>
-                  <a:lnTo>
-                    <a:pt x="1449085" y="439664"/>
-                  </a:lnTo>
-                  <a:lnTo>
-                    <a:pt x="1529590" y="483923"/>
-                  </a:lnTo>
-                  <a:lnTo>
-                    <a:pt x="1610095" y="531026"/>
-                  </a:lnTo>
-                  <a:lnTo>
-                    <a:pt x="1690599" y="581075"/>
-                  </a:lnTo>
-                  <a:lnTo>
-                    <a:pt x="1771104" y="634162"/>
-                  </a:lnTo>
-                  <a:lnTo>
-                    <a:pt x="1851609" y="690370"/>
-                  </a:lnTo>
-                  <a:lnTo>
-                    <a:pt x="1932114" y="749767"/>
-                  </a:lnTo>
-                  <a:lnTo>
-                    <a:pt x="2012618" y="812406"/>
-                  </a:lnTo>
-                  <a:lnTo>
-                    <a:pt x="2093123" y="878320"/>
-                  </a:lnTo>
-                  <a:lnTo>
-                    <a:pt x="2173628" y="947522"/>
-                  </a:lnTo>
-                  <a:lnTo>
-                    <a:pt x="2254133" y="1020002"/>
-                  </a:lnTo>
-                  <a:lnTo>
-                    <a:pt x="2334637" y="1095724"/>
-                  </a:lnTo>
-                  <a:lnTo>
-                    <a:pt x="2415142" y="1174625"/>
-                  </a:lnTo>
-                  <a:lnTo>
-                    <a:pt x="2495647" y="1256610"/>
-                  </a:lnTo>
-                  <a:lnTo>
-                    <a:pt x="2576152" y="1341558"/>
-                  </a:lnTo>
-                  <a:lnTo>
-                    <a:pt x="2656657" y="1429313"/>
-                  </a:lnTo>
-                  <a:lnTo>
-                    <a:pt x="2737161" y="1519688"/>
-                  </a:lnTo>
-                  <a:lnTo>
-                    <a:pt x="2817666" y="1612467"/>
-                  </a:lnTo>
-                  <a:lnTo>
-                    <a:pt x="2898171" y="1707403"/>
-                  </a:lnTo>
-                  <a:lnTo>
-                    <a:pt x="2978676" y="1804220"/>
-                  </a:lnTo>
-                  <a:lnTo>
-                    <a:pt x="3059180" y="1902619"/>
-                  </a:lnTo>
-                  <a:lnTo>
-                    <a:pt x="3139685" y="2002277"/>
-                  </a:lnTo>
-                  <a:lnTo>
-                    <a:pt x="3220190" y="2102853"/>
-                  </a:lnTo>
-                  <a:lnTo>
-                    <a:pt x="3300695" y="2203995"/>
-                  </a:lnTo>
-                  <a:lnTo>
-                    <a:pt x="3381199" y="2305339"/>
-                  </a:lnTo>
-                  <a:lnTo>
-                    <a:pt x="3461704" y="2406520"/>
-                  </a:lnTo>
-                  <a:lnTo>
-                    <a:pt x="3542209" y="2507172"/>
-                  </a:lnTo>
-                  <a:lnTo>
-                    <a:pt x="3622714" y="2606939"/>
-                  </a:lnTo>
-                  <a:lnTo>
-                    <a:pt x="3703218" y="2705475"/>
-                  </a:lnTo>
-                  <a:lnTo>
-                    <a:pt x="3783723" y="2802451"/>
-                  </a:lnTo>
-                  <a:lnTo>
-                    <a:pt x="3864228" y="2897558"/>
-                  </a:lnTo>
-                  <a:lnTo>
-                    <a:pt x="3944733" y="2990514"/>
-                  </a:lnTo>
-                  <a:lnTo>
-                    <a:pt x="4025237" y="3081061"/>
-                  </a:lnTo>
-                  <a:lnTo>
-                    <a:pt x="4105742" y="3168974"/>
-                  </a:lnTo>
-                  <a:lnTo>
-                    <a:pt x="4186247" y="3254056"/>
-                  </a:lnTo>
-                  <a:lnTo>
-                    <a:pt x="4266752" y="3336143"/>
-                  </a:lnTo>
-                  <a:lnTo>
-                    <a:pt x="4347256" y="3415105"/>
-                  </a:lnTo>
-                  <a:lnTo>
-                    <a:pt x="4427761" y="3490840"/>
-                  </a:lnTo>
-                  <a:lnTo>
-                    <a:pt x="4508266" y="3563279"/>
-                  </a:lnTo>
-                  <a:lnTo>
-                    <a:pt x="4588771" y="3632380"/>
-                  </a:lnTo>
-                  <a:lnTo>
-                    <a:pt x="4669275" y="3698129"/>
-                  </a:lnTo>
-                  <a:lnTo>
-                    <a:pt x="4749780" y="3760536"/>
-                  </a:lnTo>
-                  <a:lnTo>
-                    <a:pt x="4830285" y="3819634"/>
-                  </a:lnTo>
-                  <a:lnTo>
-                    <a:pt x="4830285" y="3819634"/>
+                    <a:pt x="0" y="3958218"/>
+                  </a:lnTo>
+                  <a:lnTo>
+                    <a:pt x="84157" y="3944994"/>
+                  </a:lnTo>
+                  <a:lnTo>
+                    <a:pt x="168315" y="3930654"/>
+                  </a:lnTo>
+                  <a:lnTo>
+                    <a:pt x="252472" y="3915115"/>
+                  </a:lnTo>
+                  <a:lnTo>
+                    <a:pt x="336630" y="3898285"/>
+                  </a:lnTo>
+                  <a:lnTo>
+                    <a:pt x="420788" y="3880072"/>
+                  </a:lnTo>
+                  <a:lnTo>
+                    <a:pt x="504945" y="3860378"/>
+                  </a:lnTo>
+                  <a:lnTo>
+                    <a:pt x="589103" y="3839099"/>
+                  </a:lnTo>
+                  <a:lnTo>
+                    <a:pt x="673260" y="3816128"/>
+                  </a:lnTo>
+                  <a:lnTo>
+                    <a:pt x="757418" y="3791357"/>
+                  </a:lnTo>
+                  <a:lnTo>
+                    <a:pt x="841576" y="3764671"/>
+                  </a:lnTo>
+                  <a:lnTo>
+                    <a:pt x="925733" y="3735955"/>
+                  </a:lnTo>
+                  <a:lnTo>
+                    <a:pt x="1009891" y="3705092"/>
+                  </a:lnTo>
+                  <a:lnTo>
+                    <a:pt x="1094048" y="3671964"/>
+                  </a:lnTo>
+                  <a:lnTo>
+                    <a:pt x="1178206" y="3636454"/>
+                  </a:lnTo>
+                  <a:lnTo>
+                    <a:pt x="1262364" y="3598448"/>
+                  </a:lnTo>
+                  <a:lnTo>
+                    <a:pt x="1346521" y="3557833"/>
+                  </a:lnTo>
+                  <a:lnTo>
+                    <a:pt x="1430679" y="3514504"/>
+                  </a:lnTo>
+                  <a:lnTo>
+                    <a:pt x="1514837" y="3468360"/>
+                  </a:lnTo>
+                  <a:lnTo>
+                    <a:pt x="1598994" y="3419311"/>
+                  </a:lnTo>
+                  <a:lnTo>
+                    <a:pt x="1683152" y="3367277"/>
+                  </a:lnTo>
+                  <a:lnTo>
+                    <a:pt x="1767309" y="3312190"/>
+                  </a:lnTo>
+                  <a:lnTo>
+                    <a:pt x="1851467" y="3253998"/>
+                  </a:lnTo>
+                  <a:lnTo>
+                    <a:pt x="1935625" y="3192667"/>
+                  </a:lnTo>
+                  <a:lnTo>
+                    <a:pt x="2019782" y="3128179"/>
+                  </a:lnTo>
+                  <a:lnTo>
+                    <a:pt x="2103940" y="3060538"/>
+                  </a:lnTo>
+                  <a:lnTo>
+                    <a:pt x="2188097" y="2989771"/>
+                  </a:lnTo>
+                  <a:lnTo>
+                    <a:pt x="2272255" y="2915924"/>
+                  </a:lnTo>
+                  <a:lnTo>
+                    <a:pt x="2356413" y="2839072"/>
+                  </a:lnTo>
+                  <a:lnTo>
+                    <a:pt x="2440570" y="2759309"/>
+                  </a:lnTo>
+                  <a:lnTo>
+                    <a:pt x="2524728" y="2676755"/>
+                  </a:lnTo>
+                  <a:lnTo>
+                    <a:pt x="2608886" y="2591551"/>
+                  </a:lnTo>
+                  <a:lnTo>
+                    <a:pt x="2693043" y="2503863"/>
+                  </a:lnTo>
+                  <a:lnTo>
+                    <a:pt x="2777201" y="2413873"/>
+                  </a:lnTo>
+                  <a:lnTo>
+                    <a:pt x="2861358" y="2321784"/>
+                  </a:lnTo>
+                  <a:lnTo>
+                    <a:pt x="2945516" y="2227815"/>
+                  </a:lnTo>
+                  <a:lnTo>
+                    <a:pt x="3029674" y="2132197"/>
+                  </a:lnTo>
+                  <a:lnTo>
+                    <a:pt x="3113831" y="2035176"/>
+                  </a:lnTo>
+                  <a:lnTo>
+                    <a:pt x="3197989" y="1937005"/>
+                  </a:lnTo>
+                  <a:lnTo>
+                    <a:pt x="3282146" y="1837946"/>
+                  </a:lnTo>
+                  <a:lnTo>
+                    <a:pt x="3366304" y="1738266"/>
+                  </a:lnTo>
+                  <a:lnTo>
+                    <a:pt x="3450462" y="1638235"/>
+                  </a:lnTo>
+                  <a:lnTo>
+                    <a:pt x="3534619" y="1538126"/>
+                  </a:lnTo>
+                  <a:lnTo>
+                    <a:pt x="3618777" y="1438213"/>
+                  </a:lnTo>
+                  <a:lnTo>
+                    <a:pt x="3702934" y="1338767"/>
+                  </a:lnTo>
+                  <a:lnTo>
+                    <a:pt x="3787092" y="1240058"/>
+                  </a:lnTo>
+                  <a:lnTo>
+                    <a:pt x="3871250" y="1142350"/>
+                  </a:lnTo>
+                  <a:lnTo>
+                    <a:pt x="3955407" y="1045903"/>
+                  </a:lnTo>
+                  <a:lnTo>
+                    <a:pt x="4039565" y="950966"/>
+                  </a:lnTo>
+                  <a:lnTo>
+                    <a:pt x="4123723" y="857779"/>
+                  </a:lnTo>
+                  <a:lnTo>
+                    <a:pt x="4207880" y="766568"/>
+                  </a:lnTo>
+                  <a:lnTo>
+                    <a:pt x="4292038" y="677546"/>
+                  </a:lnTo>
+                  <a:lnTo>
+                    <a:pt x="4376195" y="590906"/>
+                  </a:lnTo>
+                  <a:lnTo>
+                    <a:pt x="4460353" y="506825"/>
+                  </a:lnTo>
+                  <a:lnTo>
+                    <a:pt x="4544511" y="425456"/>
+                  </a:lnTo>
+                  <a:lnTo>
+                    <a:pt x="4628668" y="346934"/>
+                  </a:lnTo>
+                  <a:lnTo>
+                    <a:pt x="4712826" y="271365"/>
+                  </a:lnTo>
+                  <a:lnTo>
+                    <a:pt x="4796983" y="198838"/>
+                  </a:lnTo>
+                  <a:lnTo>
+                    <a:pt x="4881141" y="129412"/>
+                  </a:lnTo>
+                  <a:lnTo>
+                    <a:pt x="4965299" y="63127"/>
+                  </a:lnTo>
+                  <a:lnTo>
+                    <a:pt x="5049456" y="0"/>
+                  </a:lnTo>
+                  <a:lnTo>
+                    <a:pt x="5049456" y="0"/>
                   </a:lnTo>
                 </a:path>
               </a:pathLst>
             </a:custGeom>
             <a:ln w="13550" cap="flat">
               <a:solidFill>
-                <a:srgbClr val="E900FF">
+                <a:srgbClr val="4682B4">
                   <a:alpha val="100000"/>
                 </a:srgbClr>
               </a:solidFill>
@@ -5035,214 +4440,26 @@
         </p:sp>
         <p:sp>
           <p:nvSpPr>
-            <p:cNvPr id="21" name="pl21"/>
-            <p:cNvSpPr/>
-            <p:nvPr/>
-          </p:nvSpPr>
-          <p:spPr>
-            <a:xfrm>
-              <a:off x="2199579" y="3082381"/>
-              <a:ext cx="4830285" cy="2887896"/>
-            </a:xfrm>
-            <a:custGeom>
-              <a:avLst/>
-              <a:pathLst>
-                <a:path w="4830285" h="2887896">
-                  <a:moveTo>
-                    <a:pt x="0" y="2887896"/>
-                  </a:moveTo>
-                  <a:lnTo>
-                    <a:pt x="0" y="2887896"/>
-                  </a:lnTo>
-                  <a:lnTo>
-                    <a:pt x="80504" y="2876944"/>
-                  </a:lnTo>
-                  <a:lnTo>
-                    <a:pt x="161009" y="2865130"/>
-                  </a:lnTo>
-                  <a:lnTo>
-                    <a:pt x="241514" y="2852393"/>
-                  </a:lnTo>
-                  <a:lnTo>
-                    <a:pt x="322019" y="2838666"/>
-                  </a:lnTo>
-                  <a:lnTo>
-                    <a:pt x="402523" y="2823881"/>
-                  </a:lnTo>
-                  <a:lnTo>
-                    <a:pt x="483028" y="2807967"/>
-                  </a:lnTo>
-                  <a:lnTo>
-                    <a:pt x="563533" y="2790846"/>
-                  </a:lnTo>
-                  <a:lnTo>
-                    <a:pt x="644038" y="2772442"/>
-                  </a:lnTo>
-                  <a:lnTo>
-                    <a:pt x="724542" y="2752672"/>
-                  </a:lnTo>
-                  <a:lnTo>
-                    <a:pt x="805047" y="2731452"/>
-                  </a:lnTo>
-                  <a:lnTo>
-                    <a:pt x="885552" y="2708694"/>
-                  </a:lnTo>
-                  <a:lnTo>
-                    <a:pt x="966057" y="2684311"/>
-                  </a:lnTo>
-                  <a:lnTo>
-                    <a:pt x="1046561" y="2658212"/>
-                  </a:lnTo>
-                  <a:lnTo>
-                    <a:pt x="1127066" y="2630307"/>
-                  </a:lnTo>
-                  <a:lnTo>
-                    <a:pt x="1207571" y="2600504"/>
-                  </a:lnTo>
-                  <a:lnTo>
-                    <a:pt x="1288076" y="2568714"/>
-                  </a:lnTo>
-                  <a:lnTo>
-                    <a:pt x="1368580" y="2534850"/>
-                  </a:lnTo>
-                  <a:lnTo>
-                    <a:pt x="1449085" y="2498827"/>
-                  </a:lnTo>
-                  <a:lnTo>
-                    <a:pt x="1529590" y="2460567"/>
-                  </a:lnTo>
-                  <a:lnTo>
-                    <a:pt x="1610095" y="2419994"/>
-                  </a:lnTo>
-                  <a:lnTo>
-                    <a:pt x="1690599" y="2377046"/>
-                  </a:lnTo>
-                  <a:lnTo>
-                    <a:pt x="1771104" y="2331665"/>
-                  </a:lnTo>
-                  <a:lnTo>
-                    <a:pt x="1851609" y="2283808"/>
-                  </a:lnTo>
-                  <a:lnTo>
-                    <a:pt x="1932114" y="2233444"/>
-                  </a:lnTo>
-                  <a:lnTo>
-                    <a:pt x="2012618" y="2180559"/>
-                  </a:lnTo>
-                  <a:lnTo>
-                    <a:pt x="2093123" y="2125156"/>
-                  </a:lnTo>
-                  <a:lnTo>
-                    <a:pt x="2173628" y="2067258"/>
-                  </a:lnTo>
-                  <a:lnTo>
-                    <a:pt x="2254133" y="2006908"/>
-                  </a:lnTo>
-                  <a:lnTo>
-                    <a:pt x="2334637" y="1944175"/>
-                  </a:lnTo>
-                  <a:lnTo>
-                    <a:pt x="2415142" y="1879149"/>
-                  </a:lnTo>
-                  <a:lnTo>
-                    <a:pt x="2495647" y="1811949"/>
-                  </a:lnTo>
-                  <a:lnTo>
-                    <a:pt x="2576152" y="1742718"/>
-                  </a:lnTo>
-                  <a:lnTo>
-                    <a:pt x="2656657" y="1671626"/>
-                  </a:lnTo>
-                  <a:lnTo>
-                    <a:pt x="2737161" y="1598871"/>
-                  </a:lnTo>
-                  <a:lnTo>
-                    <a:pt x="2817666" y="1524674"/>
-                  </a:lnTo>
-                  <a:lnTo>
-                    <a:pt x="2898171" y="1449279"/>
-                  </a:lnTo>
-                  <a:lnTo>
-                    <a:pt x="2978676" y="1372954"/>
-                  </a:lnTo>
-                  <a:lnTo>
-                    <a:pt x="3059180" y="1295984"/>
-                  </a:lnTo>
-                  <a:lnTo>
-                    <a:pt x="3139685" y="1218669"/>
-                  </a:lnTo>
-                  <a:lnTo>
-                    <a:pt x="3220190" y="1141323"/>
-                  </a:lnTo>
-                  <a:lnTo>
-                    <a:pt x="3300695" y="1064264"/>
-                  </a:lnTo>
-                  <a:lnTo>
-                    <a:pt x="3381199" y="987815"/>
-                  </a:lnTo>
-                  <a:lnTo>
-                    <a:pt x="3461704" y="912298"/>
-                  </a:lnTo>
-                  <a:lnTo>
-                    <a:pt x="3542209" y="838028"/>
-                  </a:lnTo>
-                  <a:lnTo>
-                    <a:pt x="3622714" y="765307"/>
-                  </a:lnTo>
-                  <a:lnTo>
-                    <a:pt x="3703218" y="694426"/>
-                  </a:lnTo>
-                  <a:lnTo>
-                    <a:pt x="3783723" y="625656"/>
-                  </a:lnTo>
-                  <a:lnTo>
-                    <a:pt x="3864228" y="559245"/>
-                  </a:lnTo>
-                  <a:lnTo>
-                    <a:pt x="3944733" y="495416"/>
-                  </a:lnTo>
-                  <a:lnTo>
-                    <a:pt x="4025237" y="434368"/>
-                  </a:lnTo>
-                  <a:lnTo>
-                    <a:pt x="4105742" y="376269"/>
-                  </a:lnTo>
-                  <a:lnTo>
-                    <a:pt x="4186247" y="321259"/>
-                  </a:lnTo>
-                  <a:lnTo>
-                    <a:pt x="4266752" y="269449"/>
-                  </a:lnTo>
-                  <a:lnTo>
-                    <a:pt x="4347256" y="220922"/>
-                  </a:lnTo>
-                  <a:lnTo>
-                    <a:pt x="4427761" y="175732"/>
-                  </a:lnTo>
-                  <a:lnTo>
-                    <a:pt x="4508266" y="133906"/>
-                  </a:lnTo>
-                  <a:lnTo>
-                    <a:pt x="4588771" y="95449"/>
-                  </a:lnTo>
-                  <a:lnTo>
-                    <a:pt x="4669275" y="60342"/>
-                  </a:lnTo>
-                  <a:lnTo>
-                    <a:pt x="4749780" y="28544"/>
-                  </a:lnTo>
-                  <a:lnTo>
-                    <a:pt x="4830285" y="0"/>
-                  </a:lnTo>
-                  <a:lnTo>
-                    <a:pt x="4830285" y="0"/>
-                  </a:lnTo>
-                </a:path>
-              </a:pathLst>
-            </a:custGeom>
-            <a:ln w="13550" cap="flat">
+            <p:cNvPr id="14" name="pt14"/>
+            <p:cNvSpPr/>
+            <p:nvPr/>
+          </p:nvSpPr>
+          <p:spPr>
+            <a:xfrm>
+              <a:off x="2151561" y="6048686"/>
+              <a:ext cx="96035" cy="96035"/>
+            </a:xfrm>
+            <a:prstGeom prst="ellipse">
+              <a:avLst/>
+            </a:prstGeom>
+            <a:solidFill>
+              <a:srgbClr val="4682B4">
+                <a:alpha val="100000"/>
+              </a:srgbClr>
+            </a:solidFill>
+            <a:ln w="9000" cap="rnd">
               <a:solidFill>
-                <a:srgbClr val="D29B00">
+                <a:srgbClr val="4682B4">
                   <a:alpha val="100000"/>
                 </a:srgbClr>
               </a:solidFill>
@@ -5258,214 +4475,26 @@
         </p:sp>
         <p:sp>
           <p:nvSpPr>
-            <p:cNvPr id="22" name="pl22"/>
-            <p:cNvSpPr/>
-            <p:nvPr/>
-          </p:nvSpPr>
-          <p:spPr>
-            <a:xfrm>
-              <a:off x="2199579" y="5162164"/>
-              <a:ext cx="4830285" cy="931737"/>
-            </a:xfrm>
-            <a:custGeom>
-              <a:avLst/>
-              <a:pathLst>
-                <a:path w="4830285" h="931737">
-                  <a:moveTo>
-                    <a:pt x="0" y="931737"/>
-                  </a:moveTo>
-                  <a:lnTo>
-                    <a:pt x="0" y="931737"/>
-                  </a:lnTo>
-                  <a:lnTo>
-                    <a:pt x="80504" y="930641"/>
-                  </a:lnTo>
-                  <a:lnTo>
-                    <a:pt x="161009" y="929429"/>
-                  </a:lnTo>
-                  <a:lnTo>
-                    <a:pt x="241514" y="928091"/>
-                  </a:lnTo>
-                  <a:lnTo>
-                    <a:pt x="322019" y="926614"/>
-                  </a:lnTo>
-                  <a:lnTo>
-                    <a:pt x="402523" y="924983"/>
-                  </a:lnTo>
-                  <a:lnTo>
-                    <a:pt x="483028" y="923184"/>
-                  </a:lnTo>
-                  <a:lnTo>
-                    <a:pt x="563533" y="921202"/>
-                  </a:lnTo>
-                  <a:lnTo>
-                    <a:pt x="644038" y="919017"/>
-                  </a:lnTo>
-                  <a:lnTo>
-                    <a:pt x="724542" y="916612"/>
-                  </a:lnTo>
-                  <a:lnTo>
-                    <a:pt x="805047" y="913966"/>
-                  </a:lnTo>
-                  <a:lnTo>
-                    <a:pt x="885552" y="911057"/>
-                  </a:lnTo>
-                  <a:lnTo>
-                    <a:pt x="966057" y="907861"/>
-                  </a:lnTo>
-                  <a:lnTo>
-                    <a:pt x="1046561" y="904353"/>
-                  </a:lnTo>
-                  <a:lnTo>
-                    <a:pt x="1127066" y="900507"/>
-                  </a:lnTo>
-                  <a:lnTo>
-                    <a:pt x="1207571" y="896293"/>
-                  </a:lnTo>
-                  <a:lnTo>
-                    <a:pt x="1288076" y="891683"/>
-                  </a:lnTo>
-                  <a:lnTo>
-                    <a:pt x="1368580" y="886643"/>
-                  </a:lnTo>
-                  <a:lnTo>
-                    <a:pt x="1449085" y="881141"/>
-                  </a:lnTo>
-                  <a:lnTo>
-                    <a:pt x="1529590" y="875143"/>
-                  </a:lnTo>
-                  <a:lnTo>
-                    <a:pt x="1610095" y="868612"/>
-                  </a:lnTo>
-                  <a:lnTo>
-                    <a:pt x="1690599" y="861513"/>
-                  </a:lnTo>
-                  <a:lnTo>
-                    <a:pt x="1771104" y="853806"/>
-                  </a:lnTo>
-                  <a:lnTo>
-                    <a:pt x="1851609" y="845455"/>
-                  </a:lnTo>
-                  <a:lnTo>
-                    <a:pt x="1932114" y="836422"/>
-                  </a:lnTo>
-                  <a:lnTo>
-                    <a:pt x="2012618" y="826668"/>
-                  </a:lnTo>
-                  <a:lnTo>
-                    <a:pt x="2093123" y="816157"/>
-                  </a:lnTo>
-                  <a:lnTo>
-                    <a:pt x="2173628" y="804853"/>
-                  </a:lnTo>
-                  <a:lnTo>
-                    <a:pt x="2254133" y="792722"/>
-                  </a:lnTo>
-                  <a:lnTo>
-                    <a:pt x="2334637" y="779734"/>
-                  </a:lnTo>
-                  <a:lnTo>
-                    <a:pt x="2415142" y="765859"/>
-                  </a:lnTo>
-                  <a:lnTo>
-                    <a:pt x="2495647" y="751074"/>
-                  </a:lnTo>
-                  <a:lnTo>
-                    <a:pt x="2576152" y="735357"/>
-                  </a:lnTo>
-                  <a:lnTo>
-                    <a:pt x="2656657" y="718694"/>
-                  </a:lnTo>
-                  <a:lnTo>
-                    <a:pt x="2737161" y="701073"/>
-                  </a:lnTo>
-                  <a:lnTo>
-                    <a:pt x="2817666" y="682492"/>
-                  </a:lnTo>
-                  <a:lnTo>
-                    <a:pt x="2898171" y="662951"/>
-                  </a:lnTo>
-                  <a:lnTo>
-                    <a:pt x="2978676" y="642459"/>
-                  </a:lnTo>
-                  <a:lnTo>
-                    <a:pt x="3059180" y="621030"/>
-                  </a:lnTo>
-                  <a:lnTo>
-                    <a:pt x="3139685" y="598687"/>
-                  </a:lnTo>
-                  <a:lnTo>
-                    <a:pt x="3220190" y="575457"/>
-                  </a:lnTo>
-                  <a:lnTo>
-                    <a:pt x="3300695" y="551374"/>
-                  </a:lnTo>
-                  <a:lnTo>
-                    <a:pt x="3381199" y="526478"/>
-                  </a:lnTo>
-                  <a:lnTo>
-                    <a:pt x="3461704" y="500815"/>
-                  </a:lnTo>
-                  <a:lnTo>
-                    <a:pt x="3542209" y="474433"/>
-                  </a:lnTo>
-                  <a:lnTo>
-                    <a:pt x="3622714" y="447387"/>
-                  </a:lnTo>
-                  <a:lnTo>
-                    <a:pt x="3703218" y="419732"/>
-                  </a:lnTo>
-                  <a:lnTo>
-                    <a:pt x="3783723" y="391526"/>
-                  </a:lnTo>
-                  <a:lnTo>
-                    <a:pt x="3864228" y="362830"/>
-                  </a:lnTo>
-                  <a:lnTo>
-                    <a:pt x="3944733" y="333703"/>
-                  </a:lnTo>
-                  <a:lnTo>
-                    <a:pt x="4025237" y="304204"/>
-                  </a:lnTo>
-                  <a:lnTo>
-                    <a:pt x="4105742" y="274390"/>
-                  </a:lnTo>
-                  <a:lnTo>
-                    <a:pt x="4186247" y="244318"/>
-                  </a:lnTo>
-                  <a:lnTo>
-                    <a:pt x="4266752" y="214040"/>
-                  </a:lnTo>
-                  <a:lnTo>
-                    <a:pt x="4347256" y="183606"/>
-                  </a:lnTo>
-                  <a:lnTo>
-                    <a:pt x="4427761" y="153061"/>
-                  </a:lnTo>
-                  <a:lnTo>
-                    <a:pt x="4508266" y="122448"/>
-                  </a:lnTo>
-                  <a:lnTo>
-                    <a:pt x="4588771" y="91804"/>
-                  </a:lnTo>
-                  <a:lnTo>
-                    <a:pt x="4669275" y="61162"/>
-                  </a:lnTo>
-                  <a:lnTo>
-                    <a:pt x="4749780" y="30553"/>
-                  </a:lnTo>
-                  <a:lnTo>
-                    <a:pt x="4830285" y="0"/>
-                  </a:lnTo>
-                  <a:lnTo>
-                    <a:pt x="4830285" y="0"/>
-                  </a:lnTo>
-                </a:path>
-              </a:pathLst>
-            </a:custGeom>
-            <a:ln w="13550" cap="flat">
+            <p:cNvPr id="15" name="pt15"/>
+            <p:cNvSpPr/>
+            <p:nvPr/>
+          </p:nvSpPr>
+          <p:spPr>
+            <a:xfrm>
+              <a:off x="2247188" y="5869967"/>
+              <a:ext cx="73097" cy="73097"/>
+            </a:xfrm>
+            <a:prstGeom prst="ellipse">
+              <a:avLst/>
+            </a:prstGeom>
+            <a:solidFill>
+              <a:srgbClr val="4682B4">
+                <a:alpha val="100000"/>
+              </a:srgbClr>
+            </a:solidFill>
+            <a:ln w="9000" cap="rnd">
               <a:solidFill>
-                <a:srgbClr val="00DAFF">
+                <a:srgbClr val="4682B4">
                   <a:alpha val="100000"/>
                 </a:srgbClr>
               </a:solidFill>
@@ -5481,26 +4510,26 @@
         </p:sp>
         <p:sp>
           <p:nvSpPr>
-            <p:cNvPr id="23" name="pt23"/>
-            <p:cNvSpPr/>
-            <p:nvPr/>
-          </p:nvSpPr>
-          <p:spPr>
-            <a:xfrm>
-              <a:off x="2163205" y="6067723"/>
-              <a:ext cx="72747" cy="72747"/>
+            <p:cNvPr id="16" name="pt16"/>
+            <p:cNvSpPr/>
+            <p:nvPr/>
+          </p:nvSpPr>
+          <p:spPr>
+            <a:xfrm>
+              <a:off x="2324553" y="5821086"/>
+              <a:ext cx="86681" cy="86681"/>
             </a:xfrm>
             <a:prstGeom prst="ellipse">
               <a:avLst/>
             </a:prstGeom>
             <a:solidFill>
-              <a:srgbClr val="FF0083">
+              <a:srgbClr val="4682B4">
                 <a:alpha val="100000"/>
               </a:srgbClr>
             </a:solidFill>
             <a:ln w="9000" cap="rnd">
               <a:solidFill>
-                <a:srgbClr val="FF0083">
+                <a:srgbClr val="4682B4">
                   <a:alpha val="100000"/>
                 </a:srgbClr>
               </a:solidFill>
@@ -5516,26 +4545,26 @@
         </p:sp>
         <p:sp>
           <p:nvSpPr>
-            <p:cNvPr id="24" name="pt24"/>
-            <p:cNvSpPr/>
-            <p:nvPr/>
-          </p:nvSpPr>
-          <p:spPr>
-            <a:xfrm>
-              <a:off x="2725283" y="5726433"/>
-              <a:ext cx="75658" cy="75658"/>
+            <p:cNvPr id="17" name="pt17"/>
+            <p:cNvSpPr/>
+            <p:nvPr/>
+          </p:nvSpPr>
+          <p:spPr>
+            <a:xfrm>
+              <a:off x="2407710" y="5850744"/>
+              <a:ext cx="88683" cy="88683"/>
             </a:xfrm>
             <a:prstGeom prst="ellipse">
               <a:avLst/>
             </a:prstGeom>
             <a:solidFill>
-              <a:srgbClr val="FF0083">
+              <a:srgbClr val="4682B4">
                 <a:alpha val="100000"/>
               </a:srgbClr>
             </a:solidFill>
             <a:ln w="9000" cap="rnd">
               <a:solidFill>
-                <a:srgbClr val="FF0083">
+                <a:srgbClr val="4682B4">
                   <a:alpha val="100000"/>
                 </a:srgbClr>
               </a:solidFill>
@@ -5551,26 +4580,26 @@
         </p:sp>
         <p:sp>
           <p:nvSpPr>
-            <p:cNvPr id="25" name="pt25"/>
-            <p:cNvSpPr/>
-            <p:nvPr/>
-          </p:nvSpPr>
-          <p:spPr>
-            <a:xfrm>
-              <a:off x="3288669" y="5685506"/>
-              <a:ext cx="75952" cy="75952"/>
+            <p:cNvPr id="18" name="pt18"/>
+            <p:cNvSpPr/>
+            <p:nvPr/>
+          </p:nvSpPr>
+          <p:spPr>
+            <a:xfrm>
+              <a:off x="2487462" y="5824916"/>
+              <a:ext cx="97495" cy="97495"/>
             </a:xfrm>
             <a:prstGeom prst="ellipse">
               <a:avLst/>
             </a:prstGeom>
             <a:solidFill>
-              <a:srgbClr val="FF0083">
+              <a:srgbClr val="4682B4">
                 <a:alpha val="100000"/>
               </a:srgbClr>
             </a:solidFill>
             <a:ln w="9000" cap="rnd">
               <a:solidFill>
-                <a:srgbClr val="FF0083">
+                <a:srgbClr val="4682B4">
                   <a:alpha val="100000"/>
                 </a:srgbClr>
               </a:solidFill>
@@ -5586,26 +4615,26 @@
         </p:sp>
         <p:sp>
           <p:nvSpPr>
-            <p:cNvPr id="26" name="pt26"/>
-            <p:cNvSpPr/>
-            <p:nvPr/>
-          </p:nvSpPr>
-          <p:spPr>
-            <a:xfrm>
-              <a:off x="3840745" y="5420305"/>
-              <a:ext cx="98868" cy="98868"/>
+            <p:cNvPr id="19" name="pt19"/>
+            <p:cNvSpPr/>
+            <p:nvPr/>
+          </p:nvSpPr>
+          <p:spPr>
+            <a:xfrm>
+              <a:off x="2567920" y="5894708"/>
+              <a:ext cx="104893" cy="104893"/>
             </a:xfrm>
             <a:prstGeom prst="ellipse">
               <a:avLst/>
             </a:prstGeom>
             <a:solidFill>
-              <a:srgbClr val="FF0083">
+              <a:srgbClr val="4682B4">
                 <a:alpha val="100000"/>
               </a:srgbClr>
             </a:solidFill>
             <a:ln w="9000" cap="rnd">
               <a:solidFill>
-                <a:srgbClr val="FF0083">
+                <a:srgbClr val="4682B4">
                   <a:alpha val="100000"/>
                 </a:srgbClr>
               </a:solidFill>
@@ -5621,26 +4650,26 @@
         </p:sp>
         <p:sp>
           <p:nvSpPr>
-            <p:cNvPr id="27" name="pt27"/>
-            <p:cNvSpPr/>
-            <p:nvPr/>
-          </p:nvSpPr>
-          <p:spPr>
-            <a:xfrm>
-              <a:off x="4405905" y="5101945"/>
-              <a:ext cx="95615" cy="95615"/>
+            <p:cNvPr id="20" name="pt20"/>
+            <p:cNvSpPr/>
+            <p:nvPr/>
+          </p:nvSpPr>
+          <p:spPr>
+            <a:xfrm>
+              <a:off x="2659238" y="5703529"/>
+              <a:ext cx="90573" cy="90573"/>
             </a:xfrm>
             <a:prstGeom prst="ellipse">
               <a:avLst/>
             </a:prstGeom>
             <a:solidFill>
-              <a:srgbClr val="FF0083">
+              <a:srgbClr val="4682B4">
                 <a:alpha val="100000"/>
               </a:srgbClr>
             </a:solidFill>
             <a:ln w="9000" cap="rnd">
               <a:solidFill>
-                <a:srgbClr val="FF0083">
+                <a:srgbClr val="4682B4">
                   <a:alpha val="100000"/>
                 </a:srgbClr>
               </a:solidFill>
@@ -5656,26 +4685,26 @@
         </p:sp>
         <p:sp>
           <p:nvSpPr>
-            <p:cNvPr id="28" name="pt28"/>
-            <p:cNvSpPr/>
-            <p:nvPr/>
-          </p:nvSpPr>
-          <p:spPr>
-            <a:xfrm>
-              <a:off x="4977439" y="4428836"/>
-              <a:ext cx="79612" cy="79612"/>
+            <p:cNvPr id="21" name="pt21"/>
+            <p:cNvSpPr/>
+            <p:nvPr/>
+          </p:nvSpPr>
+          <p:spPr>
+            <a:xfrm>
+              <a:off x="2741501" y="5892673"/>
+              <a:ext cx="94361" cy="94361"/>
             </a:xfrm>
             <a:prstGeom prst="ellipse">
               <a:avLst/>
             </a:prstGeom>
             <a:solidFill>
-              <a:srgbClr val="FF0083">
+              <a:srgbClr val="4682B4">
                 <a:alpha val="100000"/>
               </a:srgbClr>
             </a:solidFill>
             <a:ln w="9000" cap="rnd">
               <a:solidFill>
-                <a:srgbClr val="FF0083">
+                <a:srgbClr val="4682B4">
                   <a:alpha val="100000"/>
                 </a:srgbClr>
               </a:solidFill>
@@ -5691,26 +4720,26 @@
         </p:sp>
         <p:sp>
           <p:nvSpPr>
-            <p:cNvPr id="29" name="pt29"/>
-            <p:cNvSpPr/>
-            <p:nvPr/>
-          </p:nvSpPr>
-          <p:spPr>
-            <a:xfrm>
-              <a:off x="2163205" y="6067723"/>
-              <a:ext cx="72747" cy="72747"/>
+            <p:cNvPr id="22" name="pt22"/>
+            <p:cNvSpPr/>
+            <p:nvPr/>
+          </p:nvSpPr>
+          <p:spPr>
+            <a:xfrm>
+              <a:off x="2827654" y="5731495"/>
+              <a:ext cx="90371" cy="90371"/>
             </a:xfrm>
             <a:prstGeom prst="ellipse">
               <a:avLst/>
             </a:prstGeom>
             <a:solidFill>
-              <a:srgbClr val="00CE00">
+              <a:srgbClr val="4682B4">
                 <a:alpha val="100000"/>
               </a:srgbClr>
             </a:solidFill>
             <a:ln w="9000" cap="rnd">
               <a:solidFill>
-                <a:srgbClr val="00CE00">
+                <a:srgbClr val="4682B4">
                   <a:alpha val="100000"/>
                 </a:srgbClr>
               </a:solidFill>
@@ -5726,26 +4755,26 @@
         </p:sp>
         <p:sp>
           <p:nvSpPr>
-            <p:cNvPr id="30" name="pt30"/>
-            <p:cNvSpPr/>
-            <p:nvPr/>
-          </p:nvSpPr>
-          <p:spPr>
-            <a:xfrm>
-              <a:off x="2725283" y="6066268"/>
-              <a:ext cx="75658" cy="75658"/>
+            <p:cNvPr id="23" name="pt23"/>
+            <p:cNvSpPr/>
+            <p:nvPr/>
+          </p:nvSpPr>
+          <p:spPr>
+            <a:xfrm>
+              <a:off x="2914502" y="5573496"/>
+              <a:ext cx="84991" cy="84991"/>
             </a:xfrm>
             <a:prstGeom prst="ellipse">
               <a:avLst/>
             </a:prstGeom>
             <a:solidFill>
-              <a:srgbClr val="00CE00">
+              <a:srgbClr val="4682B4">
                 <a:alpha val="100000"/>
               </a:srgbClr>
             </a:solidFill>
             <a:ln w="9000" cap="rnd">
               <a:solidFill>
-                <a:srgbClr val="00CE00">
+                <a:srgbClr val="4682B4">
                   <a:alpha val="100000"/>
                 </a:srgbClr>
               </a:solidFill>
@@ -5761,26 +4790,26 @@
         </p:sp>
         <p:sp>
           <p:nvSpPr>
-            <p:cNvPr id="31" name="pt31"/>
-            <p:cNvSpPr/>
-            <p:nvPr/>
-          </p:nvSpPr>
-          <p:spPr>
-            <a:xfrm>
-              <a:off x="3288669" y="6018544"/>
-              <a:ext cx="75952" cy="75952"/>
+            <p:cNvPr id="24" name="pt24"/>
+            <p:cNvSpPr/>
+            <p:nvPr/>
+          </p:nvSpPr>
+          <p:spPr>
+            <a:xfrm>
+              <a:off x="2993534" y="5771550"/>
+              <a:ext cx="95241" cy="95241"/>
             </a:xfrm>
             <a:prstGeom prst="ellipse">
               <a:avLst/>
             </a:prstGeom>
             <a:solidFill>
-              <a:srgbClr val="00CE00">
+              <a:srgbClr val="4682B4">
                 <a:alpha val="100000"/>
               </a:srgbClr>
             </a:solidFill>
             <a:ln w="9000" cap="rnd">
               <a:solidFill>
-                <a:srgbClr val="00CE00">
+                <a:srgbClr val="4682B4">
                   <a:alpha val="100000"/>
                 </a:srgbClr>
               </a:solidFill>
@@ -5796,26 +4825,26 @@
         </p:sp>
         <p:sp>
           <p:nvSpPr>
-            <p:cNvPr id="32" name="pt32"/>
-            <p:cNvSpPr/>
-            <p:nvPr/>
-          </p:nvSpPr>
-          <p:spPr>
-            <a:xfrm>
-              <a:off x="3840745" y="5960684"/>
-              <a:ext cx="98868" cy="98868"/>
+            <p:cNvPr id="25" name="pt25"/>
+            <p:cNvSpPr/>
+            <p:nvPr/>
+          </p:nvSpPr>
+          <p:spPr>
+            <a:xfrm>
+              <a:off x="3077400" y="5818570"/>
+              <a:ext cx="95826" cy="95826"/>
             </a:xfrm>
             <a:prstGeom prst="ellipse">
               <a:avLst/>
             </a:prstGeom>
             <a:solidFill>
-              <a:srgbClr val="00CE00">
+              <a:srgbClr val="4682B4">
                 <a:alpha val="100000"/>
               </a:srgbClr>
             </a:solidFill>
             <a:ln w="9000" cap="rnd">
               <a:solidFill>
-                <a:srgbClr val="00CE00">
+                <a:srgbClr val="4682B4">
                   <a:alpha val="100000"/>
                 </a:srgbClr>
               </a:solidFill>
@@ -5831,26 +4860,26 @@
         </p:sp>
         <p:sp>
           <p:nvSpPr>
-            <p:cNvPr id="33" name="pt33"/>
-            <p:cNvSpPr/>
-            <p:nvPr/>
-          </p:nvSpPr>
-          <p:spPr>
-            <a:xfrm>
-              <a:off x="4405905" y="5901910"/>
-              <a:ext cx="95615" cy="95615"/>
+            <p:cNvPr id="26" name="pt26"/>
+            <p:cNvSpPr/>
+            <p:nvPr/>
+          </p:nvSpPr>
+          <p:spPr>
+            <a:xfrm>
+              <a:off x="3158548" y="5734692"/>
+              <a:ext cx="101844" cy="101844"/>
             </a:xfrm>
             <a:prstGeom prst="ellipse">
               <a:avLst/>
             </a:prstGeom>
             <a:solidFill>
-              <a:srgbClr val="00CE00">
+              <a:srgbClr val="4682B4">
                 <a:alpha val="100000"/>
               </a:srgbClr>
             </a:solidFill>
             <a:ln w="9000" cap="rnd">
               <a:solidFill>
-                <a:srgbClr val="00CE00">
+                <a:srgbClr val="4682B4">
                   <a:alpha val="100000"/>
                 </a:srgbClr>
               </a:solidFill>
@@ -5866,26 +4895,26 @@
         </p:sp>
         <p:sp>
           <p:nvSpPr>
-            <p:cNvPr id="34" name="pt34"/>
-            <p:cNvSpPr/>
-            <p:nvPr/>
-          </p:nvSpPr>
-          <p:spPr>
-            <a:xfrm>
-              <a:off x="4977439" y="5841274"/>
-              <a:ext cx="79612" cy="79612"/>
+            <p:cNvPr id="27" name="pt27"/>
+            <p:cNvSpPr/>
+            <p:nvPr/>
+          </p:nvSpPr>
+          <p:spPr>
+            <a:xfrm>
+              <a:off x="3239223" y="5699392"/>
+              <a:ext cx="108809" cy="108809"/>
             </a:xfrm>
             <a:prstGeom prst="ellipse">
               <a:avLst/>
             </a:prstGeom>
             <a:solidFill>
-              <a:srgbClr val="00CE00">
+              <a:srgbClr val="4682B4">
                 <a:alpha val="100000"/>
               </a:srgbClr>
             </a:solidFill>
             <a:ln w="9000" cap="rnd">
               <a:solidFill>
-                <a:srgbClr val="00CE00">
+                <a:srgbClr val="4682B4">
                   <a:alpha val="100000"/>
                 </a:srgbClr>
               </a:solidFill>
@@ -5901,7 +4930,637 @@
         </p:sp>
         <p:sp>
           <p:nvSpPr>
-            <p:cNvPr id="35" name="tx35"/>
+            <p:cNvPr id="28" name="pt28"/>
+            <p:cNvSpPr/>
+            <p:nvPr/>
+          </p:nvSpPr>
+          <p:spPr>
+            <a:xfrm>
+              <a:off x="3325556" y="5715854"/>
+              <a:ext cx="104459" cy="104459"/>
+            </a:xfrm>
+            <a:prstGeom prst="ellipse">
+              <a:avLst/>
+            </a:prstGeom>
+            <a:solidFill>
+              <a:srgbClr val="4682B4">
+                <a:alpha val="100000"/>
+              </a:srgbClr>
+            </a:solidFill>
+            <a:ln w="9000" cap="rnd">
+              <a:solidFill>
+                <a:srgbClr val="4682B4">
+                  <a:alpha val="100000"/>
+                </a:srgbClr>
+              </a:solidFill>
+              <a:prstDash val="solid"/>
+              <a:round/>
+            </a:ln>
+          </p:spPr>
+          <p:txBody>
+            <a:bodyPr/>
+            <a:lstStyle/>
+            <a:p/>
+          </p:txBody>
+        </p:sp>
+        <p:sp>
+          <p:nvSpPr>
+            <p:cNvPr id="29" name="pt29"/>
+            <p:cNvSpPr/>
+            <p:nvPr/>
+          </p:nvSpPr>
+          <p:spPr>
+            <a:xfrm>
+              <a:off x="3410427" y="5300082"/>
+              <a:ext cx="103032" cy="103032"/>
+            </a:xfrm>
+            <a:prstGeom prst="ellipse">
+              <a:avLst/>
+            </a:prstGeom>
+            <a:solidFill>
+              <a:srgbClr val="4682B4">
+                <a:alpha val="100000"/>
+              </a:srgbClr>
+            </a:solidFill>
+            <a:ln w="9000" cap="rnd">
+              <a:solidFill>
+                <a:srgbClr val="4682B4">
+                  <a:alpha val="100000"/>
+                </a:srgbClr>
+              </a:solidFill>
+              <a:prstDash val="solid"/>
+              <a:round/>
+            </a:ln>
+          </p:spPr>
+          <p:txBody>
+            <a:bodyPr/>
+            <a:lstStyle/>
+            <a:p/>
+          </p:txBody>
+        </p:sp>
+        <p:sp>
+          <p:nvSpPr>
+            <p:cNvPr id="30" name="pt30"/>
+            <p:cNvSpPr/>
+            <p:nvPr/>
+          </p:nvSpPr>
+          <p:spPr>
+            <a:xfrm>
+              <a:off x="3496829" y="5021604"/>
+              <a:ext cx="98544" cy="98544"/>
+            </a:xfrm>
+            <a:prstGeom prst="ellipse">
+              <a:avLst/>
+            </a:prstGeom>
+            <a:solidFill>
+              <a:srgbClr val="4682B4">
+                <a:alpha val="100000"/>
+              </a:srgbClr>
+            </a:solidFill>
+            <a:ln w="9000" cap="rnd">
+              <a:solidFill>
+                <a:srgbClr val="4682B4">
+                  <a:alpha val="100000"/>
+                </a:srgbClr>
+              </a:solidFill>
+              <a:prstDash val="solid"/>
+              <a:round/>
+            </a:ln>
+          </p:spPr>
+          <p:txBody>
+            <a:bodyPr/>
+            <a:lstStyle/>
+            <a:p/>
+          </p:txBody>
+        </p:sp>
+        <p:sp>
+          <p:nvSpPr>
+            <p:cNvPr id="31" name="pt31"/>
+            <p:cNvSpPr/>
+            <p:nvPr/>
+          </p:nvSpPr>
+          <p:spPr>
+            <a:xfrm>
+              <a:off x="3578362" y="5487962"/>
+              <a:ext cx="103793" cy="103793"/>
+            </a:xfrm>
+            <a:prstGeom prst="ellipse">
+              <a:avLst/>
+            </a:prstGeom>
+            <a:solidFill>
+              <a:srgbClr val="4682B4">
+                <a:alpha val="100000"/>
+              </a:srgbClr>
+            </a:solidFill>
+            <a:ln w="9000" cap="rnd">
+              <a:solidFill>
+                <a:srgbClr val="4682B4">
+                  <a:alpha val="100000"/>
+                </a:srgbClr>
+              </a:solidFill>
+              <a:prstDash val="solid"/>
+              <a:round/>
+            </a:ln>
+          </p:spPr>
+          <p:txBody>
+            <a:bodyPr/>
+            <a:lstStyle/>
+            <a:p/>
+          </p:txBody>
+        </p:sp>
+        <p:sp>
+          <p:nvSpPr>
+            <p:cNvPr id="32" name="pt32"/>
+            <p:cNvSpPr/>
+            <p:nvPr/>
+          </p:nvSpPr>
+          <p:spPr>
+            <a:xfrm>
+              <a:off x="3658092" y="5315033"/>
+              <a:ext cx="112648" cy="112648"/>
+            </a:xfrm>
+            <a:prstGeom prst="ellipse">
+              <a:avLst/>
+            </a:prstGeom>
+            <a:solidFill>
+              <a:srgbClr val="4682B4">
+                <a:alpha val="100000"/>
+              </a:srgbClr>
+            </a:solidFill>
+            <a:ln w="9000" cap="rnd">
+              <a:solidFill>
+                <a:srgbClr val="4682B4">
+                  <a:alpha val="100000"/>
+                </a:srgbClr>
+              </a:solidFill>
+              <a:prstDash val="solid"/>
+              <a:round/>
+            </a:ln>
+          </p:spPr>
+          <p:txBody>
+            <a:bodyPr/>
+            <a:lstStyle/>
+            <a:p/>
+          </p:txBody>
+        </p:sp>
+        <p:sp>
+          <p:nvSpPr>
+            <p:cNvPr id="33" name="pt33"/>
+            <p:cNvSpPr/>
+            <p:nvPr/>
+          </p:nvSpPr>
+          <p:spPr>
+            <a:xfrm>
+              <a:off x="3742090" y="5033012"/>
+              <a:ext cx="112967" cy="112967"/>
+            </a:xfrm>
+            <a:prstGeom prst="ellipse">
+              <a:avLst/>
+            </a:prstGeom>
+            <a:solidFill>
+              <a:srgbClr val="4682B4">
+                <a:alpha val="100000"/>
+              </a:srgbClr>
+            </a:solidFill>
+            <a:ln w="9000" cap="rnd">
+              <a:solidFill>
+                <a:srgbClr val="4682B4">
+                  <a:alpha val="100000"/>
+                </a:srgbClr>
+              </a:solidFill>
+              <a:prstDash val="solid"/>
+              <a:round/>
+            </a:ln>
+          </p:spPr>
+          <p:txBody>
+            <a:bodyPr/>
+            <a:lstStyle/>
+            <a:p/>
+          </p:txBody>
+        </p:sp>
+        <p:sp>
+          <p:nvSpPr>
+            <p:cNvPr id="34" name="pt34"/>
+            <p:cNvSpPr/>
+            <p:nvPr/>
+          </p:nvSpPr>
+          <p:spPr>
+            <a:xfrm>
+              <a:off x="3909047" y="4805780"/>
+              <a:ext cx="115683" cy="115683"/>
+            </a:xfrm>
+            <a:prstGeom prst="ellipse">
+              <a:avLst/>
+            </a:prstGeom>
+            <a:solidFill>
+              <a:srgbClr val="4682B4">
+                <a:alpha val="100000"/>
+              </a:srgbClr>
+            </a:solidFill>
+            <a:ln w="9000" cap="rnd">
+              <a:solidFill>
+                <a:srgbClr val="4682B4">
+                  <a:alpha val="100000"/>
+                </a:srgbClr>
+              </a:solidFill>
+              <a:prstDash val="solid"/>
+              <a:round/>
+            </a:ln>
+          </p:spPr>
+          <p:txBody>
+            <a:bodyPr/>
+            <a:lstStyle/>
+            <a:p/>
+          </p:txBody>
+        </p:sp>
+        <p:sp>
+          <p:nvSpPr>
+            <p:cNvPr id="35" name="pt35"/>
+            <p:cNvSpPr/>
+            <p:nvPr/>
+          </p:nvSpPr>
+          <p:spPr>
+            <a:xfrm>
+              <a:off x="3994830" y="4433747"/>
+              <a:ext cx="112433" cy="112433"/>
+            </a:xfrm>
+            <a:prstGeom prst="ellipse">
+              <a:avLst/>
+            </a:prstGeom>
+            <a:solidFill>
+              <a:srgbClr val="4682B4">
+                <a:alpha val="100000"/>
+              </a:srgbClr>
+            </a:solidFill>
+            <a:ln w="9000" cap="rnd">
+              <a:solidFill>
+                <a:srgbClr val="4682B4">
+                  <a:alpha val="100000"/>
+                </a:srgbClr>
+              </a:solidFill>
+              <a:prstDash val="solid"/>
+              <a:round/>
+            </a:ln>
+          </p:spPr>
+          <p:txBody>
+            <a:bodyPr/>
+            <a:lstStyle/>
+            <a:p/>
+          </p:txBody>
+        </p:sp>
+        <p:sp>
+          <p:nvSpPr>
+            <p:cNvPr id="36" name="pt36"/>
+            <p:cNvSpPr/>
+            <p:nvPr/>
+          </p:nvSpPr>
+          <p:spPr>
+            <a:xfrm>
+              <a:off x="4082162" y="4741515"/>
+              <a:ext cx="106083" cy="106083"/>
+            </a:xfrm>
+            <a:prstGeom prst="ellipse">
+              <a:avLst/>
+            </a:prstGeom>
+            <a:solidFill>
+              <a:srgbClr val="4682B4">
+                <a:alpha val="100000"/>
+              </a:srgbClr>
+            </a:solidFill>
+            <a:ln w="9000" cap="rnd">
+              <a:solidFill>
+                <a:srgbClr val="4682B4">
+                  <a:alpha val="100000"/>
+                </a:srgbClr>
+              </a:solidFill>
+              <a:prstDash val="solid"/>
+              <a:round/>
+            </a:ln>
+          </p:spPr>
+          <p:txBody>
+            <a:bodyPr/>
+            <a:lstStyle/>
+            <a:p/>
+          </p:txBody>
+        </p:sp>
+        <p:sp>
+          <p:nvSpPr>
+            <p:cNvPr id="37" name="pt37"/>
+            <p:cNvSpPr/>
+            <p:nvPr/>
+          </p:nvSpPr>
+          <p:spPr>
+            <a:xfrm>
+              <a:off x="4164533" y="4981036"/>
+              <a:ext cx="109658" cy="109658"/>
+            </a:xfrm>
+            <a:prstGeom prst="ellipse">
+              <a:avLst/>
+            </a:prstGeom>
+            <a:solidFill>
+              <a:srgbClr val="4682B4">
+                <a:alpha val="100000"/>
+              </a:srgbClr>
+            </a:solidFill>
+            <a:ln w="9000" cap="rnd">
+              <a:solidFill>
+                <a:srgbClr val="4682B4">
+                  <a:alpha val="100000"/>
+                </a:srgbClr>
+              </a:solidFill>
+              <a:prstDash val="solid"/>
+              <a:round/>
+            </a:ln>
+          </p:spPr>
+          <p:txBody>
+            <a:bodyPr/>
+            <a:lstStyle/>
+            <a:p/>
+          </p:txBody>
+        </p:sp>
+        <p:sp>
+          <p:nvSpPr>
+            <p:cNvPr id="38" name="pt38"/>
+            <p:cNvSpPr/>
+            <p:nvPr/>
+          </p:nvSpPr>
+          <p:spPr>
+            <a:xfrm>
+              <a:off x="4759216" y="4274217"/>
+              <a:ext cx="98497" cy="98497"/>
+            </a:xfrm>
+            <a:prstGeom prst="ellipse">
+              <a:avLst/>
+            </a:prstGeom>
+            <a:solidFill>
+              <a:srgbClr val="4682B4">
+                <a:alpha val="100000"/>
+              </a:srgbClr>
+            </a:solidFill>
+            <a:ln w="9000" cap="rnd">
+              <a:solidFill>
+                <a:srgbClr val="4682B4">
+                  <a:alpha val="100000"/>
+                </a:srgbClr>
+              </a:solidFill>
+              <a:prstDash val="solid"/>
+              <a:round/>
+            </a:ln>
+          </p:spPr>
+          <p:txBody>
+            <a:bodyPr/>
+            <a:lstStyle/>
+            <a:p/>
+          </p:txBody>
+        </p:sp>
+        <p:sp>
+          <p:nvSpPr>
+            <p:cNvPr id="39" name="pt39"/>
+            <p:cNvSpPr/>
+            <p:nvPr/>
+          </p:nvSpPr>
+          <p:spPr>
+            <a:xfrm>
+              <a:off x="4838373" y="4596981"/>
+              <a:ext cx="108499" cy="108499"/>
+            </a:xfrm>
+            <a:prstGeom prst="ellipse">
+              <a:avLst/>
+            </a:prstGeom>
+            <a:solidFill>
+              <a:srgbClr val="4682B4">
+                <a:alpha val="100000"/>
+              </a:srgbClr>
+            </a:solidFill>
+            <a:ln w="9000" cap="rnd">
+              <a:solidFill>
+                <a:srgbClr val="4682B4">
+                  <a:alpha val="100000"/>
+                </a:srgbClr>
+              </a:solidFill>
+              <a:prstDash val="solid"/>
+              <a:round/>
+            </a:ln>
+          </p:spPr>
+          <p:txBody>
+            <a:bodyPr/>
+            <a:lstStyle/>
+            <a:p/>
+          </p:txBody>
+        </p:sp>
+        <p:sp>
+          <p:nvSpPr>
+            <p:cNvPr id="40" name="pt40"/>
+            <p:cNvSpPr/>
+            <p:nvPr/>
+          </p:nvSpPr>
+          <p:spPr>
+            <a:xfrm>
+              <a:off x="4925459" y="4632679"/>
+              <a:ext cx="102643" cy="102643"/>
+            </a:xfrm>
+            <a:prstGeom prst="ellipse">
+              <a:avLst/>
+            </a:prstGeom>
+            <a:solidFill>
+              <a:srgbClr val="4682B4">
+                <a:alpha val="100000"/>
+              </a:srgbClr>
+            </a:solidFill>
+            <a:ln w="9000" cap="rnd">
+              <a:solidFill>
+                <a:srgbClr val="4682B4">
+                  <a:alpha val="100000"/>
+                </a:srgbClr>
+              </a:solidFill>
+              <a:prstDash val="solid"/>
+              <a:round/>
+            </a:ln>
+          </p:spPr>
+          <p:txBody>
+            <a:bodyPr/>
+            <a:lstStyle/>
+            <a:p/>
+          </p:txBody>
+        </p:sp>
+        <p:sp>
+          <p:nvSpPr>
+            <p:cNvPr id="41" name="pt41"/>
+            <p:cNvSpPr/>
+            <p:nvPr/>
+          </p:nvSpPr>
+          <p:spPr>
+            <a:xfrm>
+              <a:off x="5009616" y="4243348"/>
+              <a:ext cx="102643" cy="102643"/>
+            </a:xfrm>
+            <a:prstGeom prst="ellipse">
+              <a:avLst/>
+            </a:prstGeom>
+            <a:solidFill>
+              <a:srgbClr val="4682B4">
+                <a:alpha val="100000"/>
+              </a:srgbClr>
+            </a:solidFill>
+            <a:ln w="9000" cap="rnd">
+              <a:solidFill>
+                <a:srgbClr val="4682B4">
+                  <a:alpha val="100000"/>
+                </a:srgbClr>
+              </a:solidFill>
+              <a:prstDash val="solid"/>
+              <a:round/>
+            </a:ln>
+          </p:spPr>
+          <p:txBody>
+            <a:bodyPr/>
+            <a:lstStyle/>
+            <a:p/>
+          </p:txBody>
+        </p:sp>
+        <p:sp>
+          <p:nvSpPr>
+            <p:cNvPr id="42" name="pt42"/>
+            <p:cNvSpPr/>
+            <p:nvPr/>
+          </p:nvSpPr>
+          <p:spPr>
+            <a:xfrm>
+              <a:off x="5093124" y="4095605"/>
+              <a:ext cx="103942" cy="103942"/>
+            </a:xfrm>
+            <a:prstGeom prst="ellipse">
+              <a:avLst/>
+            </a:prstGeom>
+            <a:solidFill>
+              <a:srgbClr val="4682B4">
+                <a:alpha val="100000"/>
+              </a:srgbClr>
+            </a:solidFill>
+            <a:ln w="9000" cap="rnd">
+              <a:solidFill>
+                <a:srgbClr val="4682B4">
+                  <a:alpha val="100000"/>
+                </a:srgbClr>
+              </a:solidFill>
+              <a:prstDash val="solid"/>
+              <a:round/>
+            </a:ln>
+          </p:spPr>
+          <p:txBody>
+            <a:bodyPr/>
+            <a:lstStyle/>
+            <a:p/>
+          </p:txBody>
+        </p:sp>
+        <p:sp>
+          <p:nvSpPr>
+            <p:cNvPr id="43" name="pt43"/>
+            <p:cNvSpPr/>
+            <p:nvPr/>
+          </p:nvSpPr>
+          <p:spPr>
+            <a:xfrm>
+              <a:off x="5179149" y="4328344"/>
+              <a:ext cx="100208" cy="100208"/>
+            </a:xfrm>
+            <a:prstGeom prst="ellipse">
+              <a:avLst/>
+            </a:prstGeom>
+            <a:solidFill>
+              <a:srgbClr val="4682B4">
+                <a:alpha val="100000"/>
+              </a:srgbClr>
+            </a:solidFill>
+            <a:ln w="9000" cap="rnd">
+              <a:solidFill>
+                <a:srgbClr val="4682B4">
+                  <a:alpha val="100000"/>
+                </a:srgbClr>
+              </a:solidFill>
+              <a:prstDash val="solid"/>
+              <a:round/>
+            </a:ln>
+          </p:spPr>
+          <p:txBody>
+            <a:bodyPr/>
+            <a:lstStyle/>
+            <a:p/>
+          </p:txBody>
+        </p:sp>
+        <p:sp>
+          <p:nvSpPr>
+            <p:cNvPr id="44" name="pt44"/>
+            <p:cNvSpPr/>
+            <p:nvPr/>
+          </p:nvSpPr>
+          <p:spPr>
+            <a:xfrm>
+              <a:off x="5267382" y="4318999"/>
+              <a:ext cx="92057" cy="92057"/>
+            </a:xfrm>
+            <a:prstGeom prst="ellipse">
+              <a:avLst/>
+            </a:prstGeom>
+            <a:solidFill>
+              <a:srgbClr val="4682B4">
+                <a:alpha val="100000"/>
+              </a:srgbClr>
+            </a:solidFill>
+            <a:ln w="9000" cap="rnd">
+              <a:solidFill>
+                <a:srgbClr val="4682B4">
+                  <a:alpha val="100000"/>
+                </a:srgbClr>
+              </a:solidFill>
+              <a:prstDash val="solid"/>
+              <a:round/>
+            </a:ln>
+          </p:spPr>
+          <p:txBody>
+            <a:bodyPr/>
+            <a:lstStyle/>
+            <a:p/>
+          </p:txBody>
+        </p:sp>
+        <p:sp>
+          <p:nvSpPr>
+            <p:cNvPr id="45" name="pt45"/>
+            <p:cNvSpPr/>
+            <p:nvPr/>
+          </p:nvSpPr>
+          <p:spPr>
+            <a:xfrm>
+              <a:off x="5350304" y="4266334"/>
+              <a:ext cx="94529" cy="94529"/>
+            </a:xfrm>
+            <a:prstGeom prst="ellipse">
+              <a:avLst/>
+            </a:prstGeom>
+            <a:solidFill>
+              <a:srgbClr val="4682B4">
+                <a:alpha val="100000"/>
+              </a:srgbClr>
+            </a:solidFill>
+            <a:ln w="9000" cap="rnd">
+              <a:solidFill>
+                <a:srgbClr val="4682B4">
+                  <a:alpha val="100000"/>
+                </a:srgbClr>
+              </a:solidFill>
+              <a:prstDash val="solid"/>
+              <a:round/>
+            </a:ln>
+          </p:spPr>
+          <p:txBody>
+            <a:bodyPr/>
+            <a:lstStyle/>
+            <a:p/>
+          </p:txBody>
+        </p:sp>
+        <p:sp>
+          <p:nvSpPr>
+            <p:cNvPr id="46" name="tx46"/>
             <p:cNvSpPr/>
             <p:nvPr/>
           </p:nvSpPr>
@@ -5947,13 +5606,13 @@
         </p:sp>
         <p:sp>
           <p:nvSpPr>
-            <p:cNvPr id="36" name="tx36"/>
-            <p:cNvSpPr/>
-            <p:nvPr/>
-          </p:nvSpPr>
-          <p:spPr>
-            <a:xfrm>
-              <a:off x="2001337" y="4869194"/>
+            <p:cNvPr id="47" name="tx47"/>
+            <p:cNvSpPr/>
+            <p:nvPr/>
+          </p:nvSpPr>
+          <p:spPr>
+            <a:xfrm>
+              <a:off x="2001337" y="4809544"/>
               <a:ext cx="135612" cy="89118"/>
             </a:xfrm>
             <a:prstGeom prst="rect">
@@ -5993,13 +5652,13 @@
         </p:sp>
         <p:sp>
           <p:nvSpPr>
-            <p:cNvPr id="37" name="tx37"/>
-            <p:cNvSpPr/>
-            <p:nvPr/>
-          </p:nvSpPr>
-          <p:spPr>
-            <a:xfrm>
-              <a:off x="2001337" y="3679773"/>
+            <p:cNvPr id="48" name="tx48"/>
+            <p:cNvSpPr/>
+            <p:nvPr/>
+          </p:nvSpPr>
+          <p:spPr>
+            <a:xfrm>
+              <a:off x="2001337" y="3560473"/>
               <a:ext cx="135612" cy="89118"/>
             </a:xfrm>
             <a:prstGeom prst="rect">
@@ -6039,13 +5698,13 @@
         </p:sp>
         <p:sp>
           <p:nvSpPr>
-            <p:cNvPr id="38" name="tx38"/>
-            <p:cNvSpPr/>
-            <p:nvPr/>
-          </p:nvSpPr>
-          <p:spPr>
-            <a:xfrm>
-              <a:off x="2001337" y="2491840"/>
+            <p:cNvPr id="49" name="tx49"/>
+            <p:cNvSpPr/>
+            <p:nvPr/>
+          </p:nvSpPr>
+          <p:spPr>
+            <a:xfrm>
+              <a:off x="2001337" y="2312891"/>
               <a:ext cx="135612" cy="87630"/>
             </a:xfrm>
             <a:prstGeom prst="rect">
@@ -6085,13 +5744,13 @@
         </p:sp>
         <p:sp>
           <p:nvSpPr>
-            <p:cNvPr id="39" name="tx39"/>
-            <p:cNvSpPr/>
-            <p:nvPr/>
-          </p:nvSpPr>
-          <p:spPr>
-            <a:xfrm>
-              <a:off x="1933531" y="1300930"/>
+            <p:cNvPr id="50" name="tx50"/>
+            <p:cNvSpPr/>
+            <p:nvPr/>
+          </p:nvSpPr>
+          <p:spPr>
+            <a:xfrm>
+              <a:off x="1933531" y="1062332"/>
               <a:ext cx="203418" cy="89118"/>
             </a:xfrm>
             <a:prstGeom prst="rect">
@@ -6131,7 +5790,7 @@
         </p:sp>
         <p:sp>
           <p:nvSpPr>
-            <p:cNvPr id="40" name="pl40"/>
+            <p:cNvPr id="51" name="pl51"/>
             <p:cNvSpPr/>
             <p:nvPr/>
           </p:nvSpPr>
@@ -6171,13 +5830,13 @@
         </p:sp>
         <p:sp>
           <p:nvSpPr>
-            <p:cNvPr id="41" name="pl41"/>
-            <p:cNvSpPr/>
-            <p:nvPr/>
-          </p:nvSpPr>
-          <p:spPr>
-            <a:xfrm>
-              <a:off x="2164784" y="4914676"/>
+            <p:cNvPr id="52" name="pl52"/>
+            <p:cNvSpPr/>
+            <p:nvPr/>
+          </p:nvSpPr>
+          <p:spPr>
+            <a:xfrm>
+              <a:off x="2164784" y="4855026"/>
               <a:ext cx="34794" cy="0"/>
             </a:xfrm>
             <a:custGeom>
@@ -6211,13 +5870,13 @@
         </p:sp>
         <p:sp>
           <p:nvSpPr>
-            <p:cNvPr id="42" name="pl42"/>
-            <p:cNvSpPr/>
-            <p:nvPr/>
-          </p:nvSpPr>
-          <p:spPr>
-            <a:xfrm>
-              <a:off x="2164784" y="3725254"/>
+            <p:cNvPr id="53" name="pl53"/>
+            <p:cNvSpPr/>
+            <p:nvPr/>
+          </p:nvSpPr>
+          <p:spPr>
+            <a:xfrm>
+              <a:off x="2164784" y="3605955"/>
               <a:ext cx="34794" cy="0"/>
             </a:xfrm>
             <a:custGeom>
@@ -6251,13 +5910,13 @@
         </p:sp>
         <p:sp>
           <p:nvSpPr>
-            <p:cNvPr id="43" name="pl43"/>
-            <p:cNvSpPr/>
-            <p:nvPr/>
-          </p:nvSpPr>
-          <p:spPr>
-            <a:xfrm>
-              <a:off x="2164784" y="2535833"/>
+            <p:cNvPr id="54" name="pl54"/>
+            <p:cNvSpPr/>
+            <p:nvPr/>
+          </p:nvSpPr>
+          <p:spPr>
+            <a:xfrm>
+              <a:off x="2164784" y="2356884"/>
               <a:ext cx="34794" cy="0"/>
             </a:xfrm>
             <a:custGeom>
@@ -6291,13 +5950,13 @@
         </p:sp>
         <p:sp>
           <p:nvSpPr>
-            <p:cNvPr id="44" name="pl44"/>
-            <p:cNvSpPr/>
-            <p:nvPr/>
-          </p:nvSpPr>
-          <p:spPr>
-            <a:xfrm>
-              <a:off x="2164784" y="1346412"/>
+            <p:cNvPr id="55" name="pl55"/>
+            <p:cNvSpPr/>
+            <p:nvPr/>
+          </p:nvSpPr>
+          <p:spPr>
+            <a:xfrm>
+              <a:off x="2164784" y="1107814"/>
               <a:ext cx="34794" cy="0"/>
             </a:xfrm>
             <a:custGeom>
@@ -6331,13 +5990,13 @@
         </p:sp>
         <p:sp>
           <p:nvSpPr>
-            <p:cNvPr id="45" name="pl45"/>
-            <p:cNvSpPr/>
-            <p:nvPr/>
-          </p:nvSpPr>
-          <p:spPr>
-            <a:xfrm>
-              <a:off x="2280084" y="6104097"/>
+            <p:cNvPr id="56" name="pl56"/>
+            <p:cNvSpPr/>
+            <p:nvPr/>
+          </p:nvSpPr>
+          <p:spPr>
+            <a:xfrm>
+              <a:off x="2283737" y="6104097"/>
               <a:ext cx="0" cy="34794"/>
             </a:xfrm>
             <a:custGeom>
@@ -6371,13 +6030,13 @@
         </p:sp>
         <p:sp>
           <p:nvSpPr>
-            <p:cNvPr id="46" name="pl46"/>
-            <p:cNvSpPr/>
-            <p:nvPr/>
-          </p:nvSpPr>
-          <p:spPr>
-            <a:xfrm>
-              <a:off x="3407150" y="6104097"/>
+            <p:cNvPr id="57" name="pl57"/>
+            <p:cNvSpPr/>
+            <p:nvPr/>
+          </p:nvSpPr>
+          <p:spPr>
+            <a:xfrm>
+              <a:off x="3461943" y="6104097"/>
               <a:ext cx="0" cy="34794"/>
             </a:xfrm>
             <a:custGeom>
@@ -6411,13 +6070,13 @@
         </p:sp>
         <p:sp>
           <p:nvSpPr>
-            <p:cNvPr id="47" name="pl47"/>
-            <p:cNvSpPr/>
-            <p:nvPr/>
-          </p:nvSpPr>
-          <p:spPr>
-            <a:xfrm>
-              <a:off x="4775731" y="6104097"/>
+            <p:cNvPr id="58" name="pl58"/>
+            <p:cNvSpPr/>
+            <p:nvPr/>
+          </p:nvSpPr>
+          <p:spPr>
+            <a:xfrm>
+              <a:off x="4892623" y="6104097"/>
               <a:ext cx="0" cy="34794"/>
             </a:xfrm>
             <a:custGeom>
@@ -6451,13 +6110,13 @@
         </p:sp>
         <p:sp>
           <p:nvSpPr>
-            <p:cNvPr id="48" name="pl48"/>
-            <p:cNvSpPr/>
-            <p:nvPr/>
-          </p:nvSpPr>
-          <p:spPr>
-            <a:xfrm>
-              <a:off x="5902798" y="6104097"/>
+            <p:cNvPr id="59" name="pl59"/>
+            <p:cNvSpPr/>
+            <p:nvPr/>
+          </p:nvSpPr>
+          <p:spPr>
+            <a:xfrm>
+              <a:off x="6070829" y="6104097"/>
               <a:ext cx="0" cy="34794"/>
             </a:xfrm>
             <a:custGeom>
@@ -6491,13 +6150,13 @@
         </p:sp>
         <p:sp>
           <p:nvSpPr>
-            <p:cNvPr id="49" name="pl49"/>
-            <p:cNvSpPr/>
-            <p:nvPr/>
-          </p:nvSpPr>
-          <p:spPr>
-            <a:xfrm>
-              <a:off x="7029864" y="6104097"/>
+            <p:cNvPr id="60" name="pl60"/>
+            <p:cNvSpPr/>
+            <p:nvPr/>
+          </p:nvSpPr>
+          <p:spPr>
+            <a:xfrm>
+              <a:off x="7249036" y="6104097"/>
               <a:ext cx="0" cy="34794"/>
             </a:xfrm>
             <a:custGeom>
@@ -6531,13 +6190,13 @@
         </p:sp>
         <p:sp>
           <p:nvSpPr>
-            <p:cNvPr id="50" name="tx50"/>
-            <p:cNvSpPr/>
-            <p:nvPr/>
-          </p:nvSpPr>
-          <p:spPr>
-            <a:xfrm>
-              <a:off x="2097055" y="6164882"/>
+            <p:cNvPr id="61" name="tx61"/>
+            <p:cNvSpPr/>
+            <p:nvPr/>
+          </p:nvSpPr>
+          <p:spPr>
+            <a:xfrm>
+              <a:off x="2100708" y="6164882"/>
               <a:ext cx="366057" cy="89118"/>
             </a:xfrm>
             <a:prstGeom prst="rect">
@@ -6577,13 +6236,13 @@
         </p:sp>
         <p:sp>
           <p:nvSpPr>
-            <p:cNvPr id="51" name="tx51"/>
-            <p:cNvSpPr/>
-            <p:nvPr/>
-          </p:nvSpPr>
-          <p:spPr>
-            <a:xfrm>
-              <a:off x="3224122" y="6164882"/>
+            <p:cNvPr id="62" name="tx62"/>
+            <p:cNvSpPr/>
+            <p:nvPr/>
+          </p:nvSpPr>
+          <p:spPr>
+            <a:xfrm>
+              <a:off x="3278914" y="6164882"/>
               <a:ext cx="366057" cy="89118"/>
             </a:xfrm>
             <a:prstGeom prst="rect">
@@ -6623,13 +6282,13 @@
         </p:sp>
         <p:sp>
           <p:nvSpPr>
-            <p:cNvPr id="52" name="tx52"/>
-            <p:cNvSpPr/>
-            <p:nvPr/>
-          </p:nvSpPr>
-          <p:spPr>
-            <a:xfrm>
-              <a:off x="4585946" y="6164882"/>
+            <p:cNvPr id="63" name="tx63"/>
+            <p:cNvSpPr/>
+            <p:nvPr/>
+          </p:nvSpPr>
+          <p:spPr>
+            <a:xfrm>
+              <a:off x="4702837" y="6164882"/>
               <a:ext cx="379571" cy="89118"/>
             </a:xfrm>
             <a:prstGeom prst="rect">
@@ -6669,13 +6328,13 @@
         </p:sp>
         <p:sp>
           <p:nvSpPr>
-            <p:cNvPr id="53" name="tx53"/>
-            <p:cNvSpPr/>
-            <p:nvPr/>
-          </p:nvSpPr>
-          <p:spPr>
-            <a:xfrm>
-              <a:off x="5713012" y="6164882"/>
+            <p:cNvPr id="64" name="tx64"/>
+            <p:cNvSpPr/>
+            <p:nvPr/>
+          </p:nvSpPr>
+          <p:spPr>
+            <a:xfrm>
+              <a:off x="5881044" y="6164882"/>
               <a:ext cx="379571" cy="89118"/>
             </a:xfrm>
             <a:prstGeom prst="rect">
@@ -6715,13 +6374,13 @@
         </p:sp>
         <p:sp>
           <p:nvSpPr>
-            <p:cNvPr id="54" name="tx54"/>
-            <p:cNvSpPr/>
-            <p:nvPr/>
-          </p:nvSpPr>
-          <p:spPr>
-            <a:xfrm>
-              <a:off x="6840138" y="6164882"/>
+            <p:cNvPr id="65" name="tx65"/>
+            <p:cNvSpPr/>
+            <p:nvPr/>
+          </p:nvSpPr>
+          <p:spPr>
+            <a:xfrm>
+              <a:off x="7059310" y="6164882"/>
               <a:ext cx="379452" cy="89118"/>
             </a:xfrm>
             <a:prstGeom prst="rect">
@@ -6761,13 +6420,13 @@
         </p:sp>
         <p:sp>
           <p:nvSpPr>
-            <p:cNvPr id="55" name="tx55"/>
-            <p:cNvSpPr/>
-            <p:nvPr/>
-          </p:nvSpPr>
-          <p:spPr>
-            <a:xfrm>
-              <a:off x="4110641" y="6313649"/>
+            <p:cNvPr id="66" name="tx66"/>
+            <p:cNvSpPr/>
+            <p:nvPr/>
+          </p:nvSpPr>
+          <p:spPr>
+            <a:xfrm>
+              <a:off x="4220227" y="6313649"/>
               <a:ext cx="1008161" cy="112811"/>
             </a:xfrm>
             <a:prstGeom prst="rect">
@@ -6807,14 +6466,14 @@
         </p:sp>
         <p:sp>
           <p:nvSpPr>
-            <p:cNvPr id="56" name="tx56"/>
+            <p:cNvPr id="67" name="tx67"/>
             <p:cNvSpPr/>
             <p:nvPr/>
           </p:nvSpPr>
           <p:spPr>
             <a:xfrm rot="-5400000">
-              <a:off x="866873" y="3653742"/>
-              <a:ext cx="1863551" cy="143023"/>
+              <a:off x="638013" y="3534443"/>
+              <a:ext cx="2321272" cy="143023"/>
             </a:xfrm>
             <a:prstGeom prst="rect">
               <a:avLst/>
@@ -6846,21 +6505,21 @@
                   <a:latin typeface="Arial"/>
                   <a:cs typeface="Arial"/>
                 </a:rPr>
-                <a:t>Share of new infections (%)</a:t>
+                <a:t>Relative abundance of B.1.1.7 (%)</a:t>
               </a:r>
             </a:p>
           </p:txBody>
         </p:sp>
         <p:sp>
           <p:nvSpPr>
-            <p:cNvPr id="57" name="rc57"/>
-            <p:cNvSpPr/>
-            <p:nvPr/>
-          </p:nvSpPr>
-          <p:spPr>
-            <a:xfrm>
-              <a:off x="7169043" y="2328052"/>
-              <a:ext cx="1768049" cy="1464773"/>
+            <p:cNvPr id="68" name="rc68"/>
+            <p:cNvSpPr/>
+            <p:nvPr/>
+          </p:nvSpPr>
+          <p:spPr>
+            <a:xfrm>
+              <a:off x="7388214" y="3010729"/>
+              <a:ext cx="1548878" cy="1190453"/>
             </a:xfrm>
             <a:prstGeom prst="rect">
               <a:avLst/>
@@ -6879,925 +6538,14 @@
         </p:sp>
         <p:sp>
           <p:nvSpPr>
-            <p:cNvPr id="58" name="rc58"/>
-            <p:cNvSpPr/>
-            <p:nvPr/>
-          </p:nvSpPr>
-          <p:spPr>
-            <a:xfrm>
-              <a:off x="7238632" y="2625956"/>
-              <a:ext cx="219455" cy="219456"/>
-            </a:xfrm>
-            <a:prstGeom prst="rect">
-              <a:avLst/>
-            </a:prstGeom>
-          </p:spPr>
-          <p:txBody>
-            <a:bodyPr/>
-            <a:lstStyle/>
-            <a:p/>
-          </p:txBody>
-        </p:sp>
-        <p:sp>
-          <p:nvSpPr>
-            <p:cNvPr id="59" name="rc59"/>
-            <p:cNvSpPr/>
-            <p:nvPr/>
-          </p:nvSpPr>
-          <p:spPr>
-            <a:xfrm>
-              <a:off x="7247632" y="2634956"/>
-              <a:ext cx="201456" cy="201455"/>
-            </a:xfrm>
-            <a:prstGeom prst="rect">
-              <a:avLst/>
-            </a:prstGeom>
-            <a:solidFill>
-              <a:srgbClr val="333333">
-                <a:alpha val="100000"/>
-              </a:srgbClr>
-            </a:solidFill>
-            <a:ln w="13550" cap="sq">
-              <a:solidFill>
-                <a:srgbClr val="FF0083">
-                  <a:alpha val="100000"/>
-                </a:srgbClr>
-              </a:solidFill>
-              <a:prstDash val="solid"/>
-              <a:miter/>
-            </a:ln>
-          </p:spPr>
-          <p:txBody>
-            <a:bodyPr/>
-            <a:lstStyle/>
-            <a:p/>
-          </p:txBody>
-        </p:sp>
-        <p:sp>
-          <p:nvSpPr>
-            <p:cNvPr id="60" name="pl60"/>
-            <p:cNvSpPr/>
-            <p:nvPr/>
-          </p:nvSpPr>
-          <p:spPr>
-            <a:xfrm>
-              <a:off x="7260577" y="2735684"/>
-              <a:ext cx="175564" cy="0"/>
-            </a:xfrm>
-            <a:custGeom>
-              <a:avLst/>
-              <a:pathLst>
-                <a:path w="175564" h="0">
-                  <a:moveTo>
-                    <a:pt x="0" y="0"/>
-                  </a:moveTo>
-                  <a:lnTo>
-                    <a:pt x="175564" y="0"/>
-                  </a:lnTo>
-                </a:path>
-              </a:pathLst>
-            </a:custGeom>
-            <a:ln w="13550" cap="flat">
-              <a:solidFill>
-                <a:srgbClr val="FF0083">
-                  <a:alpha val="100000"/>
-                </a:srgbClr>
-              </a:solidFill>
-              <a:prstDash val="solid"/>
-              <a:round/>
-            </a:ln>
-          </p:spPr>
-          <p:txBody>
-            <a:bodyPr/>
-            <a:lstStyle/>
-            <a:p/>
-          </p:txBody>
-        </p:sp>
-        <p:sp>
-          <p:nvSpPr>
-            <p:cNvPr id="61" name="pt61"/>
-            <p:cNvSpPr/>
-            <p:nvPr/>
-          </p:nvSpPr>
-          <p:spPr>
-            <a:xfrm>
-              <a:off x="7323534" y="2710858"/>
-              <a:ext cx="49651" cy="49651"/>
-            </a:xfrm>
-            <a:prstGeom prst="ellipse">
-              <a:avLst/>
-            </a:prstGeom>
-            <a:solidFill>
-              <a:srgbClr val="FF0083">
-                <a:alpha val="100000"/>
-              </a:srgbClr>
-            </a:solidFill>
-            <a:ln w="9000" cap="rnd">
-              <a:solidFill>
-                <a:srgbClr val="FF0083">
-                  <a:alpha val="100000"/>
-                </a:srgbClr>
-              </a:solidFill>
-              <a:prstDash val="solid"/>
-              <a:round/>
-            </a:ln>
-          </p:spPr>
-          <p:txBody>
-            <a:bodyPr/>
-            <a:lstStyle/>
-            <a:p/>
-          </p:txBody>
-        </p:sp>
-        <p:sp>
-          <p:nvSpPr>
-            <p:cNvPr id="62" name="rc62"/>
-            <p:cNvSpPr/>
-            <p:nvPr/>
-          </p:nvSpPr>
-          <p:spPr>
-            <a:xfrm>
-              <a:off x="7238632" y="2845412"/>
-              <a:ext cx="219455" cy="219456"/>
-            </a:xfrm>
-            <a:prstGeom prst="rect">
-              <a:avLst/>
-            </a:prstGeom>
-          </p:spPr>
-          <p:txBody>
-            <a:bodyPr/>
-            <a:lstStyle/>
-            <a:p/>
-          </p:txBody>
-        </p:sp>
-        <p:sp>
-          <p:nvSpPr>
-            <p:cNvPr id="63" name="rc63"/>
-            <p:cNvSpPr/>
-            <p:nvPr/>
-          </p:nvSpPr>
-          <p:spPr>
-            <a:xfrm>
-              <a:off x="7247632" y="2854412"/>
-              <a:ext cx="201456" cy="201456"/>
-            </a:xfrm>
-            <a:prstGeom prst="rect">
-              <a:avLst/>
-            </a:prstGeom>
-            <a:solidFill>
-              <a:srgbClr val="333333">
-                <a:alpha val="100000"/>
-              </a:srgbClr>
-            </a:solidFill>
-            <a:ln w="13550" cap="sq">
-              <a:solidFill>
-                <a:srgbClr val="D29B00">
-                  <a:alpha val="100000"/>
-                </a:srgbClr>
-              </a:solidFill>
-              <a:prstDash val="solid"/>
-              <a:miter/>
-            </a:ln>
-          </p:spPr>
-          <p:txBody>
-            <a:bodyPr/>
-            <a:lstStyle/>
-            <a:p/>
-          </p:txBody>
-        </p:sp>
-        <p:sp>
-          <p:nvSpPr>
-            <p:cNvPr id="64" name="pl64"/>
-            <p:cNvSpPr/>
-            <p:nvPr/>
-          </p:nvSpPr>
-          <p:spPr>
-            <a:xfrm>
-              <a:off x="7260577" y="2955140"/>
-              <a:ext cx="175564" cy="0"/>
-            </a:xfrm>
-            <a:custGeom>
-              <a:avLst/>
-              <a:pathLst>
-                <a:path w="175564" h="0">
-                  <a:moveTo>
-                    <a:pt x="0" y="0"/>
-                  </a:moveTo>
-                  <a:lnTo>
-                    <a:pt x="175564" y="0"/>
-                  </a:lnTo>
-                </a:path>
-              </a:pathLst>
-            </a:custGeom>
-            <a:ln w="13550" cap="flat">
-              <a:solidFill>
-                <a:srgbClr val="D29B00">
-                  <a:alpha val="100000"/>
-                </a:srgbClr>
-              </a:solidFill>
-              <a:prstDash val="solid"/>
-              <a:round/>
-            </a:ln>
-          </p:spPr>
-          <p:txBody>
-            <a:bodyPr/>
-            <a:lstStyle/>
-            <a:p/>
-          </p:txBody>
-        </p:sp>
-        <p:sp>
-          <p:nvSpPr>
-            <p:cNvPr id="65" name="pt65"/>
-            <p:cNvSpPr/>
-            <p:nvPr/>
-          </p:nvSpPr>
-          <p:spPr>
-            <a:xfrm>
-              <a:off x="7323534" y="2930314"/>
-              <a:ext cx="49651" cy="49651"/>
-            </a:xfrm>
-            <a:prstGeom prst="ellipse">
-              <a:avLst/>
-            </a:prstGeom>
-            <a:solidFill>
-              <a:srgbClr val="D29B00">
-                <a:alpha val="100000"/>
-              </a:srgbClr>
-            </a:solidFill>
-            <a:ln w="9000" cap="rnd">
-              <a:solidFill>
-                <a:srgbClr val="D29B00">
-                  <a:alpha val="100000"/>
-                </a:srgbClr>
-              </a:solidFill>
-              <a:prstDash val="solid"/>
-              <a:round/>
-            </a:ln>
-          </p:spPr>
-          <p:txBody>
-            <a:bodyPr/>
-            <a:lstStyle/>
-            <a:p/>
-          </p:txBody>
-        </p:sp>
-        <p:sp>
-          <p:nvSpPr>
-            <p:cNvPr id="66" name="rc66"/>
-            <p:cNvSpPr/>
-            <p:nvPr/>
-          </p:nvSpPr>
-          <p:spPr>
-            <a:xfrm>
-              <a:off x="7238632" y="3064868"/>
-              <a:ext cx="219455" cy="219456"/>
-            </a:xfrm>
-            <a:prstGeom prst="rect">
-              <a:avLst/>
-            </a:prstGeom>
-          </p:spPr>
-          <p:txBody>
-            <a:bodyPr/>
-            <a:lstStyle/>
-            <a:p/>
-          </p:txBody>
-        </p:sp>
-        <p:sp>
-          <p:nvSpPr>
-            <p:cNvPr id="67" name="rc67"/>
-            <p:cNvSpPr/>
-            <p:nvPr/>
-          </p:nvSpPr>
-          <p:spPr>
-            <a:xfrm>
-              <a:off x="7247632" y="3073868"/>
-              <a:ext cx="201456" cy="201456"/>
-            </a:xfrm>
-            <a:prstGeom prst="rect">
-              <a:avLst/>
-            </a:prstGeom>
-            <a:solidFill>
-              <a:srgbClr val="333333">
-                <a:alpha val="100000"/>
-              </a:srgbClr>
-            </a:solidFill>
-            <a:ln w="13550" cap="sq">
-              <a:solidFill>
-                <a:srgbClr val="00CE00">
-                  <a:alpha val="100000"/>
-                </a:srgbClr>
-              </a:solidFill>
-              <a:prstDash val="solid"/>
-              <a:miter/>
-            </a:ln>
-          </p:spPr>
-          <p:txBody>
-            <a:bodyPr/>
-            <a:lstStyle/>
-            <a:p/>
-          </p:txBody>
-        </p:sp>
-        <p:sp>
-          <p:nvSpPr>
-            <p:cNvPr id="68" name="pl68"/>
-            <p:cNvSpPr/>
-            <p:nvPr/>
-          </p:nvSpPr>
-          <p:spPr>
-            <a:xfrm>
-              <a:off x="7260577" y="3174596"/>
-              <a:ext cx="175564" cy="0"/>
-            </a:xfrm>
-            <a:custGeom>
-              <a:avLst/>
-              <a:pathLst>
-                <a:path w="175564" h="0">
-                  <a:moveTo>
-                    <a:pt x="0" y="0"/>
-                  </a:moveTo>
-                  <a:lnTo>
-                    <a:pt x="175564" y="0"/>
-                  </a:lnTo>
-                </a:path>
-              </a:pathLst>
-            </a:custGeom>
-            <a:ln w="13550" cap="flat">
-              <a:solidFill>
-                <a:srgbClr val="00CE00">
-                  <a:alpha val="100000"/>
-                </a:srgbClr>
-              </a:solidFill>
-              <a:prstDash val="solid"/>
-              <a:round/>
-            </a:ln>
-          </p:spPr>
-          <p:txBody>
-            <a:bodyPr/>
-            <a:lstStyle/>
-            <a:p/>
-          </p:txBody>
-        </p:sp>
-        <p:sp>
-          <p:nvSpPr>
-            <p:cNvPr id="69" name="pt69"/>
-            <p:cNvSpPr/>
-            <p:nvPr/>
-          </p:nvSpPr>
-          <p:spPr>
-            <a:xfrm>
-              <a:off x="7323534" y="3149770"/>
-              <a:ext cx="49651" cy="49651"/>
-            </a:xfrm>
-            <a:prstGeom prst="ellipse">
-              <a:avLst/>
-            </a:prstGeom>
-            <a:solidFill>
-              <a:srgbClr val="00CE00">
-                <a:alpha val="100000"/>
-              </a:srgbClr>
-            </a:solidFill>
-            <a:ln w="9000" cap="rnd">
-              <a:solidFill>
-                <a:srgbClr val="00CE00">
-                  <a:alpha val="100000"/>
-                </a:srgbClr>
-              </a:solidFill>
-              <a:prstDash val="solid"/>
-              <a:round/>
-            </a:ln>
-          </p:spPr>
-          <p:txBody>
-            <a:bodyPr/>
-            <a:lstStyle/>
-            <a:p/>
-          </p:txBody>
-        </p:sp>
-        <p:sp>
-          <p:nvSpPr>
-            <p:cNvPr id="70" name="rc70"/>
-            <p:cNvSpPr/>
-            <p:nvPr/>
-          </p:nvSpPr>
-          <p:spPr>
-            <a:xfrm>
-              <a:off x="7238632" y="3284324"/>
-              <a:ext cx="219455" cy="219455"/>
-            </a:xfrm>
-            <a:prstGeom prst="rect">
-              <a:avLst/>
-            </a:prstGeom>
-          </p:spPr>
-          <p:txBody>
-            <a:bodyPr/>
-            <a:lstStyle/>
-            <a:p/>
-          </p:txBody>
-        </p:sp>
-        <p:sp>
-          <p:nvSpPr>
-            <p:cNvPr id="71" name="rc71"/>
-            <p:cNvSpPr/>
-            <p:nvPr/>
-          </p:nvSpPr>
-          <p:spPr>
-            <a:xfrm>
-              <a:off x="7247632" y="3293324"/>
-              <a:ext cx="201456" cy="201456"/>
-            </a:xfrm>
-            <a:prstGeom prst="rect">
-              <a:avLst/>
-            </a:prstGeom>
-            <a:solidFill>
-              <a:srgbClr val="333333">
-                <a:alpha val="100000"/>
-              </a:srgbClr>
-            </a:solidFill>
-            <a:ln w="13550" cap="sq">
-              <a:solidFill>
-                <a:srgbClr val="00DAFF">
-                  <a:alpha val="100000"/>
-                </a:srgbClr>
-              </a:solidFill>
-              <a:prstDash val="solid"/>
-              <a:miter/>
-            </a:ln>
-          </p:spPr>
-          <p:txBody>
-            <a:bodyPr/>
-            <a:lstStyle/>
-            <a:p/>
-          </p:txBody>
-        </p:sp>
-        <p:sp>
-          <p:nvSpPr>
-            <p:cNvPr id="72" name="pl72"/>
-            <p:cNvSpPr/>
-            <p:nvPr/>
-          </p:nvSpPr>
-          <p:spPr>
-            <a:xfrm>
-              <a:off x="7260577" y="3394052"/>
-              <a:ext cx="175564" cy="0"/>
-            </a:xfrm>
-            <a:custGeom>
-              <a:avLst/>
-              <a:pathLst>
-                <a:path w="175564" h="0">
-                  <a:moveTo>
-                    <a:pt x="0" y="0"/>
-                  </a:moveTo>
-                  <a:lnTo>
-                    <a:pt x="175564" y="0"/>
-                  </a:lnTo>
-                </a:path>
-              </a:pathLst>
-            </a:custGeom>
-            <a:ln w="13550" cap="flat">
-              <a:solidFill>
-                <a:srgbClr val="00DAFF">
-                  <a:alpha val="100000"/>
-                </a:srgbClr>
-              </a:solidFill>
-              <a:prstDash val="solid"/>
-              <a:round/>
-            </a:ln>
-          </p:spPr>
-          <p:txBody>
-            <a:bodyPr/>
-            <a:lstStyle/>
-            <a:p/>
-          </p:txBody>
-        </p:sp>
-        <p:sp>
-          <p:nvSpPr>
-            <p:cNvPr id="73" name="pt73"/>
-            <p:cNvSpPr/>
-            <p:nvPr/>
-          </p:nvSpPr>
-          <p:spPr>
-            <a:xfrm>
-              <a:off x="7323534" y="3369226"/>
-              <a:ext cx="49651" cy="49651"/>
-            </a:xfrm>
-            <a:prstGeom prst="ellipse">
-              <a:avLst/>
-            </a:prstGeom>
-            <a:solidFill>
-              <a:srgbClr val="00DAFF">
-                <a:alpha val="100000"/>
-              </a:srgbClr>
-            </a:solidFill>
-            <a:ln w="9000" cap="rnd">
-              <a:solidFill>
-                <a:srgbClr val="00DAFF">
-                  <a:alpha val="100000"/>
-                </a:srgbClr>
-              </a:solidFill>
-              <a:prstDash val="solid"/>
-              <a:round/>
-            </a:ln>
-          </p:spPr>
-          <p:txBody>
-            <a:bodyPr/>
-            <a:lstStyle/>
-            <a:p/>
-          </p:txBody>
-        </p:sp>
-        <p:sp>
-          <p:nvSpPr>
-            <p:cNvPr id="74" name="rc74"/>
-            <p:cNvSpPr/>
-            <p:nvPr/>
-          </p:nvSpPr>
-          <p:spPr>
-            <a:xfrm>
-              <a:off x="7238632" y="3503780"/>
-              <a:ext cx="219455" cy="219455"/>
-            </a:xfrm>
-            <a:prstGeom prst="rect">
-              <a:avLst/>
-            </a:prstGeom>
-          </p:spPr>
-          <p:txBody>
-            <a:bodyPr/>
-            <a:lstStyle/>
-            <a:p/>
-          </p:txBody>
-        </p:sp>
-        <p:sp>
-          <p:nvSpPr>
-            <p:cNvPr id="75" name="rc75"/>
-            <p:cNvSpPr/>
-            <p:nvPr/>
-          </p:nvSpPr>
-          <p:spPr>
-            <a:xfrm>
-              <a:off x="7247632" y="3512780"/>
-              <a:ext cx="201456" cy="201456"/>
-            </a:xfrm>
-            <a:prstGeom prst="rect">
-              <a:avLst/>
-            </a:prstGeom>
-            <a:solidFill>
-              <a:srgbClr val="333333">
-                <a:alpha val="100000"/>
-              </a:srgbClr>
-            </a:solidFill>
-            <a:ln w="13550" cap="sq">
-              <a:solidFill>
-                <a:srgbClr val="E900FF">
-                  <a:alpha val="100000"/>
-                </a:srgbClr>
-              </a:solidFill>
-              <a:prstDash val="solid"/>
-              <a:miter/>
-            </a:ln>
-          </p:spPr>
-          <p:txBody>
-            <a:bodyPr/>
-            <a:lstStyle/>
-            <a:p/>
-          </p:txBody>
-        </p:sp>
-        <p:sp>
-          <p:nvSpPr>
-            <p:cNvPr id="76" name="pl76"/>
-            <p:cNvSpPr/>
-            <p:nvPr/>
-          </p:nvSpPr>
-          <p:spPr>
-            <a:xfrm>
-              <a:off x="7260577" y="3613508"/>
-              <a:ext cx="175564" cy="0"/>
-            </a:xfrm>
-            <a:custGeom>
-              <a:avLst/>
-              <a:pathLst>
-                <a:path w="175564" h="0">
-                  <a:moveTo>
-                    <a:pt x="0" y="0"/>
-                  </a:moveTo>
-                  <a:lnTo>
-                    <a:pt x="175564" y="0"/>
-                  </a:lnTo>
-                </a:path>
-              </a:pathLst>
-            </a:custGeom>
-            <a:ln w="13550" cap="flat">
-              <a:solidFill>
-                <a:srgbClr val="E900FF">
-                  <a:alpha val="100000"/>
-                </a:srgbClr>
-              </a:solidFill>
-              <a:prstDash val="solid"/>
-              <a:round/>
-            </a:ln>
-          </p:spPr>
-          <p:txBody>
-            <a:bodyPr/>
-            <a:lstStyle/>
-            <a:p/>
-          </p:txBody>
-        </p:sp>
-        <p:sp>
-          <p:nvSpPr>
-            <p:cNvPr id="77" name="pt77"/>
-            <p:cNvSpPr/>
-            <p:nvPr/>
-          </p:nvSpPr>
-          <p:spPr>
-            <a:xfrm>
-              <a:off x="7323534" y="3588682"/>
-              <a:ext cx="49651" cy="49651"/>
-            </a:xfrm>
-            <a:prstGeom prst="ellipse">
-              <a:avLst/>
-            </a:prstGeom>
-            <a:solidFill>
-              <a:srgbClr val="E900FF">
-                <a:alpha val="100000"/>
-              </a:srgbClr>
-            </a:solidFill>
-            <a:ln w="9000" cap="rnd">
-              <a:solidFill>
-                <a:srgbClr val="E900FF">
-                  <a:alpha val="100000"/>
-                </a:srgbClr>
-              </a:solidFill>
-              <a:prstDash val="solid"/>
-              <a:round/>
-            </a:ln>
-          </p:spPr>
-          <p:txBody>
-            <a:bodyPr/>
-            <a:lstStyle/>
-            <a:p/>
-          </p:txBody>
-        </p:sp>
-        <p:sp>
-          <p:nvSpPr>
-            <p:cNvPr id="78" name="tx78"/>
-            <p:cNvSpPr/>
-            <p:nvPr/>
-          </p:nvSpPr>
-          <p:spPr>
-            <a:xfrm>
-              <a:off x="7534003" y="2690202"/>
-              <a:ext cx="467737" cy="89118"/>
-            </a:xfrm>
-            <a:prstGeom prst="rect">
-              <a:avLst/>
-            </a:prstGeom>
-            <a:noFill/>
-          </p:spPr>
-          <p:txBody>
-            <a:bodyPr lIns="0" rIns="0" tIns="0" bIns="0" anchorCtr="1" anchor="ctr" wrap="none"/>
-            <a:lstStyle/>
-            <a:p>
-              <a:pPr algn="l" marL="0" marR="0" indent="0">
-                <a:lnSpc>
-                  <a:spcPts val="960"/>
-                </a:lnSpc>
-                <a:spcBef>
-                  <a:spcPts val="0"/>
-                </a:spcBef>
-                <a:spcAft>
-                  <a:spcPts val="0"/>
-                </a:spcAft>
-              </a:pPr>
-              <a:r>
-                <a:rPr sz="960">
-                  <a:solidFill>
-                    <a:srgbClr val="000000">
-                      <a:alpha val="100000"/>
-                    </a:srgbClr>
-                  </a:solidFill>
-                  <a:latin typeface="Arial"/>
-                  <a:cs typeface="Arial"/>
-                </a:rPr>
-                <a:t>501Y.V1</a:t>
-              </a:r>
-            </a:p>
-          </p:txBody>
-        </p:sp>
-        <p:sp>
-          <p:nvSpPr>
-            <p:cNvPr id="79" name="tx79"/>
-            <p:cNvSpPr/>
-            <p:nvPr/>
-          </p:nvSpPr>
-          <p:spPr>
-            <a:xfrm>
-              <a:off x="7534003" y="2884358"/>
-              <a:ext cx="921543" cy="114419"/>
-            </a:xfrm>
-            <a:prstGeom prst="rect">
-              <a:avLst/>
-            </a:prstGeom>
-            <a:noFill/>
-          </p:spPr>
-          <p:txBody>
-            <a:bodyPr lIns="0" rIns="0" tIns="0" bIns="0" anchorCtr="1" anchor="ctr" wrap="none"/>
-            <a:lstStyle/>
-            <a:p>
-              <a:pPr algn="l" marL="0" marR="0" indent="0">
-                <a:lnSpc>
-                  <a:spcPts val="960"/>
-                </a:lnSpc>
-                <a:spcBef>
-                  <a:spcPts val="0"/>
-                </a:spcBef>
-                <a:spcAft>
-                  <a:spcPts val="0"/>
-                </a:spcAft>
-              </a:pPr>
-              <a:r>
-                <a:rPr sz="960">
-                  <a:solidFill>
-                    <a:srgbClr val="000000">
-                      <a:alpha val="100000"/>
-                    </a:srgbClr>
-                  </a:solidFill>
-                  <a:latin typeface="Arial"/>
-                  <a:cs typeface="Arial"/>
-                </a:rPr>
-                <a:t>501Y.V1 (British)</a:t>
-              </a:r>
-            </a:p>
-          </p:txBody>
-        </p:sp>
-        <p:sp>
-          <p:nvSpPr>
-            <p:cNvPr id="80" name="tx80"/>
-            <p:cNvSpPr/>
-            <p:nvPr/>
-          </p:nvSpPr>
-          <p:spPr>
-            <a:xfrm>
-              <a:off x="7534003" y="3129114"/>
-              <a:ext cx="467737" cy="89118"/>
-            </a:xfrm>
-            <a:prstGeom prst="rect">
-              <a:avLst/>
-            </a:prstGeom>
-            <a:noFill/>
-          </p:spPr>
-          <p:txBody>
-            <a:bodyPr lIns="0" rIns="0" tIns="0" bIns="0" anchorCtr="1" anchor="ctr" wrap="none"/>
-            <a:lstStyle/>
-            <a:p>
-              <a:pPr algn="l" marL="0" marR="0" indent="0">
-                <a:lnSpc>
-                  <a:spcPts val="960"/>
-                </a:lnSpc>
-                <a:spcBef>
-                  <a:spcPts val="0"/>
-                </a:spcBef>
-                <a:spcAft>
-                  <a:spcPts val="0"/>
-                </a:spcAft>
-              </a:pPr>
-              <a:r>
-                <a:rPr sz="960">
-                  <a:solidFill>
-                    <a:srgbClr val="000000">
-                      <a:alpha val="100000"/>
-                    </a:srgbClr>
-                  </a:solidFill>
-                  <a:latin typeface="Arial"/>
-                  <a:cs typeface="Arial"/>
-                </a:rPr>
-                <a:t>501Y.V2</a:t>
-              </a:r>
-            </a:p>
-          </p:txBody>
-        </p:sp>
-        <p:sp>
-          <p:nvSpPr>
-            <p:cNvPr id="81" name="tx81"/>
-            <p:cNvSpPr/>
-            <p:nvPr/>
-          </p:nvSpPr>
-          <p:spPr>
-            <a:xfrm>
-              <a:off x="7534003" y="3323270"/>
-              <a:ext cx="1314747" cy="114419"/>
-            </a:xfrm>
-            <a:prstGeom prst="rect">
-              <a:avLst/>
-            </a:prstGeom>
-            <a:noFill/>
-          </p:spPr>
-          <p:txBody>
-            <a:bodyPr lIns="0" rIns="0" tIns="0" bIns="0" anchorCtr="1" anchor="ctr" wrap="none"/>
-            <a:lstStyle/>
-            <a:p>
-              <a:pPr algn="l" marL="0" marR="0" indent="0">
-                <a:lnSpc>
-                  <a:spcPts val="960"/>
-                </a:lnSpc>
-                <a:spcBef>
-                  <a:spcPts val="0"/>
-                </a:spcBef>
-                <a:spcAft>
-                  <a:spcPts val="0"/>
-                </a:spcAft>
-              </a:pPr>
-              <a:r>
-                <a:rPr sz="960">
-                  <a:solidFill>
-                    <a:srgbClr val="000000">
-                      <a:alpha val="100000"/>
-                    </a:srgbClr>
-                  </a:solidFill>
-                  <a:latin typeface="Arial"/>
-                  <a:cs typeface="Arial"/>
-                </a:rPr>
-                <a:t>501Y.V2 (South African)</a:t>
-              </a:r>
-            </a:p>
-          </p:txBody>
-        </p:sp>
-        <p:sp>
-          <p:nvSpPr>
-            <p:cNvPr id="82" name="tx82"/>
-            <p:cNvSpPr/>
-            <p:nvPr/>
-          </p:nvSpPr>
-          <p:spPr>
-            <a:xfrm>
-              <a:off x="7534003" y="3544214"/>
-              <a:ext cx="474345" cy="112930"/>
-            </a:xfrm>
-            <a:prstGeom prst="rect">
-              <a:avLst/>
-            </a:prstGeom>
-            <a:noFill/>
-          </p:spPr>
-          <p:txBody>
-            <a:bodyPr lIns="0" rIns="0" tIns="0" bIns="0" anchorCtr="1" anchor="ctr" wrap="none"/>
-            <a:lstStyle/>
-            <a:p>
-              <a:pPr algn="l" marL="0" marR="0" indent="0">
-                <a:lnSpc>
-                  <a:spcPts val="960"/>
-                </a:lnSpc>
-                <a:spcBef>
-                  <a:spcPts val="0"/>
-                </a:spcBef>
-                <a:spcAft>
-                  <a:spcPts val="0"/>
-                </a:spcAft>
-              </a:pPr>
-              <a:r>
-                <a:rPr sz="960">
-                  <a:solidFill>
-                    <a:srgbClr val="000000">
-                      <a:alpha val="100000"/>
-                    </a:srgbClr>
-                  </a:solidFill>
-                  <a:latin typeface="Arial"/>
-                  <a:cs typeface="Arial"/>
-                </a:rPr>
-                <a:t>wild type</a:t>
-              </a:r>
-            </a:p>
-          </p:txBody>
-        </p:sp>
-        <p:sp>
-          <p:nvSpPr>
-            <p:cNvPr id="83" name="rc83"/>
-            <p:cNvSpPr/>
-            <p:nvPr/>
-          </p:nvSpPr>
-          <p:spPr>
-            <a:xfrm>
-              <a:off x="7169043" y="3932003"/>
-              <a:ext cx="872603" cy="1190453"/>
-            </a:xfrm>
-            <a:prstGeom prst="rect">
-              <a:avLst/>
-            </a:prstGeom>
-            <a:solidFill>
-              <a:srgbClr val="FFFFFF">
-                <a:alpha val="100000"/>
-              </a:srgbClr>
-            </a:solidFill>
-          </p:spPr>
-          <p:txBody>
-            <a:bodyPr/>
-            <a:lstStyle/>
-            <a:p/>
-          </p:txBody>
-        </p:sp>
-        <p:sp>
-          <p:nvSpPr>
-            <p:cNvPr id="84" name="tx84"/>
-            <p:cNvSpPr/>
-            <p:nvPr/>
-          </p:nvSpPr>
-          <p:spPr>
-            <a:xfrm>
-              <a:off x="7238632" y="4021461"/>
-              <a:ext cx="516731" cy="110876"/>
+            <p:cNvPr id="69" name="tx69"/>
+            <p:cNvSpPr/>
+            <p:nvPr/>
+          </p:nvSpPr>
+          <p:spPr>
+            <a:xfrm>
+              <a:off x="7457803" y="3098326"/>
+              <a:ext cx="686172" cy="112737"/>
             </a:xfrm>
             <a:prstGeom prst="rect">
               <a:avLst/>
@@ -7829,21 +6577,21 @@
                   <a:latin typeface="Arial"/>
                   <a:cs typeface="Arial"/>
                 </a:rPr>
-                <a:t>number</a:t>
+                <a:t>number of</a:t>
               </a:r>
             </a:p>
           </p:txBody>
         </p:sp>
         <p:sp>
           <p:nvSpPr>
-            <p:cNvPr id="85" name="tx85"/>
-            <p:cNvSpPr/>
-            <p:nvPr/>
-          </p:nvSpPr>
-          <p:spPr>
-            <a:xfrm>
-              <a:off x="7238632" y="4157552"/>
-              <a:ext cx="745703" cy="139377"/>
+            <p:cNvPr id="70" name="tx70"/>
+            <p:cNvSpPr/>
+            <p:nvPr/>
+          </p:nvSpPr>
+          <p:spPr>
+            <a:xfrm>
+              <a:off x="7457803" y="3232631"/>
+              <a:ext cx="1435670" cy="143023"/>
             </a:xfrm>
             <a:prstGeom prst="rect">
               <a:avLst/>
@@ -7875,20 +6623,20 @@
                   <a:latin typeface="Arial"/>
                   <a:cs typeface="Arial"/>
                 </a:rPr>
-                <a:t>sequenced</a:t>
+                <a:t>positive tests (Ct&lt;30)</a:t>
               </a:r>
             </a:p>
           </p:txBody>
         </p:sp>
         <p:sp>
           <p:nvSpPr>
-            <p:cNvPr id="86" name="rc86"/>
-            <p:cNvSpPr/>
-            <p:nvPr/>
-          </p:nvSpPr>
-          <p:spPr>
-            <a:xfrm>
-              <a:off x="7238632" y="4394500"/>
+            <p:cNvPr id="71" name="rc71"/>
+            <p:cNvSpPr/>
+            <p:nvPr/>
+          </p:nvSpPr>
+          <p:spPr>
+            <a:xfrm>
+              <a:off x="7457803" y="3473225"/>
               <a:ext cx="219455" cy="219455"/>
             </a:xfrm>
             <a:prstGeom prst="rect">
@@ -7903,26 +6651,26 @@
         </p:sp>
         <p:sp>
           <p:nvSpPr>
-            <p:cNvPr id="87" name="pt87"/>
-            <p:cNvSpPr/>
-            <p:nvPr/>
-          </p:nvSpPr>
-          <p:spPr>
-            <a:xfrm>
-              <a:off x="7330309" y="4486177"/>
+            <p:cNvPr id="72" name="pt72"/>
+            <p:cNvSpPr/>
+            <p:nvPr/>
+          </p:nvSpPr>
+          <p:spPr>
+            <a:xfrm>
+              <a:off x="7549480" y="3564902"/>
               <a:ext cx="36101" cy="36101"/>
             </a:xfrm>
             <a:prstGeom prst="ellipse">
               <a:avLst/>
             </a:prstGeom>
             <a:solidFill>
-              <a:srgbClr val="000000">
+              <a:srgbClr val="4682B4">
                 <a:alpha val="100000"/>
               </a:srgbClr>
             </a:solidFill>
             <a:ln w="9000" cap="rnd">
               <a:solidFill>
-                <a:srgbClr val="000000">
+                <a:srgbClr val="4682B4">
                   <a:alpha val="100000"/>
                 </a:srgbClr>
               </a:solidFill>
@@ -7938,14 +6686,14 @@
         </p:sp>
         <p:sp>
           <p:nvSpPr>
-            <p:cNvPr id="88" name="rc88"/>
-            <p:cNvSpPr/>
-            <p:nvPr/>
-          </p:nvSpPr>
-          <p:spPr>
-            <a:xfrm>
-              <a:off x="7238632" y="4613956"/>
-              <a:ext cx="219455" cy="219455"/>
+            <p:cNvPr id="73" name="rc73"/>
+            <p:cNvSpPr/>
+            <p:nvPr/>
+          </p:nvSpPr>
+          <p:spPr>
+            <a:xfrm>
+              <a:off x="7457803" y="3692681"/>
+              <a:ext cx="219455" cy="219456"/>
             </a:xfrm>
             <a:prstGeom prst="rect">
               <a:avLst/>
@@ -7959,26 +6707,26 @@
         </p:sp>
         <p:sp>
           <p:nvSpPr>
-            <p:cNvPr id="89" name="pt89"/>
-            <p:cNvSpPr/>
-            <p:nvPr/>
-          </p:nvSpPr>
-          <p:spPr>
-            <a:xfrm>
-              <a:off x="7310383" y="4685707"/>
+            <p:cNvPr id="74" name="pt74"/>
+            <p:cNvSpPr/>
+            <p:nvPr/>
+          </p:nvSpPr>
+          <p:spPr>
+            <a:xfrm>
+              <a:off x="7529555" y="3764433"/>
               <a:ext cx="75952" cy="75952"/>
             </a:xfrm>
             <a:prstGeom prst="ellipse">
               <a:avLst/>
             </a:prstGeom>
             <a:solidFill>
-              <a:srgbClr val="000000">
+              <a:srgbClr val="4682B4">
                 <a:alpha val="100000"/>
               </a:srgbClr>
             </a:solidFill>
             <a:ln w="9000" cap="rnd">
               <a:solidFill>
-                <a:srgbClr val="000000">
+                <a:srgbClr val="4682B4">
                   <a:alpha val="100000"/>
                 </a:srgbClr>
               </a:solidFill>
@@ -7994,14 +6742,14 @@
         </p:sp>
         <p:sp>
           <p:nvSpPr>
-            <p:cNvPr id="90" name="rc90"/>
-            <p:cNvSpPr/>
-            <p:nvPr/>
-          </p:nvSpPr>
-          <p:spPr>
-            <a:xfrm>
-              <a:off x="7238632" y="4833412"/>
-              <a:ext cx="219455" cy="219455"/>
+            <p:cNvPr id="75" name="rc75"/>
+            <p:cNvSpPr/>
+            <p:nvPr/>
+          </p:nvSpPr>
+          <p:spPr>
+            <a:xfrm>
+              <a:off x="7457803" y="3912137"/>
+              <a:ext cx="219455" cy="219456"/>
             </a:xfrm>
             <a:prstGeom prst="rect">
               <a:avLst/>
@@ -8015,26 +6763,26 @@
         </p:sp>
         <p:sp>
           <p:nvSpPr>
-            <p:cNvPr id="91" name="pt91"/>
-            <p:cNvSpPr/>
-            <p:nvPr/>
-          </p:nvSpPr>
-          <p:spPr>
-            <a:xfrm>
-              <a:off x="7289657" y="4884437"/>
+            <p:cNvPr id="76" name="pt76"/>
+            <p:cNvSpPr/>
+            <p:nvPr/>
+          </p:nvSpPr>
+          <p:spPr>
+            <a:xfrm>
+              <a:off x="7508828" y="3963162"/>
               <a:ext cx="117404" cy="117404"/>
             </a:xfrm>
             <a:prstGeom prst="ellipse">
               <a:avLst/>
             </a:prstGeom>
             <a:solidFill>
-              <a:srgbClr val="000000">
+              <a:srgbClr val="4682B4">
                 <a:alpha val="100000"/>
               </a:srgbClr>
             </a:solidFill>
             <a:ln w="9000" cap="rnd">
               <a:solidFill>
-                <a:srgbClr val="000000">
+                <a:srgbClr val="4682B4">
                   <a:alpha val="100000"/>
                 </a:srgbClr>
               </a:solidFill>
@@ -8050,13 +6798,13 @@
         </p:sp>
         <p:sp>
           <p:nvSpPr>
-            <p:cNvPr id="92" name="tx92"/>
-            <p:cNvSpPr/>
-            <p:nvPr/>
-          </p:nvSpPr>
-          <p:spPr>
-            <a:xfrm>
-              <a:off x="7534003" y="4458746"/>
+            <p:cNvPr id="77" name="tx77"/>
+            <p:cNvSpPr/>
+            <p:nvPr/>
+          </p:nvSpPr>
+          <p:spPr>
+            <a:xfrm>
+              <a:off x="7753174" y="3537471"/>
               <a:ext cx="135612" cy="89118"/>
             </a:xfrm>
             <a:prstGeom prst="rect">
@@ -8096,13 +6844,13 @@
         </p:sp>
         <p:sp>
           <p:nvSpPr>
-            <p:cNvPr id="93" name="tx93"/>
-            <p:cNvSpPr/>
-            <p:nvPr/>
-          </p:nvSpPr>
-          <p:spPr>
-            <a:xfrm>
-              <a:off x="7534003" y="4678202"/>
+            <p:cNvPr id="78" name="tx78"/>
+            <p:cNvSpPr/>
+            <p:nvPr/>
+          </p:nvSpPr>
+          <p:spPr>
+            <a:xfrm>
+              <a:off x="7753174" y="3756927"/>
               <a:ext cx="203418" cy="89118"/>
             </a:xfrm>
             <a:prstGeom prst="rect">
@@ -8142,13 +6890,13 @@
         </p:sp>
         <p:sp>
           <p:nvSpPr>
-            <p:cNvPr id="94" name="tx94"/>
-            <p:cNvSpPr/>
-            <p:nvPr/>
-          </p:nvSpPr>
-          <p:spPr>
-            <a:xfrm>
-              <a:off x="7534003" y="4897658"/>
+            <p:cNvPr id="79" name="tx79"/>
+            <p:cNvSpPr/>
+            <p:nvPr/>
+          </p:nvSpPr>
+          <p:spPr>
+            <a:xfrm>
+              <a:off x="7753174" y="3976383"/>
               <a:ext cx="271224" cy="89118"/>
             </a:xfrm>
             <a:prstGeom prst="rect">
@@ -8182,52 +6930,6 @@
                   <a:cs typeface="Arial"/>
                 </a:rPr>
                 <a:t>1000</a:t>
-              </a:r>
-            </a:p>
-          </p:txBody>
-        </p:sp>
-        <p:sp>
-          <p:nvSpPr>
-            <p:cNvPr id="95" name="tx95"/>
-            <p:cNvSpPr/>
-            <p:nvPr/>
-          </p:nvSpPr>
-          <p:spPr>
-            <a:xfrm>
-              <a:off x="2199579" y="1067094"/>
-              <a:ext cx="5641508" cy="171628"/>
-            </a:xfrm>
-            <a:prstGeom prst="rect">
-              <a:avLst/>
-            </a:prstGeom>
-            <a:noFill/>
-          </p:spPr>
-          <p:txBody>
-            <a:bodyPr lIns="0" rIns="0" tIns="0" bIns="0" anchorCtr="1" anchor="ctr" wrap="none"/>
-            <a:lstStyle/>
-            <a:p>
-              <a:pPr algn="l" marL="0" marR="0" indent="0">
-                <a:lnSpc>
-                  <a:spcPts val="1439"/>
-                </a:lnSpc>
-                <a:spcBef>
-                  <a:spcPts val="0"/>
-                </a:spcBef>
-                <a:spcAft>
-                  <a:spcPts val="0"/>
-                </a:spcAft>
-              </a:pPr>
-              <a:r>
-                <a:rPr sz="1439">
-                  <a:solidFill>
-                    <a:srgbClr val="000000">
-                      <a:alpha val="100000"/>
-                    </a:srgbClr>
-                  </a:solidFill>
-                  <a:latin typeface="Arial"/>
-                  <a:cs typeface="Arial"/>
-                </a:rPr>
-                <a:t>Spread of the British &amp; South African SARS-CoV2 variants in Belgium</a:t>
               </a:r>
             </a:p>
           </p:txBody>
